--- a/Sesión_2/Transformada Z.pptx
+++ b/Sesión_2/Transformada Z.pptx
@@ -194,6 +194,14 @@
 </p:presentation>
 </file>
 
+<file path=ppt/revisionInfo.xml><?xml version="1.0" encoding="utf-8"?>
+<p1510:revInfo xmlns:a="http://schemas.openxmlformats.org/drawingml/2006/main" xmlns:r="http://schemas.openxmlformats.org/officeDocument/2006/relationships" xmlns:p1510="http://schemas.microsoft.com/office/powerpoint/2015/10/main">
+  <p1510:revLst>
+    <p1510:client id="{83D57D63-D11F-4A5C-AF47-0F7B7BC46677}" v="2" dt="2025-01-04T23:16:10.811"/>
+  </p1510:revLst>
+</p1510:revInfo>
+</file>
+
 <file path=ppt/changesInfos/changesInfo1.xml><?xml version="1.0" encoding="utf-8"?>
 <pc:chgInfo xmlns:a="http://schemas.openxmlformats.org/drawingml/2006/main" xmlns:r="http://schemas.openxmlformats.org/officeDocument/2006/relationships" xmlns:ac="http://schemas.microsoft.com/office/drawing/2013/main/command" xmlns:pc="http://schemas.microsoft.com/office/powerpoint/2013/main/command">
   <pc:docChgLst>
@@ -214,11 +222,42 @@
   </pc:docChgLst>
   <pc:docChgLst>
     <pc:chgData name="JHEYSON FABIAN VILLAVISAN BUITRAGO" userId="e5ced5c2-d787-455d-b115-4f08a699b8c8" providerId="ADAL" clId="{83D57D63-D11F-4A5C-AF47-0F7B7BC46677}"/>
-    <pc:docChg chg="delSld modSection">
-      <pc:chgData name="JHEYSON FABIAN VILLAVISAN BUITRAGO" userId="e5ced5c2-d787-455d-b115-4f08a699b8c8" providerId="ADAL" clId="{83D57D63-D11F-4A5C-AF47-0F7B7BC46677}" dt="2025-01-03T19:53:35.355" v="1" actId="47"/>
+    <pc:docChg chg="custSel delSld modSld modSection">
+      <pc:chgData name="JHEYSON FABIAN VILLAVISAN BUITRAGO" userId="e5ced5c2-d787-455d-b115-4f08a699b8c8" providerId="ADAL" clId="{83D57D63-D11F-4A5C-AF47-0F7B7BC46677}" dt="2025-01-04T23:16:10.811" v="4" actId="478"/>
       <pc:docMkLst>
         <pc:docMk/>
       </pc:docMkLst>
+      <pc:sldChg chg="addSp delSp modSp mod">
+        <pc:chgData name="JHEYSON FABIAN VILLAVISAN BUITRAGO" userId="e5ced5c2-d787-455d-b115-4f08a699b8c8" providerId="ADAL" clId="{83D57D63-D11F-4A5C-AF47-0F7B7BC46677}" dt="2025-01-04T23:16:10.811" v="4" actId="478"/>
+        <pc:sldMkLst>
+          <pc:docMk/>
+          <pc:sldMk cId="2505371292" sldId="270"/>
+        </pc:sldMkLst>
+        <pc:spChg chg="del">
+          <ac:chgData name="JHEYSON FABIAN VILLAVISAN BUITRAGO" userId="e5ced5c2-d787-455d-b115-4f08a699b8c8" providerId="ADAL" clId="{83D57D63-D11F-4A5C-AF47-0F7B7BC46677}" dt="2025-01-04T23:16:10.811" v="4" actId="478"/>
+          <ac:spMkLst>
+            <pc:docMk/>
+            <pc:sldMk cId="2505371292" sldId="270"/>
+            <ac:spMk id="9" creationId="{AAD4009E-1BC8-C70B-C6E8-9825F18FD20B}"/>
+          </ac:spMkLst>
+        </pc:spChg>
+        <pc:graphicFrameChg chg="del">
+          <ac:chgData name="JHEYSON FABIAN VILLAVISAN BUITRAGO" userId="e5ced5c2-d787-455d-b115-4f08a699b8c8" providerId="ADAL" clId="{83D57D63-D11F-4A5C-AF47-0F7B7BC46677}" dt="2025-01-04T23:16:04.159" v="2" actId="478"/>
+          <ac:graphicFrameMkLst>
+            <pc:docMk/>
+            <pc:sldMk cId="2505371292" sldId="270"/>
+            <ac:graphicFrameMk id="2" creationId="{B1565EEE-0809-2C5D-A928-06DA6B611684}"/>
+          </ac:graphicFrameMkLst>
+        </pc:graphicFrameChg>
+        <pc:graphicFrameChg chg="add mod">
+          <ac:chgData name="JHEYSON FABIAN VILLAVISAN BUITRAGO" userId="e5ced5c2-d787-455d-b115-4f08a699b8c8" providerId="ADAL" clId="{83D57D63-D11F-4A5C-AF47-0F7B7BC46677}" dt="2025-01-04T23:16:06.581" v="3"/>
+          <ac:graphicFrameMkLst>
+            <pc:docMk/>
+            <pc:sldMk cId="2505371292" sldId="270"/>
+            <ac:graphicFrameMk id="3" creationId="{1C10071E-A4B9-FD11-C6A5-F0D1668E062F}"/>
+          </ac:graphicFrameMkLst>
+        </pc:graphicFrameChg>
+      </pc:sldChg>
       <pc:sldChg chg="del">
         <pc:chgData name="JHEYSON FABIAN VILLAVISAN BUITRAGO" userId="e5ced5c2-d787-455d-b115-4f08a699b8c8" providerId="ADAL" clId="{83D57D63-D11F-4A5C-AF47-0F7B7BC46677}" dt="2025-01-03T19:53:35.355" v="1" actId="47"/>
         <pc:sldMkLst>
@@ -1105,7 +1144,7 @@
               <a:pPr>
                 <a:defRPr/>
               </a:pPr>
-              <a:t>3/01/2025</a:t>
+              <a:t>4/01/2025</a:t>
             </a:fld>
             <a:endParaRPr lang="es-CO"/>
           </a:p>
@@ -1348,7 +1387,7 @@
               <a:pPr>
                 <a:defRPr/>
               </a:pPr>
-              <a:t>3/01/2025</a:t>
+              <a:t>4/01/2025</a:t>
             </a:fld>
             <a:endParaRPr lang="es-CO"/>
           </a:p>
@@ -5958,7 +5997,7 @@
           <a:p>
             <a:fld id="{9CF7635E-2D71-42E7-9E6C-FBB85A15A85F}" type="datetimeFigureOut">
               <a:rPr lang="es-CO" smtClean="0"/>
-              <a:t>3/01/2025</a:t>
+              <a:t>4/01/2025</a:t>
             </a:fld>
             <a:endParaRPr lang="es-CO"/>
           </a:p>
@@ -6224,7 +6263,7 @@
           <a:p>
             <a:fld id="{9CF7635E-2D71-42E7-9E6C-FBB85A15A85F}" type="datetimeFigureOut">
               <a:rPr lang="es-CO" smtClean="0"/>
-              <a:t>3/01/2025</a:t>
+              <a:t>4/01/2025</a:t>
             </a:fld>
             <a:endParaRPr lang="es-CO"/>
           </a:p>
@@ -6440,7 +6479,7 @@
           <a:p>
             <a:fld id="{9CF7635E-2D71-42E7-9E6C-FBB85A15A85F}" type="datetimeFigureOut">
               <a:rPr lang="es-CO" smtClean="0"/>
-              <a:t>3/01/2025</a:t>
+              <a:t>4/01/2025</a:t>
             </a:fld>
             <a:endParaRPr lang="es-CO"/>
           </a:p>
@@ -8069,7 +8108,7 @@
           <a:p>
             <a:fld id="{9CF7635E-2D71-42E7-9E6C-FBB85A15A85F}" type="datetimeFigureOut">
               <a:rPr lang="es-CO" smtClean="0"/>
-              <a:t>3/01/2025</a:t>
+              <a:t>4/01/2025</a:t>
             </a:fld>
             <a:endParaRPr lang="es-CO"/>
           </a:p>
@@ -8516,7 +8555,7 @@
           <a:p>
             <a:fld id="{9CF7635E-2D71-42E7-9E6C-FBB85A15A85F}" type="datetimeFigureOut">
               <a:rPr lang="es-CO" smtClean="0"/>
-              <a:t>3/01/2025</a:t>
+              <a:t>4/01/2025</a:t>
             </a:fld>
             <a:endParaRPr lang="es-CO"/>
           </a:p>
@@ -8790,7 +8829,7 @@
           <a:p>
             <a:fld id="{9CF7635E-2D71-42E7-9E6C-FBB85A15A85F}" type="datetimeFigureOut">
               <a:rPr lang="es-CO" smtClean="0"/>
-              <a:t>3/01/2025</a:t>
+              <a:t>4/01/2025</a:t>
             </a:fld>
             <a:endParaRPr lang="es-CO"/>
           </a:p>
@@ -9211,7 +9250,7 @@
           <a:p>
             <a:fld id="{9CF7635E-2D71-42E7-9E6C-FBB85A15A85F}" type="datetimeFigureOut">
               <a:rPr lang="es-CO" smtClean="0"/>
-              <a:t>3/01/2025</a:t>
+              <a:t>4/01/2025</a:t>
             </a:fld>
             <a:endParaRPr lang="es-CO"/>
           </a:p>
@@ -9359,7 +9398,7 @@
           <a:p>
             <a:fld id="{9CF7635E-2D71-42E7-9E6C-FBB85A15A85F}" type="datetimeFigureOut">
               <a:rPr lang="es-CO" smtClean="0"/>
-              <a:t>3/01/2025</a:t>
+              <a:t>4/01/2025</a:t>
             </a:fld>
             <a:endParaRPr lang="es-CO"/>
           </a:p>
@@ -9478,7 +9517,7 @@
           <a:p>
             <a:fld id="{9CF7635E-2D71-42E7-9E6C-FBB85A15A85F}" type="datetimeFigureOut">
               <a:rPr lang="es-CO" smtClean="0"/>
-              <a:t>3/01/2025</a:t>
+              <a:t>4/01/2025</a:t>
             </a:fld>
             <a:endParaRPr lang="es-CO"/>
           </a:p>
@@ -9797,7 +9836,7 @@
           <a:p>
             <a:fld id="{9CF7635E-2D71-42E7-9E6C-FBB85A15A85F}" type="datetimeFigureOut">
               <a:rPr lang="es-CO" smtClean="0"/>
-              <a:t>3/01/2025</a:t>
+              <a:t>4/01/2025</a:t>
             </a:fld>
             <a:endParaRPr lang="es-CO"/>
           </a:p>
@@ -10092,7 +10131,7 @@
           <a:p>
             <a:fld id="{9CF7635E-2D71-42E7-9E6C-FBB85A15A85F}" type="datetimeFigureOut">
               <a:rPr lang="es-CO" smtClean="0"/>
-              <a:t>3/01/2025</a:t>
+              <a:t>4/01/2025</a:t>
             </a:fld>
             <a:endParaRPr lang="es-CO"/>
           </a:p>
@@ -10341,7 +10380,7 @@
           <a:p>
             <a:fld id="{9CF7635E-2D71-42E7-9E6C-FBB85A15A85F}" type="datetimeFigureOut">
               <a:rPr lang="es-CO" smtClean="0"/>
-              <a:t>3/01/2025</a:t>
+              <a:t>4/01/2025</a:t>
             </a:fld>
             <a:endParaRPr lang="es-CO"/>
           </a:p>
@@ -22016,3579 +22055,6 @@
           <a:chExt cx="0" cy="0"/>
         </a:xfrm>
       </p:grpSpPr>
-      <p:graphicFrame>
-        <p:nvGraphicFramePr>
-          <p:cNvPr id="2" name="Tabla 3">
-            <a:extLst>
-              <a:ext uri="{FF2B5EF4-FFF2-40B4-BE49-F238E27FC236}">
-                <a16:creationId xmlns:a16="http://schemas.microsoft.com/office/drawing/2014/main" id="{B1565EEE-0809-2C5D-A928-06DA6B611684}"/>
-              </a:ext>
-            </a:extLst>
-          </p:cNvPr>
-          <p:cNvGraphicFramePr>
-            <a:graphicFrameLocks noGrp="1"/>
-          </p:cNvGraphicFramePr>
-          <p:nvPr>
-            <p:extLst>
-              <p:ext uri="{D42A27DB-BD31-4B8C-83A1-F6EECF244321}">
-                <p14:modId xmlns:p14="http://schemas.microsoft.com/office/powerpoint/2010/main" val="2381450968"/>
-              </p:ext>
-            </p:extLst>
-          </p:nvPr>
-        </p:nvGraphicFramePr>
-        <p:xfrm>
-          <a:off x="879463" y="403065"/>
-          <a:ext cx="7416824" cy="5753068"/>
-        </p:xfrm>
-        <a:graphic>
-          <a:graphicData uri="http://schemas.openxmlformats.org/drawingml/2006/table">
-            <a:tbl>
-              <a:tblPr firstRow="1" bandRow="1">
-                <a:tableStyleId>{69012ECD-51FC-41F1-AA8D-1B2483CD663E}</a:tableStyleId>
-              </a:tblPr>
-              <a:tblGrid>
-                <a:gridCol w="792088">
-                  <a:extLst>
-                    <a:ext uri="{9D8B030D-6E8A-4147-A177-3AD203B41FA5}">
-                      <a16:colId xmlns:a16="http://schemas.microsoft.com/office/drawing/2014/main" val="571927606"/>
-                    </a:ext>
-                  </a:extLst>
-                </a:gridCol>
-                <a:gridCol w="3384376">
-                  <a:extLst>
-                    <a:ext uri="{9D8B030D-6E8A-4147-A177-3AD203B41FA5}">
-                      <a16:colId xmlns:a16="http://schemas.microsoft.com/office/drawing/2014/main" val="2710960597"/>
-                    </a:ext>
-                  </a:extLst>
-                </a:gridCol>
-                <a:gridCol w="3240360">
-                  <a:extLst>
-                    <a:ext uri="{9D8B030D-6E8A-4147-A177-3AD203B41FA5}">
-                      <a16:colId xmlns:a16="http://schemas.microsoft.com/office/drawing/2014/main" val="76565624"/>
-                    </a:ext>
-                  </a:extLst>
-                </a:gridCol>
-              </a:tblGrid>
-              <a:tr h="269131">
-                <a:tc>
-                  <a:txBody>
-                    <a:bodyPr/>
-                    <a:lstStyle/>
-                    <a:p>
-                      <a:pPr algn="ctr"/>
-                      <a:r>
-                        <a:rPr lang="es-CO" sz="1000"/>
-                        <a:t>Semana</a:t>
-                      </a:r>
-                    </a:p>
-                  </a:txBody>
-                  <a:tcPr>
-                    <a:lnB w="12700" cap="flat" cmpd="sng" algn="ctr">
-                      <a:solidFill>
-                        <a:schemeClr val="tx1"/>
-                      </a:solidFill>
-                      <a:prstDash val="solid"/>
-                      <a:round/>
-                      <a:headEnd type="none" w="med" len="med"/>
-                      <a:tailEnd type="none" w="med" len="med"/>
-                    </a:lnB>
-                  </a:tcPr>
-                </a:tc>
-                <a:tc>
-                  <a:txBody>
-                    <a:bodyPr/>
-                    <a:lstStyle/>
-                    <a:p>
-                      <a:pPr algn="ctr"/>
-                      <a:r>
-                        <a:rPr lang="es-CO" sz="1000"/>
-                        <a:t>Fechas</a:t>
-                      </a:r>
-                    </a:p>
-                  </a:txBody>
-                  <a:tcPr>
-                    <a:lnB w="12700" cap="flat" cmpd="sng" algn="ctr">
-                      <a:solidFill>
-                        <a:schemeClr val="tx1"/>
-                      </a:solidFill>
-                      <a:prstDash val="solid"/>
-                      <a:round/>
-                      <a:headEnd type="none" w="med" len="med"/>
-                      <a:tailEnd type="none" w="med" len="med"/>
-                    </a:lnB>
-                  </a:tcPr>
-                </a:tc>
-                <a:tc>
-                  <a:txBody>
-                    <a:bodyPr/>
-                    <a:lstStyle/>
-                    <a:p>
-                      <a:pPr algn="ctr"/>
-                      <a:r>
-                        <a:rPr lang="es-CO" sz="1000"/>
-                        <a:t>Nombre</a:t>
-                      </a:r>
-                    </a:p>
-                  </a:txBody>
-                  <a:tcPr>
-                    <a:lnB w="12700" cap="flat" cmpd="sng" algn="ctr">
-                      <a:solidFill>
-                        <a:schemeClr val="tx1"/>
-                      </a:solidFill>
-                      <a:prstDash val="solid"/>
-                      <a:round/>
-                      <a:headEnd type="none" w="med" len="med"/>
-                      <a:tailEnd type="none" w="med" len="med"/>
-                    </a:lnB>
-                  </a:tcPr>
-                </a:tc>
-                <a:extLst>
-                  <a:ext uri="{0D108BD9-81ED-4DB2-BD59-A6C34878D82A}">
-                    <a16:rowId xmlns:a16="http://schemas.microsoft.com/office/drawing/2014/main" val="3336602277"/>
-                  </a:ext>
-                </a:extLst>
-              </a:tr>
-              <a:tr h="269131">
-                <a:tc>
-                  <a:txBody>
-                    <a:bodyPr/>
-                    <a:lstStyle/>
-                    <a:p>
-                      <a:pPr algn="ctr"/>
-                      <a:r>
-                        <a:rPr lang="es-CO" sz="1000"/>
-                        <a:t>1</a:t>
-                      </a:r>
-                    </a:p>
-                  </a:txBody>
-                  <a:tcPr>
-                    <a:lnL w="12700" cap="flat" cmpd="sng" algn="ctr">
-                      <a:solidFill>
-                        <a:schemeClr val="tx1"/>
-                      </a:solidFill>
-                      <a:prstDash val="solid"/>
-                      <a:round/>
-                      <a:headEnd type="none" w="med" len="med"/>
-                      <a:tailEnd type="none" w="med" len="med"/>
-                    </a:lnL>
-                    <a:lnR w="12700" cap="flat" cmpd="sng" algn="ctr">
-                      <a:solidFill>
-                        <a:schemeClr val="tx1"/>
-                      </a:solidFill>
-                      <a:prstDash val="solid"/>
-                      <a:round/>
-                      <a:headEnd type="none" w="med" len="med"/>
-                      <a:tailEnd type="none" w="med" len="med"/>
-                    </a:lnR>
-                    <a:lnT w="12700" cap="flat" cmpd="sng" algn="ctr">
-                      <a:solidFill>
-                        <a:schemeClr val="tx1"/>
-                      </a:solidFill>
-                      <a:prstDash val="solid"/>
-                      <a:round/>
-                      <a:headEnd type="none" w="med" len="med"/>
-                      <a:tailEnd type="none" w="med" len="med"/>
-                    </a:lnT>
-                    <a:lnB w="12700" cap="flat" cmpd="sng" algn="ctr">
-                      <a:solidFill>
-                        <a:schemeClr val="tx1"/>
-                      </a:solidFill>
-                      <a:prstDash val="solid"/>
-                      <a:round/>
-                      <a:headEnd type="none" w="med" len="med"/>
-                      <a:tailEnd type="none" w="med" len="med"/>
-                    </a:lnB>
-                  </a:tcPr>
-                </a:tc>
-                <a:tc>
-                  <a:txBody>
-                    <a:bodyPr/>
-                    <a:lstStyle/>
-                    <a:p>
-                      <a:pPr algn="ctr"/>
-                      <a:r>
-                        <a:rPr lang="es-CO" sz="1000"/>
-                        <a:t>5 agosto – 10 agosto</a:t>
-                      </a:r>
-                    </a:p>
-                  </a:txBody>
-                  <a:tcPr>
-                    <a:lnL w="12700" cap="flat" cmpd="sng" algn="ctr">
-                      <a:solidFill>
-                        <a:schemeClr val="tx1"/>
-                      </a:solidFill>
-                      <a:prstDash val="solid"/>
-                      <a:round/>
-                      <a:headEnd type="none" w="med" len="med"/>
-                      <a:tailEnd type="none" w="med" len="med"/>
-                    </a:lnL>
-                    <a:lnR w="12700" cap="flat" cmpd="sng" algn="ctr">
-                      <a:solidFill>
-                        <a:schemeClr val="tx1"/>
-                      </a:solidFill>
-                      <a:prstDash val="solid"/>
-                      <a:round/>
-                      <a:headEnd type="none" w="med" len="med"/>
-                      <a:tailEnd type="none" w="med" len="med"/>
-                    </a:lnR>
-                    <a:lnT w="12700" cap="flat" cmpd="sng" algn="ctr">
-                      <a:solidFill>
-                        <a:schemeClr val="tx1"/>
-                      </a:solidFill>
-                      <a:prstDash val="solid"/>
-                      <a:round/>
-                      <a:headEnd type="none" w="med" len="med"/>
-                      <a:tailEnd type="none" w="med" len="med"/>
-                    </a:lnT>
-                    <a:lnB w="12700" cap="flat" cmpd="sng" algn="ctr">
-                      <a:solidFill>
-                        <a:schemeClr val="tx1"/>
-                      </a:solidFill>
-                      <a:prstDash val="solid"/>
-                      <a:round/>
-                      <a:headEnd type="none" w="med" len="med"/>
-                      <a:tailEnd type="none" w="med" len="med"/>
-                    </a:lnB>
-                  </a:tcPr>
-                </a:tc>
-                <a:tc>
-                  <a:txBody>
-                    <a:bodyPr/>
-                    <a:lstStyle/>
-                    <a:p>
-                      <a:pPr marL="0" marR="0" lvl="0" indent="0" algn="ctr" defTabSz="685800" rtl="0" eaLnBrk="1" fontAlgn="auto" latinLnBrk="0" hangingPunct="1">
-                        <a:lnSpc>
-                          <a:spcPct val="100000"/>
-                        </a:lnSpc>
-                        <a:spcBef>
-                          <a:spcPts val="0"/>
-                        </a:spcBef>
-                        <a:spcAft>
-                          <a:spcPts val="0"/>
-                        </a:spcAft>
-                        <a:buClrTx/>
-                        <a:buSzTx/>
-                        <a:buFontTx/>
-                        <a:buNone/>
-                        <a:tabLst/>
-                        <a:defRPr/>
-                      </a:pPr>
-                      <a:r>
-                        <a:rPr lang="es-CO" sz="1000"/>
-                        <a:t>Introducción – Generalidades</a:t>
-                      </a:r>
-                    </a:p>
-                    <a:p>
-                      <a:pPr marL="0" marR="0" lvl="0" indent="0" algn="ctr" defTabSz="685800" rtl="0" eaLnBrk="1" fontAlgn="auto" latinLnBrk="0" hangingPunct="1">
-                        <a:lnSpc>
-                          <a:spcPct val="100000"/>
-                        </a:lnSpc>
-                        <a:spcBef>
-                          <a:spcPts val="0"/>
-                        </a:spcBef>
-                        <a:spcAft>
-                          <a:spcPts val="0"/>
-                        </a:spcAft>
-                        <a:buClrTx/>
-                        <a:buSzTx/>
-                        <a:buFontTx/>
-                        <a:buNone/>
-                        <a:tabLst/>
-                        <a:defRPr/>
-                      </a:pPr>
-                      <a:r>
-                        <a:rPr lang="es-CO" sz="1000" err="1"/>
-                        <a:t>Intro</a:t>
-                      </a:r>
-                      <a:r>
-                        <a:rPr lang="es-CO" sz="1000"/>
-                        <a:t> Matlab</a:t>
-                      </a:r>
-                    </a:p>
-                  </a:txBody>
-                  <a:tcPr>
-                    <a:lnL w="12700" cap="flat" cmpd="sng" algn="ctr">
-                      <a:solidFill>
-                        <a:schemeClr val="tx1"/>
-                      </a:solidFill>
-                      <a:prstDash val="solid"/>
-                      <a:round/>
-                      <a:headEnd type="none" w="med" len="med"/>
-                      <a:tailEnd type="none" w="med" len="med"/>
-                    </a:lnL>
-                    <a:lnR w="12700" cap="flat" cmpd="sng" algn="ctr">
-                      <a:solidFill>
-                        <a:schemeClr val="tx1"/>
-                      </a:solidFill>
-                      <a:prstDash val="solid"/>
-                      <a:round/>
-                      <a:headEnd type="none" w="med" len="med"/>
-                      <a:tailEnd type="none" w="med" len="med"/>
-                    </a:lnR>
-                    <a:lnT w="12700" cap="flat" cmpd="sng" algn="ctr">
-                      <a:solidFill>
-                        <a:schemeClr val="tx1"/>
-                      </a:solidFill>
-                      <a:prstDash val="solid"/>
-                      <a:round/>
-                      <a:headEnd type="none" w="med" len="med"/>
-                      <a:tailEnd type="none" w="med" len="med"/>
-                    </a:lnT>
-                    <a:lnB w="12700" cap="flat" cmpd="sng" algn="ctr">
-                      <a:solidFill>
-                        <a:schemeClr val="tx1"/>
-                      </a:solidFill>
-                      <a:prstDash val="solid"/>
-                      <a:round/>
-                      <a:headEnd type="none" w="med" len="med"/>
-                      <a:tailEnd type="none" w="med" len="med"/>
-                    </a:lnB>
-                  </a:tcPr>
-                </a:tc>
-                <a:extLst>
-                  <a:ext uri="{0D108BD9-81ED-4DB2-BD59-A6C34878D82A}">
-                    <a16:rowId xmlns:a16="http://schemas.microsoft.com/office/drawing/2014/main" val="2742633600"/>
-                  </a:ext>
-                </a:extLst>
-              </a:tr>
-              <a:tr h="269131">
-                <a:tc>
-                  <a:txBody>
-                    <a:bodyPr/>
-                    <a:lstStyle/>
-                    <a:p>
-                      <a:pPr algn="ctr"/>
-                      <a:r>
-                        <a:rPr lang="es-CO" sz="1000"/>
-                        <a:t>2</a:t>
-                      </a:r>
-                    </a:p>
-                  </a:txBody>
-                  <a:tcPr>
-                    <a:lnL w="12700" cap="flat" cmpd="sng" algn="ctr">
-                      <a:solidFill>
-                        <a:schemeClr val="tx1"/>
-                      </a:solidFill>
-                      <a:prstDash val="solid"/>
-                      <a:round/>
-                      <a:headEnd type="none" w="med" len="med"/>
-                      <a:tailEnd type="none" w="med" len="med"/>
-                    </a:lnL>
-                    <a:lnR w="12700" cap="flat" cmpd="sng" algn="ctr">
-                      <a:solidFill>
-                        <a:schemeClr val="tx1"/>
-                      </a:solidFill>
-                      <a:prstDash val="solid"/>
-                      <a:round/>
-                      <a:headEnd type="none" w="med" len="med"/>
-                      <a:tailEnd type="none" w="med" len="med"/>
-                    </a:lnR>
-                    <a:lnT w="12700" cap="flat" cmpd="sng" algn="ctr">
-                      <a:solidFill>
-                        <a:schemeClr val="tx1"/>
-                      </a:solidFill>
-                      <a:prstDash val="solid"/>
-                      <a:round/>
-                      <a:headEnd type="none" w="med" len="med"/>
-                      <a:tailEnd type="none" w="med" len="med"/>
-                    </a:lnT>
-                    <a:lnB w="12700" cap="flat" cmpd="sng" algn="ctr">
-                      <a:solidFill>
-                        <a:schemeClr val="tx1"/>
-                      </a:solidFill>
-                      <a:prstDash val="solid"/>
-                      <a:round/>
-                      <a:headEnd type="none" w="med" len="med"/>
-                      <a:tailEnd type="none" w="med" len="med"/>
-                    </a:lnB>
-                  </a:tcPr>
-                </a:tc>
-                <a:tc>
-                  <a:txBody>
-                    <a:bodyPr/>
-                    <a:lstStyle/>
-                    <a:p>
-                      <a:pPr algn="ctr"/>
-                      <a:r>
-                        <a:rPr lang="es-CO" sz="1000">
-                          <a:solidFill>
-                            <a:schemeClr val="tx1"/>
-                          </a:solidFill>
-                        </a:rPr>
-                        <a:t>12 agosto – 16 agosto</a:t>
-                      </a:r>
-                    </a:p>
-                  </a:txBody>
-                  <a:tcPr>
-                    <a:lnL w="12700" cap="flat" cmpd="sng" algn="ctr">
-                      <a:solidFill>
-                        <a:schemeClr val="tx1"/>
-                      </a:solidFill>
-                      <a:prstDash val="solid"/>
-                      <a:round/>
-                      <a:headEnd type="none" w="med" len="med"/>
-                      <a:tailEnd type="none" w="med" len="med"/>
-                    </a:lnL>
-                    <a:lnR w="12700" cap="flat" cmpd="sng" algn="ctr">
-                      <a:solidFill>
-                        <a:schemeClr val="tx1"/>
-                      </a:solidFill>
-                      <a:prstDash val="solid"/>
-                      <a:round/>
-                      <a:headEnd type="none" w="med" len="med"/>
-                      <a:tailEnd type="none" w="med" len="med"/>
-                    </a:lnR>
-                    <a:lnT w="12700" cap="flat" cmpd="sng" algn="ctr">
-                      <a:solidFill>
-                        <a:schemeClr val="tx1"/>
-                      </a:solidFill>
-                      <a:prstDash val="solid"/>
-                      <a:round/>
-                      <a:headEnd type="none" w="med" len="med"/>
-                      <a:tailEnd type="none" w="med" len="med"/>
-                    </a:lnT>
-                    <a:lnB w="12700" cap="flat" cmpd="sng" algn="ctr">
-                      <a:solidFill>
-                        <a:schemeClr val="tx1"/>
-                      </a:solidFill>
-                      <a:prstDash val="solid"/>
-                      <a:round/>
-                      <a:headEnd type="none" w="med" len="med"/>
-                      <a:tailEnd type="none" w="med" len="med"/>
-                    </a:lnB>
-                  </a:tcPr>
-                </a:tc>
-                <a:tc>
-                  <a:txBody>
-                    <a:bodyPr/>
-                    <a:lstStyle/>
-                    <a:p>
-                      <a:pPr marL="0" marR="0" lvl="0" indent="0" algn="ctr" defTabSz="685800" rtl="0" eaLnBrk="1" fontAlgn="auto" latinLnBrk="0" hangingPunct="1">
-                        <a:lnSpc>
-                          <a:spcPct val="100000"/>
-                        </a:lnSpc>
-                        <a:spcBef>
-                          <a:spcPts val="0"/>
-                        </a:spcBef>
-                        <a:spcAft>
-                          <a:spcPts val="0"/>
-                        </a:spcAft>
-                        <a:buClrTx/>
-                        <a:buSzTx/>
-                        <a:buFontTx/>
-                        <a:buNone/>
-                        <a:tabLst/>
-                        <a:defRPr/>
-                      </a:pPr>
-                      <a:r>
-                        <a:rPr lang="es-CO" sz="1000"/>
-                        <a:t>Transformada Z - Propiedades</a:t>
-                      </a:r>
-                    </a:p>
-                  </a:txBody>
-                  <a:tcPr>
-                    <a:lnL w="12700" cap="flat" cmpd="sng" algn="ctr">
-                      <a:solidFill>
-                        <a:schemeClr val="tx1"/>
-                      </a:solidFill>
-                      <a:prstDash val="solid"/>
-                      <a:round/>
-                      <a:headEnd type="none" w="med" len="med"/>
-                      <a:tailEnd type="none" w="med" len="med"/>
-                    </a:lnL>
-                    <a:lnR w="12700" cap="flat" cmpd="sng" algn="ctr">
-                      <a:solidFill>
-                        <a:schemeClr val="tx1"/>
-                      </a:solidFill>
-                      <a:prstDash val="solid"/>
-                      <a:round/>
-                      <a:headEnd type="none" w="med" len="med"/>
-                      <a:tailEnd type="none" w="med" len="med"/>
-                    </a:lnR>
-                    <a:lnT w="12700" cap="flat" cmpd="sng" algn="ctr">
-                      <a:solidFill>
-                        <a:schemeClr val="tx1"/>
-                      </a:solidFill>
-                      <a:prstDash val="solid"/>
-                      <a:round/>
-                      <a:headEnd type="none" w="med" len="med"/>
-                      <a:tailEnd type="none" w="med" len="med"/>
-                    </a:lnT>
-                    <a:lnB w="12700" cap="flat" cmpd="sng" algn="ctr">
-                      <a:solidFill>
-                        <a:schemeClr val="tx1"/>
-                      </a:solidFill>
-                      <a:prstDash val="solid"/>
-                      <a:round/>
-                      <a:headEnd type="none" w="med" len="med"/>
-                      <a:tailEnd type="none" w="med" len="med"/>
-                    </a:lnB>
-                  </a:tcPr>
-                </a:tc>
-                <a:extLst>
-                  <a:ext uri="{0D108BD9-81ED-4DB2-BD59-A6C34878D82A}">
-                    <a16:rowId xmlns:a16="http://schemas.microsoft.com/office/drawing/2014/main" val="1747441063"/>
-                  </a:ext>
-                </a:extLst>
-              </a:tr>
-              <a:tr h="269131">
-                <a:tc>
-                  <a:txBody>
-                    <a:bodyPr/>
-                    <a:lstStyle/>
-                    <a:p>
-                      <a:pPr algn="ctr"/>
-                      <a:r>
-                        <a:rPr lang="es-CO" sz="1000"/>
-                        <a:t>3</a:t>
-                      </a:r>
-                    </a:p>
-                  </a:txBody>
-                  <a:tcPr>
-                    <a:lnL w="12700" cap="flat" cmpd="sng" algn="ctr">
-                      <a:solidFill>
-                        <a:schemeClr val="tx1"/>
-                      </a:solidFill>
-                      <a:prstDash val="solid"/>
-                      <a:round/>
-                      <a:headEnd type="none" w="med" len="med"/>
-                      <a:tailEnd type="none" w="med" len="med"/>
-                    </a:lnL>
-                    <a:lnR w="12700" cap="flat" cmpd="sng" algn="ctr">
-                      <a:solidFill>
-                        <a:schemeClr val="tx1"/>
-                      </a:solidFill>
-                      <a:prstDash val="solid"/>
-                      <a:round/>
-                      <a:headEnd type="none" w="med" len="med"/>
-                      <a:tailEnd type="none" w="med" len="med"/>
-                    </a:lnR>
-                    <a:lnT w="12700" cap="flat" cmpd="sng" algn="ctr">
-                      <a:solidFill>
-                        <a:schemeClr val="tx1"/>
-                      </a:solidFill>
-                      <a:prstDash val="solid"/>
-                      <a:round/>
-                      <a:headEnd type="none" w="med" len="med"/>
-                      <a:tailEnd type="none" w="med" len="med"/>
-                    </a:lnT>
-                    <a:lnB w="12700" cap="flat" cmpd="sng" algn="ctr">
-                      <a:solidFill>
-                        <a:schemeClr val="tx1"/>
-                      </a:solidFill>
-                      <a:prstDash val="solid"/>
-                      <a:round/>
-                      <a:headEnd type="none" w="med" len="med"/>
-                      <a:tailEnd type="none" w="med" len="med"/>
-                    </a:lnB>
-                  </a:tcPr>
-                </a:tc>
-                <a:tc>
-                  <a:txBody>
-                    <a:bodyPr/>
-                    <a:lstStyle/>
-                    <a:p>
-                      <a:pPr algn="ctr"/>
-                      <a:r>
-                        <a:rPr lang="es-CO" sz="1000">
-                          <a:solidFill>
-                            <a:srgbClr val="FF0000"/>
-                          </a:solidFill>
-                          <a:highlight>
-                            <a:srgbClr val="FFFF00"/>
-                          </a:highlight>
-                        </a:rPr>
-                        <a:t>19 agosto –23 agosto*</a:t>
-                      </a:r>
-                    </a:p>
-                  </a:txBody>
-                  <a:tcPr>
-                    <a:lnL w="12700" cap="flat" cmpd="sng" algn="ctr">
-                      <a:solidFill>
-                        <a:schemeClr val="tx1"/>
-                      </a:solidFill>
-                      <a:prstDash val="solid"/>
-                      <a:round/>
-                      <a:headEnd type="none" w="med" len="med"/>
-                      <a:tailEnd type="none" w="med" len="med"/>
-                    </a:lnL>
-                    <a:lnR w="12700" cap="flat" cmpd="sng" algn="ctr">
-                      <a:solidFill>
-                        <a:schemeClr val="tx1"/>
-                      </a:solidFill>
-                      <a:prstDash val="solid"/>
-                      <a:round/>
-                      <a:headEnd type="none" w="med" len="med"/>
-                      <a:tailEnd type="none" w="med" len="med"/>
-                    </a:lnR>
-                    <a:lnT w="12700" cap="flat" cmpd="sng" algn="ctr">
-                      <a:solidFill>
-                        <a:schemeClr val="tx1"/>
-                      </a:solidFill>
-                      <a:prstDash val="solid"/>
-                      <a:round/>
-                      <a:headEnd type="none" w="med" len="med"/>
-                      <a:tailEnd type="none" w="med" len="med"/>
-                    </a:lnT>
-                    <a:lnB w="12700" cap="flat" cmpd="sng" algn="ctr">
-                      <a:solidFill>
-                        <a:schemeClr val="tx1"/>
-                      </a:solidFill>
-                      <a:prstDash val="solid"/>
-                      <a:round/>
-                      <a:headEnd type="none" w="med" len="med"/>
-                      <a:tailEnd type="none" w="med" len="med"/>
-                    </a:lnB>
-                  </a:tcPr>
-                </a:tc>
-                <a:tc>
-                  <a:txBody>
-                    <a:bodyPr/>
-                    <a:lstStyle/>
-                    <a:p>
-                      <a:pPr marL="0" marR="0" lvl="0" indent="0" algn="ctr" defTabSz="685800" rtl="0" eaLnBrk="1" fontAlgn="auto" latinLnBrk="0" hangingPunct="1">
-                        <a:lnSpc>
-                          <a:spcPct val="100000"/>
-                        </a:lnSpc>
-                        <a:spcBef>
-                          <a:spcPts val="0"/>
-                        </a:spcBef>
-                        <a:spcAft>
-                          <a:spcPts val="0"/>
-                        </a:spcAft>
-                        <a:buClrTx/>
-                        <a:buSzTx/>
-                        <a:buFontTx/>
-                        <a:buNone/>
-                        <a:tabLst/>
-                        <a:defRPr/>
-                      </a:pPr>
-                      <a:r>
-                        <a:rPr lang="es-CO" sz="1000"/>
-                        <a:t>Señales discretas / Digitales.</a:t>
-                      </a:r>
-                    </a:p>
-                  </a:txBody>
-                  <a:tcPr>
-                    <a:lnL w="12700" cap="flat" cmpd="sng" algn="ctr">
-                      <a:solidFill>
-                        <a:schemeClr val="tx1"/>
-                      </a:solidFill>
-                      <a:prstDash val="solid"/>
-                      <a:round/>
-                      <a:headEnd type="none" w="med" len="med"/>
-                      <a:tailEnd type="none" w="med" len="med"/>
-                    </a:lnL>
-                    <a:lnR w="12700" cap="flat" cmpd="sng" algn="ctr">
-                      <a:solidFill>
-                        <a:schemeClr val="tx1"/>
-                      </a:solidFill>
-                      <a:prstDash val="solid"/>
-                      <a:round/>
-                      <a:headEnd type="none" w="med" len="med"/>
-                      <a:tailEnd type="none" w="med" len="med"/>
-                    </a:lnR>
-                    <a:lnT w="12700" cap="flat" cmpd="sng" algn="ctr">
-                      <a:solidFill>
-                        <a:schemeClr val="tx1"/>
-                      </a:solidFill>
-                      <a:prstDash val="solid"/>
-                      <a:round/>
-                      <a:headEnd type="none" w="med" len="med"/>
-                      <a:tailEnd type="none" w="med" len="med"/>
-                    </a:lnT>
-                    <a:lnB w="12700" cap="flat" cmpd="sng" algn="ctr">
-                      <a:solidFill>
-                        <a:schemeClr val="tx1"/>
-                      </a:solidFill>
-                      <a:prstDash val="solid"/>
-                      <a:round/>
-                      <a:headEnd type="none" w="med" len="med"/>
-                      <a:tailEnd type="none" w="med" len="med"/>
-                    </a:lnB>
-                  </a:tcPr>
-                </a:tc>
-                <a:extLst>
-                  <a:ext uri="{0D108BD9-81ED-4DB2-BD59-A6C34878D82A}">
-                    <a16:rowId xmlns:a16="http://schemas.microsoft.com/office/drawing/2014/main" val="2633813301"/>
-                  </a:ext>
-                </a:extLst>
-              </a:tr>
-              <a:tr h="269131">
-                <a:tc>
-                  <a:txBody>
-                    <a:bodyPr/>
-                    <a:lstStyle/>
-                    <a:p>
-                      <a:pPr algn="ctr"/>
-                      <a:r>
-                        <a:rPr lang="es-CO" sz="1000"/>
-                        <a:t>4</a:t>
-                      </a:r>
-                    </a:p>
-                  </a:txBody>
-                  <a:tcPr>
-                    <a:lnL w="12700" cap="flat" cmpd="sng" algn="ctr">
-                      <a:solidFill>
-                        <a:schemeClr val="tx1"/>
-                      </a:solidFill>
-                      <a:prstDash val="solid"/>
-                      <a:round/>
-                      <a:headEnd type="none" w="med" len="med"/>
-                      <a:tailEnd type="none" w="med" len="med"/>
-                    </a:lnL>
-                    <a:lnR w="12700" cap="flat" cmpd="sng" algn="ctr">
-                      <a:solidFill>
-                        <a:schemeClr val="tx1"/>
-                      </a:solidFill>
-                      <a:prstDash val="solid"/>
-                      <a:round/>
-                      <a:headEnd type="none" w="med" len="med"/>
-                      <a:tailEnd type="none" w="med" len="med"/>
-                    </a:lnR>
-                    <a:lnT w="12700" cap="flat" cmpd="sng" algn="ctr">
-                      <a:solidFill>
-                        <a:schemeClr val="tx1"/>
-                      </a:solidFill>
-                      <a:prstDash val="solid"/>
-                      <a:round/>
-                      <a:headEnd type="none" w="med" len="med"/>
-                      <a:tailEnd type="none" w="med" len="med"/>
-                    </a:lnT>
-                    <a:lnB w="12700" cap="flat" cmpd="sng" algn="ctr">
-                      <a:solidFill>
-                        <a:schemeClr val="tx1"/>
-                      </a:solidFill>
-                      <a:prstDash val="solid"/>
-                      <a:round/>
-                      <a:headEnd type="none" w="med" len="med"/>
-                      <a:tailEnd type="none" w="med" len="med"/>
-                    </a:lnB>
-                  </a:tcPr>
-                </a:tc>
-                <a:tc>
-                  <a:txBody>
-                    <a:bodyPr/>
-                    <a:lstStyle/>
-                    <a:p>
-                      <a:pPr algn="ctr"/>
-                      <a:r>
-                        <a:rPr lang="es-CO" sz="1000">
-                          <a:solidFill>
-                            <a:schemeClr val="tx1"/>
-                          </a:solidFill>
-                        </a:rPr>
-                        <a:t>26 agosto – 30 agosto</a:t>
-                      </a:r>
-                    </a:p>
-                  </a:txBody>
-                  <a:tcPr>
-                    <a:lnL w="12700" cap="flat" cmpd="sng" algn="ctr">
-                      <a:solidFill>
-                        <a:schemeClr val="tx1"/>
-                      </a:solidFill>
-                      <a:prstDash val="solid"/>
-                      <a:round/>
-                      <a:headEnd type="none" w="med" len="med"/>
-                      <a:tailEnd type="none" w="med" len="med"/>
-                    </a:lnL>
-                    <a:lnR w="12700" cap="flat" cmpd="sng" algn="ctr">
-                      <a:solidFill>
-                        <a:schemeClr val="tx1"/>
-                      </a:solidFill>
-                      <a:prstDash val="solid"/>
-                      <a:round/>
-                      <a:headEnd type="none" w="med" len="med"/>
-                      <a:tailEnd type="none" w="med" len="med"/>
-                    </a:lnR>
-                    <a:lnT w="12700" cap="flat" cmpd="sng" algn="ctr">
-                      <a:solidFill>
-                        <a:schemeClr val="tx1"/>
-                      </a:solidFill>
-                      <a:prstDash val="solid"/>
-                      <a:round/>
-                      <a:headEnd type="none" w="med" len="med"/>
-                      <a:tailEnd type="none" w="med" len="med"/>
-                    </a:lnT>
-                    <a:lnB w="12700" cap="flat" cmpd="sng" algn="ctr">
-                      <a:solidFill>
-                        <a:schemeClr val="tx1"/>
-                      </a:solidFill>
-                      <a:prstDash val="solid"/>
-                      <a:round/>
-                      <a:headEnd type="none" w="med" len="med"/>
-                      <a:tailEnd type="none" w="med" len="med"/>
-                    </a:lnB>
-                  </a:tcPr>
-                </a:tc>
-                <a:tc>
-                  <a:txBody>
-                    <a:bodyPr/>
-                    <a:lstStyle/>
-                    <a:p>
-                      <a:pPr algn="ctr"/>
-                      <a:r>
-                        <a:rPr lang="es-CO" sz="1000"/>
-                        <a:t>Representación Sistemas Transformada Z.</a:t>
-                      </a:r>
-                    </a:p>
-                    <a:p>
-                      <a:pPr algn="ctr"/>
-                      <a:r>
-                        <a:rPr lang="es-CO" sz="1000"/>
-                        <a:t>Ecuaciones en diferencia</a:t>
-                      </a:r>
-                    </a:p>
-                  </a:txBody>
-                  <a:tcPr>
-                    <a:lnL w="12700" cap="flat" cmpd="sng" algn="ctr">
-                      <a:solidFill>
-                        <a:schemeClr val="tx1"/>
-                      </a:solidFill>
-                      <a:prstDash val="solid"/>
-                      <a:round/>
-                      <a:headEnd type="none" w="med" len="med"/>
-                      <a:tailEnd type="none" w="med" len="med"/>
-                    </a:lnL>
-                    <a:lnR w="12700" cap="flat" cmpd="sng" algn="ctr">
-                      <a:solidFill>
-                        <a:schemeClr val="tx1"/>
-                      </a:solidFill>
-                      <a:prstDash val="solid"/>
-                      <a:round/>
-                      <a:headEnd type="none" w="med" len="med"/>
-                      <a:tailEnd type="none" w="med" len="med"/>
-                    </a:lnR>
-                    <a:lnT w="12700" cap="flat" cmpd="sng" algn="ctr">
-                      <a:solidFill>
-                        <a:schemeClr val="tx1"/>
-                      </a:solidFill>
-                      <a:prstDash val="solid"/>
-                      <a:round/>
-                      <a:headEnd type="none" w="med" len="med"/>
-                      <a:tailEnd type="none" w="med" len="med"/>
-                    </a:lnT>
-                    <a:lnB w="12700" cap="flat" cmpd="sng" algn="ctr">
-                      <a:solidFill>
-                        <a:schemeClr val="tx1"/>
-                      </a:solidFill>
-                      <a:prstDash val="solid"/>
-                      <a:round/>
-                      <a:headEnd type="none" w="med" len="med"/>
-                      <a:tailEnd type="none" w="med" len="med"/>
-                    </a:lnB>
-                  </a:tcPr>
-                </a:tc>
-                <a:extLst>
-                  <a:ext uri="{0D108BD9-81ED-4DB2-BD59-A6C34878D82A}">
-                    <a16:rowId xmlns:a16="http://schemas.microsoft.com/office/drawing/2014/main" val="2915148968"/>
-                  </a:ext>
-                </a:extLst>
-              </a:tr>
-              <a:tr h="269131">
-                <a:tc>
-                  <a:txBody>
-                    <a:bodyPr/>
-                    <a:lstStyle/>
-                    <a:p>
-                      <a:pPr algn="ctr"/>
-                      <a:r>
-                        <a:rPr lang="es-CO" sz="1000"/>
-                        <a:t>5</a:t>
-                      </a:r>
-                    </a:p>
-                  </a:txBody>
-                  <a:tcPr>
-                    <a:lnL w="12700" cap="flat" cmpd="sng" algn="ctr">
-                      <a:solidFill>
-                        <a:schemeClr val="tx1"/>
-                      </a:solidFill>
-                      <a:prstDash val="solid"/>
-                      <a:round/>
-                      <a:headEnd type="none" w="med" len="med"/>
-                      <a:tailEnd type="none" w="med" len="med"/>
-                    </a:lnL>
-                    <a:lnR w="12700" cap="flat" cmpd="sng" algn="ctr">
-                      <a:solidFill>
-                        <a:schemeClr val="tx1"/>
-                      </a:solidFill>
-                      <a:prstDash val="solid"/>
-                      <a:round/>
-                      <a:headEnd type="none" w="med" len="med"/>
-                      <a:tailEnd type="none" w="med" len="med"/>
-                    </a:lnR>
-                    <a:lnT w="12700" cap="flat" cmpd="sng" algn="ctr">
-                      <a:solidFill>
-                        <a:schemeClr val="tx1"/>
-                      </a:solidFill>
-                      <a:prstDash val="solid"/>
-                      <a:round/>
-                      <a:headEnd type="none" w="med" len="med"/>
-                      <a:tailEnd type="none" w="med" len="med"/>
-                    </a:lnT>
-                    <a:lnB w="12700" cap="flat" cmpd="sng" algn="ctr">
-                      <a:solidFill>
-                        <a:schemeClr val="tx1"/>
-                      </a:solidFill>
-                      <a:prstDash val="solid"/>
-                      <a:round/>
-                      <a:headEnd type="none" w="med" len="med"/>
-                      <a:tailEnd type="none" w="med" len="med"/>
-                    </a:lnB>
-                  </a:tcPr>
-                </a:tc>
-                <a:tc>
-                  <a:txBody>
-                    <a:bodyPr/>
-                    <a:lstStyle/>
-                    <a:p>
-                      <a:pPr algn="ctr"/>
-                      <a:r>
-                        <a:rPr lang="es-CO" sz="1000"/>
-                        <a:t>2 septiembre – 6 septiembre</a:t>
-                      </a:r>
-                    </a:p>
-                  </a:txBody>
-                  <a:tcPr>
-                    <a:lnL w="12700" cap="flat" cmpd="sng" algn="ctr">
-                      <a:solidFill>
-                        <a:schemeClr val="tx1"/>
-                      </a:solidFill>
-                      <a:prstDash val="solid"/>
-                      <a:round/>
-                      <a:headEnd type="none" w="med" len="med"/>
-                      <a:tailEnd type="none" w="med" len="med"/>
-                    </a:lnL>
-                    <a:lnR w="12700" cap="flat" cmpd="sng" algn="ctr">
-                      <a:solidFill>
-                        <a:schemeClr val="tx1"/>
-                      </a:solidFill>
-                      <a:prstDash val="solid"/>
-                      <a:round/>
-                      <a:headEnd type="none" w="med" len="med"/>
-                      <a:tailEnd type="none" w="med" len="med"/>
-                    </a:lnR>
-                    <a:lnT w="12700" cap="flat" cmpd="sng" algn="ctr">
-                      <a:solidFill>
-                        <a:schemeClr val="tx1"/>
-                      </a:solidFill>
-                      <a:prstDash val="solid"/>
-                      <a:round/>
-                      <a:headEnd type="none" w="med" len="med"/>
-                      <a:tailEnd type="none" w="med" len="med"/>
-                    </a:lnT>
-                    <a:lnB w="12700" cap="flat" cmpd="sng" algn="ctr">
-                      <a:solidFill>
-                        <a:schemeClr val="tx1"/>
-                      </a:solidFill>
-                      <a:prstDash val="solid"/>
-                      <a:round/>
-                      <a:headEnd type="none" w="med" len="med"/>
-                      <a:tailEnd type="none" w="med" len="med"/>
-                    </a:lnB>
-                  </a:tcPr>
-                </a:tc>
-                <a:tc>
-                  <a:txBody>
-                    <a:bodyPr/>
-                    <a:lstStyle/>
-                    <a:p>
-                      <a:pPr algn="ctr"/>
-                      <a:r>
-                        <a:rPr lang="es-CO" sz="1000"/>
-                        <a:t>Sistemas discretos de 1er y 2do orden .</a:t>
-                      </a:r>
-                    </a:p>
-                  </a:txBody>
-                  <a:tcPr>
-                    <a:lnL w="12700" cap="flat" cmpd="sng" algn="ctr">
-                      <a:solidFill>
-                        <a:schemeClr val="tx1"/>
-                      </a:solidFill>
-                      <a:prstDash val="solid"/>
-                      <a:round/>
-                      <a:headEnd type="none" w="med" len="med"/>
-                      <a:tailEnd type="none" w="med" len="med"/>
-                    </a:lnL>
-                    <a:lnR w="12700" cap="flat" cmpd="sng" algn="ctr">
-                      <a:solidFill>
-                        <a:schemeClr val="tx1"/>
-                      </a:solidFill>
-                      <a:prstDash val="solid"/>
-                      <a:round/>
-                      <a:headEnd type="none" w="med" len="med"/>
-                      <a:tailEnd type="none" w="med" len="med"/>
-                    </a:lnR>
-                    <a:lnT w="12700" cap="flat" cmpd="sng" algn="ctr">
-                      <a:solidFill>
-                        <a:schemeClr val="tx1"/>
-                      </a:solidFill>
-                      <a:prstDash val="solid"/>
-                      <a:round/>
-                      <a:headEnd type="none" w="med" len="med"/>
-                      <a:tailEnd type="none" w="med" len="med"/>
-                    </a:lnT>
-                    <a:lnB w="12700" cap="flat" cmpd="sng" algn="ctr">
-                      <a:solidFill>
-                        <a:schemeClr val="tx1"/>
-                      </a:solidFill>
-                      <a:prstDash val="solid"/>
-                      <a:round/>
-                      <a:headEnd type="none" w="med" len="med"/>
-                      <a:tailEnd type="none" w="med" len="med"/>
-                    </a:lnB>
-                  </a:tcPr>
-                </a:tc>
-                <a:extLst>
-                  <a:ext uri="{0D108BD9-81ED-4DB2-BD59-A6C34878D82A}">
-                    <a16:rowId xmlns:a16="http://schemas.microsoft.com/office/drawing/2014/main" val="1661866089"/>
-                  </a:ext>
-                </a:extLst>
-              </a:tr>
-              <a:tr h="269131">
-                <a:tc>
-                  <a:txBody>
-                    <a:bodyPr/>
-                    <a:lstStyle/>
-                    <a:p>
-                      <a:pPr algn="ctr"/>
-                      <a:r>
-                        <a:rPr lang="es-CO" sz="1000"/>
-                        <a:t>6</a:t>
-                      </a:r>
-                    </a:p>
-                  </a:txBody>
-                  <a:tcPr>
-                    <a:lnL w="12700" cap="flat" cmpd="sng" algn="ctr">
-                      <a:solidFill>
-                        <a:schemeClr val="tx1"/>
-                      </a:solidFill>
-                      <a:prstDash val="solid"/>
-                      <a:round/>
-                      <a:headEnd type="none" w="med" len="med"/>
-                      <a:tailEnd type="none" w="med" len="med"/>
-                    </a:lnL>
-                    <a:lnR w="12700" cap="flat" cmpd="sng" algn="ctr">
-                      <a:solidFill>
-                        <a:schemeClr val="tx1"/>
-                      </a:solidFill>
-                      <a:prstDash val="solid"/>
-                      <a:round/>
-                      <a:headEnd type="none" w="med" len="med"/>
-                      <a:tailEnd type="none" w="med" len="med"/>
-                    </a:lnR>
-                    <a:lnT w="12700" cap="flat" cmpd="sng" algn="ctr">
-                      <a:solidFill>
-                        <a:schemeClr val="tx1"/>
-                      </a:solidFill>
-                      <a:prstDash val="solid"/>
-                      <a:round/>
-                      <a:headEnd type="none" w="med" len="med"/>
-                      <a:tailEnd type="none" w="med" len="med"/>
-                    </a:lnT>
-                    <a:lnB w="12700" cap="flat" cmpd="sng" algn="ctr">
-                      <a:solidFill>
-                        <a:schemeClr val="tx1"/>
-                      </a:solidFill>
-                      <a:prstDash val="solid"/>
-                      <a:round/>
-                      <a:headEnd type="none" w="med" len="med"/>
-                      <a:tailEnd type="none" w="med" len="med"/>
-                    </a:lnB>
-                  </a:tcPr>
-                </a:tc>
-                <a:tc>
-                  <a:txBody>
-                    <a:bodyPr/>
-                    <a:lstStyle/>
-                    <a:p>
-                      <a:pPr algn="ctr"/>
-                      <a:r>
-                        <a:rPr lang="es-CO" sz="1000">
-                          <a:solidFill>
-                            <a:schemeClr val="tx1"/>
-                          </a:solidFill>
-                        </a:rPr>
-                        <a:t>9 septiembre – 13 septiembre</a:t>
-                      </a:r>
-                    </a:p>
-                  </a:txBody>
-                  <a:tcPr>
-                    <a:lnL w="12700" cap="flat" cmpd="sng" algn="ctr">
-                      <a:solidFill>
-                        <a:schemeClr val="tx1"/>
-                      </a:solidFill>
-                      <a:prstDash val="solid"/>
-                      <a:round/>
-                      <a:headEnd type="none" w="med" len="med"/>
-                      <a:tailEnd type="none" w="med" len="med"/>
-                    </a:lnL>
-                    <a:lnR w="12700" cap="flat" cmpd="sng" algn="ctr">
-                      <a:solidFill>
-                        <a:schemeClr val="tx1"/>
-                      </a:solidFill>
-                      <a:prstDash val="solid"/>
-                      <a:round/>
-                      <a:headEnd type="none" w="med" len="med"/>
-                      <a:tailEnd type="none" w="med" len="med"/>
-                    </a:lnR>
-                    <a:lnT w="12700" cap="flat" cmpd="sng" algn="ctr">
-                      <a:solidFill>
-                        <a:schemeClr val="tx1"/>
-                      </a:solidFill>
-                      <a:prstDash val="solid"/>
-                      <a:round/>
-                      <a:headEnd type="none" w="med" len="med"/>
-                      <a:tailEnd type="none" w="med" len="med"/>
-                    </a:lnT>
-                    <a:lnB w="12700" cap="flat" cmpd="sng" algn="ctr">
-                      <a:solidFill>
-                        <a:schemeClr val="tx1"/>
-                      </a:solidFill>
-                      <a:prstDash val="solid"/>
-                      <a:round/>
-                      <a:headEnd type="none" w="med" len="med"/>
-                      <a:tailEnd type="none" w="med" len="med"/>
-                    </a:lnB>
-                  </a:tcPr>
-                </a:tc>
-                <a:tc>
-                  <a:txBody>
-                    <a:bodyPr/>
-                    <a:lstStyle/>
-                    <a:p>
-                      <a:pPr algn="ctr"/>
-                      <a:r>
-                        <a:rPr lang="es-CO" sz="1000" b="1" u="sng">
-                          <a:solidFill>
-                            <a:srgbClr val="C00000"/>
-                          </a:solidFill>
-                        </a:rPr>
-                        <a:t>Examen Parcial 1</a:t>
-                      </a:r>
-                    </a:p>
-                  </a:txBody>
-                  <a:tcPr>
-                    <a:lnL w="12700" cap="flat" cmpd="sng" algn="ctr">
-                      <a:solidFill>
-                        <a:schemeClr val="tx1"/>
-                      </a:solidFill>
-                      <a:prstDash val="solid"/>
-                      <a:round/>
-                      <a:headEnd type="none" w="med" len="med"/>
-                      <a:tailEnd type="none" w="med" len="med"/>
-                    </a:lnL>
-                    <a:lnR w="12700" cap="flat" cmpd="sng" algn="ctr">
-                      <a:solidFill>
-                        <a:schemeClr val="tx1"/>
-                      </a:solidFill>
-                      <a:prstDash val="solid"/>
-                      <a:round/>
-                      <a:headEnd type="none" w="med" len="med"/>
-                      <a:tailEnd type="none" w="med" len="med"/>
-                    </a:lnR>
-                    <a:lnT w="12700" cap="flat" cmpd="sng" algn="ctr">
-                      <a:solidFill>
-                        <a:schemeClr val="tx1"/>
-                      </a:solidFill>
-                      <a:prstDash val="solid"/>
-                      <a:round/>
-                      <a:headEnd type="none" w="med" len="med"/>
-                      <a:tailEnd type="none" w="med" len="med"/>
-                    </a:lnT>
-                    <a:lnB w="12700" cap="flat" cmpd="sng" algn="ctr">
-                      <a:solidFill>
-                        <a:schemeClr val="tx1"/>
-                      </a:solidFill>
-                      <a:prstDash val="solid"/>
-                      <a:round/>
-                      <a:headEnd type="none" w="med" len="med"/>
-                      <a:tailEnd type="none" w="med" len="med"/>
-                    </a:lnB>
-                  </a:tcPr>
-                </a:tc>
-                <a:extLst>
-                  <a:ext uri="{0D108BD9-81ED-4DB2-BD59-A6C34878D82A}">
-                    <a16:rowId xmlns:a16="http://schemas.microsoft.com/office/drawing/2014/main" val="1205290604"/>
-                  </a:ext>
-                </a:extLst>
-              </a:tr>
-              <a:tr h="269131">
-                <a:tc>
-                  <a:txBody>
-                    <a:bodyPr/>
-                    <a:lstStyle/>
-                    <a:p>
-                      <a:pPr algn="ctr"/>
-                      <a:r>
-                        <a:rPr lang="es-CO" sz="1000"/>
-                        <a:t>7</a:t>
-                      </a:r>
-                    </a:p>
-                  </a:txBody>
-                  <a:tcPr>
-                    <a:lnL w="12700" cap="flat" cmpd="sng" algn="ctr">
-                      <a:solidFill>
-                        <a:schemeClr val="tx1"/>
-                      </a:solidFill>
-                      <a:prstDash val="solid"/>
-                      <a:round/>
-                      <a:headEnd type="none" w="med" len="med"/>
-                      <a:tailEnd type="none" w="med" len="med"/>
-                    </a:lnL>
-                    <a:lnR w="12700" cap="flat" cmpd="sng" algn="ctr">
-                      <a:solidFill>
-                        <a:schemeClr val="tx1"/>
-                      </a:solidFill>
-                      <a:prstDash val="solid"/>
-                      <a:round/>
-                      <a:headEnd type="none" w="med" len="med"/>
-                      <a:tailEnd type="none" w="med" len="med"/>
-                    </a:lnR>
-                    <a:lnT w="12700" cap="flat" cmpd="sng" algn="ctr">
-                      <a:solidFill>
-                        <a:schemeClr val="tx1"/>
-                      </a:solidFill>
-                      <a:prstDash val="solid"/>
-                      <a:round/>
-                      <a:headEnd type="none" w="med" len="med"/>
-                      <a:tailEnd type="none" w="med" len="med"/>
-                    </a:lnT>
-                    <a:lnB w="12700" cap="flat" cmpd="sng" algn="ctr">
-                      <a:solidFill>
-                        <a:schemeClr val="tx1"/>
-                      </a:solidFill>
-                      <a:prstDash val="solid"/>
-                      <a:round/>
-                      <a:headEnd type="none" w="med" len="med"/>
-                      <a:tailEnd type="none" w="med" len="med"/>
-                    </a:lnB>
-                  </a:tcPr>
-                </a:tc>
-                <a:tc>
-                  <a:txBody>
-                    <a:bodyPr/>
-                    <a:lstStyle/>
-                    <a:p>
-                      <a:pPr algn="ctr"/>
-                      <a:r>
-                        <a:rPr lang="es-CO" sz="1000"/>
-                        <a:t> 18 marzo – 22 marzo</a:t>
-                      </a:r>
-                    </a:p>
-                  </a:txBody>
-                  <a:tcPr>
-                    <a:lnL w="12700" cap="flat" cmpd="sng" algn="ctr">
-                      <a:solidFill>
-                        <a:schemeClr val="tx1"/>
-                      </a:solidFill>
-                      <a:prstDash val="solid"/>
-                      <a:round/>
-                      <a:headEnd type="none" w="med" len="med"/>
-                      <a:tailEnd type="none" w="med" len="med"/>
-                    </a:lnL>
-                    <a:lnR w="12700" cap="flat" cmpd="sng" algn="ctr">
-                      <a:solidFill>
-                        <a:schemeClr val="tx1"/>
-                      </a:solidFill>
-                      <a:prstDash val="solid"/>
-                      <a:round/>
-                      <a:headEnd type="none" w="med" len="med"/>
-                      <a:tailEnd type="none" w="med" len="med"/>
-                    </a:lnR>
-                    <a:lnT w="12700" cap="flat" cmpd="sng" algn="ctr">
-                      <a:solidFill>
-                        <a:schemeClr val="tx1"/>
-                      </a:solidFill>
-                      <a:prstDash val="solid"/>
-                      <a:round/>
-                      <a:headEnd type="none" w="med" len="med"/>
-                      <a:tailEnd type="none" w="med" len="med"/>
-                    </a:lnT>
-                    <a:lnB w="12700" cap="flat" cmpd="sng" algn="ctr">
-                      <a:solidFill>
-                        <a:schemeClr val="tx1"/>
-                      </a:solidFill>
-                      <a:prstDash val="solid"/>
-                      <a:round/>
-                      <a:headEnd type="none" w="med" len="med"/>
-                      <a:tailEnd type="none" w="med" len="med"/>
-                    </a:lnB>
-                  </a:tcPr>
-                </a:tc>
-                <a:tc>
-                  <a:txBody>
-                    <a:bodyPr/>
-                    <a:lstStyle/>
-                    <a:p>
-                      <a:pPr algn="ctr"/>
-                      <a:r>
-                        <a:rPr lang="es-ES" sz="1000"/>
-                        <a:t>Transformada De Fourier - Técnicas de discretización.</a:t>
-                      </a:r>
-                    </a:p>
-                  </a:txBody>
-                  <a:tcPr>
-                    <a:lnL w="12700" cap="flat" cmpd="sng" algn="ctr">
-                      <a:solidFill>
-                        <a:schemeClr val="tx1"/>
-                      </a:solidFill>
-                      <a:prstDash val="solid"/>
-                      <a:round/>
-                      <a:headEnd type="none" w="med" len="med"/>
-                      <a:tailEnd type="none" w="med" len="med"/>
-                    </a:lnL>
-                    <a:lnR w="12700" cap="flat" cmpd="sng" algn="ctr">
-                      <a:solidFill>
-                        <a:schemeClr val="tx1"/>
-                      </a:solidFill>
-                      <a:prstDash val="solid"/>
-                      <a:round/>
-                      <a:headEnd type="none" w="med" len="med"/>
-                      <a:tailEnd type="none" w="med" len="med"/>
-                    </a:lnR>
-                    <a:lnT w="12700" cap="flat" cmpd="sng" algn="ctr">
-                      <a:solidFill>
-                        <a:schemeClr val="tx1"/>
-                      </a:solidFill>
-                      <a:prstDash val="solid"/>
-                      <a:round/>
-                      <a:headEnd type="none" w="med" len="med"/>
-                      <a:tailEnd type="none" w="med" len="med"/>
-                    </a:lnT>
-                    <a:lnB w="12700" cap="flat" cmpd="sng" algn="ctr">
-                      <a:solidFill>
-                        <a:schemeClr val="tx1"/>
-                      </a:solidFill>
-                      <a:prstDash val="solid"/>
-                      <a:round/>
-                      <a:headEnd type="none" w="med" len="med"/>
-                      <a:tailEnd type="none" w="med" len="med"/>
-                    </a:lnB>
-                  </a:tcPr>
-                </a:tc>
-                <a:extLst>
-                  <a:ext uri="{0D108BD9-81ED-4DB2-BD59-A6C34878D82A}">
-                    <a16:rowId xmlns:a16="http://schemas.microsoft.com/office/drawing/2014/main" val="4109690420"/>
-                  </a:ext>
-                </a:extLst>
-              </a:tr>
-              <a:tr h="178935">
-                <a:tc>
-                  <a:txBody>
-                    <a:bodyPr/>
-                    <a:lstStyle/>
-                    <a:p>
-                      <a:pPr algn="ctr"/>
-                      <a:r>
-                        <a:rPr lang="es-CO" sz="1000"/>
-                        <a:t>8</a:t>
-                      </a:r>
-                    </a:p>
-                  </a:txBody>
-                  <a:tcPr>
-                    <a:lnL w="12700" cap="flat" cmpd="sng" algn="ctr">
-                      <a:solidFill>
-                        <a:schemeClr val="tx1"/>
-                      </a:solidFill>
-                      <a:prstDash val="solid"/>
-                      <a:round/>
-                      <a:headEnd type="none" w="med" len="med"/>
-                      <a:tailEnd type="none" w="med" len="med"/>
-                    </a:lnL>
-                    <a:lnR w="12700" cap="flat" cmpd="sng" algn="ctr">
-                      <a:solidFill>
-                        <a:schemeClr val="tx1"/>
-                      </a:solidFill>
-                      <a:prstDash val="solid"/>
-                      <a:round/>
-                      <a:headEnd type="none" w="med" len="med"/>
-                      <a:tailEnd type="none" w="med" len="med"/>
-                    </a:lnR>
-                    <a:lnT w="12700" cap="flat" cmpd="sng" algn="ctr">
-                      <a:solidFill>
-                        <a:schemeClr val="tx1"/>
-                      </a:solidFill>
-                      <a:prstDash val="solid"/>
-                      <a:round/>
-                      <a:headEnd type="none" w="med" len="med"/>
-                      <a:tailEnd type="none" w="med" len="med"/>
-                    </a:lnT>
-                    <a:lnB w="12700" cap="flat" cmpd="sng" algn="ctr">
-                      <a:solidFill>
-                        <a:schemeClr val="tx1"/>
-                      </a:solidFill>
-                      <a:prstDash val="solid"/>
-                      <a:round/>
-                      <a:headEnd type="none" w="med" len="med"/>
-                      <a:tailEnd type="none" w="med" len="med"/>
-                    </a:lnB>
-                  </a:tcPr>
-                </a:tc>
-                <a:tc>
-                  <a:txBody>
-                    <a:bodyPr/>
-                    <a:lstStyle/>
-                    <a:p>
-                      <a:pPr algn="ctr"/>
-                      <a:r>
-                        <a:rPr lang="es-CO" sz="1000">
-                          <a:solidFill>
-                            <a:schemeClr val="tx1"/>
-                          </a:solidFill>
-                        </a:rPr>
-                        <a:t>16 septiembre – 20 septiembre</a:t>
-                      </a:r>
-                    </a:p>
-                  </a:txBody>
-                  <a:tcPr>
-                    <a:lnL w="12700" cap="flat" cmpd="sng" algn="ctr">
-                      <a:solidFill>
-                        <a:schemeClr val="tx1"/>
-                      </a:solidFill>
-                      <a:prstDash val="solid"/>
-                      <a:round/>
-                      <a:headEnd type="none" w="med" len="med"/>
-                      <a:tailEnd type="none" w="med" len="med"/>
-                    </a:lnL>
-                    <a:lnR w="12700" cap="flat" cmpd="sng" algn="ctr">
-                      <a:solidFill>
-                        <a:schemeClr val="tx1"/>
-                      </a:solidFill>
-                      <a:prstDash val="solid"/>
-                      <a:round/>
-                      <a:headEnd type="none" w="med" len="med"/>
-                      <a:tailEnd type="none" w="med" len="med"/>
-                    </a:lnR>
-                    <a:lnT w="12700" cap="flat" cmpd="sng" algn="ctr">
-                      <a:solidFill>
-                        <a:schemeClr val="tx1"/>
-                      </a:solidFill>
-                      <a:prstDash val="solid"/>
-                      <a:round/>
-                      <a:headEnd type="none" w="med" len="med"/>
-                      <a:tailEnd type="none" w="med" len="med"/>
-                    </a:lnT>
-                    <a:lnB w="12700" cap="flat" cmpd="sng" algn="ctr">
-                      <a:solidFill>
-                        <a:schemeClr val="tx1"/>
-                      </a:solidFill>
-                      <a:prstDash val="solid"/>
-                      <a:round/>
-                      <a:headEnd type="none" w="med" len="med"/>
-                      <a:tailEnd type="none" w="med" len="med"/>
-                    </a:lnB>
-                  </a:tcPr>
-                </a:tc>
-                <a:tc>
-                  <a:txBody>
-                    <a:bodyPr/>
-                    <a:lstStyle/>
-                    <a:p>
-                      <a:pPr marL="0" marR="0" lvl="0" indent="0" algn="ctr" defTabSz="685800" rtl="0" eaLnBrk="1" fontAlgn="auto" latinLnBrk="0" hangingPunct="1">
-                        <a:lnSpc>
-                          <a:spcPct val="100000"/>
-                        </a:lnSpc>
-                        <a:spcBef>
-                          <a:spcPts val="0"/>
-                        </a:spcBef>
-                        <a:spcAft>
-                          <a:spcPts val="0"/>
-                        </a:spcAft>
-                        <a:buClrTx/>
-                        <a:buSzTx/>
-                        <a:buFontTx/>
-                        <a:buNone/>
-                        <a:tabLst/>
-                        <a:defRPr/>
-                      </a:pPr>
-                      <a:r>
-                        <a:rPr lang="es-ES" sz="1000"/>
-                        <a:t>Estabilidad</a:t>
-                      </a:r>
-                    </a:p>
-                    <a:p>
-                      <a:pPr marL="0" marR="0" lvl="0" indent="0" algn="ctr" defTabSz="685800" rtl="0" eaLnBrk="1" fontAlgn="auto" latinLnBrk="0" hangingPunct="1">
-                        <a:lnSpc>
-                          <a:spcPct val="100000"/>
-                        </a:lnSpc>
-                        <a:spcBef>
-                          <a:spcPts val="0"/>
-                        </a:spcBef>
-                        <a:spcAft>
-                          <a:spcPts val="0"/>
-                        </a:spcAft>
-                        <a:buClrTx/>
-                        <a:buSzTx/>
-                        <a:buFontTx/>
-                        <a:buNone/>
-                        <a:tabLst/>
-                        <a:defRPr/>
-                      </a:pPr>
-                      <a:r>
-                        <a:rPr lang="es-ES" sz="1000"/>
-                        <a:t>Pruebas de estabilidad </a:t>
-                      </a:r>
-                      <a:r>
-                        <a:rPr lang="es-ES" sz="1000" err="1"/>
-                        <a:t>Jury</a:t>
-                      </a:r>
-                      <a:endParaRPr lang="es-CO" sz="1000"/>
-                    </a:p>
-                  </a:txBody>
-                  <a:tcPr>
-                    <a:lnL w="12700" cap="flat" cmpd="sng" algn="ctr">
-                      <a:solidFill>
-                        <a:schemeClr val="tx1"/>
-                      </a:solidFill>
-                      <a:prstDash val="solid"/>
-                      <a:round/>
-                      <a:headEnd type="none" w="med" len="med"/>
-                      <a:tailEnd type="none" w="med" len="med"/>
-                    </a:lnL>
-                    <a:lnR w="12700" cap="flat" cmpd="sng" algn="ctr">
-                      <a:solidFill>
-                        <a:schemeClr val="tx1"/>
-                      </a:solidFill>
-                      <a:prstDash val="solid"/>
-                      <a:round/>
-                      <a:headEnd type="none" w="med" len="med"/>
-                      <a:tailEnd type="none" w="med" len="med"/>
-                    </a:lnR>
-                    <a:lnT w="12700" cap="flat" cmpd="sng" algn="ctr">
-                      <a:solidFill>
-                        <a:schemeClr val="tx1"/>
-                      </a:solidFill>
-                      <a:prstDash val="solid"/>
-                      <a:round/>
-                      <a:headEnd type="none" w="med" len="med"/>
-                      <a:tailEnd type="none" w="med" len="med"/>
-                    </a:lnT>
-                    <a:lnB w="12700" cap="flat" cmpd="sng" algn="ctr">
-                      <a:solidFill>
-                        <a:schemeClr val="tx1"/>
-                      </a:solidFill>
-                      <a:prstDash val="solid"/>
-                      <a:round/>
-                      <a:headEnd type="none" w="med" len="med"/>
-                      <a:tailEnd type="none" w="med" len="med"/>
-                    </a:lnB>
-                  </a:tcPr>
-                </a:tc>
-                <a:extLst>
-                  <a:ext uri="{0D108BD9-81ED-4DB2-BD59-A6C34878D82A}">
-                    <a16:rowId xmlns:a16="http://schemas.microsoft.com/office/drawing/2014/main" val="4003450833"/>
-                  </a:ext>
-                </a:extLst>
-              </a:tr>
-              <a:tr h="269131">
-                <a:tc>
-                  <a:txBody>
-                    <a:bodyPr/>
-                    <a:lstStyle/>
-                    <a:p>
-                      <a:pPr algn="ctr"/>
-                      <a:r>
-                        <a:rPr lang="es-CO" sz="1000"/>
-                        <a:t>9</a:t>
-                      </a:r>
-                    </a:p>
-                  </a:txBody>
-                  <a:tcPr>
-                    <a:lnL w="12700" cap="flat" cmpd="sng" algn="ctr">
-                      <a:solidFill>
-                        <a:schemeClr val="tx1"/>
-                      </a:solidFill>
-                      <a:prstDash val="solid"/>
-                      <a:round/>
-                      <a:headEnd type="none" w="med" len="med"/>
-                      <a:tailEnd type="none" w="med" len="med"/>
-                    </a:lnL>
-                    <a:lnR w="12700" cap="flat" cmpd="sng" algn="ctr">
-                      <a:solidFill>
-                        <a:schemeClr val="tx1"/>
-                      </a:solidFill>
-                      <a:prstDash val="solid"/>
-                      <a:round/>
-                      <a:headEnd type="none" w="med" len="med"/>
-                      <a:tailEnd type="none" w="med" len="med"/>
-                    </a:lnR>
-                    <a:lnT w="12700" cap="flat" cmpd="sng" algn="ctr">
-                      <a:solidFill>
-                        <a:schemeClr val="tx1"/>
-                      </a:solidFill>
-                      <a:prstDash val="solid"/>
-                      <a:round/>
-                      <a:headEnd type="none" w="med" len="med"/>
-                      <a:tailEnd type="none" w="med" len="med"/>
-                    </a:lnT>
-                    <a:lnB w="12700" cap="flat" cmpd="sng" algn="ctr">
-                      <a:solidFill>
-                        <a:schemeClr val="tx1"/>
-                      </a:solidFill>
-                      <a:prstDash val="solid"/>
-                      <a:round/>
-                      <a:headEnd type="none" w="med" len="med"/>
-                      <a:tailEnd type="none" w="med" len="med"/>
-                    </a:lnB>
-                  </a:tcPr>
-                </a:tc>
-                <a:tc>
-                  <a:txBody>
-                    <a:bodyPr/>
-                    <a:lstStyle/>
-                    <a:p>
-                      <a:pPr algn="ctr"/>
-                      <a:r>
-                        <a:rPr lang="es-CO" sz="1000">
-                          <a:solidFill>
-                            <a:schemeClr val="tx1"/>
-                          </a:solidFill>
-                        </a:rPr>
-                        <a:t>23 septiembre – 27 septiembre</a:t>
-                      </a:r>
-                    </a:p>
-                  </a:txBody>
-                  <a:tcPr>
-                    <a:lnL w="12700" cap="flat" cmpd="sng" algn="ctr">
-                      <a:solidFill>
-                        <a:schemeClr val="tx1"/>
-                      </a:solidFill>
-                      <a:prstDash val="solid"/>
-                      <a:round/>
-                      <a:headEnd type="none" w="med" len="med"/>
-                      <a:tailEnd type="none" w="med" len="med"/>
-                    </a:lnL>
-                    <a:lnR w="12700" cap="flat" cmpd="sng" algn="ctr">
-                      <a:solidFill>
-                        <a:schemeClr val="tx1"/>
-                      </a:solidFill>
-                      <a:prstDash val="solid"/>
-                      <a:round/>
-                      <a:headEnd type="none" w="med" len="med"/>
-                      <a:tailEnd type="none" w="med" len="med"/>
-                    </a:lnR>
-                    <a:lnT w="12700" cap="flat" cmpd="sng" algn="ctr">
-                      <a:solidFill>
-                        <a:schemeClr val="tx1"/>
-                      </a:solidFill>
-                      <a:prstDash val="solid"/>
-                      <a:round/>
-                      <a:headEnd type="none" w="med" len="med"/>
-                      <a:tailEnd type="none" w="med" len="med"/>
-                    </a:lnT>
-                    <a:lnB w="12700" cap="flat" cmpd="sng" algn="ctr">
-                      <a:solidFill>
-                        <a:schemeClr val="tx1"/>
-                      </a:solidFill>
-                      <a:prstDash val="solid"/>
-                      <a:round/>
-                      <a:headEnd type="none" w="med" len="med"/>
-                      <a:tailEnd type="none" w="med" len="med"/>
-                    </a:lnB>
-                  </a:tcPr>
-                </a:tc>
-                <a:tc>
-                  <a:txBody>
-                    <a:bodyPr/>
-                    <a:lstStyle/>
-                    <a:p>
-                      <a:pPr algn="ctr"/>
-                      <a:r>
-                        <a:rPr lang="es-ES" sz="1000"/>
-                        <a:t>Lugar geométrico de las raíces</a:t>
-                      </a:r>
-                      <a:endParaRPr lang="es-ES" sz="1000">
-                        <a:highlight>
-                          <a:srgbClr val="FFFF00"/>
-                        </a:highlight>
-                      </a:endParaRPr>
-                    </a:p>
-                  </a:txBody>
-                  <a:tcPr>
-                    <a:lnL w="12700" cap="flat" cmpd="sng" algn="ctr">
-                      <a:solidFill>
-                        <a:schemeClr val="tx1"/>
-                      </a:solidFill>
-                      <a:prstDash val="solid"/>
-                      <a:round/>
-                      <a:headEnd type="none" w="med" len="med"/>
-                      <a:tailEnd type="none" w="med" len="med"/>
-                    </a:lnL>
-                    <a:lnR w="12700" cap="flat" cmpd="sng" algn="ctr">
-                      <a:solidFill>
-                        <a:schemeClr val="tx1"/>
-                      </a:solidFill>
-                      <a:prstDash val="solid"/>
-                      <a:round/>
-                      <a:headEnd type="none" w="med" len="med"/>
-                      <a:tailEnd type="none" w="med" len="med"/>
-                    </a:lnR>
-                    <a:lnT w="12700" cap="flat" cmpd="sng" algn="ctr">
-                      <a:solidFill>
-                        <a:schemeClr val="tx1"/>
-                      </a:solidFill>
-                      <a:prstDash val="solid"/>
-                      <a:round/>
-                      <a:headEnd type="none" w="med" len="med"/>
-                      <a:tailEnd type="none" w="med" len="med"/>
-                    </a:lnT>
-                    <a:lnB w="12700" cap="flat" cmpd="sng" algn="ctr">
-                      <a:solidFill>
-                        <a:schemeClr val="tx1"/>
-                      </a:solidFill>
-                      <a:prstDash val="solid"/>
-                      <a:round/>
-                      <a:headEnd type="none" w="med" len="med"/>
-                      <a:tailEnd type="none" w="med" len="med"/>
-                    </a:lnB>
-                  </a:tcPr>
-                </a:tc>
-                <a:extLst>
-                  <a:ext uri="{0D108BD9-81ED-4DB2-BD59-A6C34878D82A}">
-                    <a16:rowId xmlns:a16="http://schemas.microsoft.com/office/drawing/2014/main" val="3557391392"/>
-                  </a:ext>
-                </a:extLst>
-              </a:tr>
-              <a:tr h="283543">
-                <a:tc>
-                  <a:txBody>
-                    <a:bodyPr/>
-                    <a:lstStyle/>
-                    <a:p>
-                      <a:pPr algn="ctr"/>
-                      <a:r>
-                        <a:rPr lang="es-ES" sz="1000"/>
-                        <a:t>10</a:t>
-                      </a:r>
-                      <a:endParaRPr lang="es-CO" sz="1000"/>
-                    </a:p>
-                  </a:txBody>
-                  <a:tcPr>
-                    <a:lnL w="12700" cap="flat" cmpd="sng" algn="ctr">
-                      <a:solidFill>
-                        <a:schemeClr val="tx1"/>
-                      </a:solidFill>
-                      <a:prstDash val="solid"/>
-                      <a:round/>
-                      <a:headEnd type="none" w="med" len="med"/>
-                      <a:tailEnd type="none" w="med" len="med"/>
-                    </a:lnL>
-                    <a:lnR w="12700" cap="flat" cmpd="sng" algn="ctr">
-                      <a:solidFill>
-                        <a:schemeClr val="tx1"/>
-                      </a:solidFill>
-                      <a:prstDash val="solid"/>
-                      <a:round/>
-                      <a:headEnd type="none" w="med" len="med"/>
-                      <a:tailEnd type="none" w="med" len="med"/>
-                    </a:lnR>
-                    <a:lnT w="12700" cap="flat" cmpd="sng" algn="ctr">
-                      <a:solidFill>
-                        <a:schemeClr val="tx1"/>
-                      </a:solidFill>
-                      <a:prstDash val="solid"/>
-                      <a:round/>
-                      <a:headEnd type="none" w="med" len="med"/>
-                      <a:tailEnd type="none" w="med" len="med"/>
-                    </a:lnT>
-                    <a:lnB w="12700" cap="flat" cmpd="sng" algn="ctr">
-                      <a:solidFill>
-                        <a:schemeClr val="tx1"/>
-                      </a:solidFill>
-                      <a:prstDash val="solid"/>
-                      <a:round/>
-                      <a:headEnd type="none" w="med" len="med"/>
-                      <a:tailEnd type="none" w="med" len="med"/>
-                    </a:lnB>
-                  </a:tcPr>
-                </a:tc>
-                <a:tc>
-                  <a:txBody>
-                    <a:bodyPr/>
-                    <a:lstStyle/>
-                    <a:p>
-                      <a:pPr algn="ctr"/>
-                      <a:r>
-                        <a:rPr lang="es-CO" sz="1000"/>
-                        <a:t>30 septiembre – 4 octubre</a:t>
-                      </a:r>
-                    </a:p>
-                  </a:txBody>
-                  <a:tcPr>
-                    <a:lnL w="12700" cap="flat" cmpd="sng" algn="ctr">
-                      <a:solidFill>
-                        <a:schemeClr val="tx1"/>
-                      </a:solidFill>
-                      <a:prstDash val="solid"/>
-                      <a:round/>
-                      <a:headEnd type="none" w="med" len="med"/>
-                      <a:tailEnd type="none" w="med" len="med"/>
-                    </a:lnL>
-                    <a:lnR w="12700" cap="flat" cmpd="sng" algn="ctr">
-                      <a:solidFill>
-                        <a:schemeClr val="tx1"/>
-                      </a:solidFill>
-                      <a:prstDash val="solid"/>
-                      <a:round/>
-                      <a:headEnd type="none" w="med" len="med"/>
-                      <a:tailEnd type="none" w="med" len="med"/>
-                    </a:lnR>
-                    <a:lnT w="12700" cap="flat" cmpd="sng" algn="ctr">
-                      <a:solidFill>
-                        <a:schemeClr val="tx1"/>
-                      </a:solidFill>
-                      <a:prstDash val="solid"/>
-                      <a:round/>
-                      <a:headEnd type="none" w="med" len="med"/>
-                      <a:tailEnd type="none" w="med" len="med"/>
-                    </a:lnT>
-                    <a:lnB w="12700" cap="flat" cmpd="sng" algn="ctr">
-                      <a:solidFill>
-                        <a:schemeClr val="tx1"/>
-                      </a:solidFill>
-                      <a:prstDash val="solid"/>
-                      <a:round/>
-                      <a:headEnd type="none" w="med" len="med"/>
-                      <a:tailEnd type="none" w="med" len="med"/>
-                    </a:lnB>
-                  </a:tcPr>
-                </a:tc>
-                <a:tc>
-                  <a:txBody>
-                    <a:bodyPr/>
-                    <a:lstStyle/>
-                    <a:p>
-                      <a:pPr marL="0" marR="0" lvl="0" indent="0" algn="ctr" defTabSz="685800" rtl="0" eaLnBrk="1" fontAlgn="auto" latinLnBrk="0" hangingPunct="1">
-                        <a:lnSpc>
-                          <a:spcPct val="100000"/>
-                        </a:lnSpc>
-                        <a:spcBef>
-                          <a:spcPts val="0"/>
-                        </a:spcBef>
-                        <a:spcAft>
-                          <a:spcPts val="0"/>
-                        </a:spcAft>
-                        <a:buClrTx/>
-                        <a:buSzTx/>
-                        <a:buFontTx/>
-                        <a:buNone/>
-                        <a:tabLst/>
-                        <a:defRPr/>
-                      </a:pPr>
-                      <a:r>
-                        <a:rPr lang="es-ES" sz="1000"/>
-                        <a:t>Sistemas de Control TD</a:t>
-                      </a:r>
-                    </a:p>
-                  </a:txBody>
-                  <a:tcPr>
-                    <a:lnL w="12700" cap="flat" cmpd="sng" algn="ctr">
-                      <a:solidFill>
-                        <a:schemeClr val="tx1"/>
-                      </a:solidFill>
-                      <a:prstDash val="solid"/>
-                      <a:round/>
-                      <a:headEnd type="none" w="med" len="med"/>
-                      <a:tailEnd type="none" w="med" len="med"/>
-                    </a:lnL>
-                    <a:lnR w="12700" cap="flat" cmpd="sng" algn="ctr">
-                      <a:solidFill>
-                        <a:schemeClr val="tx1"/>
-                      </a:solidFill>
-                      <a:prstDash val="solid"/>
-                      <a:round/>
-                      <a:headEnd type="none" w="med" len="med"/>
-                      <a:tailEnd type="none" w="med" len="med"/>
-                    </a:lnR>
-                    <a:lnT w="12700" cap="flat" cmpd="sng" algn="ctr">
-                      <a:solidFill>
-                        <a:schemeClr val="tx1"/>
-                      </a:solidFill>
-                      <a:prstDash val="solid"/>
-                      <a:round/>
-                      <a:headEnd type="none" w="med" len="med"/>
-                      <a:tailEnd type="none" w="med" len="med"/>
-                    </a:lnT>
-                    <a:lnB w="12700" cap="flat" cmpd="sng" algn="ctr">
-                      <a:solidFill>
-                        <a:schemeClr val="tx1"/>
-                      </a:solidFill>
-                      <a:prstDash val="solid"/>
-                      <a:round/>
-                      <a:headEnd type="none" w="med" len="med"/>
-                      <a:tailEnd type="none" w="med" len="med"/>
-                    </a:lnB>
-                  </a:tcPr>
-                </a:tc>
-                <a:extLst>
-                  <a:ext uri="{0D108BD9-81ED-4DB2-BD59-A6C34878D82A}">
-                    <a16:rowId xmlns:a16="http://schemas.microsoft.com/office/drawing/2014/main" val="3566965982"/>
-                  </a:ext>
-                </a:extLst>
-              </a:tr>
-              <a:tr h="269131">
-                <a:tc>
-                  <a:txBody>
-                    <a:bodyPr/>
-                    <a:lstStyle/>
-                    <a:p>
-                      <a:pPr algn="ctr"/>
-                      <a:r>
-                        <a:rPr lang="es-CO" sz="1000"/>
-                        <a:t>11</a:t>
-                      </a:r>
-                    </a:p>
-                  </a:txBody>
-                  <a:tcPr>
-                    <a:lnL w="12700" cap="flat" cmpd="sng" algn="ctr">
-                      <a:solidFill>
-                        <a:schemeClr val="tx1"/>
-                      </a:solidFill>
-                      <a:prstDash val="solid"/>
-                      <a:round/>
-                      <a:headEnd type="none" w="med" len="med"/>
-                      <a:tailEnd type="none" w="med" len="med"/>
-                    </a:lnL>
-                    <a:lnR w="12700" cap="flat" cmpd="sng" algn="ctr">
-                      <a:solidFill>
-                        <a:schemeClr val="tx1"/>
-                      </a:solidFill>
-                      <a:prstDash val="solid"/>
-                      <a:round/>
-                      <a:headEnd type="none" w="med" len="med"/>
-                      <a:tailEnd type="none" w="med" len="med"/>
-                    </a:lnR>
-                    <a:lnT w="12700" cap="flat" cmpd="sng" algn="ctr">
-                      <a:solidFill>
-                        <a:schemeClr val="tx1"/>
-                      </a:solidFill>
-                      <a:prstDash val="solid"/>
-                      <a:round/>
-                      <a:headEnd type="none" w="med" len="med"/>
-                      <a:tailEnd type="none" w="med" len="med"/>
-                    </a:lnT>
-                    <a:lnB w="12700" cap="flat" cmpd="sng" algn="ctr">
-                      <a:solidFill>
-                        <a:schemeClr val="tx1"/>
-                      </a:solidFill>
-                      <a:prstDash val="solid"/>
-                      <a:round/>
-                      <a:headEnd type="none" w="med" len="med"/>
-                      <a:tailEnd type="none" w="med" len="med"/>
-                    </a:lnB>
-                  </a:tcPr>
-                </a:tc>
-                <a:tc>
-                  <a:txBody>
-                    <a:bodyPr/>
-                    <a:lstStyle/>
-                    <a:p>
-                      <a:pPr algn="ctr"/>
-                      <a:r>
-                        <a:rPr lang="es-CO" sz="1000">
-                          <a:solidFill>
-                            <a:schemeClr val="tx1"/>
-                          </a:solidFill>
-                        </a:rPr>
-                        <a:t>7 octubre – 11 octubre</a:t>
-                      </a:r>
-                    </a:p>
-                  </a:txBody>
-                  <a:tcPr>
-                    <a:lnL w="12700" cap="flat" cmpd="sng" algn="ctr">
-                      <a:solidFill>
-                        <a:schemeClr val="tx1"/>
-                      </a:solidFill>
-                      <a:prstDash val="solid"/>
-                      <a:round/>
-                      <a:headEnd type="none" w="med" len="med"/>
-                      <a:tailEnd type="none" w="med" len="med"/>
-                    </a:lnL>
-                    <a:lnR w="12700" cap="flat" cmpd="sng" algn="ctr">
-                      <a:solidFill>
-                        <a:schemeClr val="tx1"/>
-                      </a:solidFill>
-                      <a:prstDash val="solid"/>
-                      <a:round/>
-                      <a:headEnd type="none" w="med" len="med"/>
-                      <a:tailEnd type="none" w="med" len="med"/>
-                    </a:lnR>
-                    <a:lnT w="12700" cap="flat" cmpd="sng" algn="ctr">
-                      <a:solidFill>
-                        <a:schemeClr val="tx1"/>
-                      </a:solidFill>
-                      <a:prstDash val="solid"/>
-                      <a:round/>
-                      <a:headEnd type="none" w="med" len="med"/>
-                      <a:tailEnd type="none" w="med" len="med"/>
-                    </a:lnT>
-                    <a:lnB w="12700" cap="flat" cmpd="sng" algn="ctr">
-                      <a:solidFill>
-                        <a:schemeClr val="tx1"/>
-                      </a:solidFill>
-                      <a:prstDash val="solid"/>
-                      <a:round/>
-                      <a:headEnd type="none" w="med" len="med"/>
-                      <a:tailEnd type="none" w="med" len="med"/>
-                    </a:lnB>
-                  </a:tcPr>
-                </a:tc>
-                <a:tc>
-                  <a:txBody>
-                    <a:bodyPr/>
-                    <a:lstStyle/>
-                    <a:p>
-                      <a:pPr marL="0" marR="0" lvl="0" indent="0" algn="ctr" defTabSz="685800" rtl="0" eaLnBrk="1" fontAlgn="auto" latinLnBrk="0" hangingPunct="1">
-                        <a:lnSpc>
-                          <a:spcPct val="100000"/>
-                        </a:lnSpc>
-                        <a:spcBef>
-                          <a:spcPts val="0"/>
-                        </a:spcBef>
-                        <a:spcAft>
-                          <a:spcPts val="0"/>
-                        </a:spcAft>
-                        <a:buClrTx/>
-                        <a:buSzTx/>
-                        <a:buFontTx/>
-                        <a:buNone/>
-                        <a:tabLst/>
-                        <a:defRPr/>
-                      </a:pPr>
-                      <a:r>
-                        <a:rPr lang="es-CO" sz="1000"/>
-                        <a:t>El controlador PID</a:t>
-                      </a:r>
-                    </a:p>
-                  </a:txBody>
-                  <a:tcPr>
-                    <a:lnL w="12700" cap="flat" cmpd="sng" algn="ctr">
-                      <a:solidFill>
-                        <a:schemeClr val="tx1"/>
-                      </a:solidFill>
-                      <a:prstDash val="solid"/>
-                      <a:round/>
-                      <a:headEnd type="none" w="med" len="med"/>
-                      <a:tailEnd type="none" w="med" len="med"/>
-                    </a:lnL>
-                    <a:lnR w="12700" cap="flat" cmpd="sng" algn="ctr">
-                      <a:solidFill>
-                        <a:schemeClr val="tx1"/>
-                      </a:solidFill>
-                      <a:prstDash val="solid"/>
-                      <a:round/>
-                      <a:headEnd type="none" w="med" len="med"/>
-                      <a:tailEnd type="none" w="med" len="med"/>
-                    </a:lnR>
-                    <a:lnT w="12700" cap="flat" cmpd="sng" algn="ctr">
-                      <a:solidFill>
-                        <a:schemeClr val="tx1"/>
-                      </a:solidFill>
-                      <a:prstDash val="solid"/>
-                      <a:round/>
-                      <a:headEnd type="none" w="med" len="med"/>
-                      <a:tailEnd type="none" w="med" len="med"/>
-                    </a:lnT>
-                    <a:lnB w="12700" cap="flat" cmpd="sng" algn="ctr">
-                      <a:solidFill>
-                        <a:schemeClr val="tx1"/>
-                      </a:solidFill>
-                      <a:prstDash val="solid"/>
-                      <a:round/>
-                      <a:headEnd type="none" w="med" len="med"/>
-                      <a:tailEnd type="none" w="med" len="med"/>
-                    </a:lnB>
-                  </a:tcPr>
-                </a:tc>
-                <a:extLst>
-                  <a:ext uri="{0D108BD9-81ED-4DB2-BD59-A6C34878D82A}">
-                    <a16:rowId xmlns:a16="http://schemas.microsoft.com/office/drawing/2014/main" val="4282833152"/>
-                  </a:ext>
-                </a:extLst>
-              </a:tr>
-              <a:tr h="269131">
-                <a:tc>
-                  <a:txBody>
-                    <a:bodyPr/>
-                    <a:lstStyle/>
-                    <a:p>
-                      <a:pPr algn="ctr"/>
-                      <a:r>
-                        <a:rPr lang="es-CO" sz="1000"/>
-                        <a:t>12</a:t>
-                      </a:r>
-                    </a:p>
-                  </a:txBody>
-                  <a:tcPr>
-                    <a:lnL w="12700" cap="flat" cmpd="sng" algn="ctr">
-                      <a:solidFill>
-                        <a:schemeClr val="tx1"/>
-                      </a:solidFill>
-                      <a:prstDash val="solid"/>
-                      <a:round/>
-                      <a:headEnd type="none" w="med" len="med"/>
-                      <a:tailEnd type="none" w="med" len="med"/>
-                    </a:lnL>
-                    <a:lnR w="12700" cap="flat" cmpd="sng" algn="ctr">
-                      <a:solidFill>
-                        <a:schemeClr val="tx1"/>
-                      </a:solidFill>
-                      <a:prstDash val="solid"/>
-                      <a:round/>
-                      <a:headEnd type="none" w="med" len="med"/>
-                      <a:tailEnd type="none" w="med" len="med"/>
-                    </a:lnR>
-                    <a:lnT w="12700" cap="flat" cmpd="sng" algn="ctr">
-                      <a:solidFill>
-                        <a:schemeClr val="tx1"/>
-                      </a:solidFill>
-                      <a:prstDash val="solid"/>
-                      <a:round/>
-                      <a:headEnd type="none" w="med" len="med"/>
-                      <a:tailEnd type="none" w="med" len="med"/>
-                    </a:lnT>
-                    <a:lnB w="12700" cap="flat" cmpd="sng" algn="ctr">
-                      <a:solidFill>
-                        <a:schemeClr val="tx1"/>
-                      </a:solidFill>
-                      <a:prstDash val="solid"/>
-                      <a:round/>
-                      <a:headEnd type="none" w="med" len="med"/>
-                      <a:tailEnd type="none" w="med" len="med"/>
-                    </a:lnB>
-                  </a:tcPr>
-                </a:tc>
-                <a:tc>
-                  <a:txBody>
-                    <a:bodyPr/>
-                    <a:lstStyle/>
-                    <a:p>
-                      <a:pPr algn="ctr"/>
-                      <a:r>
-                        <a:rPr lang="es-CO" sz="1000">
-                          <a:solidFill>
-                            <a:srgbClr val="FF0000"/>
-                          </a:solidFill>
-                          <a:highlight>
-                            <a:srgbClr val="FFFF00"/>
-                          </a:highlight>
-                        </a:rPr>
-                        <a:t>14 octubre – 18 octubre </a:t>
-                      </a:r>
-                    </a:p>
-                  </a:txBody>
-                  <a:tcPr>
-                    <a:lnL w="12700" cap="flat" cmpd="sng" algn="ctr">
-                      <a:solidFill>
-                        <a:schemeClr val="tx1"/>
-                      </a:solidFill>
-                      <a:prstDash val="solid"/>
-                      <a:round/>
-                      <a:headEnd type="none" w="med" len="med"/>
-                      <a:tailEnd type="none" w="med" len="med"/>
-                    </a:lnL>
-                    <a:lnR w="12700" cap="flat" cmpd="sng" algn="ctr">
-                      <a:solidFill>
-                        <a:schemeClr val="tx1"/>
-                      </a:solidFill>
-                      <a:prstDash val="solid"/>
-                      <a:round/>
-                      <a:headEnd type="none" w="med" len="med"/>
-                      <a:tailEnd type="none" w="med" len="med"/>
-                    </a:lnR>
-                    <a:lnT w="12700" cap="flat" cmpd="sng" algn="ctr">
-                      <a:solidFill>
-                        <a:schemeClr val="tx1"/>
-                      </a:solidFill>
-                      <a:prstDash val="solid"/>
-                      <a:round/>
-                      <a:headEnd type="none" w="med" len="med"/>
-                      <a:tailEnd type="none" w="med" len="med"/>
-                    </a:lnT>
-                    <a:lnB w="12700" cap="flat" cmpd="sng" algn="ctr">
-                      <a:solidFill>
-                        <a:schemeClr val="tx1"/>
-                      </a:solidFill>
-                      <a:prstDash val="solid"/>
-                      <a:round/>
-                      <a:headEnd type="none" w="med" len="med"/>
-                      <a:tailEnd type="none" w="med" len="med"/>
-                    </a:lnB>
-                  </a:tcPr>
-                </a:tc>
-                <a:tc>
-                  <a:txBody>
-                    <a:bodyPr/>
-                    <a:lstStyle/>
-                    <a:p>
-                      <a:pPr marL="0" marR="0" lvl="0" indent="0" algn="ctr" defTabSz="685800" rtl="0" eaLnBrk="1" fontAlgn="auto" latinLnBrk="0" hangingPunct="1">
-                        <a:lnSpc>
-                          <a:spcPct val="100000"/>
-                        </a:lnSpc>
-                        <a:spcBef>
-                          <a:spcPts val="0"/>
-                        </a:spcBef>
-                        <a:spcAft>
-                          <a:spcPts val="0"/>
-                        </a:spcAft>
-                        <a:buClrTx/>
-                        <a:buSzTx/>
-                        <a:buFontTx/>
-                        <a:buNone/>
-                        <a:tabLst/>
-                        <a:defRPr/>
-                      </a:pPr>
-                      <a:r>
-                        <a:rPr lang="es-CO" sz="1000"/>
-                        <a:t>Diseño basado en LGR</a:t>
-                      </a:r>
-                    </a:p>
-                  </a:txBody>
-                  <a:tcPr>
-                    <a:lnL w="12700" cap="flat" cmpd="sng" algn="ctr">
-                      <a:solidFill>
-                        <a:schemeClr val="tx1"/>
-                      </a:solidFill>
-                      <a:prstDash val="solid"/>
-                      <a:round/>
-                      <a:headEnd type="none" w="med" len="med"/>
-                      <a:tailEnd type="none" w="med" len="med"/>
-                    </a:lnL>
-                    <a:lnR w="12700" cap="flat" cmpd="sng" algn="ctr">
-                      <a:solidFill>
-                        <a:schemeClr val="tx1"/>
-                      </a:solidFill>
-                      <a:prstDash val="solid"/>
-                      <a:round/>
-                      <a:headEnd type="none" w="med" len="med"/>
-                      <a:tailEnd type="none" w="med" len="med"/>
-                    </a:lnR>
-                    <a:lnT w="12700" cap="flat" cmpd="sng" algn="ctr">
-                      <a:solidFill>
-                        <a:schemeClr val="tx1"/>
-                      </a:solidFill>
-                      <a:prstDash val="solid"/>
-                      <a:round/>
-                      <a:headEnd type="none" w="med" len="med"/>
-                      <a:tailEnd type="none" w="med" len="med"/>
-                    </a:lnT>
-                    <a:lnB w="12700" cap="flat" cmpd="sng" algn="ctr">
-                      <a:solidFill>
-                        <a:schemeClr val="tx1"/>
-                      </a:solidFill>
-                      <a:prstDash val="solid"/>
-                      <a:round/>
-                      <a:headEnd type="none" w="med" len="med"/>
-                      <a:tailEnd type="none" w="med" len="med"/>
-                    </a:lnB>
-                  </a:tcPr>
-                </a:tc>
-                <a:extLst>
-                  <a:ext uri="{0D108BD9-81ED-4DB2-BD59-A6C34878D82A}">
-                    <a16:rowId xmlns:a16="http://schemas.microsoft.com/office/drawing/2014/main" val="534397848"/>
-                  </a:ext>
-                </a:extLst>
-              </a:tr>
-              <a:tr h="269131">
-                <a:tc>
-                  <a:txBody>
-                    <a:bodyPr/>
-                    <a:lstStyle/>
-                    <a:p>
-                      <a:pPr algn="ctr"/>
-                      <a:r>
-                        <a:rPr lang="es-CO" sz="1000"/>
-                        <a:t>13</a:t>
-                      </a:r>
-                    </a:p>
-                  </a:txBody>
-                  <a:tcPr>
-                    <a:lnL w="12700" cap="flat" cmpd="sng" algn="ctr">
-                      <a:solidFill>
-                        <a:schemeClr val="tx1"/>
-                      </a:solidFill>
-                      <a:prstDash val="solid"/>
-                      <a:round/>
-                      <a:headEnd type="none" w="med" len="med"/>
-                      <a:tailEnd type="none" w="med" len="med"/>
-                    </a:lnL>
-                    <a:lnR w="12700" cap="flat" cmpd="sng" algn="ctr">
-                      <a:solidFill>
-                        <a:schemeClr val="tx1"/>
-                      </a:solidFill>
-                      <a:prstDash val="solid"/>
-                      <a:round/>
-                      <a:headEnd type="none" w="med" len="med"/>
-                      <a:tailEnd type="none" w="med" len="med"/>
-                    </a:lnR>
-                    <a:lnT w="12700" cap="flat" cmpd="sng" algn="ctr">
-                      <a:solidFill>
-                        <a:schemeClr val="tx1"/>
-                      </a:solidFill>
-                      <a:prstDash val="solid"/>
-                      <a:round/>
-                      <a:headEnd type="none" w="med" len="med"/>
-                      <a:tailEnd type="none" w="med" len="med"/>
-                    </a:lnT>
-                    <a:lnB w="12700" cap="flat" cmpd="sng" algn="ctr">
-                      <a:solidFill>
-                        <a:schemeClr val="tx1"/>
-                      </a:solidFill>
-                      <a:prstDash val="solid"/>
-                      <a:round/>
-                      <a:headEnd type="none" w="med" len="med"/>
-                      <a:tailEnd type="none" w="med" len="med"/>
-                    </a:lnB>
-                  </a:tcPr>
-                </a:tc>
-                <a:tc>
-                  <a:txBody>
-                    <a:bodyPr/>
-                    <a:lstStyle/>
-                    <a:p>
-                      <a:pPr marL="0" marR="0" lvl="0" indent="0" algn="ctr" defTabSz="914400" rtl="0" eaLnBrk="1" fontAlgn="auto" latinLnBrk="0" hangingPunct="1">
-                        <a:lnSpc>
-                          <a:spcPct val="100000"/>
-                        </a:lnSpc>
-                        <a:spcBef>
-                          <a:spcPts val="0"/>
-                        </a:spcBef>
-                        <a:spcAft>
-                          <a:spcPts val="0"/>
-                        </a:spcAft>
-                        <a:buClrTx/>
-                        <a:buSzTx/>
-                        <a:buFontTx/>
-                        <a:buNone/>
-                        <a:tabLst/>
-                        <a:defRPr/>
-                      </a:pPr>
-                      <a:r>
-                        <a:rPr lang="es-CO" sz="1000"/>
-                        <a:t>21 octubre – 25 octubre</a:t>
-                      </a:r>
-                    </a:p>
-                  </a:txBody>
-                  <a:tcPr>
-                    <a:lnL w="12700" cap="flat" cmpd="sng" algn="ctr">
-                      <a:solidFill>
-                        <a:schemeClr val="tx1"/>
-                      </a:solidFill>
-                      <a:prstDash val="solid"/>
-                      <a:round/>
-                      <a:headEnd type="none" w="med" len="med"/>
-                      <a:tailEnd type="none" w="med" len="med"/>
-                    </a:lnL>
-                    <a:lnR w="12700" cap="flat" cmpd="sng" algn="ctr">
-                      <a:solidFill>
-                        <a:schemeClr val="tx1"/>
-                      </a:solidFill>
-                      <a:prstDash val="solid"/>
-                      <a:round/>
-                      <a:headEnd type="none" w="med" len="med"/>
-                      <a:tailEnd type="none" w="med" len="med"/>
-                    </a:lnR>
-                    <a:lnT w="12700" cap="flat" cmpd="sng" algn="ctr">
-                      <a:solidFill>
-                        <a:schemeClr val="tx1"/>
-                      </a:solidFill>
-                      <a:prstDash val="solid"/>
-                      <a:round/>
-                      <a:headEnd type="none" w="med" len="med"/>
-                      <a:tailEnd type="none" w="med" len="med"/>
-                    </a:lnT>
-                    <a:lnB w="12700" cap="flat" cmpd="sng" algn="ctr">
-                      <a:solidFill>
-                        <a:schemeClr val="tx1"/>
-                      </a:solidFill>
-                      <a:prstDash val="solid"/>
-                      <a:round/>
-                      <a:headEnd type="none" w="med" len="med"/>
-                      <a:tailEnd type="none" w="med" len="med"/>
-                    </a:lnB>
-                  </a:tcPr>
-                </a:tc>
-                <a:tc>
-                  <a:txBody>
-                    <a:bodyPr/>
-                    <a:lstStyle/>
-                    <a:p>
-                      <a:pPr marL="0" marR="0" lvl="0" indent="0" algn="ctr" defTabSz="685800" rtl="0" eaLnBrk="1" fontAlgn="auto" latinLnBrk="0" hangingPunct="1">
-                        <a:lnSpc>
-                          <a:spcPct val="100000"/>
-                        </a:lnSpc>
-                        <a:spcBef>
-                          <a:spcPts val="0"/>
-                        </a:spcBef>
-                        <a:spcAft>
-                          <a:spcPts val="0"/>
-                        </a:spcAft>
-                        <a:buClrTx/>
-                        <a:buSzTx/>
-                        <a:buFontTx/>
-                        <a:buNone/>
-                        <a:tabLst/>
-                        <a:defRPr/>
-                      </a:pPr>
-                      <a:r>
-                        <a:rPr lang="es-CO" sz="1000" b="1" u="sng">
-                          <a:solidFill>
-                            <a:srgbClr val="C00000"/>
-                          </a:solidFill>
-                        </a:rPr>
-                        <a:t>Examen Parcial 2</a:t>
-                      </a:r>
-                    </a:p>
-                  </a:txBody>
-                  <a:tcPr>
-                    <a:lnL w="12700" cap="flat" cmpd="sng" algn="ctr">
-                      <a:solidFill>
-                        <a:schemeClr val="tx1"/>
-                      </a:solidFill>
-                      <a:prstDash val="solid"/>
-                      <a:round/>
-                      <a:headEnd type="none" w="med" len="med"/>
-                      <a:tailEnd type="none" w="med" len="med"/>
-                    </a:lnL>
-                    <a:lnR w="12700" cap="flat" cmpd="sng" algn="ctr">
-                      <a:solidFill>
-                        <a:schemeClr val="tx1"/>
-                      </a:solidFill>
-                      <a:prstDash val="solid"/>
-                      <a:round/>
-                      <a:headEnd type="none" w="med" len="med"/>
-                      <a:tailEnd type="none" w="med" len="med"/>
-                    </a:lnR>
-                    <a:lnT w="12700" cap="flat" cmpd="sng" algn="ctr">
-                      <a:solidFill>
-                        <a:schemeClr val="tx1"/>
-                      </a:solidFill>
-                      <a:prstDash val="solid"/>
-                      <a:round/>
-                      <a:headEnd type="none" w="med" len="med"/>
-                      <a:tailEnd type="none" w="med" len="med"/>
-                    </a:lnT>
-                    <a:lnB w="12700" cap="flat" cmpd="sng" algn="ctr">
-                      <a:solidFill>
-                        <a:schemeClr val="tx1"/>
-                      </a:solidFill>
-                      <a:prstDash val="solid"/>
-                      <a:round/>
-                      <a:headEnd type="none" w="med" len="med"/>
-                      <a:tailEnd type="none" w="med" len="med"/>
-                    </a:lnB>
-                  </a:tcPr>
-                </a:tc>
-                <a:extLst>
-                  <a:ext uri="{0D108BD9-81ED-4DB2-BD59-A6C34878D82A}">
-                    <a16:rowId xmlns:a16="http://schemas.microsoft.com/office/drawing/2014/main" val="3127511249"/>
-                  </a:ext>
-                </a:extLst>
-              </a:tr>
-              <a:tr h="212463">
-                <a:tc>
-                  <a:txBody>
-                    <a:bodyPr/>
-                    <a:lstStyle/>
-                    <a:p>
-                      <a:pPr algn="ctr"/>
-                      <a:r>
-                        <a:rPr lang="es-ES" sz="1000"/>
-                        <a:t>14</a:t>
-                      </a:r>
-                    </a:p>
-                  </a:txBody>
-                  <a:tcPr>
-                    <a:lnL w="12700" cap="flat" cmpd="sng" algn="ctr">
-                      <a:solidFill>
-                        <a:schemeClr val="tx1"/>
-                      </a:solidFill>
-                      <a:prstDash val="solid"/>
-                      <a:round/>
-                      <a:headEnd type="none" w="med" len="med"/>
-                      <a:tailEnd type="none" w="med" len="med"/>
-                    </a:lnL>
-                    <a:lnR w="12700" cap="flat" cmpd="sng" algn="ctr">
-                      <a:solidFill>
-                        <a:schemeClr val="tx1"/>
-                      </a:solidFill>
-                      <a:prstDash val="solid"/>
-                      <a:round/>
-                      <a:headEnd type="none" w="med" len="med"/>
-                      <a:tailEnd type="none" w="med" len="med"/>
-                    </a:lnR>
-                    <a:lnT w="12700" cap="flat" cmpd="sng" algn="ctr">
-                      <a:solidFill>
-                        <a:schemeClr val="tx1"/>
-                      </a:solidFill>
-                      <a:prstDash val="solid"/>
-                      <a:round/>
-                      <a:headEnd type="none" w="med" len="med"/>
-                      <a:tailEnd type="none" w="med" len="med"/>
-                    </a:lnT>
-                    <a:lnB w="12700" cap="flat" cmpd="sng" algn="ctr">
-                      <a:solidFill>
-                        <a:schemeClr val="tx1"/>
-                      </a:solidFill>
-                      <a:prstDash val="solid"/>
-                      <a:round/>
-                      <a:headEnd type="none" w="med" len="med"/>
-                      <a:tailEnd type="none" w="med" len="med"/>
-                    </a:lnB>
-                  </a:tcPr>
-                </a:tc>
-                <a:tc>
-                  <a:txBody>
-                    <a:bodyPr/>
-                    <a:lstStyle/>
-                    <a:p>
-                      <a:pPr marL="0" marR="0" lvl="0" indent="0" algn="ctr" defTabSz="914400" rtl="0" eaLnBrk="1" fontAlgn="auto" latinLnBrk="0" hangingPunct="1">
-                        <a:lnSpc>
-                          <a:spcPct val="100000"/>
-                        </a:lnSpc>
-                        <a:spcBef>
-                          <a:spcPts val="0"/>
-                        </a:spcBef>
-                        <a:spcAft>
-                          <a:spcPts val="0"/>
-                        </a:spcAft>
-                        <a:buClrTx/>
-                        <a:buSzTx/>
-                        <a:buFontTx/>
-                        <a:buNone/>
-                        <a:tabLst/>
-                        <a:defRPr/>
-                      </a:pPr>
-                      <a:r>
-                        <a:rPr lang="es-CO" sz="1000">
-                          <a:solidFill>
-                            <a:schemeClr val="tx1"/>
-                          </a:solidFill>
-                        </a:rPr>
-                        <a:t>28 octubre – 1 noviembre</a:t>
-                      </a:r>
-                    </a:p>
-                  </a:txBody>
-                  <a:tcPr>
-                    <a:lnL w="12700" cap="flat" cmpd="sng" algn="ctr">
-                      <a:solidFill>
-                        <a:schemeClr val="tx1"/>
-                      </a:solidFill>
-                      <a:prstDash val="solid"/>
-                      <a:round/>
-                      <a:headEnd type="none" w="med" len="med"/>
-                      <a:tailEnd type="none" w="med" len="med"/>
-                    </a:lnL>
-                    <a:lnR w="12700" cap="flat" cmpd="sng" algn="ctr">
-                      <a:solidFill>
-                        <a:schemeClr val="tx1"/>
-                      </a:solidFill>
-                      <a:prstDash val="solid"/>
-                      <a:round/>
-                      <a:headEnd type="none" w="med" len="med"/>
-                      <a:tailEnd type="none" w="med" len="med"/>
-                    </a:lnR>
-                    <a:lnT w="12700" cap="flat" cmpd="sng" algn="ctr">
-                      <a:solidFill>
-                        <a:schemeClr val="tx1"/>
-                      </a:solidFill>
-                      <a:prstDash val="solid"/>
-                      <a:round/>
-                      <a:headEnd type="none" w="med" len="med"/>
-                      <a:tailEnd type="none" w="med" len="med"/>
-                    </a:lnT>
-                    <a:lnB w="12700" cap="flat" cmpd="sng" algn="ctr">
-                      <a:solidFill>
-                        <a:schemeClr val="tx1"/>
-                      </a:solidFill>
-                      <a:prstDash val="solid"/>
-                      <a:round/>
-                      <a:headEnd type="none" w="med" len="med"/>
-                      <a:tailEnd type="none" w="med" len="med"/>
-                    </a:lnB>
-                  </a:tcPr>
-                </a:tc>
-                <a:tc>
-                  <a:txBody>
-                    <a:bodyPr/>
-                    <a:lstStyle/>
-                    <a:p>
-                      <a:pPr marL="0" marR="0" lvl="0" indent="0" algn="ctr" defTabSz="685800" rtl="0" eaLnBrk="1" fontAlgn="auto" latinLnBrk="0" hangingPunct="1">
-                        <a:lnSpc>
-                          <a:spcPct val="100000"/>
-                        </a:lnSpc>
-                        <a:spcBef>
-                          <a:spcPts val="0"/>
-                        </a:spcBef>
-                        <a:spcAft>
-                          <a:spcPts val="0"/>
-                        </a:spcAft>
-                        <a:buClrTx/>
-                        <a:buSzTx/>
-                        <a:buFontTx/>
-                        <a:buNone/>
-                        <a:tabLst/>
-                        <a:defRPr/>
-                      </a:pPr>
-                      <a:r>
-                        <a:rPr lang="es-CO" sz="1000"/>
-                        <a:t>Diseño ecuaciones polinomiales</a:t>
-                      </a:r>
-                    </a:p>
-                  </a:txBody>
-                  <a:tcPr>
-                    <a:lnL w="12700" cap="flat" cmpd="sng" algn="ctr">
-                      <a:solidFill>
-                        <a:schemeClr val="tx1"/>
-                      </a:solidFill>
-                      <a:prstDash val="solid"/>
-                      <a:round/>
-                      <a:headEnd type="none" w="med" len="med"/>
-                      <a:tailEnd type="none" w="med" len="med"/>
-                    </a:lnL>
-                    <a:lnR w="12700" cap="flat" cmpd="sng" algn="ctr">
-                      <a:solidFill>
-                        <a:schemeClr val="tx1"/>
-                      </a:solidFill>
-                      <a:prstDash val="solid"/>
-                      <a:round/>
-                      <a:headEnd type="none" w="med" len="med"/>
-                      <a:tailEnd type="none" w="med" len="med"/>
-                    </a:lnR>
-                    <a:lnT w="12700" cap="flat" cmpd="sng" algn="ctr">
-                      <a:solidFill>
-                        <a:schemeClr val="tx1"/>
-                      </a:solidFill>
-                      <a:prstDash val="solid"/>
-                      <a:round/>
-                      <a:headEnd type="none" w="med" len="med"/>
-                      <a:tailEnd type="none" w="med" len="med"/>
-                    </a:lnT>
-                    <a:lnB w="12700" cap="flat" cmpd="sng" algn="ctr">
-                      <a:solidFill>
-                        <a:schemeClr val="tx1"/>
-                      </a:solidFill>
-                      <a:prstDash val="solid"/>
-                      <a:round/>
-                      <a:headEnd type="none" w="med" len="med"/>
-                      <a:tailEnd type="none" w="med" len="med"/>
-                    </a:lnB>
-                  </a:tcPr>
-                </a:tc>
-                <a:extLst>
-                  <a:ext uri="{0D108BD9-81ED-4DB2-BD59-A6C34878D82A}">
-                    <a16:rowId xmlns:a16="http://schemas.microsoft.com/office/drawing/2014/main" val="1978658262"/>
-                  </a:ext>
-                </a:extLst>
-              </a:tr>
-              <a:tr h="269131">
-                <a:tc>
-                  <a:txBody>
-                    <a:bodyPr/>
-                    <a:lstStyle/>
-                    <a:p>
-                      <a:pPr algn="ctr"/>
-                      <a:r>
-                        <a:rPr lang="es-ES" sz="1000"/>
-                        <a:t>15</a:t>
-                      </a:r>
-                      <a:endParaRPr lang="es-CO" sz="1000"/>
-                    </a:p>
-                  </a:txBody>
-                  <a:tcPr>
-                    <a:lnL w="12700" cap="flat" cmpd="sng" algn="ctr">
-                      <a:solidFill>
-                        <a:schemeClr val="tx1"/>
-                      </a:solidFill>
-                      <a:prstDash val="solid"/>
-                      <a:round/>
-                      <a:headEnd type="none" w="med" len="med"/>
-                      <a:tailEnd type="none" w="med" len="med"/>
-                    </a:lnL>
-                    <a:lnR w="12700" cap="flat" cmpd="sng" algn="ctr">
-                      <a:solidFill>
-                        <a:schemeClr val="tx1"/>
-                      </a:solidFill>
-                      <a:prstDash val="solid"/>
-                      <a:round/>
-                      <a:headEnd type="none" w="med" len="med"/>
-                      <a:tailEnd type="none" w="med" len="med"/>
-                    </a:lnR>
-                    <a:lnT w="12700" cap="flat" cmpd="sng" algn="ctr">
-                      <a:solidFill>
-                        <a:schemeClr val="tx1"/>
-                      </a:solidFill>
-                      <a:prstDash val="solid"/>
-                      <a:round/>
-                      <a:headEnd type="none" w="med" len="med"/>
-                      <a:tailEnd type="none" w="med" len="med"/>
-                    </a:lnT>
-                    <a:lnB w="12700" cap="flat" cmpd="sng" algn="ctr">
-                      <a:solidFill>
-                        <a:schemeClr val="tx1"/>
-                      </a:solidFill>
-                      <a:prstDash val="solid"/>
-                      <a:round/>
-                      <a:headEnd type="none" w="med" len="med"/>
-                      <a:tailEnd type="none" w="med" len="med"/>
-                    </a:lnB>
-                  </a:tcPr>
-                </a:tc>
-                <a:tc>
-                  <a:txBody>
-                    <a:bodyPr/>
-                    <a:lstStyle/>
-                    <a:p>
-                      <a:pPr marL="0" marR="0" lvl="0" indent="0" algn="ctr" defTabSz="914400" rtl="0" eaLnBrk="1" fontAlgn="auto" latinLnBrk="0" hangingPunct="1">
-                        <a:lnSpc>
-                          <a:spcPct val="100000"/>
-                        </a:lnSpc>
-                        <a:spcBef>
-                          <a:spcPts val="0"/>
-                        </a:spcBef>
-                        <a:spcAft>
-                          <a:spcPts val="0"/>
-                        </a:spcAft>
-                        <a:buClrTx/>
-                        <a:buSzTx/>
-                        <a:buFontTx/>
-                        <a:buNone/>
-                        <a:tabLst/>
-                        <a:defRPr/>
-                      </a:pPr>
-                      <a:r>
-                        <a:rPr lang="es-CO" sz="1000">
-                          <a:solidFill>
-                            <a:srgbClr val="FF0000"/>
-                          </a:solidFill>
-                          <a:highlight>
-                            <a:srgbClr val="FFFF00"/>
-                          </a:highlight>
-                        </a:rPr>
-                        <a:t>4 noviembre – 11 noviembre</a:t>
-                      </a:r>
-                    </a:p>
-                  </a:txBody>
-                  <a:tcPr>
-                    <a:lnL w="12700" cap="flat" cmpd="sng" algn="ctr">
-                      <a:solidFill>
-                        <a:schemeClr val="tx1"/>
-                      </a:solidFill>
-                      <a:prstDash val="solid"/>
-                      <a:round/>
-                      <a:headEnd type="none" w="med" len="med"/>
-                      <a:tailEnd type="none" w="med" len="med"/>
-                    </a:lnL>
-                    <a:lnR w="12700" cap="flat" cmpd="sng" algn="ctr">
-                      <a:solidFill>
-                        <a:schemeClr val="tx1"/>
-                      </a:solidFill>
-                      <a:prstDash val="solid"/>
-                      <a:round/>
-                      <a:headEnd type="none" w="med" len="med"/>
-                      <a:tailEnd type="none" w="med" len="med"/>
-                    </a:lnR>
-                    <a:lnT w="12700" cap="flat" cmpd="sng" algn="ctr">
-                      <a:solidFill>
-                        <a:schemeClr val="tx1"/>
-                      </a:solidFill>
-                      <a:prstDash val="solid"/>
-                      <a:round/>
-                      <a:headEnd type="none" w="med" len="med"/>
-                      <a:tailEnd type="none" w="med" len="med"/>
-                    </a:lnT>
-                    <a:lnB w="12700" cap="flat" cmpd="sng" algn="ctr">
-                      <a:solidFill>
-                        <a:schemeClr val="tx1"/>
-                      </a:solidFill>
-                      <a:prstDash val="solid"/>
-                      <a:round/>
-                      <a:headEnd type="none" w="med" len="med"/>
-                      <a:tailEnd type="none" w="med" len="med"/>
-                    </a:lnB>
-                  </a:tcPr>
-                </a:tc>
-                <a:tc>
-                  <a:txBody>
-                    <a:bodyPr/>
-                    <a:lstStyle/>
-                    <a:p>
-                      <a:pPr algn="ctr"/>
-                      <a:r>
-                        <a:rPr lang="es-CO" sz="1000"/>
-                        <a:t>-</a:t>
-                      </a:r>
-                    </a:p>
-                  </a:txBody>
-                  <a:tcPr>
-                    <a:lnL w="12700" cap="flat" cmpd="sng" algn="ctr">
-                      <a:solidFill>
-                        <a:schemeClr val="tx1"/>
-                      </a:solidFill>
-                      <a:prstDash val="solid"/>
-                      <a:round/>
-                      <a:headEnd type="none" w="med" len="med"/>
-                      <a:tailEnd type="none" w="med" len="med"/>
-                    </a:lnL>
-                    <a:lnR w="12700" cap="flat" cmpd="sng" algn="ctr">
-                      <a:solidFill>
-                        <a:schemeClr val="tx1"/>
-                      </a:solidFill>
-                      <a:prstDash val="solid"/>
-                      <a:round/>
-                      <a:headEnd type="none" w="med" len="med"/>
-                      <a:tailEnd type="none" w="med" len="med"/>
-                    </a:lnR>
-                    <a:lnT w="12700" cap="flat" cmpd="sng" algn="ctr">
-                      <a:solidFill>
-                        <a:schemeClr val="tx1"/>
-                      </a:solidFill>
-                      <a:prstDash val="solid"/>
-                      <a:round/>
-                      <a:headEnd type="none" w="med" len="med"/>
-                      <a:tailEnd type="none" w="med" len="med"/>
-                    </a:lnT>
-                    <a:lnB w="12700" cap="flat" cmpd="sng" algn="ctr">
-                      <a:solidFill>
-                        <a:schemeClr val="tx1"/>
-                      </a:solidFill>
-                      <a:prstDash val="solid"/>
-                      <a:round/>
-                      <a:headEnd type="none" w="med" len="med"/>
-                      <a:tailEnd type="none" w="med" len="med"/>
-                    </a:lnB>
-                  </a:tcPr>
-                </a:tc>
-                <a:extLst>
-                  <a:ext uri="{0D108BD9-81ED-4DB2-BD59-A6C34878D82A}">
-                    <a16:rowId xmlns:a16="http://schemas.microsoft.com/office/drawing/2014/main" val="1088546271"/>
-                  </a:ext>
-                </a:extLst>
-              </a:tr>
-              <a:tr h="269131">
-                <a:tc>
-                  <a:txBody>
-                    <a:bodyPr/>
-                    <a:lstStyle/>
-                    <a:p>
-                      <a:pPr algn="ctr"/>
-                      <a:r>
-                        <a:rPr lang="es-ES" sz="1000"/>
-                        <a:t>16</a:t>
-                      </a:r>
-                      <a:endParaRPr lang="es-CO" sz="1000"/>
-                    </a:p>
-                  </a:txBody>
-                  <a:tcPr>
-                    <a:lnL w="12700" cap="flat" cmpd="sng" algn="ctr">
-                      <a:solidFill>
-                        <a:schemeClr val="tx1"/>
-                      </a:solidFill>
-                      <a:prstDash val="solid"/>
-                      <a:round/>
-                      <a:headEnd type="none" w="med" len="med"/>
-                      <a:tailEnd type="none" w="med" len="med"/>
-                    </a:lnL>
-                    <a:lnR w="12700" cap="flat" cmpd="sng" algn="ctr">
-                      <a:solidFill>
-                        <a:schemeClr val="tx1"/>
-                      </a:solidFill>
-                      <a:prstDash val="solid"/>
-                      <a:round/>
-                      <a:headEnd type="none" w="med" len="med"/>
-                      <a:tailEnd type="none" w="med" len="med"/>
-                    </a:lnR>
-                    <a:lnT w="12700" cap="flat" cmpd="sng" algn="ctr">
-                      <a:solidFill>
-                        <a:schemeClr val="tx1"/>
-                      </a:solidFill>
-                      <a:prstDash val="solid"/>
-                      <a:round/>
-                      <a:headEnd type="none" w="med" len="med"/>
-                      <a:tailEnd type="none" w="med" len="med"/>
-                    </a:lnT>
-                    <a:lnB w="12700" cap="flat" cmpd="sng" algn="ctr">
-                      <a:solidFill>
-                        <a:schemeClr val="tx1"/>
-                      </a:solidFill>
-                      <a:prstDash val="solid"/>
-                      <a:round/>
-                      <a:headEnd type="none" w="med" len="med"/>
-                      <a:tailEnd type="none" w="med" len="med"/>
-                    </a:lnB>
-                  </a:tcPr>
-                </a:tc>
-                <a:tc>
-                  <a:txBody>
-                    <a:bodyPr/>
-                    <a:lstStyle/>
-                    <a:p>
-                      <a:pPr algn="ctr"/>
-                      <a:r>
-                        <a:rPr lang="es-CO" sz="1000">
-                          <a:solidFill>
-                            <a:srgbClr val="FF0000"/>
-                          </a:solidFill>
-                          <a:highlight>
-                            <a:srgbClr val="FFFF00"/>
-                          </a:highlight>
-                        </a:rPr>
-                        <a:t>11 noviembre – 15 noviembre </a:t>
-                      </a:r>
-                    </a:p>
-                  </a:txBody>
-                  <a:tcPr>
-                    <a:lnL w="12700" cap="flat" cmpd="sng" algn="ctr">
-                      <a:solidFill>
-                        <a:schemeClr val="tx1"/>
-                      </a:solidFill>
-                      <a:prstDash val="solid"/>
-                      <a:round/>
-                      <a:headEnd type="none" w="med" len="med"/>
-                      <a:tailEnd type="none" w="med" len="med"/>
-                    </a:lnL>
-                    <a:lnR w="12700" cap="flat" cmpd="sng" algn="ctr">
-                      <a:solidFill>
-                        <a:schemeClr val="tx1"/>
-                      </a:solidFill>
-                      <a:prstDash val="solid"/>
-                      <a:round/>
-                      <a:headEnd type="none" w="med" len="med"/>
-                      <a:tailEnd type="none" w="med" len="med"/>
-                    </a:lnR>
-                    <a:lnT w="12700" cap="flat" cmpd="sng" algn="ctr">
-                      <a:solidFill>
-                        <a:schemeClr val="tx1"/>
-                      </a:solidFill>
-                      <a:prstDash val="solid"/>
-                      <a:round/>
-                      <a:headEnd type="none" w="med" len="med"/>
-                      <a:tailEnd type="none" w="med" len="med"/>
-                    </a:lnT>
-                    <a:lnB w="12700" cap="flat" cmpd="sng" algn="ctr">
-                      <a:solidFill>
-                        <a:schemeClr val="tx1"/>
-                      </a:solidFill>
-                      <a:prstDash val="solid"/>
-                      <a:round/>
-                      <a:headEnd type="none" w="med" len="med"/>
-                      <a:tailEnd type="none" w="med" len="med"/>
-                    </a:lnB>
-                  </a:tcPr>
-                </a:tc>
-                <a:tc>
-                  <a:txBody>
-                    <a:bodyPr/>
-                    <a:lstStyle/>
-                    <a:p>
-                      <a:pPr marL="0" marR="0" lvl="0" indent="0" algn="ctr" defTabSz="685800" rtl="0" eaLnBrk="1" fontAlgn="auto" latinLnBrk="0" hangingPunct="1">
-                        <a:lnSpc>
-                          <a:spcPct val="100000"/>
-                        </a:lnSpc>
-                        <a:spcBef>
-                          <a:spcPts val="0"/>
-                        </a:spcBef>
-                        <a:spcAft>
-                          <a:spcPts val="0"/>
-                        </a:spcAft>
-                        <a:buClrTx/>
-                        <a:buSzTx/>
-                        <a:buFontTx/>
-                        <a:buNone/>
-                        <a:tabLst/>
-                        <a:defRPr/>
-                      </a:pPr>
-                      <a:r>
-                        <a:rPr lang="es-CO" sz="1000" b="1" u="sng">
-                          <a:solidFill>
-                            <a:srgbClr val="C00000"/>
-                          </a:solidFill>
-                        </a:rPr>
-                        <a:t>-</a:t>
-                      </a:r>
-                    </a:p>
-                  </a:txBody>
-                  <a:tcPr>
-                    <a:lnL w="12700" cap="flat" cmpd="sng" algn="ctr">
-                      <a:solidFill>
-                        <a:schemeClr val="tx1"/>
-                      </a:solidFill>
-                      <a:prstDash val="solid"/>
-                      <a:round/>
-                      <a:headEnd type="none" w="med" len="med"/>
-                      <a:tailEnd type="none" w="med" len="med"/>
-                    </a:lnL>
-                    <a:lnR w="12700" cap="flat" cmpd="sng" algn="ctr">
-                      <a:solidFill>
-                        <a:schemeClr val="tx1"/>
-                      </a:solidFill>
-                      <a:prstDash val="solid"/>
-                      <a:round/>
-                      <a:headEnd type="none" w="med" len="med"/>
-                      <a:tailEnd type="none" w="med" len="med"/>
-                    </a:lnR>
-                    <a:lnT w="12700" cap="flat" cmpd="sng" algn="ctr">
-                      <a:solidFill>
-                        <a:schemeClr val="tx1"/>
-                      </a:solidFill>
-                      <a:prstDash val="solid"/>
-                      <a:round/>
-                      <a:headEnd type="none" w="med" len="med"/>
-                      <a:tailEnd type="none" w="med" len="med"/>
-                    </a:lnT>
-                    <a:lnB w="12700" cap="flat" cmpd="sng" algn="ctr">
-                      <a:solidFill>
-                        <a:schemeClr val="tx1"/>
-                      </a:solidFill>
-                      <a:prstDash val="solid"/>
-                      <a:round/>
-                      <a:headEnd type="none" w="med" len="med"/>
-                      <a:tailEnd type="none" w="med" len="med"/>
-                    </a:lnB>
-                  </a:tcPr>
-                </a:tc>
-                <a:extLst>
-                  <a:ext uri="{0D108BD9-81ED-4DB2-BD59-A6C34878D82A}">
-                    <a16:rowId xmlns:a16="http://schemas.microsoft.com/office/drawing/2014/main" val="2357030376"/>
-                  </a:ext>
-                </a:extLst>
-              </a:tr>
-              <a:tr h="269131">
-                <a:tc>
-                  <a:txBody>
-                    <a:bodyPr/>
-                    <a:lstStyle/>
-                    <a:p>
-                      <a:pPr algn="ctr"/>
-                      <a:r>
-                        <a:rPr lang="es-ES" sz="1000"/>
-                        <a:t>17</a:t>
-                      </a:r>
-                      <a:endParaRPr lang="es-CO" sz="1000"/>
-                    </a:p>
-                  </a:txBody>
-                  <a:tcPr>
-                    <a:lnL w="12700" cap="flat" cmpd="sng" algn="ctr">
-                      <a:solidFill>
-                        <a:schemeClr val="tx1"/>
-                      </a:solidFill>
-                      <a:prstDash val="solid"/>
-                      <a:round/>
-                      <a:headEnd type="none" w="med" len="med"/>
-                      <a:tailEnd type="none" w="med" len="med"/>
-                    </a:lnL>
-                    <a:lnR w="12700" cap="flat" cmpd="sng" algn="ctr">
-                      <a:solidFill>
-                        <a:schemeClr val="tx1"/>
-                      </a:solidFill>
-                      <a:prstDash val="solid"/>
-                      <a:round/>
-                      <a:headEnd type="none" w="med" len="med"/>
-                      <a:tailEnd type="none" w="med" len="med"/>
-                    </a:lnR>
-                    <a:lnT w="12700" cap="flat" cmpd="sng" algn="ctr">
-                      <a:solidFill>
-                        <a:schemeClr val="tx1"/>
-                      </a:solidFill>
-                      <a:prstDash val="solid"/>
-                      <a:round/>
-                      <a:headEnd type="none" w="med" len="med"/>
-                      <a:tailEnd type="none" w="med" len="med"/>
-                    </a:lnT>
-                    <a:lnB w="12700" cap="flat" cmpd="sng" algn="ctr">
-                      <a:solidFill>
-                        <a:schemeClr val="tx1"/>
-                      </a:solidFill>
-                      <a:prstDash val="solid"/>
-                      <a:round/>
-                      <a:headEnd type="none" w="med" len="med"/>
-                      <a:tailEnd type="none" w="med" len="med"/>
-                    </a:lnB>
-                  </a:tcPr>
-                </a:tc>
-                <a:tc>
-                  <a:txBody>
-                    <a:bodyPr/>
-                    <a:lstStyle/>
-                    <a:p>
-                      <a:pPr algn="ctr"/>
-                      <a:r>
-                        <a:rPr lang="es-CO" sz="1000">
-                          <a:solidFill>
-                            <a:schemeClr val="tx1"/>
-                          </a:solidFill>
-                        </a:rPr>
-                        <a:t>18 noviembre – 22 noviembre</a:t>
-                      </a:r>
-                    </a:p>
-                  </a:txBody>
-                  <a:tcPr>
-                    <a:lnL w="12700" cap="flat" cmpd="sng" algn="ctr">
-                      <a:solidFill>
-                        <a:schemeClr val="tx1"/>
-                      </a:solidFill>
-                      <a:prstDash val="solid"/>
-                      <a:round/>
-                      <a:headEnd type="none" w="med" len="med"/>
-                      <a:tailEnd type="none" w="med" len="med"/>
-                    </a:lnL>
-                    <a:lnR w="12700" cap="flat" cmpd="sng" algn="ctr">
-                      <a:solidFill>
-                        <a:schemeClr val="tx1"/>
-                      </a:solidFill>
-                      <a:prstDash val="solid"/>
-                      <a:round/>
-                      <a:headEnd type="none" w="med" len="med"/>
-                      <a:tailEnd type="none" w="med" len="med"/>
-                    </a:lnR>
-                    <a:lnT w="12700" cap="flat" cmpd="sng" algn="ctr">
-                      <a:solidFill>
-                        <a:schemeClr val="tx1"/>
-                      </a:solidFill>
-                      <a:prstDash val="solid"/>
-                      <a:round/>
-                      <a:headEnd type="none" w="med" len="med"/>
-                      <a:tailEnd type="none" w="med" len="med"/>
-                    </a:lnT>
-                    <a:lnB w="12700" cap="flat" cmpd="sng" algn="ctr">
-                      <a:solidFill>
-                        <a:schemeClr val="tx1"/>
-                      </a:solidFill>
-                      <a:prstDash val="solid"/>
-                      <a:round/>
-                      <a:headEnd type="none" w="med" len="med"/>
-                      <a:tailEnd type="none" w="med" len="med"/>
-                    </a:lnB>
-                  </a:tcPr>
-                </a:tc>
-                <a:tc>
-                  <a:txBody>
-                    <a:bodyPr/>
-                    <a:lstStyle/>
-                    <a:p>
-                      <a:pPr algn="ctr"/>
-                      <a:endParaRPr lang="es-CO" sz="1000" b="1" u="sng">
-                        <a:solidFill>
-                          <a:srgbClr val="C00000"/>
-                        </a:solidFill>
-                      </a:endParaRPr>
-                    </a:p>
-                  </a:txBody>
-                  <a:tcPr>
-                    <a:lnL w="12700" cap="flat" cmpd="sng" algn="ctr">
-                      <a:solidFill>
-                        <a:schemeClr val="tx1"/>
-                      </a:solidFill>
-                      <a:prstDash val="solid"/>
-                      <a:round/>
-                      <a:headEnd type="none" w="med" len="med"/>
-                      <a:tailEnd type="none" w="med" len="med"/>
-                    </a:lnL>
-                    <a:lnR w="12700" cap="flat" cmpd="sng" algn="ctr">
-                      <a:solidFill>
-                        <a:schemeClr val="tx1"/>
-                      </a:solidFill>
-                      <a:prstDash val="solid"/>
-                      <a:round/>
-                      <a:headEnd type="none" w="med" len="med"/>
-                      <a:tailEnd type="none" w="med" len="med"/>
-                    </a:lnR>
-                    <a:lnT w="12700" cap="flat" cmpd="sng" algn="ctr">
-                      <a:solidFill>
-                        <a:schemeClr val="tx1"/>
-                      </a:solidFill>
-                      <a:prstDash val="solid"/>
-                      <a:round/>
-                      <a:headEnd type="none" w="med" len="med"/>
-                      <a:tailEnd type="none" w="med" len="med"/>
-                    </a:lnT>
-                    <a:lnB w="12700" cap="flat" cmpd="sng" algn="ctr">
-                      <a:solidFill>
-                        <a:schemeClr val="tx1"/>
-                      </a:solidFill>
-                      <a:prstDash val="solid"/>
-                      <a:round/>
-                      <a:headEnd type="none" w="med" len="med"/>
-                      <a:tailEnd type="none" w="med" len="med"/>
-                    </a:lnB>
-                  </a:tcPr>
-                </a:tc>
-                <a:extLst>
-                  <a:ext uri="{0D108BD9-81ED-4DB2-BD59-A6C34878D82A}">
-                    <a16:rowId xmlns:a16="http://schemas.microsoft.com/office/drawing/2014/main" val="4092288061"/>
-                  </a:ext>
-                </a:extLst>
-              </a:tr>
-              <a:tr h="269131">
-                <a:tc>
-                  <a:txBody>
-                    <a:bodyPr/>
-                    <a:lstStyle/>
-                    <a:p>
-                      <a:pPr algn="ctr"/>
-                      <a:r>
-                        <a:rPr lang="es-CO" sz="1000"/>
-                        <a:t>18</a:t>
-                      </a:r>
-                    </a:p>
-                  </a:txBody>
-                  <a:tcPr>
-                    <a:lnL w="12700" cap="flat" cmpd="sng" algn="ctr">
-                      <a:solidFill>
-                        <a:schemeClr val="tx1"/>
-                      </a:solidFill>
-                      <a:prstDash val="solid"/>
-                      <a:round/>
-                      <a:headEnd type="none" w="med" len="med"/>
-                      <a:tailEnd type="none" w="med" len="med"/>
-                    </a:lnL>
-                    <a:lnR w="12700" cap="flat" cmpd="sng" algn="ctr">
-                      <a:solidFill>
-                        <a:schemeClr val="tx1"/>
-                      </a:solidFill>
-                      <a:prstDash val="solid"/>
-                      <a:round/>
-                      <a:headEnd type="none" w="med" len="med"/>
-                      <a:tailEnd type="none" w="med" len="med"/>
-                    </a:lnR>
-                    <a:lnT w="12700" cap="flat" cmpd="sng" algn="ctr">
-                      <a:solidFill>
-                        <a:schemeClr val="tx1"/>
-                      </a:solidFill>
-                      <a:prstDash val="solid"/>
-                      <a:round/>
-                      <a:headEnd type="none" w="med" len="med"/>
-                      <a:tailEnd type="none" w="med" len="med"/>
-                    </a:lnT>
-                    <a:lnB w="12700" cap="flat" cmpd="sng" algn="ctr">
-                      <a:solidFill>
-                        <a:schemeClr val="tx1"/>
-                      </a:solidFill>
-                      <a:prstDash val="solid"/>
-                      <a:round/>
-                      <a:headEnd type="none" w="med" len="med"/>
-                      <a:tailEnd type="none" w="med" len="med"/>
-                    </a:lnB>
-                  </a:tcPr>
-                </a:tc>
-                <a:tc>
-                  <a:txBody>
-                    <a:bodyPr/>
-                    <a:lstStyle/>
-                    <a:p>
-                      <a:pPr algn="ctr"/>
-                      <a:r>
-                        <a:rPr lang="es-CO" sz="1000">
-                          <a:solidFill>
-                            <a:schemeClr val="tx1"/>
-                          </a:solidFill>
-                        </a:rPr>
-                        <a:t>25 noviembre – 29 noviembre</a:t>
-                      </a:r>
-                    </a:p>
-                  </a:txBody>
-                  <a:tcPr>
-                    <a:lnL w="12700" cap="flat" cmpd="sng" algn="ctr">
-                      <a:solidFill>
-                        <a:schemeClr val="tx1"/>
-                      </a:solidFill>
-                      <a:prstDash val="solid"/>
-                      <a:round/>
-                      <a:headEnd type="none" w="med" len="med"/>
-                      <a:tailEnd type="none" w="med" len="med"/>
-                    </a:lnL>
-                    <a:lnR w="12700" cap="flat" cmpd="sng" algn="ctr">
-                      <a:solidFill>
-                        <a:schemeClr val="tx1"/>
-                      </a:solidFill>
-                      <a:prstDash val="solid"/>
-                      <a:round/>
-                      <a:headEnd type="none" w="med" len="med"/>
-                      <a:tailEnd type="none" w="med" len="med"/>
-                    </a:lnR>
-                    <a:lnT w="12700" cap="flat" cmpd="sng" algn="ctr">
-                      <a:solidFill>
-                        <a:schemeClr val="tx1"/>
-                      </a:solidFill>
-                      <a:prstDash val="solid"/>
-                      <a:round/>
-                      <a:headEnd type="none" w="med" len="med"/>
-                      <a:tailEnd type="none" w="med" len="med"/>
-                    </a:lnT>
-                    <a:lnB w="12700" cap="flat" cmpd="sng" algn="ctr">
-                      <a:solidFill>
-                        <a:schemeClr val="tx1"/>
-                      </a:solidFill>
-                      <a:prstDash val="solid"/>
-                      <a:round/>
-                      <a:headEnd type="none" w="med" len="med"/>
-                      <a:tailEnd type="none" w="med" len="med"/>
-                    </a:lnB>
-                  </a:tcPr>
-                </a:tc>
-                <a:tc>
-                  <a:txBody>
-                    <a:bodyPr/>
-                    <a:lstStyle/>
-                    <a:p>
-                      <a:pPr marL="0" marR="0" lvl="0" indent="0" algn="ctr" defTabSz="685800" rtl="0" eaLnBrk="1" fontAlgn="auto" latinLnBrk="0" hangingPunct="1">
-                        <a:lnSpc>
-                          <a:spcPct val="100000"/>
-                        </a:lnSpc>
-                        <a:spcBef>
-                          <a:spcPts val="0"/>
-                        </a:spcBef>
-                        <a:spcAft>
-                          <a:spcPts val="0"/>
-                        </a:spcAft>
-                        <a:buClrTx/>
-                        <a:buSzTx/>
-                        <a:buFontTx/>
-                        <a:buNone/>
-                        <a:tabLst/>
-                        <a:defRPr/>
-                      </a:pPr>
-                      <a:endParaRPr lang="es-CO" sz="1000" b="1" u="sng">
-                        <a:solidFill>
-                          <a:srgbClr val="C00000"/>
-                        </a:solidFill>
-                      </a:endParaRPr>
-                    </a:p>
-                  </a:txBody>
-                  <a:tcPr>
-                    <a:lnL w="12700" cap="flat" cmpd="sng" algn="ctr">
-                      <a:solidFill>
-                        <a:schemeClr val="tx1"/>
-                      </a:solidFill>
-                      <a:prstDash val="solid"/>
-                      <a:round/>
-                      <a:headEnd type="none" w="med" len="med"/>
-                      <a:tailEnd type="none" w="med" len="med"/>
-                    </a:lnL>
-                    <a:lnR w="12700" cap="flat" cmpd="sng" algn="ctr">
-                      <a:solidFill>
-                        <a:schemeClr val="tx1"/>
-                      </a:solidFill>
-                      <a:prstDash val="solid"/>
-                      <a:round/>
-                      <a:headEnd type="none" w="med" len="med"/>
-                      <a:tailEnd type="none" w="med" len="med"/>
-                    </a:lnR>
-                    <a:lnT w="12700" cap="flat" cmpd="sng" algn="ctr">
-                      <a:solidFill>
-                        <a:schemeClr val="tx1"/>
-                      </a:solidFill>
-                      <a:prstDash val="solid"/>
-                      <a:round/>
-                      <a:headEnd type="none" w="med" len="med"/>
-                      <a:tailEnd type="none" w="med" len="med"/>
-                    </a:lnT>
-                    <a:lnB w="12700" cap="flat" cmpd="sng" algn="ctr">
-                      <a:solidFill>
-                        <a:schemeClr val="tx1"/>
-                      </a:solidFill>
-                      <a:prstDash val="solid"/>
-                      <a:round/>
-                      <a:headEnd type="none" w="med" len="med"/>
-                      <a:tailEnd type="none" w="med" len="med"/>
-                    </a:lnB>
-                  </a:tcPr>
-                </a:tc>
-                <a:extLst>
-                  <a:ext uri="{0D108BD9-81ED-4DB2-BD59-A6C34878D82A}">
-                    <a16:rowId xmlns:a16="http://schemas.microsoft.com/office/drawing/2014/main" val="747768826"/>
-                  </a:ext>
-                </a:extLst>
-              </a:tr>
-              <a:tr h="269131">
-                <a:tc>
-                  <a:txBody>
-                    <a:bodyPr/>
-                    <a:lstStyle/>
-                    <a:p>
-                      <a:pPr algn="ctr"/>
-                      <a:r>
-                        <a:rPr lang="es-CO" sz="1000"/>
-                        <a:t>19</a:t>
-                      </a:r>
-                    </a:p>
-                  </a:txBody>
-                  <a:tcPr>
-                    <a:lnL w="12700" cap="flat" cmpd="sng" algn="ctr">
-                      <a:solidFill>
-                        <a:schemeClr val="tx1"/>
-                      </a:solidFill>
-                      <a:prstDash val="solid"/>
-                      <a:round/>
-                      <a:headEnd type="none" w="med" len="med"/>
-                      <a:tailEnd type="none" w="med" len="med"/>
-                    </a:lnL>
-                    <a:lnR w="12700" cap="flat" cmpd="sng" algn="ctr">
-                      <a:solidFill>
-                        <a:schemeClr val="tx1"/>
-                      </a:solidFill>
-                      <a:prstDash val="solid"/>
-                      <a:round/>
-                      <a:headEnd type="none" w="med" len="med"/>
-                      <a:tailEnd type="none" w="med" len="med"/>
-                    </a:lnR>
-                    <a:lnT w="12700" cap="flat" cmpd="sng" algn="ctr">
-                      <a:solidFill>
-                        <a:schemeClr val="tx1"/>
-                      </a:solidFill>
-                      <a:prstDash val="solid"/>
-                      <a:round/>
-                      <a:headEnd type="none" w="med" len="med"/>
-                      <a:tailEnd type="none" w="med" len="med"/>
-                    </a:lnT>
-                    <a:lnB w="12700" cap="flat" cmpd="sng" algn="ctr">
-                      <a:solidFill>
-                        <a:schemeClr val="tx1"/>
-                      </a:solidFill>
-                      <a:prstDash val="solid"/>
-                      <a:round/>
-                      <a:headEnd type="none" w="med" len="med"/>
-                      <a:tailEnd type="none" w="med" len="med"/>
-                    </a:lnB>
-                  </a:tcPr>
-                </a:tc>
-                <a:tc>
-                  <a:txBody>
-                    <a:bodyPr/>
-                    <a:lstStyle/>
-                    <a:p>
-                      <a:pPr algn="ctr"/>
-                      <a:r>
-                        <a:rPr lang="es-CO" sz="1000">
-                          <a:solidFill>
-                            <a:schemeClr val="tx1"/>
-                          </a:solidFill>
-                        </a:rPr>
-                        <a:t>3 diciembre – 7 diciembre</a:t>
-                      </a:r>
-                    </a:p>
-                  </a:txBody>
-                  <a:tcPr>
-                    <a:lnL w="12700" cap="flat" cmpd="sng" algn="ctr">
-                      <a:solidFill>
-                        <a:schemeClr val="tx1"/>
-                      </a:solidFill>
-                      <a:prstDash val="solid"/>
-                      <a:round/>
-                      <a:headEnd type="none" w="med" len="med"/>
-                      <a:tailEnd type="none" w="med" len="med"/>
-                    </a:lnL>
-                    <a:lnR w="12700" cap="flat" cmpd="sng" algn="ctr">
-                      <a:solidFill>
-                        <a:schemeClr val="tx1"/>
-                      </a:solidFill>
-                      <a:prstDash val="solid"/>
-                      <a:round/>
-                      <a:headEnd type="none" w="med" len="med"/>
-                      <a:tailEnd type="none" w="med" len="med"/>
-                    </a:lnR>
-                    <a:lnT w="12700" cap="flat" cmpd="sng" algn="ctr">
-                      <a:solidFill>
-                        <a:schemeClr val="tx1"/>
-                      </a:solidFill>
-                      <a:prstDash val="solid"/>
-                      <a:round/>
-                      <a:headEnd type="none" w="med" len="med"/>
-                      <a:tailEnd type="none" w="med" len="med"/>
-                    </a:lnT>
-                    <a:lnB w="12700" cap="flat" cmpd="sng" algn="ctr">
-                      <a:solidFill>
-                        <a:schemeClr val="tx1"/>
-                      </a:solidFill>
-                      <a:prstDash val="solid"/>
-                      <a:round/>
-                      <a:headEnd type="none" w="med" len="med"/>
-                      <a:tailEnd type="none" w="med" len="med"/>
-                    </a:lnB>
-                  </a:tcPr>
-                </a:tc>
-                <a:tc>
-                  <a:txBody>
-                    <a:bodyPr/>
-                    <a:lstStyle/>
-                    <a:p>
-                      <a:pPr marL="0" marR="0" lvl="0" indent="0" algn="ctr" defTabSz="685800" rtl="0" eaLnBrk="1" fontAlgn="auto" latinLnBrk="0" hangingPunct="1">
-                        <a:lnSpc>
-                          <a:spcPct val="100000"/>
-                        </a:lnSpc>
-                        <a:spcBef>
-                          <a:spcPts val="0"/>
-                        </a:spcBef>
-                        <a:spcAft>
-                          <a:spcPts val="0"/>
-                        </a:spcAft>
-                        <a:buClrTx/>
-                        <a:buSzTx/>
-                        <a:buFontTx/>
-                        <a:buNone/>
-                        <a:tabLst/>
-                        <a:defRPr/>
-                      </a:pPr>
-                      <a:r>
-                        <a:rPr lang="es-CO" sz="1000" b="1" u="sng">
-                          <a:solidFill>
-                            <a:srgbClr val="C00000"/>
-                          </a:solidFill>
-                        </a:rPr>
-                        <a:t>Examen Final</a:t>
-                      </a:r>
-                    </a:p>
-                  </a:txBody>
-                  <a:tcPr>
-                    <a:lnL w="12700" cap="flat" cmpd="sng" algn="ctr">
-                      <a:solidFill>
-                        <a:schemeClr val="tx1"/>
-                      </a:solidFill>
-                      <a:prstDash val="solid"/>
-                      <a:round/>
-                      <a:headEnd type="none" w="med" len="med"/>
-                      <a:tailEnd type="none" w="med" len="med"/>
-                    </a:lnL>
-                    <a:lnR w="12700" cap="flat" cmpd="sng" algn="ctr">
-                      <a:solidFill>
-                        <a:schemeClr val="tx1"/>
-                      </a:solidFill>
-                      <a:prstDash val="solid"/>
-                      <a:round/>
-                      <a:headEnd type="none" w="med" len="med"/>
-                      <a:tailEnd type="none" w="med" len="med"/>
-                    </a:lnR>
-                    <a:lnT w="12700" cap="flat" cmpd="sng" algn="ctr">
-                      <a:solidFill>
-                        <a:schemeClr val="tx1"/>
-                      </a:solidFill>
-                      <a:prstDash val="solid"/>
-                      <a:round/>
-                      <a:headEnd type="none" w="med" len="med"/>
-                      <a:tailEnd type="none" w="med" len="med"/>
-                    </a:lnT>
-                    <a:lnB w="12700" cap="flat" cmpd="sng" algn="ctr">
-                      <a:solidFill>
-                        <a:schemeClr val="tx1"/>
-                      </a:solidFill>
-                      <a:prstDash val="solid"/>
-                      <a:round/>
-                      <a:headEnd type="none" w="med" len="med"/>
-                      <a:tailEnd type="none" w="med" len="med"/>
-                    </a:lnB>
-                  </a:tcPr>
-                </a:tc>
-                <a:extLst>
-                  <a:ext uri="{0D108BD9-81ED-4DB2-BD59-A6C34878D82A}">
-                    <a16:rowId xmlns:a16="http://schemas.microsoft.com/office/drawing/2014/main" val="4128284738"/>
-                  </a:ext>
-                </a:extLst>
-              </a:tr>
-            </a:tbl>
-          </a:graphicData>
-        </a:graphic>
-      </p:graphicFrame>
       <p:sp>
         <p:nvSpPr>
           <p:cNvPr id="11266" name="1 Título">
@@ -25861,7 +22327,7 @@
               <a:buNone/>
             </a:pPr>
             <a:r>
-              <a:rPr lang="es-CO" altLang="es-CO" sz="1800"/>
+              <a:rPr lang="es-CO" altLang="es-CO" sz="1800" dirty="0"/>
               <a:t> Martes:       18:10 - 20:00</a:t>
             </a:r>
           </a:p>
@@ -25874,7 +22340,7 @@
               <a:buNone/>
             </a:pPr>
             <a:r>
-              <a:rPr lang="es-CO" altLang="es-CO" sz="1800"/>
+              <a:rPr lang="es-CO" altLang="es-CO" sz="1800" dirty="0"/>
               <a:t> Martes:      20:20 – 21:30</a:t>
             </a:r>
           </a:p>
@@ -26154,211 +22620,3376 @@
           </a:p>
         </p:txBody>
       </p:sp>
-      <p:sp>
-        <p:nvSpPr>
-          <p:cNvPr id="9" name="Rectángulo 9">
+      <p:graphicFrame>
+        <p:nvGraphicFramePr>
+          <p:cNvPr id="3" name="Tabla 3">
             <a:extLst>
               <a:ext uri="{FF2B5EF4-FFF2-40B4-BE49-F238E27FC236}">
-                <a16:creationId xmlns:a16="http://schemas.microsoft.com/office/drawing/2014/main" id="{AAD4009E-1BC8-C70B-C6E8-9825F18FD20B}"/>
+                <a16:creationId xmlns:a16="http://schemas.microsoft.com/office/drawing/2014/main" id="{1C10071E-A4B9-FD11-C6A5-F0D1668E062F}"/>
               </a:ext>
             </a:extLst>
           </p:cNvPr>
-          <p:cNvSpPr>
-            <a:spLocks noChangeArrowheads="1"/>
-          </p:cNvSpPr>
-          <p:nvPr/>
-        </p:nvSpPr>
-        <p:spPr bwMode="auto">
-          <a:xfrm>
-            <a:off x="561975" y="6310847"/>
-            <a:ext cx="4010025" cy="369332"/>
-          </a:xfrm>
-          <a:prstGeom prst="rect">
-            <a:avLst/>
-          </a:prstGeom>
-          <a:noFill/>
-          <a:ln>
-            <a:noFill/>
-          </a:ln>
-          <a:extLst>
-            <a:ext uri="{909E8E84-426E-40DD-AFC4-6F175D3DCCD1}">
-              <a14:hiddenFill xmlns:a14="http://schemas.microsoft.com/office/drawing/2010/main">
-                <a:solidFill>
-                  <a:srgbClr val="FFFFFF"/>
-                </a:solidFill>
-              </a14:hiddenFill>
-            </a:ext>
-            <a:ext uri="{91240B29-F687-4F45-9708-019B960494DF}">
-              <a14:hiddenLine xmlns:a14="http://schemas.microsoft.com/office/drawing/2010/main" w="9525">
-                <a:solidFill>
-                  <a:srgbClr val="000000"/>
-                </a:solidFill>
-                <a:miter lim="800000"/>
-                <a:headEnd/>
-                <a:tailEnd/>
-              </a14:hiddenLine>
-            </a:ext>
-          </a:extLst>
-        </p:spPr>
-        <p:txBody>
-          <a:bodyPr>
-            <a:spAutoFit/>
-          </a:bodyPr>
-          <a:lstStyle>
-            <a:lvl1pPr>
-              <a:spcBef>
-                <a:spcPct val="20000"/>
-              </a:spcBef>
-              <a:buFont typeface="Arial" panose="020B0604020202020204" pitchFamily="34" charset="0"/>
-              <a:buChar char="•"/>
-              <a:defRPr sz="3200">
-                <a:solidFill>
-                  <a:schemeClr val="tx1"/>
-                </a:solidFill>
-                <a:latin typeface="Arial" panose="020B0604020202020204" pitchFamily="34" charset="0"/>
-                <a:cs typeface="Arial" panose="020B0604020202020204" pitchFamily="34" charset="0"/>
-              </a:defRPr>
-            </a:lvl1pPr>
-            <a:lvl2pPr marL="742950" indent="-285750">
-              <a:spcBef>
-                <a:spcPct val="20000"/>
-              </a:spcBef>
-              <a:buFont typeface="Arial" panose="020B0604020202020204" pitchFamily="34" charset="0"/>
-              <a:buChar char="–"/>
-              <a:defRPr sz="2800">
-                <a:solidFill>
-                  <a:schemeClr val="tx1"/>
-                </a:solidFill>
-                <a:latin typeface="Arial" panose="020B0604020202020204" pitchFamily="34" charset="0"/>
-                <a:cs typeface="Arial" panose="020B0604020202020204" pitchFamily="34" charset="0"/>
-              </a:defRPr>
-            </a:lvl2pPr>
-            <a:lvl3pPr marL="1143000" indent="-228600">
-              <a:spcBef>
-                <a:spcPct val="20000"/>
-              </a:spcBef>
-              <a:buFont typeface="Arial" panose="020B0604020202020204" pitchFamily="34" charset="0"/>
-              <a:buChar char="•"/>
-              <a:defRPr sz="2400">
-                <a:solidFill>
-                  <a:schemeClr val="tx1"/>
-                </a:solidFill>
-                <a:latin typeface="Arial" panose="020B0604020202020204" pitchFamily="34" charset="0"/>
-                <a:cs typeface="Arial" panose="020B0604020202020204" pitchFamily="34" charset="0"/>
-              </a:defRPr>
-            </a:lvl3pPr>
-            <a:lvl4pPr marL="1600200" indent="-228600">
-              <a:spcBef>
-                <a:spcPct val="20000"/>
-              </a:spcBef>
-              <a:buFont typeface="Arial" panose="020B0604020202020204" pitchFamily="34" charset="0"/>
-              <a:buChar char="–"/>
-              <a:defRPr sz="2000">
-                <a:solidFill>
-                  <a:schemeClr val="tx1"/>
-                </a:solidFill>
-                <a:latin typeface="Arial" panose="020B0604020202020204" pitchFamily="34" charset="0"/>
-                <a:cs typeface="Arial" panose="020B0604020202020204" pitchFamily="34" charset="0"/>
-              </a:defRPr>
-            </a:lvl4pPr>
-            <a:lvl5pPr marL="2057400" indent="-228600">
-              <a:spcBef>
-                <a:spcPct val="20000"/>
-              </a:spcBef>
-              <a:buFont typeface="Arial" panose="020B0604020202020204" pitchFamily="34" charset="0"/>
-              <a:buChar char="»"/>
-              <a:defRPr sz="2000">
-                <a:solidFill>
-                  <a:schemeClr val="tx1"/>
-                </a:solidFill>
-                <a:latin typeface="Arial" panose="020B0604020202020204" pitchFamily="34" charset="0"/>
-                <a:cs typeface="Arial" panose="020B0604020202020204" pitchFamily="34" charset="0"/>
-              </a:defRPr>
-            </a:lvl5pPr>
-            <a:lvl6pPr marL="2514600" indent="-228600" eaLnBrk="0" fontAlgn="base" hangingPunct="0">
-              <a:spcBef>
-                <a:spcPct val="20000"/>
-              </a:spcBef>
-              <a:spcAft>
-                <a:spcPct val="0"/>
-              </a:spcAft>
-              <a:buFont typeface="Arial" panose="020B0604020202020204" pitchFamily="34" charset="0"/>
-              <a:buChar char="»"/>
-              <a:defRPr sz="2000">
-                <a:solidFill>
-                  <a:schemeClr val="tx1"/>
-                </a:solidFill>
-                <a:latin typeface="Arial" panose="020B0604020202020204" pitchFamily="34" charset="0"/>
-                <a:cs typeface="Arial" panose="020B0604020202020204" pitchFamily="34" charset="0"/>
-              </a:defRPr>
-            </a:lvl6pPr>
-            <a:lvl7pPr marL="2971800" indent="-228600" eaLnBrk="0" fontAlgn="base" hangingPunct="0">
-              <a:spcBef>
-                <a:spcPct val="20000"/>
-              </a:spcBef>
-              <a:spcAft>
-                <a:spcPct val="0"/>
-              </a:spcAft>
-              <a:buFont typeface="Arial" panose="020B0604020202020204" pitchFamily="34" charset="0"/>
-              <a:buChar char="»"/>
-              <a:defRPr sz="2000">
-                <a:solidFill>
-                  <a:schemeClr val="tx1"/>
-                </a:solidFill>
-                <a:latin typeface="Arial" panose="020B0604020202020204" pitchFamily="34" charset="0"/>
-                <a:cs typeface="Arial" panose="020B0604020202020204" pitchFamily="34" charset="0"/>
-              </a:defRPr>
-            </a:lvl7pPr>
-            <a:lvl8pPr marL="3429000" indent="-228600" eaLnBrk="0" fontAlgn="base" hangingPunct="0">
-              <a:spcBef>
-                <a:spcPct val="20000"/>
-              </a:spcBef>
-              <a:spcAft>
-                <a:spcPct val="0"/>
-              </a:spcAft>
-              <a:buFont typeface="Arial" panose="020B0604020202020204" pitchFamily="34" charset="0"/>
-              <a:buChar char="»"/>
-              <a:defRPr sz="2000">
-                <a:solidFill>
-                  <a:schemeClr val="tx1"/>
-                </a:solidFill>
-                <a:latin typeface="Arial" panose="020B0604020202020204" pitchFamily="34" charset="0"/>
-                <a:cs typeface="Arial" panose="020B0604020202020204" pitchFamily="34" charset="0"/>
-              </a:defRPr>
-            </a:lvl8pPr>
-            <a:lvl9pPr marL="3886200" indent="-228600" eaLnBrk="0" fontAlgn="base" hangingPunct="0">
-              <a:spcBef>
-                <a:spcPct val="20000"/>
-              </a:spcBef>
-              <a:spcAft>
-                <a:spcPct val="0"/>
-              </a:spcAft>
-              <a:buFont typeface="Arial" panose="020B0604020202020204" pitchFamily="34" charset="0"/>
-              <a:buChar char="»"/>
-              <a:defRPr sz="2000">
-                <a:solidFill>
-                  <a:schemeClr val="tx1"/>
-                </a:solidFill>
-                <a:latin typeface="Arial" panose="020B0604020202020204" pitchFamily="34" charset="0"/>
-                <a:cs typeface="Arial" panose="020B0604020202020204" pitchFamily="34" charset="0"/>
-              </a:defRPr>
-            </a:lvl9pPr>
-          </a:lstStyle>
-          <a:p>
-            <a:pPr algn="ctr">
-              <a:spcBef>
-                <a:spcPct val="0"/>
-              </a:spcBef>
-              <a:buFontTx/>
-              <a:buNone/>
-            </a:pPr>
-            <a:r>
-              <a:rPr lang="es-CO" altLang="es-CO" sz="1800"/>
-              <a:t>*Clase mediada por tecnología</a:t>
-            </a:r>
-          </a:p>
-        </p:txBody>
-      </p:sp>
+          <p:cNvGraphicFramePr>
+            <a:graphicFrameLocks noGrp="1"/>
+          </p:cNvGraphicFramePr>
+          <p:nvPr>
+            <p:extLst>
+              <p:ext uri="{D42A27DB-BD31-4B8C-83A1-F6EECF244321}">
+                <p14:modId xmlns:p14="http://schemas.microsoft.com/office/powerpoint/2010/main" val="3270868568"/>
+              </p:ext>
+            </p:extLst>
+          </p:nvPr>
+        </p:nvGraphicFramePr>
+        <p:xfrm>
+          <a:off x="863588" y="670925"/>
+          <a:ext cx="7416824" cy="5483937"/>
+        </p:xfrm>
+        <a:graphic>
+          <a:graphicData uri="http://schemas.openxmlformats.org/drawingml/2006/table">
+            <a:tbl>
+              <a:tblPr firstRow="1" bandRow="1">
+                <a:tableStyleId>{69012ECD-51FC-41F1-AA8D-1B2483CD663E}</a:tableStyleId>
+              </a:tblPr>
+              <a:tblGrid>
+                <a:gridCol w="792088">
+                  <a:extLst>
+                    <a:ext uri="{9D8B030D-6E8A-4147-A177-3AD203B41FA5}">
+                      <a16:colId xmlns:a16="http://schemas.microsoft.com/office/drawing/2014/main" val="571927606"/>
+                    </a:ext>
+                  </a:extLst>
+                </a:gridCol>
+                <a:gridCol w="3384376">
+                  <a:extLst>
+                    <a:ext uri="{9D8B030D-6E8A-4147-A177-3AD203B41FA5}">
+                      <a16:colId xmlns:a16="http://schemas.microsoft.com/office/drawing/2014/main" val="2710960597"/>
+                    </a:ext>
+                  </a:extLst>
+                </a:gridCol>
+                <a:gridCol w="3240360">
+                  <a:extLst>
+                    <a:ext uri="{9D8B030D-6E8A-4147-A177-3AD203B41FA5}">
+                      <a16:colId xmlns:a16="http://schemas.microsoft.com/office/drawing/2014/main" val="76565624"/>
+                    </a:ext>
+                  </a:extLst>
+                </a:gridCol>
+              </a:tblGrid>
+              <a:tr h="269131">
+                <a:tc>
+                  <a:txBody>
+                    <a:bodyPr/>
+                    <a:lstStyle/>
+                    <a:p>
+                      <a:pPr algn="ctr"/>
+                      <a:r>
+                        <a:rPr lang="es-CO" sz="1000" dirty="0"/>
+                        <a:t>Semana</a:t>
+                      </a:r>
+                    </a:p>
+                  </a:txBody>
+                  <a:tcPr>
+                    <a:lnB w="12700" cap="flat" cmpd="sng" algn="ctr">
+                      <a:solidFill>
+                        <a:schemeClr val="tx1"/>
+                      </a:solidFill>
+                      <a:prstDash val="solid"/>
+                      <a:round/>
+                      <a:headEnd type="none" w="med" len="med"/>
+                      <a:tailEnd type="none" w="med" len="med"/>
+                    </a:lnB>
+                  </a:tcPr>
+                </a:tc>
+                <a:tc>
+                  <a:txBody>
+                    <a:bodyPr/>
+                    <a:lstStyle/>
+                    <a:p>
+                      <a:pPr algn="ctr"/>
+                      <a:r>
+                        <a:rPr lang="es-CO" sz="1000" dirty="0"/>
+                        <a:t>Fechas</a:t>
+                      </a:r>
+                    </a:p>
+                  </a:txBody>
+                  <a:tcPr>
+                    <a:lnB w="12700" cap="flat" cmpd="sng" algn="ctr">
+                      <a:solidFill>
+                        <a:schemeClr val="tx1"/>
+                      </a:solidFill>
+                      <a:prstDash val="solid"/>
+                      <a:round/>
+                      <a:headEnd type="none" w="med" len="med"/>
+                      <a:tailEnd type="none" w="med" len="med"/>
+                    </a:lnB>
+                  </a:tcPr>
+                </a:tc>
+                <a:tc>
+                  <a:txBody>
+                    <a:bodyPr/>
+                    <a:lstStyle/>
+                    <a:p>
+                      <a:pPr algn="ctr"/>
+                      <a:r>
+                        <a:rPr lang="es-CO" sz="1000" dirty="0"/>
+                        <a:t>Nombre</a:t>
+                      </a:r>
+                    </a:p>
+                  </a:txBody>
+                  <a:tcPr>
+                    <a:lnB w="12700" cap="flat" cmpd="sng" algn="ctr">
+                      <a:solidFill>
+                        <a:schemeClr val="tx1"/>
+                      </a:solidFill>
+                      <a:prstDash val="solid"/>
+                      <a:round/>
+                      <a:headEnd type="none" w="med" len="med"/>
+                      <a:tailEnd type="none" w="med" len="med"/>
+                    </a:lnB>
+                  </a:tcPr>
+                </a:tc>
+                <a:extLst>
+                  <a:ext uri="{0D108BD9-81ED-4DB2-BD59-A6C34878D82A}">
+                    <a16:rowId xmlns:a16="http://schemas.microsoft.com/office/drawing/2014/main" val="3336602277"/>
+                  </a:ext>
+                </a:extLst>
+              </a:tr>
+              <a:tr h="269131">
+                <a:tc>
+                  <a:txBody>
+                    <a:bodyPr/>
+                    <a:lstStyle/>
+                    <a:p>
+                      <a:pPr algn="ctr"/>
+                      <a:r>
+                        <a:rPr lang="es-CO" sz="1000" dirty="0"/>
+                        <a:t>1</a:t>
+                      </a:r>
+                    </a:p>
+                  </a:txBody>
+                  <a:tcPr>
+                    <a:lnL w="12700" cap="flat" cmpd="sng" algn="ctr">
+                      <a:solidFill>
+                        <a:schemeClr val="tx1"/>
+                      </a:solidFill>
+                      <a:prstDash val="solid"/>
+                      <a:round/>
+                      <a:headEnd type="none" w="med" len="med"/>
+                      <a:tailEnd type="none" w="med" len="med"/>
+                    </a:lnL>
+                    <a:lnR w="12700" cap="flat" cmpd="sng" algn="ctr">
+                      <a:solidFill>
+                        <a:schemeClr val="tx1"/>
+                      </a:solidFill>
+                      <a:prstDash val="solid"/>
+                      <a:round/>
+                      <a:headEnd type="none" w="med" len="med"/>
+                      <a:tailEnd type="none" w="med" len="med"/>
+                    </a:lnR>
+                    <a:lnT w="12700" cap="flat" cmpd="sng" algn="ctr">
+                      <a:solidFill>
+                        <a:schemeClr val="tx1"/>
+                      </a:solidFill>
+                      <a:prstDash val="solid"/>
+                      <a:round/>
+                      <a:headEnd type="none" w="med" len="med"/>
+                      <a:tailEnd type="none" w="med" len="med"/>
+                    </a:lnT>
+                    <a:lnB w="12700" cap="flat" cmpd="sng" algn="ctr">
+                      <a:solidFill>
+                        <a:schemeClr val="tx1"/>
+                      </a:solidFill>
+                      <a:prstDash val="solid"/>
+                      <a:round/>
+                      <a:headEnd type="none" w="med" len="med"/>
+                      <a:tailEnd type="none" w="med" len="med"/>
+                    </a:lnB>
+                  </a:tcPr>
+                </a:tc>
+                <a:tc>
+                  <a:txBody>
+                    <a:bodyPr/>
+                    <a:lstStyle/>
+                    <a:p>
+                      <a:pPr algn="ctr"/>
+                      <a:r>
+                        <a:rPr lang="es-CO" sz="1000" dirty="0"/>
+                        <a:t>3 febrero – 7 febrero</a:t>
+                      </a:r>
+                    </a:p>
+                  </a:txBody>
+                  <a:tcPr>
+                    <a:lnL w="12700" cap="flat" cmpd="sng" algn="ctr">
+                      <a:solidFill>
+                        <a:schemeClr val="tx1"/>
+                      </a:solidFill>
+                      <a:prstDash val="solid"/>
+                      <a:round/>
+                      <a:headEnd type="none" w="med" len="med"/>
+                      <a:tailEnd type="none" w="med" len="med"/>
+                    </a:lnL>
+                    <a:lnR w="12700" cap="flat" cmpd="sng" algn="ctr">
+                      <a:solidFill>
+                        <a:schemeClr val="tx1"/>
+                      </a:solidFill>
+                      <a:prstDash val="solid"/>
+                      <a:round/>
+                      <a:headEnd type="none" w="med" len="med"/>
+                      <a:tailEnd type="none" w="med" len="med"/>
+                    </a:lnR>
+                    <a:lnT w="12700" cap="flat" cmpd="sng" algn="ctr">
+                      <a:solidFill>
+                        <a:schemeClr val="tx1"/>
+                      </a:solidFill>
+                      <a:prstDash val="solid"/>
+                      <a:round/>
+                      <a:headEnd type="none" w="med" len="med"/>
+                      <a:tailEnd type="none" w="med" len="med"/>
+                    </a:lnT>
+                    <a:lnB w="12700" cap="flat" cmpd="sng" algn="ctr">
+                      <a:solidFill>
+                        <a:schemeClr val="tx1"/>
+                      </a:solidFill>
+                      <a:prstDash val="solid"/>
+                      <a:round/>
+                      <a:headEnd type="none" w="med" len="med"/>
+                      <a:tailEnd type="none" w="med" len="med"/>
+                    </a:lnB>
+                  </a:tcPr>
+                </a:tc>
+                <a:tc>
+                  <a:txBody>
+                    <a:bodyPr/>
+                    <a:lstStyle/>
+                    <a:p>
+                      <a:pPr marL="0" marR="0" lvl="0" indent="0" algn="ctr" defTabSz="685800" rtl="0" eaLnBrk="1" fontAlgn="auto" latinLnBrk="0" hangingPunct="1">
+                        <a:lnSpc>
+                          <a:spcPct val="100000"/>
+                        </a:lnSpc>
+                        <a:spcBef>
+                          <a:spcPts val="0"/>
+                        </a:spcBef>
+                        <a:spcAft>
+                          <a:spcPts val="0"/>
+                        </a:spcAft>
+                        <a:buClrTx/>
+                        <a:buSzTx/>
+                        <a:buFontTx/>
+                        <a:buNone/>
+                        <a:tabLst/>
+                        <a:defRPr/>
+                      </a:pPr>
+                      <a:r>
+                        <a:rPr lang="es-CO" sz="1000" dirty="0"/>
+                        <a:t>Introducción – Generalidades</a:t>
+                      </a:r>
+                    </a:p>
+                    <a:p>
+                      <a:pPr marL="0" marR="0" lvl="0" indent="0" algn="ctr" defTabSz="685800" rtl="0" eaLnBrk="1" fontAlgn="auto" latinLnBrk="0" hangingPunct="1">
+                        <a:lnSpc>
+                          <a:spcPct val="100000"/>
+                        </a:lnSpc>
+                        <a:spcBef>
+                          <a:spcPts val="0"/>
+                        </a:spcBef>
+                        <a:spcAft>
+                          <a:spcPts val="0"/>
+                        </a:spcAft>
+                        <a:buClrTx/>
+                        <a:buSzTx/>
+                        <a:buFontTx/>
+                        <a:buNone/>
+                        <a:tabLst/>
+                        <a:defRPr/>
+                      </a:pPr>
+                      <a:r>
+                        <a:rPr lang="es-CO" sz="1000" dirty="0" err="1"/>
+                        <a:t>Intro</a:t>
+                      </a:r>
+                      <a:r>
+                        <a:rPr lang="es-CO" sz="1000" dirty="0"/>
+                        <a:t> Matlab</a:t>
+                      </a:r>
+                    </a:p>
+                  </a:txBody>
+                  <a:tcPr>
+                    <a:lnL w="12700" cap="flat" cmpd="sng" algn="ctr">
+                      <a:solidFill>
+                        <a:schemeClr val="tx1"/>
+                      </a:solidFill>
+                      <a:prstDash val="solid"/>
+                      <a:round/>
+                      <a:headEnd type="none" w="med" len="med"/>
+                      <a:tailEnd type="none" w="med" len="med"/>
+                    </a:lnL>
+                    <a:lnR w="12700" cap="flat" cmpd="sng" algn="ctr">
+                      <a:solidFill>
+                        <a:schemeClr val="tx1"/>
+                      </a:solidFill>
+                      <a:prstDash val="solid"/>
+                      <a:round/>
+                      <a:headEnd type="none" w="med" len="med"/>
+                      <a:tailEnd type="none" w="med" len="med"/>
+                    </a:lnR>
+                    <a:lnT w="12700" cap="flat" cmpd="sng" algn="ctr">
+                      <a:solidFill>
+                        <a:schemeClr val="tx1"/>
+                      </a:solidFill>
+                      <a:prstDash val="solid"/>
+                      <a:round/>
+                      <a:headEnd type="none" w="med" len="med"/>
+                      <a:tailEnd type="none" w="med" len="med"/>
+                    </a:lnT>
+                    <a:lnB w="12700" cap="flat" cmpd="sng" algn="ctr">
+                      <a:solidFill>
+                        <a:schemeClr val="tx1"/>
+                      </a:solidFill>
+                      <a:prstDash val="solid"/>
+                      <a:round/>
+                      <a:headEnd type="none" w="med" len="med"/>
+                      <a:tailEnd type="none" w="med" len="med"/>
+                    </a:lnB>
+                  </a:tcPr>
+                </a:tc>
+                <a:extLst>
+                  <a:ext uri="{0D108BD9-81ED-4DB2-BD59-A6C34878D82A}">
+                    <a16:rowId xmlns:a16="http://schemas.microsoft.com/office/drawing/2014/main" val="2742633600"/>
+                  </a:ext>
+                </a:extLst>
+              </a:tr>
+              <a:tr h="269131">
+                <a:tc>
+                  <a:txBody>
+                    <a:bodyPr/>
+                    <a:lstStyle/>
+                    <a:p>
+                      <a:pPr algn="ctr"/>
+                      <a:r>
+                        <a:rPr lang="es-CO" sz="1000" dirty="0"/>
+                        <a:t>2</a:t>
+                      </a:r>
+                    </a:p>
+                  </a:txBody>
+                  <a:tcPr>
+                    <a:lnL w="12700" cap="flat" cmpd="sng" algn="ctr">
+                      <a:solidFill>
+                        <a:schemeClr val="tx1"/>
+                      </a:solidFill>
+                      <a:prstDash val="solid"/>
+                      <a:round/>
+                      <a:headEnd type="none" w="med" len="med"/>
+                      <a:tailEnd type="none" w="med" len="med"/>
+                    </a:lnL>
+                    <a:lnR w="12700" cap="flat" cmpd="sng" algn="ctr">
+                      <a:solidFill>
+                        <a:schemeClr val="tx1"/>
+                      </a:solidFill>
+                      <a:prstDash val="solid"/>
+                      <a:round/>
+                      <a:headEnd type="none" w="med" len="med"/>
+                      <a:tailEnd type="none" w="med" len="med"/>
+                    </a:lnR>
+                    <a:lnT w="12700" cap="flat" cmpd="sng" algn="ctr">
+                      <a:solidFill>
+                        <a:schemeClr val="tx1"/>
+                      </a:solidFill>
+                      <a:prstDash val="solid"/>
+                      <a:round/>
+                      <a:headEnd type="none" w="med" len="med"/>
+                      <a:tailEnd type="none" w="med" len="med"/>
+                    </a:lnT>
+                    <a:lnB w="12700" cap="flat" cmpd="sng" algn="ctr">
+                      <a:solidFill>
+                        <a:schemeClr val="tx1"/>
+                      </a:solidFill>
+                      <a:prstDash val="solid"/>
+                      <a:round/>
+                      <a:headEnd type="none" w="med" len="med"/>
+                      <a:tailEnd type="none" w="med" len="med"/>
+                    </a:lnB>
+                  </a:tcPr>
+                </a:tc>
+                <a:tc>
+                  <a:txBody>
+                    <a:bodyPr/>
+                    <a:lstStyle/>
+                    <a:p>
+                      <a:pPr algn="ctr"/>
+                      <a:r>
+                        <a:rPr lang="es-CO" sz="1000" dirty="0">
+                          <a:solidFill>
+                            <a:schemeClr val="tx1"/>
+                          </a:solidFill>
+                        </a:rPr>
+                        <a:t>10 febrero – 14 febrero</a:t>
+                      </a:r>
+                    </a:p>
+                  </a:txBody>
+                  <a:tcPr>
+                    <a:lnL w="12700" cap="flat" cmpd="sng" algn="ctr">
+                      <a:solidFill>
+                        <a:schemeClr val="tx1"/>
+                      </a:solidFill>
+                      <a:prstDash val="solid"/>
+                      <a:round/>
+                      <a:headEnd type="none" w="med" len="med"/>
+                      <a:tailEnd type="none" w="med" len="med"/>
+                    </a:lnL>
+                    <a:lnR w="12700" cap="flat" cmpd="sng" algn="ctr">
+                      <a:solidFill>
+                        <a:schemeClr val="tx1"/>
+                      </a:solidFill>
+                      <a:prstDash val="solid"/>
+                      <a:round/>
+                      <a:headEnd type="none" w="med" len="med"/>
+                      <a:tailEnd type="none" w="med" len="med"/>
+                    </a:lnR>
+                    <a:lnT w="12700" cap="flat" cmpd="sng" algn="ctr">
+                      <a:solidFill>
+                        <a:schemeClr val="tx1"/>
+                      </a:solidFill>
+                      <a:prstDash val="solid"/>
+                      <a:round/>
+                      <a:headEnd type="none" w="med" len="med"/>
+                      <a:tailEnd type="none" w="med" len="med"/>
+                    </a:lnT>
+                    <a:lnB w="12700" cap="flat" cmpd="sng" algn="ctr">
+                      <a:solidFill>
+                        <a:schemeClr val="tx1"/>
+                      </a:solidFill>
+                      <a:prstDash val="solid"/>
+                      <a:round/>
+                      <a:headEnd type="none" w="med" len="med"/>
+                      <a:tailEnd type="none" w="med" len="med"/>
+                    </a:lnB>
+                  </a:tcPr>
+                </a:tc>
+                <a:tc>
+                  <a:txBody>
+                    <a:bodyPr/>
+                    <a:lstStyle/>
+                    <a:p>
+                      <a:pPr algn="ctr"/>
+                      <a:r>
+                        <a:rPr lang="es-CO" sz="1000" dirty="0"/>
+                        <a:t>Señales discretas / Digitales.</a:t>
+                      </a:r>
+                    </a:p>
+                  </a:txBody>
+                  <a:tcPr>
+                    <a:lnL w="12700" cap="flat" cmpd="sng" algn="ctr">
+                      <a:solidFill>
+                        <a:schemeClr val="tx1"/>
+                      </a:solidFill>
+                      <a:prstDash val="solid"/>
+                      <a:round/>
+                      <a:headEnd type="none" w="med" len="med"/>
+                      <a:tailEnd type="none" w="med" len="med"/>
+                    </a:lnL>
+                    <a:lnR w="12700" cap="flat" cmpd="sng" algn="ctr">
+                      <a:solidFill>
+                        <a:schemeClr val="tx1"/>
+                      </a:solidFill>
+                      <a:prstDash val="solid"/>
+                      <a:round/>
+                      <a:headEnd type="none" w="med" len="med"/>
+                      <a:tailEnd type="none" w="med" len="med"/>
+                    </a:lnR>
+                    <a:lnT w="12700" cap="flat" cmpd="sng" algn="ctr">
+                      <a:solidFill>
+                        <a:schemeClr val="tx1"/>
+                      </a:solidFill>
+                      <a:prstDash val="solid"/>
+                      <a:round/>
+                      <a:headEnd type="none" w="med" len="med"/>
+                      <a:tailEnd type="none" w="med" len="med"/>
+                    </a:lnT>
+                    <a:lnB w="12700" cap="flat" cmpd="sng" algn="ctr">
+                      <a:solidFill>
+                        <a:schemeClr val="tx1"/>
+                      </a:solidFill>
+                      <a:prstDash val="solid"/>
+                      <a:round/>
+                      <a:headEnd type="none" w="med" len="med"/>
+                      <a:tailEnd type="none" w="med" len="med"/>
+                    </a:lnB>
+                  </a:tcPr>
+                </a:tc>
+                <a:extLst>
+                  <a:ext uri="{0D108BD9-81ED-4DB2-BD59-A6C34878D82A}">
+                    <a16:rowId xmlns:a16="http://schemas.microsoft.com/office/drawing/2014/main" val="1747441063"/>
+                  </a:ext>
+                </a:extLst>
+              </a:tr>
+              <a:tr h="269131">
+                <a:tc>
+                  <a:txBody>
+                    <a:bodyPr/>
+                    <a:lstStyle/>
+                    <a:p>
+                      <a:pPr algn="ctr"/>
+                      <a:r>
+                        <a:rPr lang="es-CO" sz="1000" dirty="0"/>
+                        <a:t>3</a:t>
+                      </a:r>
+                    </a:p>
+                  </a:txBody>
+                  <a:tcPr>
+                    <a:lnL w="12700" cap="flat" cmpd="sng" algn="ctr">
+                      <a:solidFill>
+                        <a:schemeClr val="tx1"/>
+                      </a:solidFill>
+                      <a:prstDash val="solid"/>
+                      <a:round/>
+                      <a:headEnd type="none" w="med" len="med"/>
+                      <a:tailEnd type="none" w="med" len="med"/>
+                    </a:lnL>
+                    <a:lnR w="12700" cap="flat" cmpd="sng" algn="ctr">
+                      <a:solidFill>
+                        <a:schemeClr val="tx1"/>
+                      </a:solidFill>
+                      <a:prstDash val="solid"/>
+                      <a:round/>
+                      <a:headEnd type="none" w="med" len="med"/>
+                      <a:tailEnd type="none" w="med" len="med"/>
+                    </a:lnR>
+                    <a:lnT w="12700" cap="flat" cmpd="sng" algn="ctr">
+                      <a:solidFill>
+                        <a:schemeClr val="tx1"/>
+                      </a:solidFill>
+                      <a:prstDash val="solid"/>
+                      <a:round/>
+                      <a:headEnd type="none" w="med" len="med"/>
+                      <a:tailEnd type="none" w="med" len="med"/>
+                    </a:lnT>
+                    <a:lnB w="12700" cap="flat" cmpd="sng" algn="ctr">
+                      <a:solidFill>
+                        <a:schemeClr val="tx1"/>
+                      </a:solidFill>
+                      <a:prstDash val="solid"/>
+                      <a:round/>
+                      <a:headEnd type="none" w="med" len="med"/>
+                      <a:tailEnd type="none" w="med" len="med"/>
+                    </a:lnB>
+                  </a:tcPr>
+                </a:tc>
+                <a:tc>
+                  <a:txBody>
+                    <a:bodyPr/>
+                    <a:lstStyle/>
+                    <a:p>
+                      <a:pPr algn="ctr"/>
+                      <a:r>
+                        <a:rPr lang="es-CO" sz="1000" dirty="0">
+                          <a:solidFill>
+                            <a:schemeClr val="tx1"/>
+                          </a:solidFill>
+                        </a:rPr>
+                        <a:t>17 febrero – 21 febrero</a:t>
+                      </a:r>
+                    </a:p>
+                  </a:txBody>
+                  <a:tcPr>
+                    <a:lnL w="12700" cap="flat" cmpd="sng" algn="ctr">
+                      <a:solidFill>
+                        <a:schemeClr val="tx1"/>
+                      </a:solidFill>
+                      <a:prstDash val="solid"/>
+                      <a:round/>
+                      <a:headEnd type="none" w="med" len="med"/>
+                      <a:tailEnd type="none" w="med" len="med"/>
+                    </a:lnL>
+                    <a:lnR w="12700" cap="flat" cmpd="sng" algn="ctr">
+                      <a:solidFill>
+                        <a:schemeClr val="tx1"/>
+                      </a:solidFill>
+                      <a:prstDash val="solid"/>
+                      <a:round/>
+                      <a:headEnd type="none" w="med" len="med"/>
+                      <a:tailEnd type="none" w="med" len="med"/>
+                    </a:lnR>
+                    <a:lnT w="12700" cap="flat" cmpd="sng" algn="ctr">
+                      <a:solidFill>
+                        <a:schemeClr val="tx1"/>
+                      </a:solidFill>
+                      <a:prstDash val="solid"/>
+                      <a:round/>
+                      <a:headEnd type="none" w="med" len="med"/>
+                      <a:tailEnd type="none" w="med" len="med"/>
+                    </a:lnT>
+                    <a:lnB w="12700" cap="flat" cmpd="sng" algn="ctr">
+                      <a:solidFill>
+                        <a:schemeClr val="tx1"/>
+                      </a:solidFill>
+                      <a:prstDash val="solid"/>
+                      <a:round/>
+                      <a:headEnd type="none" w="med" len="med"/>
+                      <a:tailEnd type="none" w="med" len="med"/>
+                    </a:lnB>
+                  </a:tcPr>
+                </a:tc>
+                <a:tc>
+                  <a:txBody>
+                    <a:bodyPr/>
+                    <a:lstStyle/>
+                    <a:p>
+                      <a:pPr algn="ctr"/>
+                      <a:r>
+                        <a:rPr lang="es-CO" sz="1000" dirty="0"/>
+                        <a:t>Transformada Z - Propiedades</a:t>
+                      </a:r>
+                    </a:p>
+                  </a:txBody>
+                  <a:tcPr>
+                    <a:lnL w="12700" cap="flat" cmpd="sng" algn="ctr">
+                      <a:solidFill>
+                        <a:schemeClr val="tx1"/>
+                      </a:solidFill>
+                      <a:prstDash val="solid"/>
+                      <a:round/>
+                      <a:headEnd type="none" w="med" len="med"/>
+                      <a:tailEnd type="none" w="med" len="med"/>
+                    </a:lnL>
+                    <a:lnR w="12700" cap="flat" cmpd="sng" algn="ctr">
+                      <a:solidFill>
+                        <a:schemeClr val="tx1"/>
+                      </a:solidFill>
+                      <a:prstDash val="solid"/>
+                      <a:round/>
+                      <a:headEnd type="none" w="med" len="med"/>
+                      <a:tailEnd type="none" w="med" len="med"/>
+                    </a:lnR>
+                    <a:lnT w="12700" cap="flat" cmpd="sng" algn="ctr">
+                      <a:solidFill>
+                        <a:schemeClr val="tx1"/>
+                      </a:solidFill>
+                      <a:prstDash val="solid"/>
+                      <a:round/>
+                      <a:headEnd type="none" w="med" len="med"/>
+                      <a:tailEnd type="none" w="med" len="med"/>
+                    </a:lnT>
+                    <a:lnB w="12700" cap="flat" cmpd="sng" algn="ctr">
+                      <a:solidFill>
+                        <a:schemeClr val="tx1"/>
+                      </a:solidFill>
+                      <a:prstDash val="solid"/>
+                      <a:round/>
+                      <a:headEnd type="none" w="med" len="med"/>
+                      <a:tailEnd type="none" w="med" len="med"/>
+                    </a:lnB>
+                  </a:tcPr>
+                </a:tc>
+                <a:extLst>
+                  <a:ext uri="{0D108BD9-81ED-4DB2-BD59-A6C34878D82A}">
+                    <a16:rowId xmlns:a16="http://schemas.microsoft.com/office/drawing/2014/main" val="2633813301"/>
+                  </a:ext>
+                </a:extLst>
+              </a:tr>
+              <a:tr h="269131">
+                <a:tc>
+                  <a:txBody>
+                    <a:bodyPr/>
+                    <a:lstStyle/>
+                    <a:p>
+                      <a:pPr algn="ctr"/>
+                      <a:r>
+                        <a:rPr lang="es-CO" sz="1000" dirty="0"/>
+                        <a:t>4</a:t>
+                      </a:r>
+                    </a:p>
+                  </a:txBody>
+                  <a:tcPr>
+                    <a:lnL w="12700" cap="flat" cmpd="sng" algn="ctr">
+                      <a:solidFill>
+                        <a:schemeClr val="tx1"/>
+                      </a:solidFill>
+                      <a:prstDash val="solid"/>
+                      <a:round/>
+                      <a:headEnd type="none" w="med" len="med"/>
+                      <a:tailEnd type="none" w="med" len="med"/>
+                    </a:lnL>
+                    <a:lnR w="12700" cap="flat" cmpd="sng" algn="ctr">
+                      <a:solidFill>
+                        <a:schemeClr val="tx1"/>
+                      </a:solidFill>
+                      <a:prstDash val="solid"/>
+                      <a:round/>
+                      <a:headEnd type="none" w="med" len="med"/>
+                      <a:tailEnd type="none" w="med" len="med"/>
+                    </a:lnR>
+                    <a:lnT w="12700" cap="flat" cmpd="sng" algn="ctr">
+                      <a:solidFill>
+                        <a:schemeClr val="tx1"/>
+                      </a:solidFill>
+                      <a:prstDash val="solid"/>
+                      <a:round/>
+                      <a:headEnd type="none" w="med" len="med"/>
+                      <a:tailEnd type="none" w="med" len="med"/>
+                    </a:lnT>
+                    <a:lnB w="12700" cap="flat" cmpd="sng" algn="ctr">
+                      <a:solidFill>
+                        <a:schemeClr val="tx1"/>
+                      </a:solidFill>
+                      <a:prstDash val="solid"/>
+                      <a:round/>
+                      <a:headEnd type="none" w="med" len="med"/>
+                      <a:tailEnd type="none" w="med" len="med"/>
+                    </a:lnB>
+                  </a:tcPr>
+                </a:tc>
+                <a:tc>
+                  <a:txBody>
+                    <a:bodyPr/>
+                    <a:lstStyle/>
+                    <a:p>
+                      <a:pPr algn="ctr"/>
+                      <a:r>
+                        <a:rPr lang="es-CO" sz="1000" dirty="0">
+                          <a:solidFill>
+                            <a:schemeClr val="tx1"/>
+                          </a:solidFill>
+                        </a:rPr>
+                        <a:t>24 febrero – 28 febrero</a:t>
+                      </a:r>
+                    </a:p>
+                  </a:txBody>
+                  <a:tcPr>
+                    <a:lnL w="12700" cap="flat" cmpd="sng" algn="ctr">
+                      <a:solidFill>
+                        <a:schemeClr val="tx1"/>
+                      </a:solidFill>
+                      <a:prstDash val="solid"/>
+                      <a:round/>
+                      <a:headEnd type="none" w="med" len="med"/>
+                      <a:tailEnd type="none" w="med" len="med"/>
+                    </a:lnL>
+                    <a:lnR w="12700" cap="flat" cmpd="sng" algn="ctr">
+                      <a:solidFill>
+                        <a:schemeClr val="tx1"/>
+                      </a:solidFill>
+                      <a:prstDash val="solid"/>
+                      <a:round/>
+                      <a:headEnd type="none" w="med" len="med"/>
+                      <a:tailEnd type="none" w="med" len="med"/>
+                    </a:lnR>
+                    <a:lnT w="12700" cap="flat" cmpd="sng" algn="ctr">
+                      <a:solidFill>
+                        <a:schemeClr val="tx1"/>
+                      </a:solidFill>
+                      <a:prstDash val="solid"/>
+                      <a:round/>
+                      <a:headEnd type="none" w="med" len="med"/>
+                      <a:tailEnd type="none" w="med" len="med"/>
+                    </a:lnT>
+                    <a:lnB w="12700" cap="flat" cmpd="sng" algn="ctr">
+                      <a:solidFill>
+                        <a:schemeClr val="tx1"/>
+                      </a:solidFill>
+                      <a:prstDash val="solid"/>
+                      <a:round/>
+                      <a:headEnd type="none" w="med" len="med"/>
+                      <a:tailEnd type="none" w="med" len="med"/>
+                    </a:lnB>
+                  </a:tcPr>
+                </a:tc>
+                <a:tc>
+                  <a:txBody>
+                    <a:bodyPr/>
+                    <a:lstStyle/>
+                    <a:p>
+                      <a:pPr algn="ctr"/>
+                      <a:r>
+                        <a:rPr lang="es-CO" sz="1000" dirty="0"/>
+                        <a:t>Representación Sistemas Transformada Z.</a:t>
+                      </a:r>
+                    </a:p>
+                    <a:p>
+                      <a:pPr algn="ctr"/>
+                      <a:r>
+                        <a:rPr lang="es-CO" sz="1000" dirty="0"/>
+                        <a:t>Ecuaciones en diferencia</a:t>
+                      </a:r>
+                    </a:p>
+                  </a:txBody>
+                  <a:tcPr>
+                    <a:lnL w="12700" cap="flat" cmpd="sng" algn="ctr">
+                      <a:solidFill>
+                        <a:schemeClr val="tx1"/>
+                      </a:solidFill>
+                      <a:prstDash val="solid"/>
+                      <a:round/>
+                      <a:headEnd type="none" w="med" len="med"/>
+                      <a:tailEnd type="none" w="med" len="med"/>
+                    </a:lnL>
+                    <a:lnR w="12700" cap="flat" cmpd="sng" algn="ctr">
+                      <a:solidFill>
+                        <a:schemeClr val="tx1"/>
+                      </a:solidFill>
+                      <a:prstDash val="solid"/>
+                      <a:round/>
+                      <a:headEnd type="none" w="med" len="med"/>
+                      <a:tailEnd type="none" w="med" len="med"/>
+                    </a:lnR>
+                    <a:lnT w="12700" cap="flat" cmpd="sng" algn="ctr">
+                      <a:solidFill>
+                        <a:schemeClr val="tx1"/>
+                      </a:solidFill>
+                      <a:prstDash val="solid"/>
+                      <a:round/>
+                      <a:headEnd type="none" w="med" len="med"/>
+                      <a:tailEnd type="none" w="med" len="med"/>
+                    </a:lnT>
+                    <a:lnB w="12700" cap="flat" cmpd="sng" algn="ctr">
+                      <a:solidFill>
+                        <a:schemeClr val="tx1"/>
+                      </a:solidFill>
+                      <a:prstDash val="solid"/>
+                      <a:round/>
+                      <a:headEnd type="none" w="med" len="med"/>
+                      <a:tailEnd type="none" w="med" len="med"/>
+                    </a:lnB>
+                  </a:tcPr>
+                </a:tc>
+                <a:extLst>
+                  <a:ext uri="{0D108BD9-81ED-4DB2-BD59-A6C34878D82A}">
+                    <a16:rowId xmlns:a16="http://schemas.microsoft.com/office/drawing/2014/main" val="2915148968"/>
+                  </a:ext>
+                </a:extLst>
+              </a:tr>
+              <a:tr h="269131">
+                <a:tc>
+                  <a:txBody>
+                    <a:bodyPr/>
+                    <a:lstStyle/>
+                    <a:p>
+                      <a:pPr algn="ctr"/>
+                      <a:r>
+                        <a:rPr lang="es-CO" sz="1000" dirty="0"/>
+                        <a:t>5</a:t>
+                      </a:r>
+                    </a:p>
+                  </a:txBody>
+                  <a:tcPr>
+                    <a:lnL w="12700" cap="flat" cmpd="sng" algn="ctr">
+                      <a:solidFill>
+                        <a:schemeClr val="tx1"/>
+                      </a:solidFill>
+                      <a:prstDash val="solid"/>
+                      <a:round/>
+                      <a:headEnd type="none" w="med" len="med"/>
+                      <a:tailEnd type="none" w="med" len="med"/>
+                    </a:lnL>
+                    <a:lnR w="12700" cap="flat" cmpd="sng" algn="ctr">
+                      <a:solidFill>
+                        <a:schemeClr val="tx1"/>
+                      </a:solidFill>
+                      <a:prstDash val="solid"/>
+                      <a:round/>
+                      <a:headEnd type="none" w="med" len="med"/>
+                      <a:tailEnd type="none" w="med" len="med"/>
+                    </a:lnR>
+                    <a:lnT w="12700" cap="flat" cmpd="sng" algn="ctr">
+                      <a:solidFill>
+                        <a:schemeClr val="tx1"/>
+                      </a:solidFill>
+                      <a:prstDash val="solid"/>
+                      <a:round/>
+                      <a:headEnd type="none" w="med" len="med"/>
+                      <a:tailEnd type="none" w="med" len="med"/>
+                    </a:lnT>
+                    <a:lnB w="12700" cap="flat" cmpd="sng" algn="ctr">
+                      <a:solidFill>
+                        <a:schemeClr val="tx1"/>
+                      </a:solidFill>
+                      <a:prstDash val="solid"/>
+                      <a:round/>
+                      <a:headEnd type="none" w="med" len="med"/>
+                      <a:tailEnd type="none" w="med" len="med"/>
+                    </a:lnB>
+                  </a:tcPr>
+                </a:tc>
+                <a:tc>
+                  <a:txBody>
+                    <a:bodyPr/>
+                    <a:lstStyle/>
+                    <a:p>
+                      <a:pPr algn="ctr"/>
+                      <a:r>
+                        <a:rPr lang="es-CO" sz="1000" dirty="0"/>
+                        <a:t>3 marzo – 7 marzo</a:t>
+                      </a:r>
+                    </a:p>
+                  </a:txBody>
+                  <a:tcPr>
+                    <a:lnL w="12700" cap="flat" cmpd="sng" algn="ctr">
+                      <a:solidFill>
+                        <a:schemeClr val="tx1"/>
+                      </a:solidFill>
+                      <a:prstDash val="solid"/>
+                      <a:round/>
+                      <a:headEnd type="none" w="med" len="med"/>
+                      <a:tailEnd type="none" w="med" len="med"/>
+                    </a:lnL>
+                    <a:lnR w="12700" cap="flat" cmpd="sng" algn="ctr">
+                      <a:solidFill>
+                        <a:schemeClr val="tx1"/>
+                      </a:solidFill>
+                      <a:prstDash val="solid"/>
+                      <a:round/>
+                      <a:headEnd type="none" w="med" len="med"/>
+                      <a:tailEnd type="none" w="med" len="med"/>
+                    </a:lnR>
+                    <a:lnT w="12700" cap="flat" cmpd="sng" algn="ctr">
+                      <a:solidFill>
+                        <a:schemeClr val="tx1"/>
+                      </a:solidFill>
+                      <a:prstDash val="solid"/>
+                      <a:round/>
+                      <a:headEnd type="none" w="med" len="med"/>
+                      <a:tailEnd type="none" w="med" len="med"/>
+                    </a:lnT>
+                    <a:lnB w="12700" cap="flat" cmpd="sng" algn="ctr">
+                      <a:solidFill>
+                        <a:schemeClr val="tx1"/>
+                      </a:solidFill>
+                      <a:prstDash val="solid"/>
+                      <a:round/>
+                      <a:headEnd type="none" w="med" len="med"/>
+                      <a:tailEnd type="none" w="med" len="med"/>
+                    </a:lnB>
+                  </a:tcPr>
+                </a:tc>
+                <a:tc>
+                  <a:txBody>
+                    <a:bodyPr/>
+                    <a:lstStyle/>
+                    <a:p>
+                      <a:pPr algn="ctr"/>
+                      <a:r>
+                        <a:rPr lang="es-CO" sz="1000" dirty="0"/>
+                        <a:t>Sistemas discretos de 1er y 2do orden .</a:t>
+                      </a:r>
+                    </a:p>
+                  </a:txBody>
+                  <a:tcPr>
+                    <a:lnL w="12700" cap="flat" cmpd="sng" algn="ctr">
+                      <a:solidFill>
+                        <a:schemeClr val="tx1"/>
+                      </a:solidFill>
+                      <a:prstDash val="solid"/>
+                      <a:round/>
+                      <a:headEnd type="none" w="med" len="med"/>
+                      <a:tailEnd type="none" w="med" len="med"/>
+                    </a:lnL>
+                    <a:lnR w="12700" cap="flat" cmpd="sng" algn="ctr">
+                      <a:solidFill>
+                        <a:schemeClr val="tx1"/>
+                      </a:solidFill>
+                      <a:prstDash val="solid"/>
+                      <a:round/>
+                      <a:headEnd type="none" w="med" len="med"/>
+                      <a:tailEnd type="none" w="med" len="med"/>
+                    </a:lnR>
+                    <a:lnT w="12700" cap="flat" cmpd="sng" algn="ctr">
+                      <a:solidFill>
+                        <a:schemeClr val="tx1"/>
+                      </a:solidFill>
+                      <a:prstDash val="solid"/>
+                      <a:round/>
+                      <a:headEnd type="none" w="med" len="med"/>
+                      <a:tailEnd type="none" w="med" len="med"/>
+                    </a:lnT>
+                    <a:lnB w="12700" cap="flat" cmpd="sng" algn="ctr">
+                      <a:solidFill>
+                        <a:schemeClr val="tx1"/>
+                      </a:solidFill>
+                      <a:prstDash val="solid"/>
+                      <a:round/>
+                      <a:headEnd type="none" w="med" len="med"/>
+                      <a:tailEnd type="none" w="med" len="med"/>
+                    </a:lnB>
+                  </a:tcPr>
+                </a:tc>
+                <a:extLst>
+                  <a:ext uri="{0D108BD9-81ED-4DB2-BD59-A6C34878D82A}">
+                    <a16:rowId xmlns:a16="http://schemas.microsoft.com/office/drawing/2014/main" val="1661866089"/>
+                  </a:ext>
+                </a:extLst>
+              </a:tr>
+              <a:tr h="269131">
+                <a:tc>
+                  <a:txBody>
+                    <a:bodyPr/>
+                    <a:lstStyle/>
+                    <a:p>
+                      <a:pPr algn="ctr"/>
+                      <a:r>
+                        <a:rPr lang="es-CO" sz="1000" dirty="0"/>
+                        <a:t>6</a:t>
+                      </a:r>
+                    </a:p>
+                  </a:txBody>
+                  <a:tcPr>
+                    <a:lnL w="12700" cap="flat" cmpd="sng" algn="ctr">
+                      <a:solidFill>
+                        <a:schemeClr val="tx1"/>
+                      </a:solidFill>
+                      <a:prstDash val="solid"/>
+                      <a:round/>
+                      <a:headEnd type="none" w="med" len="med"/>
+                      <a:tailEnd type="none" w="med" len="med"/>
+                    </a:lnL>
+                    <a:lnR w="12700" cap="flat" cmpd="sng" algn="ctr">
+                      <a:solidFill>
+                        <a:schemeClr val="tx1"/>
+                      </a:solidFill>
+                      <a:prstDash val="solid"/>
+                      <a:round/>
+                      <a:headEnd type="none" w="med" len="med"/>
+                      <a:tailEnd type="none" w="med" len="med"/>
+                    </a:lnR>
+                    <a:lnT w="12700" cap="flat" cmpd="sng" algn="ctr">
+                      <a:solidFill>
+                        <a:schemeClr val="tx1"/>
+                      </a:solidFill>
+                      <a:prstDash val="solid"/>
+                      <a:round/>
+                      <a:headEnd type="none" w="med" len="med"/>
+                      <a:tailEnd type="none" w="med" len="med"/>
+                    </a:lnT>
+                    <a:lnB w="12700" cap="flat" cmpd="sng" algn="ctr">
+                      <a:solidFill>
+                        <a:schemeClr val="tx1"/>
+                      </a:solidFill>
+                      <a:prstDash val="solid"/>
+                      <a:round/>
+                      <a:headEnd type="none" w="med" len="med"/>
+                      <a:tailEnd type="none" w="med" len="med"/>
+                    </a:lnB>
+                  </a:tcPr>
+                </a:tc>
+                <a:tc>
+                  <a:txBody>
+                    <a:bodyPr/>
+                    <a:lstStyle/>
+                    <a:p>
+                      <a:pPr algn="ctr"/>
+                      <a:r>
+                        <a:rPr lang="es-CO" sz="1000" dirty="0">
+                          <a:solidFill>
+                            <a:schemeClr val="tx1"/>
+                          </a:solidFill>
+                        </a:rPr>
+                        <a:t>10 marzo – 14 marzo</a:t>
+                      </a:r>
+                    </a:p>
+                  </a:txBody>
+                  <a:tcPr>
+                    <a:lnL w="12700" cap="flat" cmpd="sng" algn="ctr">
+                      <a:solidFill>
+                        <a:schemeClr val="tx1"/>
+                      </a:solidFill>
+                      <a:prstDash val="solid"/>
+                      <a:round/>
+                      <a:headEnd type="none" w="med" len="med"/>
+                      <a:tailEnd type="none" w="med" len="med"/>
+                    </a:lnL>
+                    <a:lnR w="12700" cap="flat" cmpd="sng" algn="ctr">
+                      <a:solidFill>
+                        <a:schemeClr val="tx1"/>
+                      </a:solidFill>
+                      <a:prstDash val="solid"/>
+                      <a:round/>
+                      <a:headEnd type="none" w="med" len="med"/>
+                      <a:tailEnd type="none" w="med" len="med"/>
+                    </a:lnR>
+                    <a:lnT w="12700" cap="flat" cmpd="sng" algn="ctr">
+                      <a:solidFill>
+                        <a:schemeClr val="tx1"/>
+                      </a:solidFill>
+                      <a:prstDash val="solid"/>
+                      <a:round/>
+                      <a:headEnd type="none" w="med" len="med"/>
+                      <a:tailEnd type="none" w="med" len="med"/>
+                    </a:lnT>
+                    <a:lnB w="12700" cap="flat" cmpd="sng" algn="ctr">
+                      <a:solidFill>
+                        <a:schemeClr val="tx1"/>
+                      </a:solidFill>
+                      <a:prstDash val="solid"/>
+                      <a:round/>
+                      <a:headEnd type="none" w="med" len="med"/>
+                      <a:tailEnd type="none" w="med" len="med"/>
+                    </a:lnB>
+                  </a:tcPr>
+                </a:tc>
+                <a:tc>
+                  <a:txBody>
+                    <a:bodyPr/>
+                    <a:lstStyle/>
+                    <a:p>
+                      <a:pPr algn="ctr"/>
+                      <a:r>
+                        <a:rPr lang="es-CO" sz="1000" b="1" u="sng" dirty="0">
+                          <a:solidFill>
+                            <a:srgbClr val="C00000"/>
+                          </a:solidFill>
+                        </a:rPr>
+                        <a:t>Examen Parcial 1</a:t>
+                      </a:r>
+                    </a:p>
+                  </a:txBody>
+                  <a:tcPr>
+                    <a:lnL w="12700" cap="flat" cmpd="sng" algn="ctr">
+                      <a:solidFill>
+                        <a:schemeClr val="tx1"/>
+                      </a:solidFill>
+                      <a:prstDash val="solid"/>
+                      <a:round/>
+                      <a:headEnd type="none" w="med" len="med"/>
+                      <a:tailEnd type="none" w="med" len="med"/>
+                    </a:lnL>
+                    <a:lnR w="12700" cap="flat" cmpd="sng" algn="ctr">
+                      <a:solidFill>
+                        <a:schemeClr val="tx1"/>
+                      </a:solidFill>
+                      <a:prstDash val="solid"/>
+                      <a:round/>
+                      <a:headEnd type="none" w="med" len="med"/>
+                      <a:tailEnd type="none" w="med" len="med"/>
+                    </a:lnR>
+                    <a:lnT w="12700" cap="flat" cmpd="sng" algn="ctr">
+                      <a:solidFill>
+                        <a:schemeClr val="tx1"/>
+                      </a:solidFill>
+                      <a:prstDash val="solid"/>
+                      <a:round/>
+                      <a:headEnd type="none" w="med" len="med"/>
+                      <a:tailEnd type="none" w="med" len="med"/>
+                    </a:lnT>
+                    <a:lnB w="12700" cap="flat" cmpd="sng" algn="ctr">
+                      <a:solidFill>
+                        <a:schemeClr val="tx1"/>
+                      </a:solidFill>
+                      <a:prstDash val="solid"/>
+                      <a:round/>
+                      <a:headEnd type="none" w="med" len="med"/>
+                      <a:tailEnd type="none" w="med" len="med"/>
+                    </a:lnB>
+                  </a:tcPr>
+                </a:tc>
+                <a:extLst>
+                  <a:ext uri="{0D108BD9-81ED-4DB2-BD59-A6C34878D82A}">
+                    <a16:rowId xmlns:a16="http://schemas.microsoft.com/office/drawing/2014/main" val="1205290604"/>
+                  </a:ext>
+                </a:extLst>
+              </a:tr>
+              <a:tr h="269131">
+                <a:tc>
+                  <a:txBody>
+                    <a:bodyPr/>
+                    <a:lstStyle/>
+                    <a:p>
+                      <a:pPr algn="ctr"/>
+                      <a:r>
+                        <a:rPr lang="es-CO" sz="1000" dirty="0"/>
+                        <a:t>7</a:t>
+                      </a:r>
+                    </a:p>
+                  </a:txBody>
+                  <a:tcPr>
+                    <a:lnL w="12700" cap="flat" cmpd="sng" algn="ctr">
+                      <a:solidFill>
+                        <a:schemeClr val="tx1"/>
+                      </a:solidFill>
+                      <a:prstDash val="solid"/>
+                      <a:round/>
+                      <a:headEnd type="none" w="med" len="med"/>
+                      <a:tailEnd type="none" w="med" len="med"/>
+                    </a:lnL>
+                    <a:lnR w="12700" cap="flat" cmpd="sng" algn="ctr">
+                      <a:solidFill>
+                        <a:schemeClr val="tx1"/>
+                      </a:solidFill>
+                      <a:prstDash val="solid"/>
+                      <a:round/>
+                      <a:headEnd type="none" w="med" len="med"/>
+                      <a:tailEnd type="none" w="med" len="med"/>
+                    </a:lnR>
+                    <a:lnT w="12700" cap="flat" cmpd="sng" algn="ctr">
+                      <a:solidFill>
+                        <a:schemeClr val="tx1"/>
+                      </a:solidFill>
+                      <a:prstDash val="solid"/>
+                      <a:round/>
+                      <a:headEnd type="none" w="med" len="med"/>
+                      <a:tailEnd type="none" w="med" len="med"/>
+                    </a:lnT>
+                    <a:lnB w="12700" cap="flat" cmpd="sng" algn="ctr">
+                      <a:solidFill>
+                        <a:schemeClr val="tx1"/>
+                      </a:solidFill>
+                      <a:prstDash val="solid"/>
+                      <a:round/>
+                      <a:headEnd type="none" w="med" len="med"/>
+                      <a:tailEnd type="none" w="med" len="med"/>
+                    </a:lnB>
+                  </a:tcPr>
+                </a:tc>
+                <a:tc>
+                  <a:txBody>
+                    <a:bodyPr/>
+                    <a:lstStyle/>
+                    <a:p>
+                      <a:pPr algn="ctr"/>
+                      <a:r>
+                        <a:rPr lang="es-CO" sz="1000" dirty="0"/>
+                        <a:t> 17 marzo – 21 marzo</a:t>
+                      </a:r>
+                    </a:p>
+                  </a:txBody>
+                  <a:tcPr>
+                    <a:lnL w="12700" cap="flat" cmpd="sng" algn="ctr">
+                      <a:solidFill>
+                        <a:schemeClr val="tx1"/>
+                      </a:solidFill>
+                      <a:prstDash val="solid"/>
+                      <a:round/>
+                      <a:headEnd type="none" w="med" len="med"/>
+                      <a:tailEnd type="none" w="med" len="med"/>
+                    </a:lnL>
+                    <a:lnR w="12700" cap="flat" cmpd="sng" algn="ctr">
+                      <a:solidFill>
+                        <a:schemeClr val="tx1"/>
+                      </a:solidFill>
+                      <a:prstDash val="solid"/>
+                      <a:round/>
+                      <a:headEnd type="none" w="med" len="med"/>
+                      <a:tailEnd type="none" w="med" len="med"/>
+                    </a:lnR>
+                    <a:lnT w="12700" cap="flat" cmpd="sng" algn="ctr">
+                      <a:solidFill>
+                        <a:schemeClr val="tx1"/>
+                      </a:solidFill>
+                      <a:prstDash val="solid"/>
+                      <a:round/>
+                      <a:headEnd type="none" w="med" len="med"/>
+                      <a:tailEnd type="none" w="med" len="med"/>
+                    </a:lnT>
+                    <a:lnB w="12700" cap="flat" cmpd="sng" algn="ctr">
+                      <a:solidFill>
+                        <a:schemeClr val="tx1"/>
+                      </a:solidFill>
+                      <a:prstDash val="solid"/>
+                      <a:round/>
+                      <a:headEnd type="none" w="med" len="med"/>
+                      <a:tailEnd type="none" w="med" len="med"/>
+                    </a:lnB>
+                  </a:tcPr>
+                </a:tc>
+                <a:tc>
+                  <a:txBody>
+                    <a:bodyPr/>
+                    <a:lstStyle/>
+                    <a:p>
+                      <a:pPr algn="ctr"/>
+                      <a:r>
+                        <a:rPr lang="es-ES" sz="1000" dirty="0"/>
+                        <a:t>Transformada De Fourier - Técnicas de discretización.</a:t>
+                      </a:r>
+                    </a:p>
+                  </a:txBody>
+                  <a:tcPr>
+                    <a:lnL w="12700" cap="flat" cmpd="sng" algn="ctr">
+                      <a:solidFill>
+                        <a:schemeClr val="tx1"/>
+                      </a:solidFill>
+                      <a:prstDash val="solid"/>
+                      <a:round/>
+                      <a:headEnd type="none" w="med" len="med"/>
+                      <a:tailEnd type="none" w="med" len="med"/>
+                    </a:lnL>
+                    <a:lnR w="12700" cap="flat" cmpd="sng" algn="ctr">
+                      <a:solidFill>
+                        <a:schemeClr val="tx1"/>
+                      </a:solidFill>
+                      <a:prstDash val="solid"/>
+                      <a:round/>
+                      <a:headEnd type="none" w="med" len="med"/>
+                      <a:tailEnd type="none" w="med" len="med"/>
+                    </a:lnR>
+                    <a:lnT w="12700" cap="flat" cmpd="sng" algn="ctr">
+                      <a:solidFill>
+                        <a:schemeClr val="tx1"/>
+                      </a:solidFill>
+                      <a:prstDash val="solid"/>
+                      <a:round/>
+                      <a:headEnd type="none" w="med" len="med"/>
+                      <a:tailEnd type="none" w="med" len="med"/>
+                    </a:lnT>
+                    <a:lnB w="12700" cap="flat" cmpd="sng" algn="ctr">
+                      <a:solidFill>
+                        <a:schemeClr val="tx1"/>
+                      </a:solidFill>
+                      <a:prstDash val="solid"/>
+                      <a:round/>
+                      <a:headEnd type="none" w="med" len="med"/>
+                      <a:tailEnd type="none" w="med" len="med"/>
+                    </a:lnB>
+                  </a:tcPr>
+                </a:tc>
+                <a:extLst>
+                  <a:ext uri="{0D108BD9-81ED-4DB2-BD59-A6C34878D82A}">
+                    <a16:rowId xmlns:a16="http://schemas.microsoft.com/office/drawing/2014/main" val="4109690420"/>
+                  </a:ext>
+                </a:extLst>
+              </a:tr>
+              <a:tr h="178935">
+                <a:tc>
+                  <a:txBody>
+                    <a:bodyPr/>
+                    <a:lstStyle/>
+                    <a:p>
+                      <a:pPr algn="ctr"/>
+                      <a:r>
+                        <a:rPr lang="es-CO" sz="1000" dirty="0"/>
+                        <a:t>8</a:t>
+                      </a:r>
+                    </a:p>
+                  </a:txBody>
+                  <a:tcPr>
+                    <a:lnL w="12700" cap="flat" cmpd="sng" algn="ctr">
+                      <a:solidFill>
+                        <a:schemeClr val="tx1"/>
+                      </a:solidFill>
+                      <a:prstDash val="solid"/>
+                      <a:round/>
+                      <a:headEnd type="none" w="med" len="med"/>
+                      <a:tailEnd type="none" w="med" len="med"/>
+                    </a:lnL>
+                    <a:lnR w="12700" cap="flat" cmpd="sng" algn="ctr">
+                      <a:solidFill>
+                        <a:schemeClr val="tx1"/>
+                      </a:solidFill>
+                      <a:prstDash val="solid"/>
+                      <a:round/>
+                      <a:headEnd type="none" w="med" len="med"/>
+                      <a:tailEnd type="none" w="med" len="med"/>
+                    </a:lnR>
+                    <a:lnT w="12700" cap="flat" cmpd="sng" algn="ctr">
+                      <a:solidFill>
+                        <a:schemeClr val="tx1"/>
+                      </a:solidFill>
+                      <a:prstDash val="solid"/>
+                      <a:round/>
+                      <a:headEnd type="none" w="med" len="med"/>
+                      <a:tailEnd type="none" w="med" len="med"/>
+                    </a:lnT>
+                    <a:lnB w="12700" cap="flat" cmpd="sng" algn="ctr">
+                      <a:solidFill>
+                        <a:schemeClr val="tx1"/>
+                      </a:solidFill>
+                      <a:prstDash val="solid"/>
+                      <a:round/>
+                      <a:headEnd type="none" w="med" len="med"/>
+                      <a:tailEnd type="none" w="med" len="med"/>
+                    </a:lnB>
+                  </a:tcPr>
+                </a:tc>
+                <a:tc>
+                  <a:txBody>
+                    <a:bodyPr/>
+                    <a:lstStyle/>
+                    <a:p>
+                      <a:pPr algn="ctr"/>
+                      <a:r>
+                        <a:rPr lang="es-CO" sz="1000" dirty="0">
+                          <a:solidFill>
+                            <a:srgbClr val="FF0000"/>
+                          </a:solidFill>
+                          <a:highlight>
+                            <a:srgbClr val="FFFF00"/>
+                          </a:highlight>
+                        </a:rPr>
+                        <a:t>24 marzo – 28 marzo</a:t>
+                      </a:r>
+                    </a:p>
+                  </a:txBody>
+                  <a:tcPr>
+                    <a:lnL w="12700" cap="flat" cmpd="sng" algn="ctr">
+                      <a:solidFill>
+                        <a:schemeClr val="tx1"/>
+                      </a:solidFill>
+                      <a:prstDash val="solid"/>
+                      <a:round/>
+                      <a:headEnd type="none" w="med" len="med"/>
+                      <a:tailEnd type="none" w="med" len="med"/>
+                    </a:lnL>
+                    <a:lnR w="12700" cap="flat" cmpd="sng" algn="ctr">
+                      <a:solidFill>
+                        <a:schemeClr val="tx1"/>
+                      </a:solidFill>
+                      <a:prstDash val="solid"/>
+                      <a:round/>
+                      <a:headEnd type="none" w="med" len="med"/>
+                      <a:tailEnd type="none" w="med" len="med"/>
+                    </a:lnR>
+                    <a:lnT w="12700" cap="flat" cmpd="sng" algn="ctr">
+                      <a:solidFill>
+                        <a:schemeClr val="tx1"/>
+                      </a:solidFill>
+                      <a:prstDash val="solid"/>
+                      <a:round/>
+                      <a:headEnd type="none" w="med" len="med"/>
+                      <a:tailEnd type="none" w="med" len="med"/>
+                    </a:lnT>
+                    <a:lnB w="12700" cap="flat" cmpd="sng" algn="ctr">
+                      <a:solidFill>
+                        <a:schemeClr val="tx1"/>
+                      </a:solidFill>
+                      <a:prstDash val="solid"/>
+                      <a:round/>
+                      <a:headEnd type="none" w="med" len="med"/>
+                      <a:tailEnd type="none" w="med" len="med"/>
+                    </a:lnB>
+                  </a:tcPr>
+                </a:tc>
+                <a:tc>
+                  <a:txBody>
+                    <a:bodyPr/>
+                    <a:lstStyle/>
+                    <a:p>
+                      <a:pPr marL="0" marR="0" lvl="0" indent="0" algn="ctr" defTabSz="685800" rtl="0" eaLnBrk="1" fontAlgn="auto" latinLnBrk="0" hangingPunct="1">
+                        <a:lnSpc>
+                          <a:spcPct val="100000"/>
+                        </a:lnSpc>
+                        <a:spcBef>
+                          <a:spcPts val="0"/>
+                        </a:spcBef>
+                        <a:spcAft>
+                          <a:spcPts val="0"/>
+                        </a:spcAft>
+                        <a:buClrTx/>
+                        <a:buSzTx/>
+                        <a:buFontTx/>
+                        <a:buNone/>
+                        <a:tabLst/>
+                        <a:defRPr/>
+                      </a:pPr>
+                      <a:r>
+                        <a:rPr lang="es-ES" sz="1000" dirty="0"/>
+                        <a:t>Estabilidad</a:t>
+                      </a:r>
+                    </a:p>
+                    <a:p>
+                      <a:pPr marL="0" marR="0" lvl="0" indent="0" algn="ctr" defTabSz="685800" rtl="0" eaLnBrk="1" fontAlgn="auto" latinLnBrk="0" hangingPunct="1">
+                        <a:lnSpc>
+                          <a:spcPct val="100000"/>
+                        </a:lnSpc>
+                        <a:spcBef>
+                          <a:spcPts val="0"/>
+                        </a:spcBef>
+                        <a:spcAft>
+                          <a:spcPts val="0"/>
+                        </a:spcAft>
+                        <a:buClrTx/>
+                        <a:buSzTx/>
+                        <a:buFontTx/>
+                        <a:buNone/>
+                        <a:tabLst/>
+                        <a:defRPr/>
+                      </a:pPr>
+                      <a:r>
+                        <a:rPr lang="es-ES" sz="1000" dirty="0"/>
+                        <a:t>Pruebas de estabilidad </a:t>
+                      </a:r>
+                      <a:r>
+                        <a:rPr lang="es-ES" sz="1000" dirty="0" err="1"/>
+                        <a:t>Jury</a:t>
+                      </a:r>
+                      <a:endParaRPr lang="es-CO" sz="1000" dirty="0"/>
+                    </a:p>
+                  </a:txBody>
+                  <a:tcPr>
+                    <a:lnL w="12700" cap="flat" cmpd="sng" algn="ctr">
+                      <a:solidFill>
+                        <a:schemeClr val="tx1"/>
+                      </a:solidFill>
+                      <a:prstDash val="solid"/>
+                      <a:round/>
+                      <a:headEnd type="none" w="med" len="med"/>
+                      <a:tailEnd type="none" w="med" len="med"/>
+                    </a:lnL>
+                    <a:lnR w="12700" cap="flat" cmpd="sng" algn="ctr">
+                      <a:solidFill>
+                        <a:schemeClr val="tx1"/>
+                      </a:solidFill>
+                      <a:prstDash val="solid"/>
+                      <a:round/>
+                      <a:headEnd type="none" w="med" len="med"/>
+                      <a:tailEnd type="none" w="med" len="med"/>
+                    </a:lnR>
+                    <a:lnT w="12700" cap="flat" cmpd="sng" algn="ctr">
+                      <a:solidFill>
+                        <a:schemeClr val="tx1"/>
+                      </a:solidFill>
+                      <a:prstDash val="solid"/>
+                      <a:round/>
+                      <a:headEnd type="none" w="med" len="med"/>
+                      <a:tailEnd type="none" w="med" len="med"/>
+                    </a:lnT>
+                    <a:lnB w="12700" cap="flat" cmpd="sng" algn="ctr">
+                      <a:solidFill>
+                        <a:schemeClr val="tx1"/>
+                      </a:solidFill>
+                      <a:prstDash val="solid"/>
+                      <a:round/>
+                      <a:headEnd type="none" w="med" len="med"/>
+                      <a:tailEnd type="none" w="med" len="med"/>
+                    </a:lnB>
+                  </a:tcPr>
+                </a:tc>
+                <a:extLst>
+                  <a:ext uri="{0D108BD9-81ED-4DB2-BD59-A6C34878D82A}">
+                    <a16:rowId xmlns:a16="http://schemas.microsoft.com/office/drawing/2014/main" val="4003450833"/>
+                  </a:ext>
+                </a:extLst>
+              </a:tr>
+              <a:tr h="269131">
+                <a:tc>
+                  <a:txBody>
+                    <a:bodyPr/>
+                    <a:lstStyle/>
+                    <a:p>
+                      <a:pPr algn="ctr"/>
+                      <a:r>
+                        <a:rPr lang="es-CO" sz="1000" dirty="0"/>
+                        <a:t>9</a:t>
+                      </a:r>
+                    </a:p>
+                  </a:txBody>
+                  <a:tcPr>
+                    <a:lnL w="12700" cap="flat" cmpd="sng" algn="ctr">
+                      <a:solidFill>
+                        <a:schemeClr val="tx1"/>
+                      </a:solidFill>
+                      <a:prstDash val="solid"/>
+                      <a:round/>
+                      <a:headEnd type="none" w="med" len="med"/>
+                      <a:tailEnd type="none" w="med" len="med"/>
+                    </a:lnL>
+                    <a:lnR w="12700" cap="flat" cmpd="sng" algn="ctr">
+                      <a:solidFill>
+                        <a:schemeClr val="tx1"/>
+                      </a:solidFill>
+                      <a:prstDash val="solid"/>
+                      <a:round/>
+                      <a:headEnd type="none" w="med" len="med"/>
+                      <a:tailEnd type="none" w="med" len="med"/>
+                    </a:lnR>
+                    <a:lnT w="12700" cap="flat" cmpd="sng" algn="ctr">
+                      <a:solidFill>
+                        <a:schemeClr val="tx1"/>
+                      </a:solidFill>
+                      <a:prstDash val="solid"/>
+                      <a:round/>
+                      <a:headEnd type="none" w="med" len="med"/>
+                      <a:tailEnd type="none" w="med" len="med"/>
+                    </a:lnT>
+                    <a:lnB w="12700" cap="flat" cmpd="sng" algn="ctr">
+                      <a:solidFill>
+                        <a:schemeClr val="tx1"/>
+                      </a:solidFill>
+                      <a:prstDash val="solid"/>
+                      <a:round/>
+                      <a:headEnd type="none" w="med" len="med"/>
+                      <a:tailEnd type="none" w="med" len="med"/>
+                    </a:lnB>
+                  </a:tcPr>
+                </a:tc>
+                <a:tc>
+                  <a:txBody>
+                    <a:bodyPr/>
+                    <a:lstStyle/>
+                    <a:p>
+                      <a:pPr algn="ctr"/>
+                      <a:r>
+                        <a:rPr lang="es-CO" sz="1000" dirty="0">
+                          <a:solidFill>
+                            <a:schemeClr val="tx1"/>
+                          </a:solidFill>
+                        </a:rPr>
+                        <a:t>31 marzo – 4 abril</a:t>
+                      </a:r>
+                    </a:p>
+                  </a:txBody>
+                  <a:tcPr>
+                    <a:lnL w="12700" cap="flat" cmpd="sng" algn="ctr">
+                      <a:solidFill>
+                        <a:schemeClr val="tx1"/>
+                      </a:solidFill>
+                      <a:prstDash val="solid"/>
+                      <a:round/>
+                      <a:headEnd type="none" w="med" len="med"/>
+                      <a:tailEnd type="none" w="med" len="med"/>
+                    </a:lnL>
+                    <a:lnR w="12700" cap="flat" cmpd="sng" algn="ctr">
+                      <a:solidFill>
+                        <a:schemeClr val="tx1"/>
+                      </a:solidFill>
+                      <a:prstDash val="solid"/>
+                      <a:round/>
+                      <a:headEnd type="none" w="med" len="med"/>
+                      <a:tailEnd type="none" w="med" len="med"/>
+                    </a:lnR>
+                    <a:lnT w="12700" cap="flat" cmpd="sng" algn="ctr">
+                      <a:solidFill>
+                        <a:schemeClr val="tx1"/>
+                      </a:solidFill>
+                      <a:prstDash val="solid"/>
+                      <a:round/>
+                      <a:headEnd type="none" w="med" len="med"/>
+                      <a:tailEnd type="none" w="med" len="med"/>
+                    </a:lnT>
+                    <a:lnB w="12700" cap="flat" cmpd="sng" algn="ctr">
+                      <a:solidFill>
+                        <a:schemeClr val="tx1"/>
+                      </a:solidFill>
+                      <a:prstDash val="solid"/>
+                      <a:round/>
+                      <a:headEnd type="none" w="med" len="med"/>
+                      <a:tailEnd type="none" w="med" len="med"/>
+                    </a:lnB>
+                  </a:tcPr>
+                </a:tc>
+                <a:tc>
+                  <a:txBody>
+                    <a:bodyPr/>
+                    <a:lstStyle/>
+                    <a:p>
+                      <a:pPr algn="ctr"/>
+                      <a:r>
+                        <a:rPr lang="es-ES" sz="1000" dirty="0"/>
+                        <a:t>Lugar geométrico de las raíces</a:t>
+                      </a:r>
+                      <a:endParaRPr lang="es-ES" sz="1000" dirty="0">
+                        <a:highlight>
+                          <a:srgbClr val="FFFF00"/>
+                        </a:highlight>
+                      </a:endParaRPr>
+                    </a:p>
+                  </a:txBody>
+                  <a:tcPr>
+                    <a:lnL w="12700" cap="flat" cmpd="sng" algn="ctr">
+                      <a:solidFill>
+                        <a:schemeClr val="tx1"/>
+                      </a:solidFill>
+                      <a:prstDash val="solid"/>
+                      <a:round/>
+                      <a:headEnd type="none" w="med" len="med"/>
+                      <a:tailEnd type="none" w="med" len="med"/>
+                    </a:lnL>
+                    <a:lnR w="12700" cap="flat" cmpd="sng" algn="ctr">
+                      <a:solidFill>
+                        <a:schemeClr val="tx1"/>
+                      </a:solidFill>
+                      <a:prstDash val="solid"/>
+                      <a:round/>
+                      <a:headEnd type="none" w="med" len="med"/>
+                      <a:tailEnd type="none" w="med" len="med"/>
+                    </a:lnR>
+                    <a:lnT w="12700" cap="flat" cmpd="sng" algn="ctr">
+                      <a:solidFill>
+                        <a:schemeClr val="tx1"/>
+                      </a:solidFill>
+                      <a:prstDash val="solid"/>
+                      <a:round/>
+                      <a:headEnd type="none" w="med" len="med"/>
+                      <a:tailEnd type="none" w="med" len="med"/>
+                    </a:lnT>
+                    <a:lnB w="12700" cap="flat" cmpd="sng" algn="ctr">
+                      <a:solidFill>
+                        <a:schemeClr val="tx1"/>
+                      </a:solidFill>
+                      <a:prstDash val="solid"/>
+                      <a:round/>
+                      <a:headEnd type="none" w="med" len="med"/>
+                      <a:tailEnd type="none" w="med" len="med"/>
+                    </a:lnB>
+                  </a:tcPr>
+                </a:tc>
+                <a:extLst>
+                  <a:ext uri="{0D108BD9-81ED-4DB2-BD59-A6C34878D82A}">
+                    <a16:rowId xmlns:a16="http://schemas.microsoft.com/office/drawing/2014/main" val="3557391392"/>
+                  </a:ext>
+                </a:extLst>
+              </a:tr>
+              <a:tr h="283543">
+                <a:tc>
+                  <a:txBody>
+                    <a:bodyPr/>
+                    <a:lstStyle/>
+                    <a:p>
+                      <a:pPr algn="ctr"/>
+                      <a:r>
+                        <a:rPr lang="es-ES" sz="1000" dirty="0"/>
+                        <a:t>10</a:t>
+                      </a:r>
+                      <a:endParaRPr lang="es-CO" sz="1000" dirty="0"/>
+                    </a:p>
+                  </a:txBody>
+                  <a:tcPr>
+                    <a:lnL w="12700" cap="flat" cmpd="sng" algn="ctr">
+                      <a:solidFill>
+                        <a:schemeClr val="tx1"/>
+                      </a:solidFill>
+                      <a:prstDash val="solid"/>
+                      <a:round/>
+                      <a:headEnd type="none" w="med" len="med"/>
+                      <a:tailEnd type="none" w="med" len="med"/>
+                    </a:lnL>
+                    <a:lnR w="12700" cap="flat" cmpd="sng" algn="ctr">
+                      <a:solidFill>
+                        <a:schemeClr val="tx1"/>
+                      </a:solidFill>
+                      <a:prstDash val="solid"/>
+                      <a:round/>
+                      <a:headEnd type="none" w="med" len="med"/>
+                      <a:tailEnd type="none" w="med" len="med"/>
+                    </a:lnR>
+                    <a:lnT w="12700" cap="flat" cmpd="sng" algn="ctr">
+                      <a:solidFill>
+                        <a:schemeClr val="tx1"/>
+                      </a:solidFill>
+                      <a:prstDash val="solid"/>
+                      <a:round/>
+                      <a:headEnd type="none" w="med" len="med"/>
+                      <a:tailEnd type="none" w="med" len="med"/>
+                    </a:lnT>
+                    <a:lnB w="12700" cap="flat" cmpd="sng" algn="ctr">
+                      <a:solidFill>
+                        <a:schemeClr val="tx1"/>
+                      </a:solidFill>
+                      <a:prstDash val="solid"/>
+                      <a:round/>
+                      <a:headEnd type="none" w="med" len="med"/>
+                      <a:tailEnd type="none" w="med" len="med"/>
+                    </a:lnB>
+                  </a:tcPr>
+                </a:tc>
+                <a:tc>
+                  <a:txBody>
+                    <a:bodyPr/>
+                    <a:lstStyle/>
+                    <a:p>
+                      <a:pPr algn="ctr"/>
+                      <a:r>
+                        <a:rPr lang="es-CO" sz="1000" dirty="0"/>
+                        <a:t>7 abril – 11 abril</a:t>
+                      </a:r>
+                    </a:p>
+                  </a:txBody>
+                  <a:tcPr>
+                    <a:lnL w="12700" cap="flat" cmpd="sng" algn="ctr">
+                      <a:solidFill>
+                        <a:schemeClr val="tx1"/>
+                      </a:solidFill>
+                      <a:prstDash val="solid"/>
+                      <a:round/>
+                      <a:headEnd type="none" w="med" len="med"/>
+                      <a:tailEnd type="none" w="med" len="med"/>
+                    </a:lnL>
+                    <a:lnR w="12700" cap="flat" cmpd="sng" algn="ctr">
+                      <a:solidFill>
+                        <a:schemeClr val="tx1"/>
+                      </a:solidFill>
+                      <a:prstDash val="solid"/>
+                      <a:round/>
+                      <a:headEnd type="none" w="med" len="med"/>
+                      <a:tailEnd type="none" w="med" len="med"/>
+                    </a:lnR>
+                    <a:lnT w="12700" cap="flat" cmpd="sng" algn="ctr">
+                      <a:solidFill>
+                        <a:schemeClr val="tx1"/>
+                      </a:solidFill>
+                      <a:prstDash val="solid"/>
+                      <a:round/>
+                      <a:headEnd type="none" w="med" len="med"/>
+                      <a:tailEnd type="none" w="med" len="med"/>
+                    </a:lnT>
+                    <a:lnB w="12700" cap="flat" cmpd="sng" algn="ctr">
+                      <a:solidFill>
+                        <a:schemeClr val="tx1"/>
+                      </a:solidFill>
+                      <a:prstDash val="solid"/>
+                      <a:round/>
+                      <a:headEnd type="none" w="med" len="med"/>
+                      <a:tailEnd type="none" w="med" len="med"/>
+                    </a:lnB>
+                  </a:tcPr>
+                </a:tc>
+                <a:tc>
+                  <a:txBody>
+                    <a:bodyPr/>
+                    <a:lstStyle/>
+                    <a:p>
+                      <a:pPr marL="0" marR="0" lvl="0" indent="0" algn="ctr" defTabSz="685800" rtl="0" eaLnBrk="1" fontAlgn="auto" latinLnBrk="0" hangingPunct="1">
+                        <a:lnSpc>
+                          <a:spcPct val="100000"/>
+                        </a:lnSpc>
+                        <a:spcBef>
+                          <a:spcPts val="0"/>
+                        </a:spcBef>
+                        <a:spcAft>
+                          <a:spcPts val="0"/>
+                        </a:spcAft>
+                        <a:buClrTx/>
+                        <a:buSzTx/>
+                        <a:buFontTx/>
+                        <a:buNone/>
+                        <a:tabLst/>
+                        <a:defRPr/>
+                      </a:pPr>
+                      <a:r>
+                        <a:rPr lang="es-ES" sz="1000" dirty="0"/>
+                        <a:t>Sistemas de Control TD</a:t>
+                      </a:r>
+                    </a:p>
+                  </a:txBody>
+                  <a:tcPr>
+                    <a:lnL w="12700" cap="flat" cmpd="sng" algn="ctr">
+                      <a:solidFill>
+                        <a:schemeClr val="tx1"/>
+                      </a:solidFill>
+                      <a:prstDash val="solid"/>
+                      <a:round/>
+                      <a:headEnd type="none" w="med" len="med"/>
+                      <a:tailEnd type="none" w="med" len="med"/>
+                    </a:lnL>
+                    <a:lnR w="12700" cap="flat" cmpd="sng" algn="ctr">
+                      <a:solidFill>
+                        <a:schemeClr val="tx1"/>
+                      </a:solidFill>
+                      <a:prstDash val="solid"/>
+                      <a:round/>
+                      <a:headEnd type="none" w="med" len="med"/>
+                      <a:tailEnd type="none" w="med" len="med"/>
+                    </a:lnR>
+                    <a:lnT w="12700" cap="flat" cmpd="sng" algn="ctr">
+                      <a:solidFill>
+                        <a:schemeClr val="tx1"/>
+                      </a:solidFill>
+                      <a:prstDash val="solid"/>
+                      <a:round/>
+                      <a:headEnd type="none" w="med" len="med"/>
+                      <a:tailEnd type="none" w="med" len="med"/>
+                    </a:lnT>
+                    <a:lnB w="12700" cap="flat" cmpd="sng" algn="ctr">
+                      <a:solidFill>
+                        <a:schemeClr val="tx1"/>
+                      </a:solidFill>
+                      <a:prstDash val="solid"/>
+                      <a:round/>
+                      <a:headEnd type="none" w="med" len="med"/>
+                      <a:tailEnd type="none" w="med" len="med"/>
+                    </a:lnB>
+                  </a:tcPr>
+                </a:tc>
+                <a:extLst>
+                  <a:ext uri="{0D108BD9-81ED-4DB2-BD59-A6C34878D82A}">
+                    <a16:rowId xmlns:a16="http://schemas.microsoft.com/office/drawing/2014/main" val="3566965982"/>
+                  </a:ext>
+                </a:extLst>
+              </a:tr>
+              <a:tr h="269131">
+                <a:tc>
+                  <a:txBody>
+                    <a:bodyPr/>
+                    <a:lstStyle/>
+                    <a:p>
+                      <a:pPr algn="ctr"/>
+                      <a:r>
+                        <a:rPr lang="es-CO" sz="1000" dirty="0"/>
+                        <a:t>11</a:t>
+                      </a:r>
+                    </a:p>
+                  </a:txBody>
+                  <a:tcPr>
+                    <a:lnL w="12700" cap="flat" cmpd="sng" algn="ctr">
+                      <a:solidFill>
+                        <a:schemeClr val="tx1"/>
+                      </a:solidFill>
+                      <a:prstDash val="solid"/>
+                      <a:round/>
+                      <a:headEnd type="none" w="med" len="med"/>
+                      <a:tailEnd type="none" w="med" len="med"/>
+                    </a:lnL>
+                    <a:lnR w="12700" cap="flat" cmpd="sng" algn="ctr">
+                      <a:solidFill>
+                        <a:schemeClr val="tx1"/>
+                      </a:solidFill>
+                      <a:prstDash val="solid"/>
+                      <a:round/>
+                      <a:headEnd type="none" w="med" len="med"/>
+                      <a:tailEnd type="none" w="med" len="med"/>
+                    </a:lnR>
+                    <a:lnT w="12700" cap="flat" cmpd="sng" algn="ctr">
+                      <a:solidFill>
+                        <a:schemeClr val="tx1"/>
+                      </a:solidFill>
+                      <a:prstDash val="solid"/>
+                      <a:round/>
+                      <a:headEnd type="none" w="med" len="med"/>
+                      <a:tailEnd type="none" w="med" len="med"/>
+                    </a:lnT>
+                    <a:lnB w="12700" cap="flat" cmpd="sng" algn="ctr">
+                      <a:solidFill>
+                        <a:schemeClr val="tx1"/>
+                      </a:solidFill>
+                      <a:prstDash val="solid"/>
+                      <a:round/>
+                      <a:headEnd type="none" w="med" len="med"/>
+                      <a:tailEnd type="none" w="med" len="med"/>
+                    </a:lnB>
+                  </a:tcPr>
+                </a:tc>
+                <a:tc>
+                  <a:txBody>
+                    <a:bodyPr/>
+                    <a:lstStyle/>
+                    <a:p>
+                      <a:pPr algn="ctr"/>
+                      <a:r>
+                        <a:rPr lang="es-CO" sz="1000" dirty="0">
+                          <a:solidFill>
+                            <a:srgbClr val="FF0000"/>
+                          </a:solidFill>
+                          <a:highlight>
+                            <a:srgbClr val="FFFF00"/>
+                          </a:highlight>
+                        </a:rPr>
+                        <a:t>14 abril – 18 abril</a:t>
+                      </a:r>
+                    </a:p>
+                  </a:txBody>
+                  <a:tcPr>
+                    <a:lnL w="12700" cap="flat" cmpd="sng" algn="ctr">
+                      <a:solidFill>
+                        <a:schemeClr val="tx1"/>
+                      </a:solidFill>
+                      <a:prstDash val="solid"/>
+                      <a:round/>
+                      <a:headEnd type="none" w="med" len="med"/>
+                      <a:tailEnd type="none" w="med" len="med"/>
+                    </a:lnL>
+                    <a:lnR w="12700" cap="flat" cmpd="sng" algn="ctr">
+                      <a:solidFill>
+                        <a:schemeClr val="tx1"/>
+                      </a:solidFill>
+                      <a:prstDash val="solid"/>
+                      <a:round/>
+                      <a:headEnd type="none" w="med" len="med"/>
+                      <a:tailEnd type="none" w="med" len="med"/>
+                    </a:lnR>
+                    <a:lnT w="12700" cap="flat" cmpd="sng" algn="ctr">
+                      <a:solidFill>
+                        <a:schemeClr val="tx1"/>
+                      </a:solidFill>
+                      <a:prstDash val="solid"/>
+                      <a:round/>
+                      <a:headEnd type="none" w="med" len="med"/>
+                      <a:tailEnd type="none" w="med" len="med"/>
+                    </a:lnT>
+                    <a:lnB w="12700" cap="flat" cmpd="sng" algn="ctr">
+                      <a:solidFill>
+                        <a:schemeClr val="tx1"/>
+                      </a:solidFill>
+                      <a:prstDash val="solid"/>
+                      <a:round/>
+                      <a:headEnd type="none" w="med" len="med"/>
+                      <a:tailEnd type="none" w="med" len="med"/>
+                    </a:lnB>
+                  </a:tcPr>
+                </a:tc>
+                <a:tc>
+                  <a:txBody>
+                    <a:bodyPr/>
+                    <a:lstStyle/>
+                    <a:p>
+                      <a:pPr marL="0" marR="0" lvl="0" indent="0" algn="ctr" defTabSz="685800" rtl="0" eaLnBrk="1" fontAlgn="auto" latinLnBrk="0" hangingPunct="1">
+                        <a:lnSpc>
+                          <a:spcPct val="100000"/>
+                        </a:lnSpc>
+                        <a:spcBef>
+                          <a:spcPts val="0"/>
+                        </a:spcBef>
+                        <a:spcAft>
+                          <a:spcPts val="0"/>
+                        </a:spcAft>
+                        <a:buClrTx/>
+                        <a:buSzTx/>
+                        <a:buFontTx/>
+                        <a:buNone/>
+                        <a:tabLst/>
+                        <a:defRPr/>
+                      </a:pPr>
+                      <a:r>
+                        <a:rPr lang="es-CO" sz="1000" dirty="0"/>
+                        <a:t>-</a:t>
+                      </a:r>
+                    </a:p>
+                  </a:txBody>
+                  <a:tcPr>
+                    <a:lnL w="12700" cap="flat" cmpd="sng" algn="ctr">
+                      <a:solidFill>
+                        <a:schemeClr val="tx1"/>
+                      </a:solidFill>
+                      <a:prstDash val="solid"/>
+                      <a:round/>
+                      <a:headEnd type="none" w="med" len="med"/>
+                      <a:tailEnd type="none" w="med" len="med"/>
+                    </a:lnL>
+                    <a:lnR w="12700" cap="flat" cmpd="sng" algn="ctr">
+                      <a:solidFill>
+                        <a:schemeClr val="tx1"/>
+                      </a:solidFill>
+                      <a:prstDash val="solid"/>
+                      <a:round/>
+                      <a:headEnd type="none" w="med" len="med"/>
+                      <a:tailEnd type="none" w="med" len="med"/>
+                    </a:lnR>
+                    <a:lnT w="12700" cap="flat" cmpd="sng" algn="ctr">
+                      <a:solidFill>
+                        <a:schemeClr val="tx1"/>
+                      </a:solidFill>
+                      <a:prstDash val="solid"/>
+                      <a:round/>
+                      <a:headEnd type="none" w="med" len="med"/>
+                      <a:tailEnd type="none" w="med" len="med"/>
+                    </a:lnT>
+                    <a:lnB w="12700" cap="flat" cmpd="sng" algn="ctr">
+                      <a:solidFill>
+                        <a:schemeClr val="tx1"/>
+                      </a:solidFill>
+                      <a:prstDash val="solid"/>
+                      <a:round/>
+                      <a:headEnd type="none" w="med" len="med"/>
+                      <a:tailEnd type="none" w="med" len="med"/>
+                    </a:lnB>
+                  </a:tcPr>
+                </a:tc>
+                <a:extLst>
+                  <a:ext uri="{0D108BD9-81ED-4DB2-BD59-A6C34878D82A}">
+                    <a16:rowId xmlns:a16="http://schemas.microsoft.com/office/drawing/2014/main" val="4282833152"/>
+                  </a:ext>
+                </a:extLst>
+              </a:tr>
+              <a:tr h="269131">
+                <a:tc>
+                  <a:txBody>
+                    <a:bodyPr/>
+                    <a:lstStyle/>
+                    <a:p>
+                      <a:pPr algn="ctr"/>
+                      <a:r>
+                        <a:rPr lang="es-CO" sz="1000" dirty="0"/>
+                        <a:t>12</a:t>
+                      </a:r>
+                    </a:p>
+                  </a:txBody>
+                  <a:tcPr>
+                    <a:lnL w="12700" cap="flat" cmpd="sng" algn="ctr">
+                      <a:solidFill>
+                        <a:schemeClr val="tx1"/>
+                      </a:solidFill>
+                      <a:prstDash val="solid"/>
+                      <a:round/>
+                      <a:headEnd type="none" w="med" len="med"/>
+                      <a:tailEnd type="none" w="med" len="med"/>
+                    </a:lnL>
+                    <a:lnR w="12700" cap="flat" cmpd="sng" algn="ctr">
+                      <a:solidFill>
+                        <a:schemeClr val="tx1"/>
+                      </a:solidFill>
+                      <a:prstDash val="solid"/>
+                      <a:round/>
+                      <a:headEnd type="none" w="med" len="med"/>
+                      <a:tailEnd type="none" w="med" len="med"/>
+                    </a:lnR>
+                    <a:lnT w="12700" cap="flat" cmpd="sng" algn="ctr">
+                      <a:solidFill>
+                        <a:schemeClr val="tx1"/>
+                      </a:solidFill>
+                      <a:prstDash val="solid"/>
+                      <a:round/>
+                      <a:headEnd type="none" w="med" len="med"/>
+                      <a:tailEnd type="none" w="med" len="med"/>
+                    </a:lnT>
+                    <a:lnB w="12700" cap="flat" cmpd="sng" algn="ctr">
+                      <a:solidFill>
+                        <a:schemeClr val="tx1"/>
+                      </a:solidFill>
+                      <a:prstDash val="solid"/>
+                      <a:round/>
+                      <a:headEnd type="none" w="med" len="med"/>
+                      <a:tailEnd type="none" w="med" len="med"/>
+                    </a:lnB>
+                  </a:tcPr>
+                </a:tc>
+                <a:tc>
+                  <a:txBody>
+                    <a:bodyPr/>
+                    <a:lstStyle/>
+                    <a:p>
+                      <a:pPr algn="ctr"/>
+                      <a:r>
+                        <a:rPr lang="es-CO" sz="1000" dirty="0">
+                          <a:solidFill>
+                            <a:schemeClr val="tx1"/>
+                          </a:solidFill>
+                        </a:rPr>
+                        <a:t>21 abril – 25 abril</a:t>
+                      </a:r>
+                    </a:p>
+                  </a:txBody>
+                  <a:tcPr>
+                    <a:lnL w="12700" cap="flat" cmpd="sng" algn="ctr">
+                      <a:solidFill>
+                        <a:schemeClr val="tx1"/>
+                      </a:solidFill>
+                      <a:prstDash val="solid"/>
+                      <a:round/>
+                      <a:headEnd type="none" w="med" len="med"/>
+                      <a:tailEnd type="none" w="med" len="med"/>
+                    </a:lnL>
+                    <a:lnR w="12700" cap="flat" cmpd="sng" algn="ctr">
+                      <a:solidFill>
+                        <a:schemeClr val="tx1"/>
+                      </a:solidFill>
+                      <a:prstDash val="solid"/>
+                      <a:round/>
+                      <a:headEnd type="none" w="med" len="med"/>
+                      <a:tailEnd type="none" w="med" len="med"/>
+                    </a:lnR>
+                    <a:lnT w="12700" cap="flat" cmpd="sng" algn="ctr">
+                      <a:solidFill>
+                        <a:schemeClr val="tx1"/>
+                      </a:solidFill>
+                      <a:prstDash val="solid"/>
+                      <a:round/>
+                      <a:headEnd type="none" w="med" len="med"/>
+                      <a:tailEnd type="none" w="med" len="med"/>
+                    </a:lnT>
+                    <a:lnB w="12700" cap="flat" cmpd="sng" algn="ctr">
+                      <a:solidFill>
+                        <a:schemeClr val="tx1"/>
+                      </a:solidFill>
+                      <a:prstDash val="solid"/>
+                      <a:round/>
+                      <a:headEnd type="none" w="med" len="med"/>
+                      <a:tailEnd type="none" w="med" len="med"/>
+                    </a:lnB>
+                  </a:tcPr>
+                </a:tc>
+                <a:tc>
+                  <a:txBody>
+                    <a:bodyPr/>
+                    <a:lstStyle/>
+                    <a:p>
+                      <a:pPr marL="0" marR="0" lvl="0" indent="0" algn="ctr" defTabSz="685800" rtl="0" eaLnBrk="1" fontAlgn="auto" latinLnBrk="0" hangingPunct="1">
+                        <a:lnSpc>
+                          <a:spcPct val="100000"/>
+                        </a:lnSpc>
+                        <a:spcBef>
+                          <a:spcPts val="0"/>
+                        </a:spcBef>
+                        <a:spcAft>
+                          <a:spcPts val="0"/>
+                        </a:spcAft>
+                        <a:buClrTx/>
+                        <a:buSzTx/>
+                        <a:buFontTx/>
+                        <a:buNone/>
+                        <a:tabLst/>
+                        <a:defRPr/>
+                      </a:pPr>
+                      <a:r>
+                        <a:rPr lang="es-CO" sz="1000" b="1" u="sng" dirty="0">
+                          <a:solidFill>
+                            <a:srgbClr val="C00000"/>
+                          </a:solidFill>
+                        </a:rPr>
+                        <a:t>Examen Parcial 2</a:t>
+                      </a:r>
+                    </a:p>
+                  </a:txBody>
+                  <a:tcPr>
+                    <a:lnL w="12700" cap="flat" cmpd="sng" algn="ctr">
+                      <a:solidFill>
+                        <a:schemeClr val="tx1"/>
+                      </a:solidFill>
+                      <a:prstDash val="solid"/>
+                      <a:round/>
+                      <a:headEnd type="none" w="med" len="med"/>
+                      <a:tailEnd type="none" w="med" len="med"/>
+                    </a:lnL>
+                    <a:lnR w="12700" cap="flat" cmpd="sng" algn="ctr">
+                      <a:solidFill>
+                        <a:schemeClr val="tx1"/>
+                      </a:solidFill>
+                      <a:prstDash val="solid"/>
+                      <a:round/>
+                      <a:headEnd type="none" w="med" len="med"/>
+                      <a:tailEnd type="none" w="med" len="med"/>
+                    </a:lnR>
+                    <a:lnT w="12700" cap="flat" cmpd="sng" algn="ctr">
+                      <a:solidFill>
+                        <a:schemeClr val="tx1"/>
+                      </a:solidFill>
+                      <a:prstDash val="solid"/>
+                      <a:round/>
+                      <a:headEnd type="none" w="med" len="med"/>
+                      <a:tailEnd type="none" w="med" len="med"/>
+                    </a:lnT>
+                    <a:lnB w="12700" cap="flat" cmpd="sng" algn="ctr">
+                      <a:solidFill>
+                        <a:schemeClr val="tx1"/>
+                      </a:solidFill>
+                      <a:prstDash val="solid"/>
+                      <a:round/>
+                      <a:headEnd type="none" w="med" len="med"/>
+                      <a:tailEnd type="none" w="med" len="med"/>
+                    </a:lnB>
+                  </a:tcPr>
+                </a:tc>
+                <a:extLst>
+                  <a:ext uri="{0D108BD9-81ED-4DB2-BD59-A6C34878D82A}">
+                    <a16:rowId xmlns:a16="http://schemas.microsoft.com/office/drawing/2014/main" val="534397848"/>
+                  </a:ext>
+                </a:extLst>
+              </a:tr>
+              <a:tr h="269131">
+                <a:tc>
+                  <a:txBody>
+                    <a:bodyPr/>
+                    <a:lstStyle/>
+                    <a:p>
+                      <a:pPr algn="ctr"/>
+                      <a:r>
+                        <a:rPr lang="es-CO" sz="1000" dirty="0"/>
+                        <a:t>13</a:t>
+                      </a:r>
+                    </a:p>
+                  </a:txBody>
+                  <a:tcPr>
+                    <a:lnL w="12700" cap="flat" cmpd="sng" algn="ctr">
+                      <a:solidFill>
+                        <a:schemeClr val="tx1"/>
+                      </a:solidFill>
+                      <a:prstDash val="solid"/>
+                      <a:round/>
+                      <a:headEnd type="none" w="med" len="med"/>
+                      <a:tailEnd type="none" w="med" len="med"/>
+                    </a:lnL>
+                    <a:lnR w="12700" cap="flat" cmpd="sng" algn="ctr">
+                      <a:solidFill>
+                        <a:schemeClr val="tx1"/>
+                      </a:solidFill>
+                      <a:prstDash val="solid"/>
+                      <a:round/>
+                      <a:headEnd type="none" w="med" len="med"/>
+                      <a:tailEnd type="none" w="med" len="med"/>
+                    </a:lnR>
+                    <a:lnT w="12700" cap="flat" cmpd="sng" algn="ctr">
+                      <a:solidFill>
+                        <a:schemeClr val="tx1"/>
+                      </a:solidFill>
+                      <a:prstDash val="solid"/>
+                      <a:round/>
+                      <a:headEnd type="none" w="med" len="med"/>
+                      <a:tailEnd type="none" w="med" len="med"/>
+                    </a:lnT>
+                    <a:lnB w="12700" cap="flat" cmpd="sng" algn="ctr">
+                      <a:solidFill>
+                        <a:schemeClr val="tx1"/>
+                      </a:solidFill>
+                      <a:prstDash val="solid"/>
+                      <a:round/>
+                      <a:headEnd type="none" w="med" len="med"/>
+                      <a:tailEnd type="none" w="med" len="med"/>
+                    </a:lnB>
+                  </a:tcPr>
+                </a:tc>
+                <a:tc>
+                  <a:txBody>
+                    <a:bodyPr/>
+                    <a:lstStyle/>
+                    <a:p>
+                      <a:pPr marL="0" marR="0" lvl="0" indent="0" algn="ctr" defTabSz="914400" rtl="0" eaLnBrk="1" fontAlgn="auto" latinLnBrk="0" hangingPunct="1">
+                        <a:lnSpc>
+                          <a:spcPct val="100000"/>
+                        </a:lnSpc>
+                        <a:spcBef>
+                          <a:spcPts val="0"/>
+                        </a:spcBef>
+                        <a:spcAft>
+                          <a:spcPts val="0"/>
+                        </a:spcAft>
+                        <a:buClrTx/>
+                        <a:buSzTx/>
+                        <a:buFontTx/>
+                        <a:buNone/>
+                        <a:tabLst/>
+                        <a:defRPr/>
+                      </a:pPr>
+                      <a:r>
+                        <a:rPr lang="es-CO" sz="1000" dirty="0"/>
+                        <a:t>28 abril – 2 mayo</a:t>
+                      </a:r>
+                    </a:p>
+                  </a:txBody>
+                  <a:tcPr>
+                    <a:lnL w="12700" cap="flat" cmpd="sng" algn="ctr">
+                      <a:solidFill>
+                        <a:schemeClr val="tx1"/>
+                      </a:solidFill>
+                      <a:prstDash val="solid"/>
+                      <a:round/>
+                      <a:headEnd type="none" w="med" len="med"/>
+                      <a:tailEnd type="none" w="med" len="med"/>
+                    </a:lnL>
+                    <a:lnR w="12700" cap="flat" cmpd="sng" algn="ctr">
+                      <a:solidFill>
+                        <a:schemeClr val="tx1"/>
+                      </a:solidFill>
+                      <a:prstDash val="solid"/>
+                      <a:round/>
+                      <a:headEnd type="none" w="med" len="med"/>
+                      <a:tailEnd type="none" w="med" len="med"/>
+                    </a:lnR>
+                    <a:lnT w="12700" cap="flat" cmpd="sng" algn="ctr">
+                      <a:solidFill>
+                        <a:schemeClr val="tx1"/>
+                      </a:solidFill>
+                      <a:prstDash val="solid"/>
+                      <a:round/>
+                      <a:headEnd type="none" w="med" len="med"/>
+                      <a:tailEnd type="none" w="med" len="med"/>
+                    </a:lnT>
+                    <a:lnB w="12700" cap="flat" cmpd="sng" algn="ctr">
+                      <a:solidFill>
+                        <a:schemeClr val="tx1"/>
+                      </a:solidFill>
+                      <a:prstDash val="solid"/>
+                      <a:round/>
+                      <a:headEnd type="none" w="med" len="med"/>
+                      <a:tailEnd type="none" w="med" len="med"/>
+                    </a:lnB>
+                  </a:tcPr>
+                </a:tc>
+                <a:tc>
+                  <a:txBody>
+                    <a:bodyPr/>
+                    <a:lstStyle/>
+                    <a:p>
+                      <a:pPr marL="0" marR="0" lvl="0" indent="0" algn="ctr" defTabSz="685800" rtl="0" eaLnBrk="1" fontAlgn="auto" latinLnBrk="0" hangingPunct="1">
+                        <a:lnSpc>
+                          <a:spcPct val="100000"/>
+                        </a:lnSpc>
+                        <a:spcBef>
+                          <a:spcPts val="0"/>
+                        </a:spcBef>
+                        <a:spcAft>
+                          <a:spcPts val="0"/>
+                        </a:spcAft>
+                        <a:buClrTx/>
+                        <a:buSzTx/>
+                        <a:buFontTx/>
+                        <a:buNone/>
+                        <a:tabLst/>
+                        <a:defRPr/>
+                      </a:pPr>
+                      <a:r>
+                        <a:rPr lang="es-CO" sz="1000" dirty="0"/>
+                        <a:t>El controlador PID</a:t>
+                      </a:r>
+                    </a:p>
+                  </a:txBody>
+                  <a:tcPr>
+                    <a:lnL w="12700" cap="flat" cmpd="sng" algn="ctr">
+                      <a:solidFill>
+                        <a:schemeClr val="tx1"/>
+                      </a:solidFill>
+                      <a:prstDash val="solid"/>
+                      <a:round/>
+                      <a:headEnd type="none" w="med" len="med"/>
+                      <a:tailEnd type="none" w="med" len="med"/>
+                    </a:lnL>
+                    <a:lnR w="12700" cap="flat" cmpd="sng" algn="ctr">
+                      <a:solidFill>
+                        <a:schemeClr val="tx1"/>
+                      </a:solidFill>
+                      <a:prstDash val="solid"/>
+                      <a:round/>
+                      <a:headEnd type="none" w="med" len="med"/>
+                      <a:tailEnd type="none" w="med" len="med"/>
+                    </a:lnR>
+                    <a:lnT w="12700" cap="flat" cmpd="sng" algn="ctr">
+                      <a:solidFill>
+                        <a:schemeClr val="tx1"/>
+                      </a:solidFill>
+                      <a:prstDash val="solid"/>
+                      <a:round/>
+                      <a:headEnd type="none" w="med" len="med"/>
+                      <a:tailEnd type="none" w="med" len="med"/>
+                    </a:lnT>
+                    <a:lnB w="12700" cap="flat" cmpd="sng" algn="ctr">
+                      <a:solidFill>
+                        <a:schemeClr val="tx1"/>
+                      </a:solidFill>
+                      <a:prstDash val="solid"/>
+                      <a:round/>
+                      <a:headEnd type="none" w="med" len="med"/>
+                      <a:tailEnd type="none" w="med" len="med"/>
+                    </a:lnB>
+                  </a:tcPr>
+                </a:tc>
+                <a:extLst>
+                  <a:ext uri="{0D108BD9-81ED-4DB2-BD59-A6C34878D82A}">
+                    <a16:rowId xmlns:a16="http://schemas.microsoft.com/office/drawing/2014/main" val="3127511249"/>
+                  </a:ext>
+                </a:extLst>
+              </a:tr>
+              <a:tr h="212463">
+                <a:tc>
+                  <a:txBody>
+                    <a:bodyPr/>
+                    <a:lstStyle/>
+                    <a:p>
+                      <a:pPr algn="ctr"/>
+                      <a:r>
+                        <a:rPr lang="es-ES" sz="1000" dirty="0"/>
+                        <a:t>14</a:t>
+                      </a:r>
+                    </a:p>
+                  </a:txBody>
+                  <a:tcPr>
+                    <a:lnL w="12700" cap="flat" cmpd="sng" algn="ctr">
+                      <a:solidFill>
+                        <a:schemeClr val="tx1"/>
+                      </a:solidFill>
+                      <a:prstDash val="solid"/>
+                      <a:round/>
+                      <a:headEnd type="none" w="med" len="med"/>
+                      <a:tailEnd type="none" w="med" len="med"/>
+                    </a:lnL>
+                    <a:lnR w="12700" cap="flat" cmpd="sng" algn="ctr">
+                      <a:solidFill>
+                        <a:schemeClr val="tx1"/>
+                      </a:solidFill>
+                      <a:prstDash val="solid"/>
+                      <a:round/>
+                      <a:headEnd type="none" w="med" len="med"/>
+                      <a:tailEnd type="none" w="med" len="med"/>
+                    </a:lnR>
+                    <a:lnT w="12700" cap="flat" cmpd="sng" algn="ctr">
+                      <a:solidFill>
+                        <a:schemeClr val="tx1"/>
+                      </a:solidFill>
+                      <a:prstDash val="solid"/>
+                      <a:round/>
+                      <a:headEnd type="none" w="med" len="med"/>
+                      <a:tailEnd type="none" w="med" len="med"/>
+                    </a:lnT>
+                    <a:lnB w="12700" cap="flat" cmpd="sng" algn="ctr">
+                      <a:solidFill>
+                        <a:schemeClr val="tx1"/>
+                      </a:solidFill>
+                      <a:prstDash val="solid"/>
+                      <a:round/>
+                      <a:headEnd type="none" w="med" len="med"/>
+                      <a:tailEnd type="none" w="med" len="med"/>
+                    </a:lnB>
+                  </a:tcPr>
+                </a:tc>
+                <a:tc>
+                  <a:txBody>
+                    <a:bodyPr/>
+                    <a:lstStyle/>
+                    <a:p>
+                      <a:pPr marL="0" marR="0" lvl="0" indent="0" algn="ctr" defTabSz="914400" rtl="0" eaLnBrk="1" fontAlgn="auto" latinLnBrk="0" hangingPunct="1">
+                        <a:lnSpc>
+                          <a:spcPct val="100000"/>
+                        </a:lnSpc>
+                        <a:spcBef>
+                          <a:spcPts val="0"/>
+                        </a:spcBef>
+                        <a:spcAft>
+                          <a:spcPts val="0"/>
+                        </a:spcAft>
+                        <a:buClrTx/>
+                        <a:buSzTx/>
+                        <a:buFontTx/>
+                        <a:buNone/>
+                        <a:tabLst/>
+                        <a:defRPr/>
+                      </a:pPr>
+                      <a:r>
+                        <a:rPr lang="es-CO" sz="1000" dirty="0">
+                          <a:solidFill>
+                            <a:schemeClr val="tx1"/>
+                          </a:solidFill>
+                        </a:rPr>
+                        <a:t>5 mayo – 9 mayo</a:t>
+                      </a:r>
+                    </a:p>
+                  </a:txBody>
+                  <a:tcPr>
+                    <a:lnL w="12700" cap="flat" cmpd="sng" algn="ctr">
+                      <a:solidFill>
+                        <a:schemeClr val="tx1"/>
+                      </a:solidFill>
+                      <a:prstDash val="solid"/>
+                      <a:round/>
+                      <a:headEnd type="none" w="med" len="med"/>
+                      <a:tailEnd type="none" w="med" len="med"/>
+                    </a:lnL>
+                    <a:lnR w="12700" cap="flat" cmpd="sng" algn="ctr">
+                      <a:solidFill>
+                        <a:schemeClr val="tx1"/>
+                      </a:solidFill>
+                      <a:prstDash val="solid"/>
+                      <a:round/>
+                      <a:headEnd type="none" w="med" len="med"/>
+                      <a:tailEnd type="none" w="med" len="med"/>
+                    </a:lnR>
+                    <a:lnT w="12700" cap="flat" cmpd="sng" algn="ctr">
+                      <a:solidFill>
+                        <a:schemeClr val="tx1"/>
+                      </a:solidFill>
+                      <a:prstDash val="solid"/>
+                      <a:round/>
+                      <a:headEnd type="none" w="med" len="med"/>
+                      <a:tailEnd type="none" w="med" len="med"/>
+                    </a:lnT>
+                    <a:lnB w="12700" cap="flat" cmpd="sng" algn="ctr">
+                      <a:solidFill>
+                        <a:schemeClr val="tx1"/>
+                      </a:solidFill>
+                      <a:prstDash val="solid"/>
+                      <a:round/>
+                      <a:headEnd type="none" w="med" len="med"/>
+                      <a:tailEnd type="none" w="med" len="med"/>
+                    </a:lnB>
+                  </a:tcPr>
+                </a:tc>
+                <a:tc>
+                  <a:txBody>
+                    <a:bodyPr/>
+                    <a:lstStyle/>
+                    <a:p>
+                      <a:pPr marL="0" marR="0" lvl="0" indent="0" algn="ctr" defTabSz="685800" rtl="0" eaLnBrk="1" fontAlgn="auto" latinLnBrk="0" hangingPunct="1">
+                        <a:lnSpc>
+                          <a:spcPct val="100000"/>
+                        </a:lnSpc>
+                        <a:spcBef>
+                          <a:spcPts val="0"/>
+                        </a:spcBef>
+                        <a:spcAft>
+                          <a:spcPts val="0"/>
+                        </a:spcAft>
+                        <a:buClrTx/>
+                        <a:buSzTx/>
+                        <a:buFontTx/>
+                        <a:buNone/>
+                        <a:tabLst/>
+                        <a:defRPr/>
+                      </a:pPr>
+                      <a:r>
+                        <a:rPr lang="es-CO" sz="1000" dirty="0"/>
+                        <a:t>Diseño basado en LGR</a:t>
+                      </a:r>
+                    </a:p>
+                  </a:txBody>
+                  <a:tcPr>
+                    <a:lnL w="12700" cap="flat" cmpd="sng" algn="ctr">
+                      <a:solidFill>
+                        <a:schemeClr val="tx1"/>
+                      </a:solidFill>
+                      <a:prstDash val="solid"/>
+                      <a:round/>
+                      <a:headEnd type="none" w="med" len="med"/>
+                      <a:tailEnd type="none" w="med" len="med"/>
+                    </a:lnL>
+                    <a:lnR w="12700" cap="flat" cmpd="sng" algn="ctr">
+                      <a:solidFill>
+                        <a:schemeClr val="tx1"/>
+                      </a:solidFill>
+                      <a:prstDash val="solid"/>
+                      <a:round/>
+                      <a:headEnd type="none" w="med" len="med"/>
+                      <a:tailEnd type="none" w="med" len="med"/>
+                    </a:lnR>
+                    <a:lnT w="12700" cap="flat" cmpd="sng" algn="ctr">
+                      <a:solidFill>
+                        <a:schemeClr val="tx1"/>
+                      </a:solidFill>
+                      <a:prstDash val="solid"/>
+                      <a:round/>
+                      <a:headEnd type="none" w="med" len="med"/>
+                      <a:tailEnd type="none" w="med" len="med"/>
+                    </a:lnT>
+                    <a:lnB w="12700" cap="flat" cmpd="sng" algn="ctr">
+                      <a:solidFill>
+                        <a:schemeClr val="tx1"/>
+                      </a:solidFill>
+                      <a:prstDash val="solid"/>
+                      <a:round/>
+                      <a:headEnd type="none" w="med" len="med"/>
+                      <a:tailEnd type="none" w="med" len="med"/>
+                    </a:lnB>
+                  </a:tcPr>
+                </a:tc>
+                <a:extLst>
+                  <a:ext uri="{0D108BD9-81ED-4DB2-BD59-A6C34878D82A}">
+                    <a16:rowId xmlns:a16="http://schemas.microsoft.com/office/drawing/2014/main" val="1978658262"/>
+                  </a:ext>
+                </a:extLst>
+              </a:tr>
+              <a:tr h="269131">
+                <a:tc>
+                  <a:txBody>
+                    <a:bodyPr/>
+                    <a:lstStyle/>
+                    <a:p>
+                      <a:pPr algn="ctr"/>
+                      <a:r>
+                        <a:rPr lang="es-ES" sz="1000" dirty="0"/>
+                        <a:t>15</a:t>
+                      </a:r>
+                      <a:endParaRPr lang="es-CO" sz="1000" dirty="0"/>
+                    </a:p>
+                  </a:txBody>
+                  <a:tcPr>
+                    <a:lnL w="12700" cap="flat" cmpd="sng" algn="ctr">
+                      <a:solidFill>
+                        <a:schemeClr val="tx1"/>
+                      </a:solidFill>
+                      <a:prstDash val="solid"/>
+                      <a:round/>
+                      <a:headEnd type="none" w="med" len="med"/>
+                      <a:tailEnd type="none" w="med" len="med"/>
+                    </a:lnL>
+                    <a:lnR w="12700" cap="flat" cmpd="sng" algn="ctr">
+                      <a:solidFill>
+                        <a:schemeClr val="tx1"/>
+                      </a:solidFill>
+                      <a:prstDash val="solid"/>
+                      <a:round/>
+                      <a:headEnd type="none" w="med" len="med"/>
+                      <a:tailEnd type="none" w="med" len="med"/>
+                    </a:lnR>
+                    <a:lnT w="12700" cap="flat" cmpd="sng" algn="ctr">
+                      <a:solidFill>
+                        <a:schemeClr val="tx1"/>
+                      </a:solidFill>
+                      <a:prstDash val="solid"/>
+                      <a:round/>
+                      <a:headEnd type="none" w="med" len="med"/>
+                      <a:tailEnd type="none" w="med" len="med"/>
+                    </a:lnT>
+                    <a:lnB w="12700" cap="flat" cmpd="sng" algn="ctr">
+                      <a:solidFill>
+                        <a:schemeClr val="tx1"/>
+                      </a:solidFill>
+                      <a:prstDash val="solid"/>
+                      <a:round/>
+                      <a:headEnd type="none" w="med" len="med"/>
+                      <a:tailEnd type="none" w="med" len="med"/>
+                    </a:lnB>
+                  </a:tcPr>
+                </a:tc>
+                <a:tc>
+                  <a:txBody>
+                    <a:bodyPr/>
+                    <a:lstStyle/>
+                    <a:p>
+                      <a:pPr marL="0" marR="0" lvl="0" indent="0" algn="ctr" defTabSz="914400" rtl="0" eaLnBrk="1" fontAlgn="auto" latinLnBrk="0" hangingPunct="1">
+                        <a:lnSpc>
+                          <a:spcPct val="100000"/>
+                        </a:lnSpc>
+                        <a:spcBef>
+                          <a:spcPts val="0"/>
+                        </a:spcBef>
+                        <a:spcAft>
+                          <a:spcPts val="0"/>
+                        </a:spcAft>
+                        <a:buClrTx/>
+                        <a:buSzTx/>
+                        <a:buFontTx/>
+                        <a:buNone/>
+                        <a:tabLst/>
+                        <a:defRPr/>
+                      </a:pPr>
+                      <a:r>
+                        <a:rPr lang="es-CO" sz="1000" dirty="0">
+                          <a:solidFill>
+                            <a:schemeClr val="tx1"/>
+                          </a:solidFill>
+                        </a:rPr>
+                        <a:t>12 mayo – 16 mayo</a:t>
+                      </a:r>
+                    </a:p>
+                  </a:txBody>
+                  <a:tcPr>
+                    <a:lnL w="12700" cap="flat" cmpd="sng" algn="ctr">
+                      <a:solidFill>
+                        <a:schemeClr val="tx1"/>
+                      </a:solidFill>
+                      <a:prstDash val="solid"/>
+                      <a:round/>
+                      <a:headEnd type="none" w="med" len="med"/>
+                      <a:tailEnd type="none" w="med" len="med"/>
+                    </a:lnL>
+                    <a:lnR w="12700" cap="flat" cmpd="sng" algn="ctr">
+                      <a:solidFill>
+                        <a:schemeClr val="tx1"/>
+                      </a:solidFill>
+                      <a:prstDash val="solid"/>
+                      <a:round/>
+                      <a:headEnd type="none" w="med" len="med"/>
+                      <a:tailEnd type="none" w="med" len="med"/>
+                    </a:lnR>
+                    <a:lnT w="12700" cap="flat" cmpd="sng" algn="ctr">
+                      <a:solidFill>
+                        <a:schemeClr val="tx1"/>
+                      </a:solidFill>
+                      <a:prstDash val="solid"/>
+                      <a:round/>
+                      <a:headEnd type="none" w="med" len="med"/>
+                      <a:tailEnd type="none" w="med" len="med"/>
+                    </a:lnT>
+                    <a:lnB w="12700" cap="flat" cmpd="sng" algn="ctr">
+                      <a:solidFill>
+                        <a:schemeClr val="tx1"/>
+                      </a:solidFill>
+                      <a:prstDash val="solid"/>
+                      <a:round/>
+                      <a:headEnd type="none" w="med" len="med"/>
+                      <a:tailEnd type="none" w="med" len="med"/>
+                    </a:lnB>
+                  </a:tcPr>
+                </a:tc>
+                <a:tc>
+                  <a:txBody>
+                    <a:bodyPr/>
+                    <a:lstStyle/>
+                    <a:p>
+                      <a:pPr marL="0" marR="0" lvl="0" indent="0" algn="ctr" defTabSz="685800" rtl="0" eaLnBrk="1" fontAlgn="auto" latinLnBrk="0" hangingPunct="1">
+                        <a:lnSpc>
+                          <a:spcPct val="100000"/>
+                        </a:lnSpc>
+                        <a:spcBef>
+                          <a:spcPts val="0"/>
+                        </a:spcBef>
+                        <a:spcAft>
+                          <a:spcPts val="0"/>
+                        </a:spcAft>
+                        <a:buClrTx/>
+                        <a:buSzTx/>
+                        <a:buFontTx/>
+                        <a:buNone/>
+                        <a:tabLst/>
+                        <a:defRPr/>
+                      </a:pPr>
+                      <a:r>
+                        <a:rPr lang="es-CO" sz="1000" dirty="0"/>
+                        <a:t>Diseño ecuaciones polinomiales</a:t>
+                      </a:r>
+                    </a:p>
+                  </a:txBody>
+                  <a:tcPr>
+                    <a:lnL w="12700" cap="flat" cmpd="sng" algn="ctr">
+                      <a:solidFill>
+                        <a:schemeClr val="tx1"/>
+                      </a:solidFill>
+                      <a:prstDash val="solid"/>
+                      <a:round/>
+                      <a:headEnd type="none" w="med" len="med"/>
+                      <a:tailEnd type="none" w="med" len="med"/>
+                    </a:lnL>
+                    <a:lnR w="12700" cap="flat" cmpd="sng" algn="ctr">
+                      <a:solidFill>
+                        <a:schemeClr val="tx1"/>
+                      </a:solidFill>
+                      <a:prstDash val="solid"/>
+                      <a:round/>
+                      <a:headEnd type="none" w="med" len="med"/>
+                      <a:tailEnd type="none" w="med" len="med"/>
+                    </a:lnR>
+                    <a:lnT w="12700" cap="flat" cmpd="sng" algn="ctr">
+                      <a:solidFill>
+                        <a:schemeClr val="tx1"/>
+                      </a:solidFill>
+                      <a:prstDash val="solid"/>
+                      <a:round/>
+                      <a:headEnd type="none" w="med" len="med"/>
+                      <a:tailEnd type="none" w="med" len="med"/>
+                    </a:lnT>
+                    <a:lnB w="12700" cap="flat" cmpd="sng" algn="ctr">
+                      <a:solidFill>
+                        <a:schemeClr val="tx1"/>
+                      </a:solidFill>
+                      <a:prstDash val="solid"/>
+                      <a:round/>
+                      <a:headEnd type="none" w="med" len="med"/>
+                      <a:tailEnd type="none" w="med" len="med"/>
+                    </a:lnB>
+                  </a:tcPr>
+                </a:tc>
+                <a:extLst>
+                  <a:ext uri="{0D108BD9-81ED-4DB2-BD59-A6C34878D82A}">
+                    <a16:rowId xmlns:a16="http://schemas.microsoft.com/office/drawing/2014/main" val="1088546271"/>
+                  </a:ext>
+                </a:extLst>
+              </a:tr>
+              <a:tr h="269131">
+                <a:tc>
+                  <a:txBody>
+                    <a:bodyPr/>
+                    <a:lstStyle/>
+                    <a:p>
+                      <a:pPr algn="ctr"/>
+                      <a:r>
+                        <a:rPr lang="es-ES" sz="1000" dirty="0"/>
+                        <a:t>16</a:t>
+                      </a:r>
+                      <a:endParaRPr lang="es-CO" sz="1000" dirty="0"/>
+                    </a:p>
+                  </a:txBody>
+                  <a:tcPr>
+                    <a:lnL w="12700" cap="flat" cmpd="sng" algn="ctr">
+                      <a:solidFill>
+                        <a:schemeClr val="tx1"/>
+                      </a:solidFill>
+                      <a:prstDash val="solid"/>
+                      <a:round/>
+                      <a:headEnd type="none" w="med" len="med"/>
+                      <a:tailEnd type="none" w="med" len="med"/>
+                    </a:lnL>
+                    <a:lnR w="12700" cap="flat" cmpd="sng" algn="ctr">
+                      <a:solidFill>
+                        <a:schemeClr val="tx1"/>
+                      </a:solidFill>
+                      <a:prstDash val="solid"/>
+                      <a:round/>
+                      <a:headEnd type="none" w="med" len="med"/>
+                      <a:tailEnd type="none" w="med" len="med"/>
+                    </a:lnR>
+                    <a:lnT w="12700" cap="flat" cmpd="sng" algn="ctr">
+                      <a:solidFill>
+                        <a:schemeClr val="tx1"/>
+                      </a:solidFill>
+                      <a:prstDash val="solid"/>
+                      <a:round/>
+                      <a:headEnd type="none" w="med" len="med"/>
+                      <a:tailEnd type="none" w="med" len="med"/>
+                    </a:lnT>
+                    <a:lnB w="12700" cap="flat" cmpd="sng" algn="ctr">
+                      <a:solidFill>
+                        <a:schemeClr val="tx1"/>
+                      </a:solidFill>
+                      <a:prstDash val="solid"/>
+                      <a:round/>
+                      <a:headEnd type="none" w="med" len="med"/>
+                      <a:tailEnd type="none" w="med" len="med"/>
+                    </a:lnB>
+                  </a:tcPr>
+                </a:tc>
+                <a:tc>
+                  <a:txBody>
+                    <a:bodyPr/>
+                    <a:lstStyle/>
+                    <a:p>
+                      <a:pPr algn="ctr"/>
+                      <a:r>
+                        <a:rPr lang="es-CO" sz="1000" dirty="0">
+                          <a:solidFill>
+                            <a:schemeClr val="tx1"/>
+                          </a:solidFill>
+                        </a:rPr>
+                        <a:t>19 mayo – 23 mayo</a:t>
+                      </a:r>
+                    </a:p>
+                  </a:txBody>
+                  <a:tcPr>
+                    <a:lnL w="12700" cap="flat" cmpd="sng" algn="ctr">
+                      <a:solidFill>
+                        <a:schemeClr val="tx1"/>
+                      </a:solidFill>
+                      <a:prstDash val="solid"/>
+                      <a:round/>
+                      <a:headEnd type="none" w="med" len="med"/>
+                      <a:tailEnd type="none" w="med" len="med"/>
+                    </a:lnL>
+                    <a:lnR w="12700" cap="flat" cmpd="sng" algn="ctr">
+                      <a:solidFill>
+                        <a:schemeClr val="tx1"/>
+                      </a:solidFill>
+                      <a:prstDash val="solid"/>
+                      <a:round/>
+                      <a:headEnd type="none" w="med" len="med"/>
+                      <a:tailEnd type="none" w="med" len="med"/>
+                    </a:lnR>
+                    <a:lnT w="12700" cap="flat" cmpd="sng" algn="ctr">
+                      <a:solidFill>
+                        <a:schemeClr val="tx1"/>
+                      </a:solidFill>
+                      <a:prstDash val="solid"/>
+                      <a:round/>
+                      <a:headEnd type="none" w="med" len="med"/>
+                      <a:tailEnd type="none" w="med" len="med"/>
+                    </a:lnT>
+                    <a:lnB w="12700" cap="flat" cmpd="sng" algn="ctr">
+                      <a:solidFill>
+                        <a:schemeClr val="tx1"/>
+                      </a:solidFill>
+                      <a:prstDash val="solid"/>
+                      <a:round/>
+                      <a:headEnd type="none" w="med" len="med"/>
+                      <a:tailEnd type="none" w="med" len="med"/>
+                    </a:lnB>
+                  </a:tcPr>
+                </a:tc>
+                <a:tc>
+                  <a:txBody>
+                    <a:bodyPr/>
+                    <a:lstStyle/>
+                    <a:p>
+                      <a:pPr marL="0" marR="0" lvl="0" indent="0" algn="ctr" defTabSz="685800" rtl="0" eaLnBrk="1" fontAlgn="auto" latinLnBrk="0" hangingPunct="1">
+                        <a:lnSpc>
+                          <a:spcPct val="100000"/>
+                        </a:lnSpc>
+                        <a:spcBef>
+                          <a:spcPts val="0"/>
+                        </a:spcBef>
+                        <a:spcAft>
+                          <a:spcPts val="0"/>
+                        </a:spcAft>
+                        <a:buClrTx/>
+                        <a:buSzTx/>
+                        <a:buFontTx/>
+                        <a:buNone/>
+                        <a:tabLst/>
+                        <a:defRPr/>
+                      </a:pPr>
+                      <a:endParaRPr lang="es-CO" sz="1000" b="1" u="sng" dirty="0">
+                        <a:solidFill>
+                          <a:srgbClr val="C00000"/>
+                        </a:solidFill>
+                      </a:endParaRPr>
+                    </a:p>
+                  </a:txBody>
+                  <a:tcPr>
+                    <a:lnL w="12700" cap="flat" cmpd="sng" algn="ctr">
+                      <a:solidFill>
+                        <a:schemeClr val="tx1"/>
+                      </a:solidFill>
+                      <a:prstDash val="solid"/>
+                      <a:round/>
+                      <a:headEnd type="none" w="med" len="med"/>
+                      <a:tailEnd type="none" w="med" len="med"/>
+                    </a:lnL>
+                    <a:lnR w="12700" cap="flat" cmpd="sng" algn="ctr">
+                      <a:solidFill>
+                        <a:schemeClr val="tx1"/>
+                      </a:solidFill>
+                      <a:prstDash val="solid"/>
+                      <a:round/>
+                      <a:headEnd type="none" w="med" len="med"/>
+                      <a:tailEnd type="none" w="med" len="med"/>
+                    </a:lnR>
+                    <a:lnT w="12700" cap="flat" cmpd="sng" algn="ctr">
+                      <a:solidFill>
+                        <a:schemeClr val="tx1"/>
+                      </a:solidFill>
+                      <a:prstDash val="solid"/>
+                      <a:round/>
+                      <a:headEnd type="none" w="med" len="med"/>
+                      <a:tailEnd type="none" w="med" len="med"/>
+                    </a:lnT>
+                    <a:lnB w="12700" cap="flat" cmpd="sng" algn="ctr">
+                      <a:solidFill>
+                        <a:schemeClr val="tx1"/>
+                      </a:solidFill>
+                      <a:prstDash val="solid"/>
+                      <a:round/>
+                      <a:headEnd type="none" w="med" len="med"/>
+                      <a:tailEnd type="none" w="med" len="med"/>
+                    </a:lnB>
+                  </a:tcPr>
+                </a:tc>
+                <a:extLst>
+                  <a:ext uri="{0D108BD9-81ED-4DB2-BD59-A6C34878D82A}">
+                    <a16:rowId xmlns:a16="http://schemas.microsoft.com/office/drawing/2014/main" val="2357030376"/>
+                  </a:ext>
+                </a:extLst>
+              </a:tr>
+              <a:tr h="269131">
+                <a:tc>
+                  <a:txBody>
+                    <a:bodyPr/>
+                    <a:lstStyle/>
+                    <a:p>
+                      <a:pPr algn="ctr"/>
+                      <a:r>
+                        <a:rPr lang="es-ES" sz="1000" dirty="0"/>
+                        <a:t>17</a:t>
+                      </a:r>
+                      <a:endParaRPr lang="es-CO" sz="1000" dirty="0"/>
+                    </a:p>
+                  </a:txBody>
+                  <a:tcPr>
+                    <a:lnL w="12700" cap="flat" cmpd="sng" algn="ctr">
+                      <a:solidFill>
+                        <a:schemeClr val="tx1"/>
+                      </a:solidFill>
+                      <a:prstDash val="solid"/>
+                      <a:round/>
+                      <a:headEnd type="none" w="med" len="med"/>
+                      <a:tailEnd type="none" w="med" len="med"/>
+                    </a:lnL>
+                    <a:lnR w="12700" cap="flat" cmpd="sng" algn="ctr">
+                      <a:solidFill>
+                        <a:schemeClr val="tx1"/>
+                      </a:solidFill>
+                      <a:prstDash val="solid"/>
+                      <a:round/>
+                      <a:headEnd type="none" w="med" len="med"/>
+                      <a:tailEnd type="none" w="med" len="med"/>
+                    </a:lnR>
+                    <a:lnT w="12700" cap="flat" cmpd="sng" algn="ctr">
+                      <a:solidFill>
+                        <a:schemeClr val="tx1"/>
+                      </a:solidFill>
+                      <a:prstDash val="solid"/>
+                      <a:round/>
+                      <a:headEnd type="none" w="med" len="med"/>
+                      <a:tailEnd type="none" w="med" len="med"/>
+                    </a:lnT>
+                    <a:lnB w="12700" cap="flat" cmpd="sng" algn="ctr">
+                      <a:solidFill>
+                        <a:schemeClr val="tx1"/>
+                      </a:solidFill>
+                      <a:prstDash val="solid"/>
+                      <a:round/>
+                      <a:headEnd type="none" w="med" len="med"/>
+                      <a:tailEnd type="none" w="med" len="med"/>
+                    </a:lnB>
+                  </a:tcPr>
+                </a:tc>
+                <a:tc>
+                  <a:txBody>
+                    <a:bodyPr/>
+                    <a:lstStyle/>
+                    <a:p>
+                      <a:pPr algn="ctr"/>
+                      <a:r>
+                        <a:rPr lang="es-CO" sz="1000" dirty="0">
+                          <a:solidFill>
+                            <a:schemeClr val="tx1"/>
+                          </a:solidFill>
+                        </a:rPr>
+                        <a:t>26 mayo – 30 mayo</a:t>
+                      </a:r>
+                    </a:p>
+                  </a:txBody>
+                  <a:tcPr>
+                    <a:lnL w="12700" cap="flat" cmpd="sng" algn="ctr">
+                      <a:solidFill>
+                        <a:schemeClr val="tx1"/>
+                      </a:solidFill>
+                      <a:prstDash val="solid"/>
+                      <a:round/>
+                      <a:headEnd type="none" w="med" len="med"/>
+                      <a:tailEnd type="none" w="med" len="med"/>
+                    </a:lnL>
+                    <a:lnR w="12700" cap="flat" cmpd="sng" algn="ctr">
+                      <a:solidFill>
+                        <a:schemeClr val="tx1"/>
+                      </a:solidFill>
+                      <a:prstDash val="solid"/>
+                      <a:round/>
+                      <a:headEnd type="none" w="med" len="med"/>
+                      <a:tailEnd type="none" w="med" len="med"/>
+                    </a:lnR>
+                    <a:lnT w="12700" cap="flat" cmpd="sng" algn="ctr">
+                      <a:solidFill>
+                        <a:schemeClr val="tx1"/>
+                      </a:solidFill>
+                      <a:prstDash val="solid"/>
+                      <a:round/>
+                      <a:headEnd type="none" w="med" len="med"/>
+                      <a:tailEnd type="none" w="med" len="med"/>
+                    </a:lnT>
+                    <a:lnB w="12700" cap="flat" cmpd="sng" algn="ctr">
+                      <a:solidFill>
+                        <a:schemeClr val="tx1"/>
+                      </a:solidFill>
+                      <a:prstDash val="solid"/>
+                      <a:round/>
+                      <a:headEnd type="none" w="med" len="med"/>
+                      <a:tailEnd type="none" w="med" len="med"/>
+                    </a:lnB>
+                  </a:tcPr>
+                </a:tc>
+                <a:tc>
+                  <a:txBody>
+                    <a:bodyPr/>
+                    <a:lstStyle/>
+                    <a:p>
+                      <a:pPr algn="ctr"/>
+                      <a:endParaRPr lang="es-CO" sz="1000" b="1" u="sng" dirty="0">
+                        <a:solidFill>
+                          <a:srgbClr val="C00000"/>
+                        </a:solidFill>
+                      </a:endParaRPr>
+                    </a:p>
+                  </a:txBody>
+                  <a:tcPr>
+                    <a:lnL w="12700" cap="flat" cmpd="sng" algn="ctr">
+                      <a:solidFill>
+                        <a:schemeClr val="tx1"/>
+                      </a:solidFill>
+                      <a:prstDash val="solid"/>
+                      <a:round/>
+                      <a:headEnd type="none" w="med" len="med"/>
+                      <a:tailEnd type="none" w="med" len="med"/>
+                    </a:lnL>
+                    <a:lnR w="12700" cap="flat" cmpd="sng" algn="ctr">
+                      <a:solidFill>
+                        <a:schemeClr val="tx1"/>
+                      </a:solidFill>
+                      <a:prstDash val="solid"/>
+                      <a:round/>
+                      <a:headEnd type="none" w="med" len="med"/>
+                      <a:tailEnd type="none" w="med" len="med"/>
+                    </a:lnR>
+                    <a:lnT w="12700" cap="flat" cmpd="sng" algn="ctr">
+                      <a:solidFill>
+                        <a:schemeClr val="tx1"/>
+                      </a:solidFill>
+                      <a:prstDash val="solid"/>
+                      <a:round/>
+                      <a:headEnd type="none" w="med" len="med"/>
+                      <a:tailEnd type="none" w="med" len="med"/>
+                    </a:lnT>
+                    <a:lnB w="12700" cap="flat" cmpd="sng" algn="ctr">
+                      <a:solidFill>
+                        <a:schemeClr val="tx1"/>
+                      </a:solidFill>
+                      <a:prstDash val="solid"/>
+                      <a:round/>
+                      <a:headEnd type="none" w="med" len="med"/>
+                      <a:tailEnd type="none" w="med" len="med"/>
+                    </a:lnB>
+                  </a:tcPr>
+                </a:tc>
+                <a:extLst>
+                  <a:ext uri="{0D108BD9-81ED-4DB2-BD59-A6C34878D82A}">
+                    <a16:rowId xmlns:a16="http://schemas.microsoft.com/office/drawing/2014/main" val="4092288061"/>
+                  </a:ext>
+                </a:extLst>
+              </a:tr>
+              <a:tr h="269131">
+                <a:tc>
+                  <a:txBody>
+                    <a:bodyPr/>
+                    <a:lstStyle/>
+                    <a:p>
+                      <a:pPr algn="ctr"/>
+                      <a:r>
+                        <a:rPr lang="es-CO" sz="1000" dirty="0"/>
+                        <a:t>18</a:t>
+                      </a:r>
+                    </a:p>
+                  </a:txBody>
+                  <a:tcPr>
+                    <a:lnL w="12700" cap="flat" cmpd="sng" algn="ctr">
+                      <a:solidFill>
+                        <a:schemeClr val="tx1"/>
+                      </a:solidFill>
+                      <a:prstDash val="solid"/>
+                      <a:round/>
+                      <a:headEnd type="none" w="med" len="med"/>
+                      <a:tailEnd type="none" w="med" len="med"/>
+                    </a:lnL>
+                    <a:lnR w="12700" cap="flat" cmpd="sng" algn="ctr">
+                      <a:solidFill>
+                        <a:schemeClr val="tx1"/>
+                      </a:solidFill>
+                      <a:prstDash val="solid"/>
+                      <a:round/>
+                      <a:headEnd type="none" w="med" len="med"/>
+                      <a:tailEnd type="none" w="med" len="med"/>
+                    </a:lnR>
+                    <a:lnT w="12700" cap="flat" cmpd="sng" algn="ctr">
+                      <a:solidFill>
+                        <a:schemeClr val="tx1"/>
+                      </a:solidFill>
+                      <a:prstDash val="solid"/>
+                      <a:round/>
+                      <a:headEnd type="none" w="med" len="med"/>
+                      <a:tailEnd type="none" w="med" len="med"/>
+                    </a:lnT>
+                    <a:lnB w="12700" cap="flat" cmpd="sng" algn="ctr">
+                      <a:solidFill>
+                        <a:schemeClr val="tx1"/>
+                      </a:solidFill>
+                      <a:prstDash val="solid"/>
+                      <a:round/>
+                      <a:headEnd type="none" w="med" len="med"/>
+                      <a:tailEnd type="none" w="med" len="med"/>
+                    </a:lnB>
+                  </a:tcPr>
+                </a:tc>
+                <a:tc>
+                  <a:txBody>
+                    <a:bodyPr/>
+                    <a:lstStyle/>
+                    <a:p>
+                      <a:pPr algn="ctr"/>
+                      <a:r>
+                        <a:rPr lang="es-CO" sz="1000" dirty="0">
+                          <a:solidFill>
+                            <a:srgbClr val="FF0000"/>
+                          </a:solidFill>
+                          <a:highlight>
+                            <a:srgbClr val="FFFF00"/>
+                          </a:highlight>
+                        </a:rPr>
+                        <a:t>2 junio – 6 junio </a:t>
+                      </a:r>
+                    </a:p>
+                  </a:txBody>
+                  <a:tcPr>
+                    <a:lnL w="12700" cap="flat" cmpd="sng" algn="ctr">
+                      <a:solidFill>
+                        <a:schemeClr val="tx1"/>
+                      </a:solidFill>
+                      <a:prstDash val="solid"/>
+                      <a:round/>
+                      <a:headEnd type="none" w="med" len="med"/>
+                      <a:tailEnd type="none" w="med" len="med"/>
+                    </a:lnL>
+                    <a:lnR w="12700" cap="flat" cmpd="sng" algn="ctr">
+                      <a:solidFill>
+                        <a:schemeClr val="tx1"/>
+                      </a:solidFill>
+                      <a:prstDash val="solid"/>
+                      <a:round/>
+                      <a:headEnd type="none" w="med" len="med"/>
+                      <a:tailEnd type="none" w="med" len="med"/>
+                    </a:lnR>
+                    <a:lnT w="12700" cap="flat" cmpd="sng" algn="ctr">
+                      <a:solidFill>
+                        <a:schemeClr val="tx1"/>
+                      </a:solidFill>
+                      <a:prstDash val="solid"/>
+                      <a:round/>
+                      <a:headEnd type="none" w="med" len="med"/>
+                      <a:tailEnd type="none" w="med" len="med"/>
+                    </a:lnT>
+                    <a:lnB w="12700" cap="flat" cmpd="sng" algn="ctr">
+                      <a:solidFill>
+                        <a:schemeClr val="tx1"/>
+                      </a:solidFill>
+                      <a:prstDash val="solid"/>
+                      <a:round/>
+                      <a:headEnd type="none" w="med" len="med"/>
+                      <a:tailEnd type="none" w="med" len="med"/>
+                    </a:lnB>
+                  </a:tcPr>
+                </a:tc>
+                <a:tc>
+                  <a:txBody>
+                    <a:bodyPr/>
+                    <a:lstStyle/>
+                    <a:p>
+                      <a:pPr marL="0" marR="0" lvl="0" indent="0" algn="ctr" defTabSz="685800" rtl="0" eaLnBrk="1" fontAlgn="auto" latinLnBrk="0" hangingPunct="1">
+                        <a:lnSpc>
+                          <a:spcPct val="100000"/>
+                        </a:lnSpc>
+                        <a:spcBef>
+                          <a:spcPts val="0"/>
+                        </a:spcBef>
+                        <a:spcAft>
+                          <a:spcPts val="0"/>
+                        </a:spcAft>
+                        <a:buClrTx/>
+                        <a:buSzTx/>
+                        <a:buFontTx/>
+                        <a:buNone/>
+                        <a:tabLst/>
+                        <a:defRPr/>
+                      </a:pPr>
+                      <a:r>
+                        <a:rPr lang="es-CO" sz="1000" b="1" u="sng" dirty="0">
+                          <a:solidFill>
+                            <a:srgbClr val="C00000"/>
+                          </a:solidFill>
+                        </a:rPr>
+                        <a:t>Examen Final</a:t>
+                      </a:r>
+                    </a:p>
+                  </a:txBody>
+                  <a:tcPr>
+                    <a:lnL w="12700" cap="flat" cmpd="sng" algn="ctr">
+                      <a:solidFill>
+                        <a:schemeClr val="tx1"/>
+                      </a:solidFill>
+                      <a:prstDash val="solid"/>
+                      <a:round/>
+                      <a:headEnd type="none" w="med" len="med"/>
+                      <a:tailEnd type="none" w="med" len="med"/>
+                    </a:lnL>
+                    <a:lnR w="12700" cap="flat" cmpd="sng" algn="ctr">
+                      <a:solidFill>
+                        <a:schemeClr val="tx1"/>
+                      </a:solidFill>
+                      <a:prstDash val="solid"/>
+                      <a:round/>
+                      <a:headEnd type="none" w="med" len="med"/>
+                      <a:tailEnd type="none" w="med" len="med"/>
+                    </a:lnR>
+                    <a:lnT w="12700" cap="flat" cmpd="sng" algn="ctr">
+                      <a:solidFill>
+                        <a:schemeClr val="tx1"/>
+                      </a:solidFill>
+                      <a:prstDash val="solid"/>
+                      <a:round/>
+                      <a:headEnd type="none" w="med" len="med"/>
+                      <a:tailEnd type="none" w="med" len="med"/>
+                    </a:lnT>
+                    <a:lnB w="12700" cap="flat" cmpd="sng" algn="ctr">
+                      <a:solidFill>
+                        <a:schemeClr val="tx1"/>
+                      </a:solidFill>
+                      <a:prstDash val="solid"/>
+                      <a:round/>
+                      <a:headEnd type="none" w="med" len="med"/>
+                      <a:tailEnd type="none" w="med" len="med"/>
+                    </a:lnB>
+                  </a:tcPr>
+                </a:tc>
+                <a:extLst>
+                  <a:ext uri="{0D108BD9-81ED-4DB2-BD59-A6C34878D82A}">
+                    <a16:rowId xmlns:a16="http://schemas.microsoft.com/office/drawing/2014/main" val="747768826"/>
+                  </a:ext>
+                </a:extLst>
+              </a:tr>
+            </a:tbl>
+          </a:graphicData>
+        </a:graphic>
+      </p:graphicFrame>
     </p:spTree>
     <p:extLst>
       <p:ext uri="{BB962C8B-B14F-4D97-AF65-F5344CB8AC3E}">
@@ -35668,6 +35299,14 @@
 </file>
 
 <file path=customXml/item1.xml><?xml version="1.0" encoding="utf-8"?>
+<p:properties xmlns:p="http://schemas.microsoft.com/office/2006/metadata/properties" xmlns:xsi="http://www.w3.org/2001/XMLSchema-instance" xmlns:pc="http://schemas.microsoft.com/office/infopath/2007/PartnerControls">
+  <documentManagement>
+    <_activity xmlns="bdc56f61-abc0-4f7e-bfec-a93ccd1ae886" xsi:nil="true"/>
+  </documentManagement>
+</p:properties>
+</file>
+
+<file path=customXml/item2.xml><?xml version="1.0" encoding="utf-8"?>
 <ct:contentTypeSchema xmlns:ct="http://schemas.microsoft.com/office/2006/metadata/contentType" xmlns:ma="http://schemas.microsoft.com/office/2006/metadata/properties/metaAttributes" ct:_="" ma:_="" ma:contentTypeName="Documento" ma:contentTypeID="0x0101007A62137D465CE64A8C883A4664514BF8" ma:contentTypeVersion="15" ma:contentTypeDescription="Crear nuevo documento." ma:contentTypeScope="" ma:versionID="a1bd1d59f691eb9bca6952b111268275">
   <xsd:schema xmlns:xsd="http://www.w3.org/2001/XMLSchema" xmlns:xs="http://www.w3.org/2001/XMLSchema" xmlns:p="http://schemas.microsoft.com/office/2006/metadata/properties" xmlns:ns3="669280c1-d17e-4d1d-bd7f-b4f14cc6bf1d" xmlns:ns4="bdc56f61-abc0-4f7e-bfec-a93ccd1ae886" targetNamespace="http://schemas.microsoft.com/office/2006/metadata/properties" ma:root="true" ma:fieldsID="d02990a02f19f0f9fc7b999b1809cae4" ns3:_="" ns4:_="">
     <xsd:import namespace="669280c1-d17e-4d1d-bd7f-b4f14cc6bf1d"/>
@@ -35902,14 +35541,6 @@
 </ct:contentTypeSchema>
 </file>
 
-<file path=customXml/item2.xml><?xml version="1.0" encoding="utf-8"?>
-<p:properties xmlns:p="http://schemas.microsoft.com/office/2006/metadata/properties" xmlns:xsi="http://www.w3.org/2001/XMLSchema-instance" xmlns:pc="http://schemas.microsoft.com/office/infopath/2007/PartnerControls">
-  <documentManagement>
-    <_activity xmlns="bdc56f61-abc0-4f7e-bfec-a93ccd1ae886" xsi:nil="true"/>
-  </documentManagement>
-</p:properties>
-</file>
-
 <file path=customXml/item3.xml><?xml version="1.0" encoding="utf-8"?>
 <?mso-contentType ?>
 <FormTemplates xmlns="http://schemas.microsoft.com/sharepoint/v3/contenttype/forms">
@@ -35920,6 +35551,23 @@
 </file>
 
 <file path=customXml/itemProps1.xml><?xml version="1.0" encoding="utf-8"?>
+<ds:datastoreItem xmlns:ds="http://schemas.openxmlformats.org/officeDocument/2006/customXml" ds:itemID="{0825853C-1B27-4995-A583-4D39F900BB7F}">
+  <ds:schemaRefs>
+    <ds:schemaRef ds:uri="669280c1-d17e-4d1d-bd7f-b4f14cc6bf1d"/>
+    <ds:schemaRef ds:uri="bdc56f61-abc0-4f7e-bfec-a93ccd1ae886"/>
+    <ds:schemaRef ds:uri="http://purl.org/dc/dcmitype/"/>
+    <ds:schemaRef ds:uri="http://purl.org/dc/elements/1.1/"/>
+    <ds:schemaRef ds:uri="http://purl.org/dc/terms/"/>
+    <ds:schemaRef ds:uri="http://schemas.microsoft.com/office/2006/documentManagement/types"/>
+    <ds:schemaRef ds:uri="http://schemas.microsoft.com/office/2006/metadata/properties"/>
+    <ds:schemaRef ds:uri="http://schemas.microsoft.com/office/infopath/2007/PartnerControls"/>
+    <ds:schemaRef ds:uri="http://schemas.openxmlformats.org/package/2006/metadata/core-properties"/>
+    <ds:schemaRef ds:uri="http://www.w3.org/XML/1998/namespace"/>
+  </ds:schemaRefs>
+</ds:datastoreItem>
+</file>
+
+<file path=customXml/itemProps2.xml><?xml version="1.0" encoding="utf-8"?>
 <ds:datastoreItem xmlns:ds="http://schemas.openxmlformats.org/officeDocument/2006/customXml" ds:itemID="{025820C3-FD82-4EFC-BF14-EAF1F9613F52}">
   <ds:schemaRefs>
     <ds:schemaRef ds:uri="669280c1-d17e-4d1d-bd7f-b4f14cc6bf1d"/>
@@ -35938,23 +35586,6 @@
 </ds:datastoreItem>
 </file>
 
-<file path=customXml/itemProps2.xml><?xml version="1.0" encoding="utf-8"?>
-<ds:datastoreItem xmlns:ds="http://schemas.openxmlformats.org/officeDocument/2006/customXml" ds:itemID="{0825853C-1B27-4995-A583-4D39F900BB7F}">
-  <ds:schemaRefs>
-    <ds:schemaRef ds:uri="669280c1-d17e-4d1d-bd7f-b4f14cc6bf1d"/>
-    <ds:schemaRef ds:uri="bdc56f61-abc0-4f7e-bfec-a93ccd1ae886"/>
-    <ds:schemaRef ds:uri="http://purl.org/dc/dcmitype/"/>
-    <ds:schemaRef ds:uri="http://purl.org/dc/elements/1.1/"/>
-    <ds:schemaRef ds:uri="http://purl.org/dc/terms/"/>
-    <ds:schemaRef ds:uri="http://schemas.microsoft.com/office/2006/documentManagement/types"/>
-    <ds:schemaRef ds:uri="http://schemas.microsoft.com/office/2006/metadata/properties"/>
-    <ds:schemaRef ds:uri="http://schemas.microsoft.com/office/infopath/2007/PartnerControls"/>
-    <ds:schemaRef ds:uri="http://schemas.openxmlformats.org/package/2006/metadata/core-properties"/>
-    <ds:schemaRef ds:uri="http://www.w3.org/XML/1998/namespace"/>
-  </ds:schemaRefs>
-</ds:datastoreItem>
-</file>
-
 <file path=customXml/itemProps3.xml><?xml version="1.0" encoding="utf-8"?>
 <ds:datastoreItem xmlns:ds="http://schemas.openxmlformats.org/officeDocument/2006/customXml" ds:itemID="{4E8623C8-32E1-48B0-9F0A-13F2E9582B7E}">
   <ds:schemaRefs>

--- a/Sesión_2/Transformada Z.pptx
+++ b/Sesión_2/Transformada Z.pptx
@@ -223,7 +223,7 @@
   <pc:docChgLst>
     <pc:chgData name="JHEYSON FABIAN VILLAVISAN BUITRAGO" userId="e5ced5c2-d787-455d-b115-4f08a699b8c8" providerId="ADAL" clId="{83D57D63-D11F-4A5C-AF47-0F7B7BC46677}"/>
     <pc:docChg chg="custSel delSld modSld modSection">
-      <pc:chgData name="JHEYSON FABIAN VILLAVISAN BUITRAGO" userId="e5ced5c2-d787-455d-b115-4f08a699b8c8" providerId="ADAL" clId="{83D57D63-D11F-4A5C-AF47-0F7B7BC46677}" dt="2025-01-04T23:16:10.811" v="4" actId="478"/>
+      <pc:chgData name="JHEYSON FABIAN VILLAVISAN BUITRAGO" userId="e5ced5c2-d787-455d-b115-4f08a699b8c8" providerId="ADAL" clId="{83D57D63-D11F-4A5C-AF47-0F7B7BC46677}" dt="2025-01-04T23:25:50.428" v="15" actId="1076"/>
       <pc:docMkLst>
         <pc:docMk/>
       </pc:docMkLst>
@@ -257,6 +257,44 @@
             <ac:graphicFrameMk id="3" creationId="{1C10071E-A4B9-FD11-C6A5-F0D1668E062F}"/>
           </ac:graphicFrameMkLst>
         </pc:graphicFrameChg>
+      </pc:sldChg>
+      <pc:sldChg chg="modSp mod">
+        <pc:chgData name="JHEYSON FABIAN VILLAVISAN BUITRAGO" userId="e5ced5c2-d787-455d-b115-4f08a699b8c8" providerId="ADAL" clId="{83D57D63-D11F-4A5C-AF47-0F7B7BC46677}" dt="2025-01-04T23:25:50.428" v="15" actId="1076"/>
+        <pc:sldMkLst>
+          <pc:docMk/>
+          <pc:sldMk cId="185654624" sldId="287"/>
+        </pc:sldMkLst>
+        <pc:spChg chg="mod">
+          <ac:chgData name="JHEYSON FABIAN VILLAVISAN BUITRAGO" userId="e5ced5c2-d787-455d-b115-4f08a699b8c8" providerId="ADAL" clId="{83D57D63-D11F-4A5C-AF47-0F7B7BC46677}" dt="2025-01-04T23:25:50.428" v="15" actId="1076"/>
+          <ac:spMkLst>
+            <pc:docMk/>
+            <pc:sldMk cId="185654624" sldId="287"/>
+            <ac:spMk id="2" creationId="{FB1B6180-BCA0-4F51-9F68-9E5BAB8A4FDC}"/>
+          </ac:spMkLst>
+        </pc:spChg>
+        <pc:spChg chg="mod">
+          <ac:chgData name="JHEYSON FABIAN VILLAVISAN BUITRAGO" userId="e5ced5c2-d787-455d-b115-4f08a699b8c8" providerId="ADAL" clId="{83D57D63-D11F-4A5C-AF47-0F7B7BC46677}" dt="2025-01-04T23:25:46.412" v="14" actId="1076"/>
+          <ac:spMkLst>
+            <pc:docMk/>
+            <pc:sldMk cId="185654624" sldId="287"/>
+            <ac:spMk id="9" creationId="{74E85FB5-D066-FB59-BAF9-C25E3C3898AC}"/>
+          </ac:spMkLst>
+        </pc:spChg>
+      </pc:sldChg>
+      <pc:sldChg chg="modSp mod">
+        <pc:chgData name="JHEYSON FABIAN VILLAVISAN BUITRAGO" userId="e5ced5c2-d787-455d-b115-4f08a699b8c8" providerId="ADAL" clId="{83D57D63-D11F-4A5C-AF47-0F7B7BC46677}" dt="2025-01-04T23:25:32.298" v="13" actId="20577"/>
+        <pc:sldMkLst>
+          <pc:docMk/>
+          <pc:sldMk cId="2448612144" sldId="293"/>
+        </pc:sldMkLst>
+        <pc:spChg chg="mod">
+          <ac:chgData name="JHEYSON FABIAN VILLAVISAN BUITRAGO" userId="e5ced5c2-d787-455d-b115-4f08a699b8c8" providerId="ADAL" clId="{83D57D63-D11F-4A5C-AF47-0F7B7BC46677}" dt="2025-01-04T23:25:32.298" v="13" actId="20577"/>
+          <ac:spMkLst>
+            <pc:docMk/>
+            <pc:sldMk cId="2448612144" sldId="293"/>
+            <ac:spMk id="2" creationId="{FB1B6180-BCA0-4F51-9F68-9E5BAB8A4FDC}"/>
+          </ac:spMkLst>
+        </pc:spChg>
       </pc:sldChg>
       <pc:sldChg chg="del">
         <pc:chgData name="JHEYSON FABIAN VILLAVISAN BUITRAGO" userId="e5ced5c2-d787-455d-b115-4f08a699b8c8" providerId="ADAL" clId="{83D57D63-D11F-4A5C-AF47-0F7B7BC46677}" dt="2025-01-03T19:53:35.355" v="1" actId="47"/>
@@ -12316,7 +12354,7 @@
         </p:nvSpPr>
         <p:spPr>
           <a:xfrm>
-            <a:off x="1843706" y="1340768"/>
+            <a:off x="1842280" y="1525749"/>
             <a:ext cx="5456585" cy="369962"/>
           </a:xfrm>
         </p:spPr>
@@ -12328,14 +12366,14 @@
           <a:p>
             <a:pPr algn="ctr"/>
             <a:r>
-              <a:rPr lang="es-CO" b="1"/>
+              <a:rPr lang="es-CO" b="1" dirty="0"/>
               <a:t>Ejercicio 1</a:t>
             </a:r>
             <a:br>
-              <a:rPr lang="es-CO" b="1"/>
+              <a:rPr lang="es-CO" b="1" dirty="0"/>
             </a:br>
             <a:r>
-              <a:rPr lang="es-CO" b="1"/>
+              <a:rPr lang="es-CO" b="1" dirty="0"/>
               <a:t>Calcular la transformada Z para</a:t>
             </a:r>
           </a:p>
@@ -12844,8 +12882,8 @@
           </a:prstGeom>
         </p:spPr>
       </p:pic>
-      <mc:AlternateContent xmlns:mc="http://schemas.openxmlformats.org/markup-compatibility/2006" xmlns:a14="http://schemas.microsoft.com/office/drawing/2010/main">
-        <mc:Choice Requires="a14">
+      <mc:AlternateContent xmlns:mc="http://schemas.openxmlformats.org/markup-compatibility/2006">
+        <mc:Choice xmlns:a14="http://schemas.microsoft.com/office/drawing/2010/main" Requires="a14">
           <p:sp>
             <p:nvSpPr>
               <p:cNvPr id="9" name="CuadroTexto 8">
@@ -12860,7 +12898,7 @@
             </p:nvSpPr>
             <p:spPr>
               <a:xfrm>
-                <a:off x="186159" y="1341767"/>
+                <a:off x="3034462" y="5759496"/>
                 <a:ext cx="3323859" cy="839525"/>
               </a:xfrm>
               <a:prstGeom prst="rect">
@@ -13049,12 +13087,12 @@
                     </m:oMath>
                   </m:oMathPara>
                 </a14:m>
-                <a:endParaRPr lang="en-US" sz="2000"/>
+                <a:endParaRPr lang="en-US" sz="2000" dirty="0"/>
               </a:p>
             </p:txBody>
           </p:sp>
         </mc:Choice>
-        <mc:Fallback xmlns="">
+        <mc:Fallback>
           <p:sp>
             <p:nvSpPr>
               <p:cNvPr id="9" name="CuadroTexto 8">
@@ -13071,7 +13109,7 @@
             </p:nvSpPr>
             <p:spPr>
               <a:xfrm>
-                <a:off x="186159" y="1341767"/>
+                <a:off x="3034462" y="5759496"/>
                 <a:ext cx="3323859" cy="839525"/>
               </a:xfrm>
               <a:prstGeom prst="rect">
@@ -13089,7 +13127,7 @@
               <a:lstStyle/>
               <a:p>
                 <a:r>
-                  <a:rPr lang="en-US">
+                  <a:rPr lang="es-CO">
                     <a:noFill/>
                   </a:rPr>
                   <a:t> </a:t>
@@ -32732,20 +32770,20 @@
           <a:p>
             <a:pPr algn="ctr"/>
             <a:r>
-              <a:rPr lang="es-CO" b="1"/>
-              <a:t>Ejercicio de Repaso</a:t>
+              <a:rPr lang="es-CO" b="1" dirty="0"/>
+              <a:t>Actividad</a:t>
             </a:r>
             <a:br>
-              <a:rPr lang="es-CO" b="1"/>
+              <a:rPr lang="es-CO" b="1" dirty="0"/>
             </a:br>
             <a:r>
-              <a:rPr lang="es-CO" b="1"/>
+              <a:rPr lang="es-CO" b="1" dirty="0"/>
               <a:t>Calcular la transformada de Laplace para </a:t>
             </a:r>
             <a:br>
-              <a:rPr lang="es-CO" b="1"/>
+              <a:rPr lang="es-CO" b="1" dirty="0"/>
             </a:br>
-            <a:endParaRPr lang="es-CO" b="1"/>
+            <a:endParaRPr lang="es-CO" b="1" dirty="0"/>
           </a:p>
         </p:txBody>
       </p:sp>
@@ -35299,14 +35337,6 @@
 </file>
 
 <file path=customXml/item1.xml><?xml version="1.0" encoding="utf-8"?>
-<p:properties xmlns:p="http://schemas.microsoft.com/office/2006/metadata/properties" xmlns:xsi="http://www.w3.org/2001/XMLSchema-instance" xmlns:pc="http://schemas.microsoft.com/office/infopath/2007/PartnerControls">
-  <documentManagement>
-    <_activity xmlns="bdc56f61-abc0-4f7e-bfec-a93ccd1ae886" xsi:nil="true"/>
-  </documentManagement>
-</p:properties>
-</file>
-
-<file path=customXml/item2.xml><?xml version="1.0" encoding="utf-8"?>
 <ct:contentTypeSchema xmlns:ct="http://schemas.microsoft.com/office/2006/metadata/contentType" xmlns:ma="http://schemas.microsoft.com/office/2006/metadata/properties/metaAttributes" ct:_="" ma:_="" ma:contentTypeName="Documento" ma:contentTypeID="0x0101007A62137D465CE64A8C883A4664514BF8" ma:contentTypeVersion="15" ma:contentTypeDescription="Crear nuevo documento." ma:contentTypeScope="" ma:versionID="a1bd1d59f691eb9bca6952b111268275">
   <xsd:schema xmlns:xsd="http://www.w3.org/2001/XMLSchema" xmlns:xs="http://www.w3.org/2001/XMLSchema" xmlns:p="http://schemas.microsoft.com/office/2006/metadata/properties" xmlns:ns3="669280c1-d17e-4d1d-bd7f-b4f14cc6bf1d" xmlns:ns4="bdc56f61-abc0-4f7e-bfec-a93ccd1ae886" targetNamespace="http://schemas.microsoft.com/office/2006/metadata/properties" ma:root="true" ma:fieldsID="d02990a02f19f0f9fc7b999b1809cae4" ns3:_="" ns4:_="">
     <xsd:import namespace="669280c1-d17e-4d1d-bd7f-b4f14cc6bf1d"/>
@@ -35541,6 +35571,14 @@
 </ct:contentTypeSchema>
 </file>
 
+<file path=customXml/item2.xml><?xml version="1.0" encoding="utf-8"?>
+<p:properties xmlns:p="http://schemas.microsoft.com/office/2006/metadata/properties" xmlns:xsi="http://www.w3.org/2001/XMLSchema-instance" xmlns:pc="http://schemas.microsoft.com/office/infopath/2007/PartnerControls">
+  <documentManagement>
+    <_activity xmlns="bdc56f61-abc0-4f7e-bfec-a93ccd1ae886" xsi:nil="true"/>
+  </documentManagement>
+</p:properties>
+</file>
+
 <file path=customXml/item3.xml><?xml version="1.0" encoding="utf-8"?>
 <?mso-contentType ?>
 <FormTemplates xmlns="http://schemas.microsoft.com/sharepoint/v3/contenttype/forms">
@@ -35551,23 +35589,6 @@
 </file>
 
 <file path=customXml/itemProps1.xml><?xml version="1.0" encoding="utf-8"?>
-<ds:datastoreItem xmlns:ds="http://schemas.openxmlformats.org/officeDocument/2006/customXml" ds:itemID="{0825853C-1B27-4995-A583-4D39F900BB7F}">
-  <ds:schemaRefs>
-    <ds:schemaRef ds:uri="669280c1-d17e-4d1d-bd7f-b4f14cc6bf1d"/>
-    <ds:schemaRef ds:uri="bdc56f61-abc0-4f7e-bfec-a93ccd1ae886"/>
-    <ds:schemaRef ds:uri="http://purl.org/dc/dcmitype/"/>
-    <ds:schemaRef ds:uri="http://purl.org/dc/elements/1.1/"/>
-    <ds:schemaRef ds:uri="http://purl.org/dc/terms/"/>
-    <ds:schemaRef ds:uri="http://schemas.microsoft.com/office/2006/documentManagement/types"/>
-    <ds:schemaRef ds:uri="http://schemas.microsoft.com/office/2006/metadata/properties"/>
-    <ds:schemaRef ds:uri="http://schemas.microsoft.com/office/infopath/2007/PartnerControls"/>
-    <ds:schemaRef ds:uri="http://schemas.openxmlformats.org/package/2006/metadata/core-properties"/>
-    <ds:schemaRef ds:uri="http://www.w3.org/XML/1998/namespace"/>
-  </ds:schemaRefs>
-</ds:datastoreItem>
-</file>
-
-<file path=customXml/itemProps2.xml><?xml version="1.0" encoding="utf-8"?>
 <ds:datastoreItem xmlns:ds="http://schemas.openxmlformats.org/officeDocument/2006/customXml" ds:itemID="{025820C3-FD82-4EFC-BF14-EAF1F9613F52}">
   <ds:schemaRefs>
     <ds:schemaRef ds:uri="669280c1-d17e-4d1d-bd7f-b4f14cc6bf1d"/>
@@ -35586,6 +35607,23 @@
 </ds:datastoreItem>
 </file>
 
+<file path=customXml/itemProps2.xml><?xml version="1.0" encoding="utf-8"?>
+<ds:datastoreItem xmlns:ds="http://schemas.openxmlformats.org/officeDocument/2006/customXml" ds:itemID="{0825853C-1B27-4995-A583-4D39F900BB7F}">
+  <ds:schemaRefs>
+    <ds:schemaRef ds:uri="669280c1-d17e-4d1d-bd7f-b4f14cc6bf1d"/>
+    <ds:schemaRef ds:uri="bdc56f61-abc0-4f7e-bfec-a93ccd1ae886"/>
+    <ds:schemaRef ds:uri="http://purl.org/dc/dcmitype/"/>
+    <ds:schemaRef ds:uri="http://purl.org/dc/elements/1.1/"/>
+    <ds:schemaRef ds:uri="http://purl.org/dc/terms/"/>
+    <ds:schemaRef ds:uri="http://schemas.microsoft.com/office/2006/documentManagement/types"/>
+    <ds:schemaRef ds:uri="http://schemas.microsoft.com/office/2006/metadata/properties"/>
+    <ds:schemaRef ds:uri="http://schemas.microsoft.com/office/infopath/2007/PartnerControls"/>
+    <ds:schemaRef ds:uri="http://schemas.openxmlformats.org/package/2006/metadata/core-properties"/>
+    <ds:schemaRef ds:uri="http://www.w3.org/XML/1998/namespace"/>
+  </ds:schemaRefs>
+</ds:datastoreItem>
+</file>
+
 <file path=customXml/itemProps3.xml><?xml version="1.0" encoding="utf-8"?>
 <ds:datastoreItem xmlns:ds="http://schemas.openxmlformats.org/officeDocument/2006/customXml" ds:itemID="{4E8623C8-32E1-48B0-9F0A-13F2E9582B7E}">
   <ds:schemaRefs>

--- a/Sesión_2/Transformada Z.pptx
+++ b/Sesión_2/Transformada Z.pptx
@@ -23,8 +23,8 @@
     <p:sldId id="280" r:id="rId14"/>
     <p:sldId id="287" r:id="rId15"/>
     <p:sldId id="283" r:id="rId16"/>
-    <p:sldId id="286" r:id="rId17"/>
-    <p:sldId id="294" r:id="rId18"/>
+    <p:sldId id="294" r:id="rId17"/>
+    <p:sldId id="286" r:id="rId18"/>
     <p:sldId id="295" r:id="rId19"/>
     <p:sldId id="288" r:id="rId20"/>
     <p:sldId id="289" r:id="rId21"/>
@@ -148,8 +148,8 @@
             <p14:sldId id="280"/>
             <p14:sldId id="287"/>
             <p14:sldId id="283"/>
+            <p14:sldId id="294"/>
             <p14:sldId id="286"/>
-            <p14:sldId id="294"/>
             <p14:sldId id="295"/>
             <p14:sldId id="288"/>
             <p14:sldId id="289"/>
@@ -197,7 +197,7 @@
 <file path=ppt/revisionInfo.xml><?xml version="1.0" encoding="utf-8"?>
 <p1510:revInfo xmlns:a="http://schemas.openxmlformats.org/drawingml/2006/main" xmlns:r="http://schemas.openxmlformats.org/officeDocument/2006/relationships" xmlns:p1510="http://schemas.microsoft.com/office/powerpoint/2015/10/main">
   <p1510:revLst>
-    <p1510:client id="{83D57D63-D11F-4A5C-AF47-0F7B7BC46677}" v="2" dt="2025-01-04T23:16:10.811"/>
+    <p1510:client id="{83D57D63-D11F-4A5C-AF47-0F7B7BC46677}" v="15" dt="2025-01-09T15:40:45.791"/>
   </p1510:revLst>
 </p1510:revInfo>
 </file>
@@ -222,8 +222,8 @@
   </pc:docChgLst>
   <pc:docChgLst>
     <pc:chgData name="JHEYSON FABIAN VILLAVISAN BUITRAGO" userId="e5ced5c2-d787-455d-b115-4f08a699b8c8" providerId="ADAL" clId="{83D57D63-D11F-4A5C-AF47-0F7B7BC46677}"/>
-    <pc:docChg chg="custSel delSld modSld modSection">
-      <pc:chgData name="JHEYSON FABIAN VILLAVISAN BUITRAGO" userId="e5ced5c2-d787-455d-b115-4f08a699b8c8" providerId="ADAL" clId="{83D57D63-D11F-4A5C-AF47-0F7B7BC46677}" dt="2025-01-04T23:25:50.428" v="15" actId="1076"/>
+    <pc:docChg chg="custSel delSld modSld sldOrd modSection">
+      <pc:chgData name="JHEYSON FABIAN VILLAVISAN BUITRAGO" userId="e5ced5c2-d787-455d-b115-4f08a699b8c8" providerId="ADAL" clId="{83D57D63-D11F-4A5C-AF47-0F7B7BC46677}" dt="2025-01-09T15:40:52.938" v="52" actId="1076"/>
       <pc:docMkLst>
         <pc:docMk/>
       </pc:docMkLst>
@@ -233,22 +233,6 @@
           <pc:docMk/>
           <pc:sldMk cId="2505371292" sldId="270"/>
         </pc:sldMkLst>
-        <pc:spChg chg="del">
-          <ac:chgData name="JHEYSON FABIAN VILLAVISAN BUITRAGO" userId="e5ced5c2-d787-455d-b115-4f08a699b8c8" providerId="ADAL" clId="{83D57D63-D11F-4A5C-AF47-0F7B7BC46677}" dt="2025-01-04T23:16:10.811" v="4" actId="478"/>
-          <ac:spMkLst>
-            <pc:docMk/>
-            <pc:sldMk cId="2505371292" sldId="270"/>
-            <ac:spMk id="9" creationId="{AAD4009E-1BC8-C70B-C6E8-9825F18FD20B}"/>
-          </ac:spMkLst>
-        </pc:spChg>
-        <pc:graphicFrameChg chg="del">
-          <ac:chgData name="JHEYSON FABIAN VILLAVISAN BUITRAGO" userId="e5ced5c2-d787-455d-b115-4f08a699b8c8" providerId="ADAL" clId="{83D57D63-D11F-4A5C-AF47-0F7B7BC46677}" dt="2025-01-04T23:16:04.159" v="2" actId="478"/>
-          <ac:graphicFrameMkLst>
-            <pc:docMk/>
-            <pc:sldMk cId="2505371292" sldId="270"/>
-            <ac:graphicFrameMk id="2" creationId="{B1565EEE-0809-2C5D-A928-06DA6B611684}"/>
-          </ac:graphicFrameMkLst>
-        </pc:graphicFrameChg>
         <pc:graphicFrameChg chg="add mod">
           <ac:chgData name="JHEYSON FABIAN VILLAVISAN BUITRAGO" userId="e5ced5c2-d787-455d-b115-4f08a699b8c8" providerId="ADAL" clId="{83D57D63-D11F-4A5C-AF47-0F7B7BC46677}" dt="2025-01-04T23:16:06.581" v="3"/>
           <ac:graphicFrameMkLst>
@@ -258,8 +242,77 @@
           </ac:graphicFrameMkLst>
         </pc:graphicFrameChg>
       </pc:sldChg>
+      <pc:sldChg chg="modSp">
+        <pc:chgData name="JHEYSON FABIAN VILLAVISAN BUITRAGO" userId="e5ced5c2-d787-455d-b115-4f08a699b8c8" providerId="ADAL" clId="{83D57D63-D11F-4A5C-AF47-0F7B7BC46677}" dt="2025-01-09T15:36:47.768" v="40"/>
+        <pc:sldMkLst>
+          <pc:docMk/>
+          <pc:sldMk cId="1064503744" sldId="280"/>
+        </pc:sldMkLst>
+        <pc:spChg chg="mod">
+          <ac:chgData name="JHEYSON FABIAN VILLAVISAN BUITRAGO" userId="e5ced5c2-d787-455d-b115-4f08a699b8c8" providerId="ADAL" clId="{83D57D63-D11F-4A5C-AF47-0F7B7BC46677}" dt="2025-01-09T15:36:47.768" v="40"/>
+          <ac:spMkLst>
+            <pc:docMk/>
+            <pc:sldMk cId="1064503744" sldId="280"/>
+            <ac:spMk id="4" creationId="{3726FC78-A84B-3309-4244-58AD352709B7}"/>
+          </ac:spMkLst>
+        </pc:spChg>
+      </pc:sldChg>
+      <pc:sldChg chg="modSp">
+        <pc:chgData name="JHEYSON FABIAN VILLAVISAN BUITRAGO" userId="e5ced5c2-d787-455d-b115-4f08a699b8c8" providerId="ADAL" clId="{83D57D63-D11F-4A5C-AF47-0F7B7BC46677}" dt="2025-01-09T15:36:58.875" v="44"/>
+        <pc:sldMkLst>
+          <pc:docMk/>
+          <pc:sldMk cId="600911693" sldId="283"/>
+        </pc:sldMkLst>
+        <pc:spChg chg="mod">
+          <ac:chgData name="JHEYSON FABIAN VILLAVISAN BUITRAGO" userId="e5ced5c2-d787-455d-b115-4f08a699b8c8" providerId="ADAL" clId="{83D57D63-D11F-4A5C-AF47-0F7B7BC46677}" dt="2025-01-09T15:36:58.875" v="44"/>
+          <ac:spMkLst>
+            <pc:docMk/>
+            <pc:sldMk cId="600911693" sldId="283"/>
+            <ac:spMk id="12" creationId="{6C4A08C8-2099-4777-BEF9-7AE0500FE916}"/>
+          </ac:spMkLst>
+        </pc:spChg>
+      </pc:sldChg>
       <pc:sldChg chg="modSp mod">
-        <pc:chgData name="JHEYSON FABIAN VILLAVISAN BUITRAGO" userId="e5ced5c2-d787-455d-b115-4f08a699b8c8" providerId="ADAL" clId="{83D57D63-D11F-4A5C-AF47-0F7B7BC46677}" dt="2025-01-04T23:25:50.428" v="15" actId="1076"/>
+        <pc:chgData name="JHEYSON FABIAN VILLAVISAN BUITRAGO" userId="e5ced5c2-d787-455d-b115-4f08a699b8c8" providerId="ADAL" clId="{83D57D63-D11F-4A5C-AF47-0F7B7BC46677}" dt="2025-01-09T15:38:47.438" v="48" actId="113"/>
+        <pc:sldMkLst>
+          <pc:docMk/>
+          <pc:sldMk cId="1001278451" sldId="286"/>
+        </pc:sldMkLst>
+        <pc:spChg chg="mod">
+          <ac:chgData name="JHEYSON FABIAN VILLAVISAN BUITRAGO" userId="e5ced5c2-d787-455d-b115-4f08a699b8c8" providerId="ADAL" clId="{83D57D63-D11F-4A5C-AF47-0F7B7BC46677}" dt="2025-01-09T15:23:00.546" v="24" actId="20577"/>
+          <ac:spMkLst>
+            <pc:docMk/>
+            <pc:sldMk cId="1001278451" sldId="286"/>
+            <ac:spMk id="2" creationId="{FB1B6180-BCA0-4F51-9F68-9E5BAB8A4FDC}"/>
+          </ac:spMkLst>
+        </pc:spChg>
+        <pc:spChg chg="mod">
+          <ac:chgData name="JHEYSON FABIAN VILLAVISAN BUITRAGO" userId="e5ced5c2-d787-455d-b115-4f08a699b8c8" providerId="ADAL" clId="{83D57D63-D11F-4A5C-AF47-0F7B7BC46677}" dt="2025-01-09T15:38:47.438" v="48" actId="113"/>
+          <ac:spMkLst>
+            <pc:docMk/>
+            <pc:sldMk cId="1001278451" sldId="286"/>
+            <ac:spMk id="4" creationId="{429D3759-7D89-F1B7-85A7-6785B89CBFA7}"/>
+          </ac:spMkLst>
+        </pc:spChg>
+        <pc:spChg chg="mod">
+          <ac:chgData name="JHEYSON FABIAN VILLAVISAN BUITRAGO" userId="e5ced5c2-d787-455d-b115-4f08a699b8c8" providerId="ADAL" clId="{83D57D63-D11F-4A5C-AF47-0F7B7BC46677}" dt="2025-01-09T15:23:02.781" v="26" actId="20577"/>
+          <ac:spMkLst>
+            <pc:docMk/>
+            <pc:sldMk cId="1001278451" sldId="286"/>
+            <ac:spMk id="10" creationId="{AF4E183E-A171-4923-A99E-D149888CEC37}"/>
+          </ac:spMkLst>
+        </pc:spChg>
+        <pc:spChg chg="mod">
+          <ac:chgData name="JHEYSON FABIAN VILLAVISAN BUITRAGO" userId="e5ced5c2-d787-455d-b115-4f08a699b8c8" providerId="ADAL" clId="{83D57D63-D11F-4A5C-AF47-0F7B7BC46677}" dt="2025-01-09T15:38:47.438" v="48" actId="113"/>
+          <ac:spMkLst>
+            <pc:docMk/>
+            <pc:sldMk cId="1001278451" sldId="286"/>
+            <ac:spMk id="16" creationId="{D62DD247-01A2-AC64-B59D-3ED1D2BDEE53}"/>
+          </ac:spMkLst>
+        </pc:spChg>
+      </pc:sldChg>
+      <pc:sldChg chg="modSp mod">
+        <pc:chgData name="JHEYSON FABIAN VILLAVISAN BUITRAGO" userId="e5ced5c2-d787-455d-b115-4f08a699b8c8" providerId="ADAL" clId="{83D57D63-D11F-4A5C-AF47-0F7B7BC46677}" dt="2025-01-09T15:36:53.429" v="42"/>
         <pc:sldMkLst>
           <pc:docMk/>
           <pc:sldMk cId="185654624" sldId="287"/>
@@ -273,7 +326,7 @@
           </ac:spMkLst>
         </pc:spChg>
         <pc:spChg chg="mod">
-          <ac:chgData name="JHEYSON FABIAN VILLAVISAN BUITRAGO" userId="e5ced5c2-d787-455d-b115-4f08a699b8c8" providerId="ADAL" clId="{83D57D63-D11F-4A5C-AF47-0F7B7BC46677}" dt="2025-01-04T23:25:46.412" v="14" actId="1076"/>
+          <ac:chgData name="JHEYSON FABIAN VILLAVISAN BUITRAGO" userId="e5ced5c2-d787-455d-b115-4f08a699b8c8" providerId="ADAL" clId="{83D57D63-D11F-4A5C-AF47-0F7B7BC46677}" dt="2025-01-09T15:36:53.429" v="42"/>
           <ac:spMkLst>
             <pc:docMk/>
             <pc:sldMk cId="185654624" sldId="287"/>
@@ -282,17 +335,118 @@
         </pc:spChg>
       </pc:sldChg>
       <pc:sldChg chg="modSp mod">
-        <pc:chgData name="JHEYSON FABIAN VILLAVISAN BUITRAGO" userId="e5ced5c2-d787-455d-b115-4f08a699b8c8" providerId="ADAL" clId="{83D57D63-D11F-4A5C-AF47-0F7B7BC46677}" dt="2025-01-04T23:25:32.298" v="13" actId="20577"/>
+        <pc:chgData name="JHEYSON FABIAN VILLAVISAN BUITRAGO" userId="e5ced5c2-d787-455d-b115-4f08a699b8c8" providerId="ADAL" clId="{83D57D63-D11F-4A5C-AF47-0F7B7BC46677}" dt="2025-01-09T15:40:52.938" v="52" actId="1076"/>
+        <pc:sldMkLst>
+          <pc:docMk/>
+          <pc:sldMk cId="407945755" sldId="290"/>
+        </pc:sldMkLst>
+        <pc:spChg chg="mod">
+          <ac:chgData name="JHEYSON FABIAN VILLAVISAN BUITRAGO" userId="e5ced5c2-d787-455d-b115-4f08a699b8c8" providerId="ADAL" clId="{83D57D63-D11F-4A5C-AF47-0F7B7BC46677}" dt="2025-01-09T15:40:52.938" v="52" actId="1076"/>
+          <ac:spMkLst>
+            <pc:docMk/>
+            <pc:sldMk cId="407945755" sldId="290"/>
+            <ac:spMk id="3" creationId="{238C3E71-A6C9-B9FC-0DB8-722DBFC64B35}"/>
+          </ac:spMkLst>
+        </pc:spChg>
+        <pc:spChg chg="mod">
+          <ac:chgData name="JHEYSON FABIAN VILLAVISAN BUITRAGO" userId="e5ced5c2-d787-455d-b115-4f08a699b8c8" providerId="ADAL" clId="{83D57D63-D11F-4A5C-AF47-0F7B7BC46677}" dt="2025-01-09T15:40:48.925" v="51" actId="1076"/>
+          <ac:spMkLst>
+            <pc:docMk/>
+            <pc:sldMk cId="407945755" sldId="290"/>
+            <ac:spMk id="6" creationId="{3FE9DE07-6CE0-5C37-77A3-7A0BA002C7BC}"/>
+          </ac:spMkLst>
+        </pc:spChg>
+        <pc:picChg chg="mod">
+          <ac:chgData name="JHEYSON FABIAN VILLAVISAN BUITRAGO" userId="e5ced5c2-d787-455d-b115-4f08a699b8c8" providerId="ADAL" clId="{83D57D63-D11F-4A5C-AF47-0F7B7BC46677}" dt="2025-01-09T15:40:36.353" v="49" actId="1076"/>
+          <ac:picMkLst>
+            <pc:docMk/>
+            <pc:sldMk cId="407945755" sldId="290"/>
+            <ac:picMk id="4" creationId="{01319EF8-C2F7-FFAB-82F9-BFFFBE74119F}"/>
+          </ac:picMkLst>
+        </pc:picChg>
+      </pc:sldChg>
+      <pc:sldChg chg="modSp mod">
+        <pc:chgData name="JHEYSON FABIAN VILLAVISAN BUITRAGO" userId="e5ced5c2-d787-455d-b115-4f08a699b8c8" providerId="ADAL" clId="{83D57D63-D11F-4A5C-AF47-0F7B7BC46677}" dt="2025-01-09T15:35:54.806" v="38" actId="20577"/>
         <pc:sldMkLst>
           <pc:docMk/>
           <pc:sldMk cId="2448612144" sldId="293"/>
         </pc:sldMkLst>
         <pc:spChg chg="mod">
-          <ac:chgData name="JHEYSON FABIAN VILLAVISAN BUITRAGO" userId="e5ced5c2-d787-455d-b115-4f08a699b8c8" providerId="ADAL" clId="{83D57D63-D11F-4A5C-AF47-0F7B7BC46677}" dt="2025-01-04T23:25:32.298" v="13" actId="20577"/>
+          <ac:chgData name="JHEYSON FABIAN VILLAVISAN BUITRAGO" userId="e5ced5c2-d787-455d-b115-4f08a699b8c8" providerId="ADAL" clId="{83D57D63-D11F-4A5C-AF47-0F7B7BC46677}" dt="2025-01-09T15:35:54.806" v="38" actId="20577"/>
           <ac:spMkLst>
             <pc:docMk/>
             <pc:sldMk cId="2448612144" sldId="293"/>
             <ac:spMk id="2" creationId="{FB1B6180-BCA0-4F51-9F68-9E5BAB8A4FDC}"/>
+          </ac:spMkLst>
+        </pc:spChg>
+        <pc:spChg chg="mod">
+          <ac:chgData name="JHEYSON FABIAN VILLAVISAN BUITRAGO" userId="e5ced5c2-d787-455d-b115-4f08a699b8c8" providerId="ADAL" clId="{83D57D63-D11F-4A5C-AF47-0F7B7BC46677}" dt="2025-01-09T15:18:01.091" v="18" actId="1076"/>
+          <ac:spMkLst>
+            <pc:docMk/>
+            <pc:sldMk cId="2448612144" sldId="293"/>
+            <ac:spMk id="8" creationId="{DF720B9D-A226-78B6-A674-8D88F183B784}"/>
+          </ac:spMkLst>
+        </pc:spChg>
+        <pc:spChg chg="mod">
+          <ac:chgData name="JHEYSON FABIAN VILLAVISAN BUITRAGO" userId="e5ced5c2-d787-455d-b115-4f08a699b8c8" providerId="ADAL" clId="{83D57D63-D11F-4A5C-AF47-0F7B7BC46677}" dt="2025-01-09T15:18:13.307" v="19" actId="14100"/>
+          <ac:spMkLst>
+            <pc:docMk/>
+            <pc:sldMk cId="2448612144" sldId="293"/>
+            <ac:spMk id="9" creationId="{D086D646-82FC-E2D3-AC5D-02BC79699456}"/>
+          </ac:spMkLst>
+        </pc:spChg>
+      </pc:sldChg>
+      <pc:sldChg chg="addSp modSp mod ord">
+        <pc:chgData name="JHEYSON FABIAN VILLAVISAN BUITRAGO" userId="e5ced5c2-d787-455d-b115-4f08a699b8c8" providerId="ADAL" clId="{83D57D63-D11F-4A5C-AF47-0F7B7BC46677}" dt="2025-01-09T15:37:20.119" v="47" actId="113"/>
+        <pc:sldMkLst>
+          <pc:docMk/>
+          <pc:sldMk cId="2466407268" sldId="294"/>
+        </pc:sldMkLst>
+        <pc:spChg chg="mod">
+          <ac:chgData name="JHEYSON FABIAN VILLAVISAN BUITRAGO" userId="e5ced5c2-d787-455d-b115-4f08a699b8c8" providerId="ADAL" clId="{83D57D63-D11F-4A5C-AF47-0F7B7BC46677}" dt="2025-01-09T15:22:54.573" v="22" actId="20577"/>
+          <ac:spMkLst>
+            <pc:docMk/>
+            <pc:sldMk cId="2466407268" sldId="294"/>
+            <ac:spMk id="2" creationId="{FB1B6180-BCA0-4F51-9F68-9E5BAB8A4FDC}"/>
+          </ac:spMkLst>
+        </pc:spChg>
+        <pc:spChg chg="add mod">
+          <ac:chgData name="JHEYSON FABIAN VILLAVISAN BUITRAGO" userId="e5ced5c2-d787-455d-b115-4f08a699b8c8" providerId="ADAL" clId="{83D57D63-D11F-4A5C-AF47-0F7B7BC46677}" dt="2025-01-09T15:37:17.117" v="46" actId="113"/>
+          <ac:spMkLst>
+            <pc:docMk/>
+            <pc:sldMk cId="2466407268" sldId="294"/>
+            <ac:spMk id="4" creationId="{3DE10878-98BB-2E85-1D9F-741B091F25F3}"/>
+          </ac:spMkLst>
+        </pc:spChg>
+        <pc:spChg chg="add mod">
+          <ac:chgData name="JHEYSON FABIAN VILLAVISAN BUITRAGO" userId="e5ced5c2-d787-455d-b115-4f08a699b8c8" providerId="ADAL" clId="{83D57D63-D11F-4A5C-AF47-0F7B7BC46677}" dt="2025-01-09T15:37:20.119" v="47" actId="113"/>
+          <ac:spMkLst>
+            <pc:docMk/>
+            <pc:sldMk cId="2466407268" sldId="294"/>
+            <ac:spMk id="6" creationId="{5C8E7A35-E8E4-D5BD-4D35-783CD5114009}"/>
+          </ac:spMkLst>
+        </pc:spChg>
+        <pc:spChg chg="mod">
+          <ac:chgData name="JHEYSON FABIAN VILLAVISAN BUITRAGO" userId="e5ced5c2-d787-455d-b115-4f08a699b8c8" providerId="ADAL" clId="{83D57D63-D11F-4A5C-AF47-0F7B7BC46677}" dt="2025-01-09T15:22:58.263" v="23" actId="20577"/>
+          <ac:spMkLst>
+            <pc:docMk/>
+            <pc:sldMk cId="2466407268" sldId="294"/>
+            <ac:spMk id="10" creationId="{AF4E183E-A171-4923-A99E-D149888CEC37}"/>
+          </ac:spMkLst>
+        </pc:spChg>
+      </pc:sldChg>
+      <pc:sldChg chg="modSp">
+        <pc:chgData name="JHEYSON FABIAN VILLAVISAN BUITRAGO" userId="e5ced5c2-d787-455d-b115-4f08a699b8c8" providerId="ADAL" clId="{83D57D63-D11F-4A5C-AF47-0F7B7BC46677}" dt="2025-01-08T17:02:49.348" v="17" actId="20577"/>
+        <pc:sldMkLst>
+          <pc:docMk/>
+          <pc:sldMk cId="2113326980" sldId="295"/>
+        </pc:sldMkLst>
+        <pc:spChg chg="mod">
+          <ac:chgData name="JHEYSON FABIAN VILLAVISAN BUITRAGO" userId="e5ced5c2-d787-455d-b115-4f08a699b8c8" providerId="ADAL" clId="{83D57D63-D11F-4A5C-AF47-0F7B7BC46677}" dt="2025-01-08T17:02:49.348" v="17" actId="20577"/>
+          <ac:spMkLst>
+            <pc:docMk/>
+            <pc:sldMk cId="2113326980" sldId="295"/>
+            <ac:spMk id="4" creationId="{0D0DE5FD-40CD-E6CB-AF7A-4C5F71D1A75A}"/>
           </ac:spMkLst>
         </pc:spChg>
       </pc:sldChg>
@@ -1182,7 +1336,7 @@
               <a:pPr>
                 <a:defRPr/>
               </a:pPr>
-              <a:t>4/01/2025</a:t>
+              <a:t>9/01/2025</a:t>
             </a:fld>
             <a:endParaRPr lang="es-CO"/>
           </a:p>
@@ -1425,7 +1579,7 @@
               <a:pPr>
                 <a:defRPr/>
               </a:pPr>
-              <a:t>4/01/2025</a:t>
+              <a:t>9/01/2025</a:t>
             </a:fld>
             <a:endParaRPr lang="es-CO"/>
           </a:p>
@@ -6035,7 +6189,7 @@
           <a:p>
             <a:fld id="{9CF7635E-2D71-42E7-9E6C-FBB85A15A85F}" type="datetimeFigureOut">
               <a:rPr lang="es-CO" smtClean="0"/>
-              <a:t>4/01/2025</a:t>
+              <a:t>9/01/2025</a:t>
             </a:fld>
             <a:endParaRPr lang="es-CO"/>
           </a:p>
@@ -6301,7 +6455,7 @@
           <a:p>
             <a:fld id="{9CF7635E-2D71-42E7-9E6C-FBB85A15A85F}" type="datetimeFigureOut">
               <a:rPr lang="es-CO" smtClean="0"/>
-              <a:t>4/01/2025</a:t>
+              <a:t>9/01/2025</a:t>
             </a:fld>
             <a:endParaRPr lang="es-CO"/>
           </a:p>
@@ -6517,7 +6671,7 @@
           <a:p>
             <a:fld id="{9CF7635E-2D71-42E7-9E6C-FBB85A15A85F}" type="datetimeFigureOut">
               <a:rPr lang="es-CO" smtClean="0"/>
-              <a:t>4/01/2025</a:t>
+              <a:t>9/01/2025</a:t>
             </a:fld>
             <a:endParaRPr lang="es-CO"/>
           </a:p>
@@ -8146,7 +8300,7 @@
           <a:p>
             <a:fld id="{9CF7635E-2D71-42E7-9E6C-FBB85A15A85F}" type="datetimeFigureOut">
               <a:rPr lang="es-CO" smtClean="0"/>
-              <a:t>4/01/2025</a:t>
+              <a:t>9/01/2025</a:t>
             </a:fld>
             <a:endParaRPr lang="es-CO"/>
           </a:p>
@@ -8593,7 +8747,7 @@
           <a:p>
             <a:fld id="{9CF7635E-2D71-42E7-9E6C-FBB85A15A85F}" type="datetimeFigureOut">
               <a:rPr lang="es-CO" smtClean="0"/>
-              <a:t>4/01/2025</a:t>
+              <a:t>9/01/2025</a:t>
             </a:fld>
             <a:endParaRPr lang="es-CO"/>
           </a:p>
@@ -8867,7 +9021,7 @@
           <a:p>
             <a:fld id="{9CF7635E-2D71-42E7-9E6C-FBB85A15A85F}" type="datetimeFigureOut">
               <a:rPr lang="es-CO" smtClean="0"/>
-              <a:t>4/01/2025</a:t>
+              <a:t>9/01/2025</a:t>
             </a:fld>
             <a:endParaRPr lang="es-CO"/>
           </a:p>
@@ -9288,7 +9442,7 @@
           <a:p>
             <a:fld id="{9CF7635E-2D71-42E7-9E6C-FBB85A15A85F}" type="datetimeFigureOut">
               <a:rPr lang="es-CO" smtClean="0"/>
-              <a:t>4/01/2025</a:t>
+              <a:t>9/01/2025</a:t>
             </a:fld>
             <a:endParaRPr lang="es-CO"/>
           </a:p>
@@ -9436,7 +9590,7 @@
           <a:p>
             <a:fld id="{9CF7635E-2D71-42E7-9E6C-FBB85A15A85F}" type="datetimeFigureOut">
               <a:rPr lang="es-CO" smtClean="0"/>
-              <a:t>4/01/2025</a:t>
+              <a:t>9/01/2025</a:t>
             </a:fld>
             <a:endParaRPr lang="es-CO"/>
           </a:p>
@@ -9555,7 +9709,7 @@
           <a:p>
             <a:fld id="{9CF7635E-2D71-42E7-9E6C-FBB85A15A85F}" type="datetimeFigureOut">
               <a:rPr lang="es-CO" smtClean="0"/>
-              <a:t>4/01/2025</a:t>
+              <a:t>9/01/2025</a:t>
             </a:fld>
             <a:endParaRPr lang="es-CO"/>
           </a:p>
@@ -9874,7 +10028,7 @@
           <a:p>
             <a:fld id="{9CF7635E-2D71-42E7-9E6C-FBB85A15A85F}" type="datetimeFigureOut">
               <a:rPr lang="es-CO" smtClean="0"/>
-              <a:t>4/01/2025</a:t>
+              <a:t>9/01/2025</a:t>
             </a:fld>
             <a:endParaRPr lang="es-CO"/>
           </a:p>
@@ -10169,7 +10323,7 @@
           <a:p>
             <a:fld id="{9CF7635E-2D71-42E7-9E6C-FBB85A15A85F}" type="datetimeFigureOut">
               <a:rPr lang="es-CO" smtClean="0"/>
-              <a:t>4/01/2025</a:t>
+              <a:t>9/01/2025</a:t>
             </a:fld>
             <a:endParaRPr lang="es-CO"/>
           </a:p>
@@ -10418,7 +10572,7 @@
           <a:p>
             <a:fld id="{9CF7635E-2D71-42E7-9E6C-FBB85A15A85F}" type="datetimeFigureOut">
               <a:rPr lang="es-CO" smtClean="0"/>
-              <a:t>4/01/2025</a:t>
+              <a:t>9/01/2025</a:t>
             </a:fld>
             <a:endParaRPr lang="es-CO"/>
           </a:p>
@@ -12042,8 +12196,8 @@
           </a:p>
         </p:txBody>
       </p:sp>
-      <mc:AlternateContent xmlns:mc="http://schemas.openxmlformats.org/markup-compatibility/2006" xmlns:a14="http://schemas.microsoft.com/office/drawing/2010/main">
-        <mc:Choice Requires="a14">
+      <mc:AlternateContent xmlns:mc="http://schemas.openxmlformats.org/markup-compatibility/2006">
+        <mc:Choice xmlns:a14="http://schemas.microsoft.com/office/drawing/2010/main" Requires="a14">
           <p:sp>
             <p:nvSpPr>
               <p:cNvPr id="4" name="CuadroTexto 3">
@@ -12059,7 +12213,7 @@
             <p:spPr>
               <a:xfrm>
                 <a:off x="2627784" y="4224686"/>
-                <a:ext cx="3412536" cy="871970"/>
+                <a:ext cx="3548792" cy="871713"/>
               </a:xfrm>
               <a:prstGeom prst="rect">
                 <a:avLst/>
@@ -12177,7 +12331,7 @@
                             <a:rPr lang="es-CO" sz="2000" b="0" i="1" smtClean="0">
                               <a:latin typeface="Cambria Math" panose="02040503050406030204" pitchFamily="18" charset="0"/>
                             </a:rPr>
-                            <m:t>=0</m:t>
+                            <m:t>=−∞</m:t>
                           </m:r>
                         </m:sub>
                         <m:sup>
@@ -12256,12 +12410,12 @@
                     </m:oMath>
                   </m:oMathPara>
                 </a14:m>
-                <a:endParaRPr lang="en-US" sz="2000"/>
+                <a:endParaRPr lang="en-US" sz="2000" dirty="0"/>
               </a:p>
             </p:txBody>
           </p:sp>
         </mc:Choice>
-        <mc:Fallback xmlns="">
+        <mc:Fallback>
           <p:sp>
             <p:nvSpPr>
               <p:cNvPr id="4" name="CuadroTexto 3">
@@ -12279,7 +12433,7 @@
             <p:spPr>
               <a:xfrm>
                 <a:off x="2627784" y="4224686"/>
-                <a:ext cx="3412536" cy="871970"/>
+                <a:ext cx="3548792" cy="871713"/>
               </a:xfrm>
               <a:prstGeom prst="rect">
                 <a:avLst/>
@@ -12296,7 +12450,7 @@
               <a:lstStyle/>
               <a:p>
                 <a:r>
-                  <a:rPr lang="en-US">
+                  <a:rPr lang="es-CO">
                     <a:noFill/>
                   </a:rPr>
                   <a:t> </a:t>
@@ -13008,13 +13162,10 @@
                         </m:naryPr>
                         <m:sub>
                           <m:r>
-                            <m:rPr>
-                              <m:brk m:alnAt="23"/>
-                            </m:rPr>
-                            <a:rPr lang="es-CO" sz="2000" b="0" i="1" smtClean="0">
+                            <a:rPr lang="es-CO" sz="2000" i="1">
                               <a:latin typeface="Cambria Math" panose="02040503050406030204" pitchFamily="18" charset="0"/>
                             </a:rPr>
-                            <m:t>0</m:t>
+                            <m:t>−∞</m:t>
                           </m:r>
                         </m:sub>
                         <m:sup>
@@ -13759,8 +13910,8 @@
           </a:p>
         </p:txBody>
       </p:sp>
-      <mc:AlternateContent xmlns:mc="http://schemas.openxmlformats.org/markup-compatibility/2006" xmlns:a14="http://schemas.microsoft.com/office/drawing/2010/main">
-        <mc:Choice Requires="a14">
+      <mc:AlternateContent xmlns:mc="http://schemas.openxmlformats.org/markup-compatibility/2006">
+        <mc:Choice xmlns:a14="http://schemas.microsoft.com/office/drawing/2010/main" Requires="a14">
           <p:sp>
             <p:nvSpPr>
               <p:cNvPr id="12" name="CuadroTexto 11">
@@ -13885,13 +14036,10 @@
                         </m:naryPr>
                         <m:sub>
                           <m:r>
-                            <m:rPr>
-                              <m:brk m:alnAt="23"/>
-                            </m:rPr>
-                            <a:rPr lang="es-CO" sz="2000" b="0" i="1" smtClean="0">
+                            <a:rPr lang="es-CO" sz="2000" i="1">
                               <a:latin typeface="Cambria Math" panose="02040503050406030204" pitchFamily="18" charset="0"/>
                             </a:rPr>
-                            <m:t>0</m:t>
+                            <m:t>−∞</m:t>
                           </m:r>
                         </m:sub>
                         <m:sup>
@@ -13964,12 +14112,12 @@
                     </m:oMath>
                   </m:oMathPara>
                 </a14:m>
-                <a:endParaRPr lang="en-US" sz="2000"/>
+                <a:endParaRPr lang="en-US" sz="2000" dirty="0"/>
               </a:p>
             </p:txBody>
           </p:sp>
         </mc:Choice>
-        <mc:Fallback xmlns="">
+        <mc:Fallback>
           <p:sp>
             <p:nvSpPr>
               <p:cNvPr id="12" name="CuadroTexto 11">
@@ -14004,7 +14152,7 @@
               <a:lstStyle/>
               <a:p>
                 <a:r>
-                  <a:rPr lang="en-US">
+                  <a:rPr lang="es-CO">
                     <a:noFill/>
                   </a:rPr>
                   <a:t> </a:t>
@@ -14104,20 +14252,20 @@
           <a:p>
             <a:pPr algn="ctr"/>
             <a:r>
-              <a:rPr lang="es-CO" b="1"/>
+              <a:rPr lang="es-CO" b="1" dirty="0"/>
               <a:t>Ejercicio 3</a:t>
             </a:r>
             <a:br>
-              <a:rPr lang="es-CO" b="1"/>
+              <a:rPr lang="es-CO" b="1" dirty="0"/>
             </a:br>
             <a:r>
-              <a:rPr lang="es-CO" b="1"/>
+              <a:rPr lang="es-CO" b="1" dirty="0"/>
               <a:t>Calcular la transformada Z para </a:t>
             </a:r>
             <a:br>
-              <a:rPr lang="es-CO" b="1"/>
+              <a:rPr lang="es-CO" b="1" dirty="0"/>
             </a:br>
-            <a:endParaRPr lang="es-CO" b="1"/>
+            <a:endParaRPr lang="es-CO" b="1" dirty="0"/>
           </a:p>
         </p:txBody>
       </p:sp>
@@ -14314,7 +14462,7 @@
           <a:p>
             <a:pPr algn="ctr" eaLnBrk="1" hangingPunct="1"/>
             <a:r>
-              <a:rPr lang="es-CO" altLang="es-CO" sz="3600" b="0"/>
+              <a:rPr lang="es-CO" altLang="es-CO" sz="3600" b="0" dirty="0"/>
               <a:t>13</a:t>
             </a:r>
           </a:p>
@@ -14647,7 +14795,7 @@
             <p:spPr>
               <a:xfrm>
                 <a:off x="4155948" y="2519579"/>
-                <a:ext cx="1358257" cy="281937"/>
+                <a:ext cx="911275" cy="276999"/>
               </a:xfrm>
               <a:prstGeom prst="rect">
                 <a:avLst/>
@@ -14696,39 +14844,8 @@
                         <a:rPr lang="es-CO" b="0" i="1" smtClean="0">
                           <a:latin typeface="Cambria Math" panose="02040503050406030204" pitchFamily="18" charset="0"/>
                         </a:rPr>
-                        <m:t>=</m:t>
+                        <m:t>=1</m:t>
                       </m:r>
-                      <m:sSup>
-                        <m:sSupPr>
-                          <m:ctrlPr>
-                            <a:rPr lang="es-CO" b="0" i="1" smtClean="0">
-                              <a:latin typeface="Cambria Math" panose="02040503050406030204" pitchFamily="18" charset="0"/>
-                            </a:rPr>
-                          </m:ctrlPr>
-                        </m:sSupPr>
-                        <m:e>
-                          <m:r>
-                            <a:rPr lang="es-CO" b="0" i="1" smtClean="0">
-                              <a:latin typeface="Cambria Math" panose="02040503050406030204" pitchFamily="18" charset="0"/>
-                            </a:rPr>
-                            <m:t>𝑒</m:t>
-                          </m:r>
-                        </m:e>
-                        <m:sup>
-                          <m:r>
-                            <a:rPr lang="es-CO" b="0" i="1" smtClean="0">
-                              <a:latin typeface="Cambria Math" panose="02040503050406030204" pitchFamily="18" charset="0"/>
-                            </a:rPr>
-                            <m:t>−</m:t>
-                          </m:r>
-                          <m:r>
-                            <a:rPr lang="es-CO" b="0" i="1" smtClean="0">
-                              <a:latin typeface="Cambria Math" panose="02040503050406030204" pitchFamily="18" charset="0"/>
-                            </a:rPr>
-                            <m:t>𝑎𝑘𝑇</m:t>
-                          </m:r>
-                        </m:sup>
-                      </m:sSup>
                     </m:oMath>
                   </m:oMathPara>
                 </a14:m>
@@ -14755,7 +14872,7 @@
             <p:spPr>
               <a:xfrm>
                 <a:off x="4155948" y="2519579"/>
-                <a:ext cx="1358257" cy="281937"/>
+                <a:ext cx="911275" cy="276999"/>
               </a:xfrm>
               <a:prstGeom prst="rect">
                 <a:avLst/>
@@ -14763,7 +14880,7 @@
               <a:blipFill>
                 <a:blip r:embed="rId3"/>
                 <a:stretch>
-                  <a:fillRect l="-4036" t="-4255" r="-1345" b="-23404"/>
+                  <a:fillRect l="-6040" r="-6040" b="-23913"/>
                 </a:stretch>
               </a:blipFill>
             </p:spPr>
@@ -15296,14 +15413,14 @@
           </a:p>
         </p:txBody>
       </p:sp>
-      <mc:AlternateContent xmlns:mc="http://schemas.openxmlformats.org/markup-compatibility/2006" xmlns:a14="http://schemas.microsoft.com/office/drawing/2010/main">
-        <mc:Choice Requires="a14">
+      <mc:AlternateContent xmlns:mc="http://schemas.openxmlformats.org/markup-compatibility/2006">
+        <mc:Choice xmlns:a14="http://schemas.microsoft.com/office/drawing/2010/main" Requires="a14">
           <p:sp>
             <p:nvSpPr>
-              <p:cNvPr id="16" name="CuadroTexto 15">
+              <p:cNvPr id="4" name="CuadroTexto 3">
                 <a:extLst>
                   <a:ext uri="{FF2B5EF4-FFF2-40B4-BE49-F238E27FC236}">
-                    <a16:creationId xmlns:a16="http://schemas.microsoft.com/office/drawing/2014/main" id="{D62DD247-01A2-AC64-B59D-3ED1D2BDEE53}"/>
+                    <a16:creationId xmlns:a16="http://schemas.microsoft.com/office/drawing/2014/main" id="{3DE10878-98BB-2E85-1D9F-741B091F25F3}"/>
                   </a:ext>
                 </a:extLst>
               </p:cNvPr>
@@ -15337,7 +15454,7 @@
                         <m:naryPr>
                           <m:chr m:val="∑"/>
                           <m:ctrlPr>
-                            <a:rPr lang="en-US" i="1" smtClean="0">
+                            <a:rPr lang="en-US" b="1" i="1" smtClean="0">
                               <a:latin typeface="Cambria Math" panose="02040503050406030204" pitchFamily="18" charset="0"/>
                             </a:rPr>
                           </m:ctrlPr>
@@ -15347,54 +15464,60 @@
                             <m:rPr>
                               <m:brk m:alnAt="23"/>
                             </m:rPr>
-                            <a:rPr lang="es-CO" b="0" i="1" smtClean="0">
+                            <a:rPr lang="es-CO" b="1" i="1" smtClean="0">
                               <a:latin typeface="Cambria Math" panose="02040503050406030204" pitchFamily="18" charset="0"/>
                             </a:rPr>
-                            <m:t>𝑘</m:t>
+                            <m:t>𝒌</m:t>
                           </m:r>
                           <m:r>
-                            <a:rPr lang="es-CO" b="0" i="1" smtClean="0">
+                            <a:rPr lang="es-CO" b="1" i="1" smtClean="0">
                               <a:latin typeface="Cambria Math" panose="02040503050406030204" pitchFamily="18" charset="0"/>
                             </a:rPr>
-                            <m:t>=0</m:t>
+                            <m:t>=</m:t>
+                          </m:r>
+                          <m:r>
+                            <a:rPr lang="es-CO" b="1" i="1" smtClean="0">
+                              <a:latin typeface="Cambria Math" panose="02040503050406030204" pitchFamily="18" charset="0"/>
+                            </a:rPr>
+                            <m:t>𝟎</m:t>
                           </m:r>
                         </m:sub>
                         <m:sup>
                           <m:r>
-                            <a:rPr lang="es-CO" b="0" i="1" smtClean="0">
+                            <a:rPr lang="es-CO" b="1" i="1" smtClean="0">
                               <a:latin typeface="Cambria Math" panose="02040503050406030204" pitchFamily="18" charset="0"/>
                             </a:rPr>
-                            <m:t>𝑛</m:t>
+                            <m:t>𝒏</m:t>
                           </m:r>
                         </m:sup>
                         <m:e>
                           <m:sSup>
                             <m:sSupPr>
                               <m:ctrlPr>
-                                <a:rPr lang="en-US" i="1" smtClean="0">
+                                <a:rPr lang="en-US" b="1" i="1" smtClean="0">
                                   <a:latin typeface="Cambria Math" panose="02040503050406030204" pitchFamily="18" charset="0"/>
                                 </a:rPr>
                               </m:ctrlPr>
                             </m:sSupPr>
                             <m:e>
                               <m:r>
-                                <a:rPr lang="es-CO" b="0" i="1" smtClean="0">
+                                <a:rPr lang="es-CO" b="1" i="1" smtClean="0">
                                   <a:latin typeface="Cambria Math" panose="02040503050406030204" pitchFamily="18" charset="0"/>
                                 </a:rPr>
-                                <m:t>𝑟</m:t>
+                                <m:t>𝒓</m:t>
                               </m:r>
                             </m:e>
                             <m:sup>
                               <m:r>
-                                <a:rPr lang="es-CO" b="0" i="1" smtClean="0">
+                                <a:rPr lang="es-CO" b="1" i="1" smtClean="0">
                                   <a:latin typeface="Cambria Math" panose="02040503050406030204" pitchFamily="18" charset="0"/>
                                 </a:rPr>
-                                <m:t>𝑘</m:t>
+                                <m:t>𝒌</m:t>
                               </m:r>
                             </m:sup>
                           </m:sSup>
                           <m:r>
-                            <a:rPr lang="es-CO" b="0" i="1" smtClean="0">
+                            <a:rPr lang="es-CO" b="1" i="1" smtClean="0">
                               <a:latin typeface="Cambria Math" panose="02040503050406030204" pitchFamily="18" charset="0"/>
                             </a:rPr>
                             <m:t>=</m:t>
@@ -15402,7 +15525,7 @@
                           <m:f>
                             <m:fPr>
                               <m:ctrlPr>
-                                <a:rPr lang="es-CO" b="0" i="1" smtClean="0">
+                                <a:rPr lang="es-CO" b="1" i="1" smtClean="0">
                                   <a:latin typeface="Cambria Math" panose="02040503050406030204" pitchFamily="18" charset="0"/>
                                 </a:rPr>
                               </m:ctrlPr>
@@ -15411,53 +15534,71 @@
                               <m:sSup>
                                 <m:sSupPr>
                                   <m:ctrlPr>
-                                    <a:rPr lang="es-CO" b="0" i="1" smtClean="0">
+                                    <a:rPr lang="es-CO" b="1" i="1" smtClean="0">
                                       <a:latin typeface="Cambria Math" panose="02040503050406030204" pitchFamily="18" charset="0"/>
                                     </a:rPr>
                                   </m:ctrlPr>
                                 </m:sSupPr>
                                 <m:e>
                                   <m:r>
-                                    <a:rPr lang="es-CO" b="0" i="1" smtClean="0">
+                                    <a:rPr lang="es-CO" b="1" i="1" smtClean="0">
                                       <a:latin typeface="Cambria Math" panose="02040503050406030204" pitchFamily="18" charset="0"/>
                                     </a:rPr>
-                                    <m:t>𝑟</m:t>
+                                    <m:t>𝒓</m:t>
                                   </m:r>
                                 </m:e>
                                 <m:sup>
                                   <m:r>
-                                    <a:rPr lang="es-CO" b="0" i="1" smtClean="0">
+                                    <a:rPr lang="es-CO" b="1" i="1" smtClean="0">
                                       <a:latin typeface="Cambria Math" panose="02040503050406030204" pitchFamily="18" charset="0"/>
                                     </a:rPr>
-                                    <m:t>𝑛</m:t>
+                                    <m:t>𝒏</m:t>
                                   </m:r>
                                   <m:r>
-                                    <a:rPr lang="es-CO" b="0" i="1" smtClean="0">
+                                    <a:rPr lang="es-CO" b="1" i="1" smtClean="0">
                                       <a:latin typeface="Cambria Math" panose="02040503050406030204" pitchFamily="18" charset="0"/>
                                     </a:rPr>
-                                    <m:t>+1</m:t>
+                                    <m:t>+</m:t>
+                                  </m:r>
+                                  <m:r>
+                                    <a:rPr lang="es-CO" b="1" i="1" smtClean="0">
+                                      <a:latin typeface="Cambria Math" panose="02040503050406030204" pitchFamily="18" charset="0"/>
+                                    </a:rPr>
+                                    <m:t>𝟏</m:t>
                                   </m:r>
                                 </m:sup>
                               </m:sSup>
                               <m:r>
-                                <a:rPr lang="es-CO" b="0" i="1" smtClean="0">
+                                <a:rPr lang="es-CO" b="1" i="1" smtClean="0">
                                   <a:latin typeface="Cambria Math" panose="02040503050406030204" pitchFamily="18" charset="0"/>
                                 </a:rPr>
-                                <m:t>−1</m:t>
+                                <m:t>−</m:t>
+                              </m:r>
+                              <m:r>
+                                <a:rPr lang="es-CO" b="1" i="1" smtClean="0">
+                                  <a:latin typeface="Cambria Math" panose="02040503050406030204" pitchFamily="18" charset="0"/>
+                                </a:rPr>
+                                <m:t>𝟏</m:t>
                               </m:r>
                             </m:num>
                             <m:den>
                               <m:r>
-                                <a:rPr lang="es-CO" b="0" i="1" smtClean="0">
+                                <a:rPr lang="es-CO" b="1" i="1" smtClean="0">
                                   <a:latin typeface="Cambria Math" panose="02040503050406030204" pitchFamily="18" charset="0"/>
                                 </a:rPr>
-                                <m:t>𝑟</m:t>
+                                <m:t>𝒓</m:t>
                               </m:r>
                               <m:r>
-                                <a:rPr lang="es-CO" b="0" i="1" smtClean="0">
+                                <a:rPr lang="es-CO" b="1" i="1" smtClean="0">
                                   <a:latin typeface="Cambria Math" panose="02040503050406030204" pitchFamily="18" charset="0"/>
                                 </a:rPr>
-                                <m:t>−1</m:t>
+                                <m:t>−</m:t>
+                              </m:r>
+                              <m:r>
+                                <a:rPr lang="es-CO" b="1" i="1" smtClean="0">
+                                  <a:latin typeface="Cambria Math" panose="02040503050406030204" pitchFamily="18" charset="0"/>
+                                </a:rPr>
+                                <m:t>𝟏</m:t>
                               </m:r>
                             </m:den>
                           </m:f>
@@ -15466,18 +15607,18 @@
                     </m:oMath>
                   </m:oMathPara>
                 </a14:m>
-                <a:endParaRPr lang="en-US"/>
+                <a:endParaRPr lang="en-US" b="1" dirty="0"/>
               </a:p>
             </p:txBody>
           </p:sp>
         </mc:Choice>
-        <mc:Fallback xmlns="">
+        <mc:Fallback>
           <p:sp>
             <p:nvSpPr>
-              <p:cNvPr id="16" name="CuadroTexto 15">
+              <p:cNvPr id="4" name="CuadroTexto 3">
                 <a:extLst>
                   <a:ext uri="{FF2B5EF4-FFF2-40B4-BE49-F238E27FC236}">
-                    <a16:creationId xmlns:a16="http://schemas.microsoft.com/office/drawing/2014/main" id="{D62DD247-01A2-AC64-B59D-3ED1D2BDEE53}"/>
+                    <a16:creationId xmlns:a16="http://schemas.microsoft.com/office/drawing/2014/main" id="{3DE10878-98BB-2E85-1D9F-741B091F25F3}"/>
                   </a:ext>
                 </a:extLst>
               </p:cNvPr>
@@ -15506,7 +15647,7 @@
               <a:lstStyle/>
               <a:p>
                 <a:r>
-                  <a:rPr lang="en-US">
+                  <a:rPr lang="es-CO">
                     <a:noFill/>
                   </a:rPr>
                   <a:t> </a:t>
@@ -15518,10 +15659,10 @@
       </mc:AlternateContent>
       <p:sp>
         <p:nvSpPr>
-          <p:cNvPr id="4" name="CuadroTexto 3">
+          <p:cNvPr id="6" name="CuadroTexto 5">
             <a:extLst>
               <a:ext uri="{FF2B5EF4-FFF2-40B4-BE49-F238E27FC236}">
-                <a16:creationId xmlns:a16="http://schemas.microsoft.com/office/drawing/2014/main" id="{429D3759-7D89-F1B7-85A7-6785B89CBFA7}"/>
+                <a16:creationId xmlns:a16="http://schemas.microsoft.com/office/drawing/2014/main" id="{5C8E7A35-E8E4-D5BD-4D35-783CD5114009}"/>
               </a:ext>
             </a:extLst>
           </p:cNvPr>
@@ -15545,17 +15686,17 @@
           <a:lstStyle/>
           <a:p>
             <a:r>
-              <a:rPr lang="es-CO"/>
+              <a:rPr lang="es-CO" b="1" dirty="0"/>
               <a:t>Tip:</a:t>
             </a:r>
-            <a:endParaRPr lang="en-US"/>
+            <a:endParaRPr lang="en-US" b="1" dirty="0"/>
           </a:p>
         </p:txBody>
       </p:sp>
     </p:spTree>
     <p:extLst>
       <p:ext uri="{BB962C8B-B14F-4D97-AF65-F5344CB8AC3E}">
-        <p14:creationId xmlns:p14="http://schemas.microsoft.com/office/powerpoint/2010/main" val="1001278451"/>
+        <p14:creationId xmlns:p14="http://schemas.microsoft.com/office/powerpoint/2010/main" val="2466407268"/>
       </p:ext>
     </p:extLst>
   </p:cSld>
@@ -15612,20 +15753,20 @@
           <a:p>
             <a:pPr algn="ctr"/>
             <a:r>
-              <a:rPr lang="es-CO" b="1"/>
+              <a:rPr lang="es-CO" b="1" dirty="0"/>
               <a:t>Ejercicio 4</a:t>
             </a:r>
             <a:br>
-              <a:rPr lang="es-CO" b="1"/>
+              <a:rPr lang="es-CO" b="1" dirty="0"/>
             </a:br>
             <a:r>
-              <a:rPr lang="es-CO" b="1"/>
+              <a:rPr lang="es-CO" b="1" dirty="0"/>
               <a:t>Calcular la transformada Z para </a:t>
             </a:r>
             <a:br>
-              <a:rPr lang="es-CO" b="1"/>
+              <a:rPr lang="es-CO" b="1" dirty="0"/>
             </a:br>
-            <a:endParaRPr lang="es-CO" b="1"/>
+            <a:endParaRPr lang="es-CO" b="1" dirty="0"/>
           </a:p>
         </p:txBody>
       </p:sp>
@@ -15822,7 +15963,7 @@
           <a:p>
             <a:pPr algn="ctr" eaLnBrk="1" hangingPunct="1"/>
             <a:r>
-              <a:rPr lang="es-CO" altLang="es-CO" sz="3600" b="0"/>
+              <a:rPr lang="es-CO" altLang="es-CO" sz="3600" b="0" dirty="0"/>
               <a:t>14</a:t>
             </a:r>
           </a:p>
@@ -16155,7 +16296,7 @@
             <p:spPr>
               <a:xfrm>
                 <a:off x="4155948" y="2519579"/>
-                <a:ext cx="911275" cy="276999"/>
+                <a:ext cx="1358257" cy="281937"/>
               </a:xfrm>
               <a:prstGeom prst="rect">
                 <a:avLst/>
@@ -16204,12 +16345,43 @@
                         <a:rPr lang="es-CO" b="0" i="1" smtClean="0">
                           <a:latin typeface="Cambria Math" panose="02040503050406030204" pitchFamily="18" charset="0"/>
                         </a:rPr>
-                        <m:t>=1</m:t>
+                        <m:t>=</m:t>
                       </m:r>
+                      <m:sSup>
+                        <m:sSupPr>
+                          <m:ctrlPr>
+                            <a:rPr lang="es-CO" b="0" i="1" smtClean="0">
+                              <a:latin typeface="Cambria Math" panose="02040503050406030204" pitchFamily="18" charset="0"/>
+                            </a:rPr>
+                          </m:ctrlPr>
+                        </m:sSupPr>
+                        <m:e>
+                          <m:r>
+                            <a:rPr lang="es-CO" b="0" i="1" smtClean="0">
+                              <a:latin typeface="Cambria Math" panose="02040503050406030204" pitchFamily="18" charset="0"/>
+                            </a:rPr>
+                            <m:t>𝑒</m:t>
+                          </m:r>
+                        </m:e>
+                        <m:sup>
+                          <m:r>
+                            <a:rPr lang="es-CO" b="0" i="1" smtClean="0">
+                              <a:latin typeface="Cambria Math" panose="02040503050406030204" pitchFamily="18" charset="0"/>
+                            </a:rPr>
+                            <m:t>−</m:t>
+                          </m:r>
+                          <m:r>
+                            <a:rPr lang="es-CO" b="0" i="1" smtClean="0">
+                              <a:latin typeface="Cambria Math" panose="02040503050406030204" pitchFamily="18" charset="0"/>
+                            </a:rPr>
+                            <m:t>𝑎𝑘𝑇</m:t>
+                          </m:r>
+                        </m:sup>
+                      </m:sSup>
                     </m:oMath>
                   </m:oMathPara>
                 </a14:m>
-                <a:endParaRPr lang="es-CO" b="0"/>
+                <a:endParaRPr lang="es-CO" b="0" dirty="0"/>
               </a:p>
             </p:txBody>
           </p:sp>
@@ -16232,7 +16404,7 @@
             <p:spPr>
               <a:xfrm>
                 <a:off x="4155948" y="2519579"/>
-                <a:ext cx="911275" cy="276999"/>
+                <a:ext cx="1358257" cy="281937"/>
               </a:xfrm>
               <a:prstGeom prst="rect">
                 <a:avLst/>
@@ -16240,7 +16412,7 @@
               <a:blipFill>
                 <a:blip r:embed="rId3"/>
                 <a:stretch>
-                  <a:fillRect l="-6040" r="-6040" b="-23913"/>
+                  <a:fillRect l="-4036" t="-4255" r="-1345" b="-23404"/>
                 </a:stretch>
               </a:blipFill>
             </p:spPr>
@@ -16773,10 +16945,290 @@
           </a:p>
         </p:txBody>
       </p:sp>
+      <mc:AlternateContent xmlns:mc="http://schemas.openxmlformats.org/markup-compatibility/2006">
+        <mc:Choice xmlns:a14="http://schemas.microsoft.com/office/drawing/2010/main" Requires="a14">
+          <p:sp>
+            <p:nvSpPr>
+              <p:cNvPr id="16" name="CuadroTexto 15">
+                <a:extLst>
+                  <a:ext uri="{FF2B5EF4-FFF2-40B4-BE49-F238E27FC236}">
+                    <a16:creationId xmlns:a16="http://schemas.microsoft.com/office/drawing/2014/main" id="{D62DD247-01A2-AC64-B59D-3ED1D2BDEE53}"/>
+                  </a:ext>
+                </a:extLst>
+              </p:cNvPr>
+              <p:cNvSpPr txBox="1"/>
+              <p:nvPr/>
+            </p:nvSpPr>
+            <p:spPr>
+              <a:xfrm>
+                <a:off x="3860729" y="5972943"/>
+                <a:ext cx="1822550" cy="756426"/>
+              </a:xfrm>
+              <a:prstGeom prst="rect">
+                <a:avLst/>
+              </a:prstGeom>
+              <a:noFill/>
+            </p:spPr>
+            <p:txBody>
+              <a:bodyPr wrap="none" lIns="0" tIns="0" rIns="0" bIns="0" rtlCol="0">
+                <a:spAutoFit/>
+              </a:bodyPr>
+              <a:lstStyle/>
+              <a:p>
+                <a:pPr/>
+                <a14:m>
+                  <m:oMathPara xmlns:m="http://schemas.openxmlformats.org/officeDocument/2006/math">
+                    <m:oMathParaPr>
+                      <m:jc m:val="centerGroup"/>
+                    </m:oMathParaPr>
+                    <m:oMath xmlns:m="http://schemas.openxmlformats.org/officeDocument/2006/math">
+                      <m:nary>
+                        <m:naryPr>
+                          <m:chr m:val="∑"/>
+                          <m:ctrlPr>
+                            <a:rPr lang="en-US" b="1" i="1" smtClean="0">
+                              <a:latin typeface="Cambria Math" panose="02040503050406030204" pitchFamily="18" charset="0"/>
+                            </a:rPr>
+                          </m:ctrlPr>
+                        </m:naryPr>
+                        <m:sub>
+                          <m:r>
+                            <m:rPr>
+                              <m:brk m:alnAt="23"/>
+                            </m:rPr>
+                            <a:rPr lang="es-CO" b="1" i="1" smtClean="0">
+                              <a:latin typeface="Cambria Math" panose="02040503050406030204" pitchFamily="18" charset="0"/>
+                            </a:rPr>
+                            <m:t>𝒌</m:t>
+                          </m:r>
+                          <m:r>
+                            <a:rPr lang="es-CO" b="1" i="1" smtClean="0">
+                              <a:latin typeface="Cambria Math" panose="02040503050406030204" pitchFamily="18" charset="0"/>
+                            </a:rPr>
+                            <m:t>=</m:t>
+                          </m:r>
+                          <m:r>
+                            <a:rPr lang="es-CO" b="1" i="1" smtClean="0">
+                              <a:latin typeface="Cambria Math" panose="02040503050406030204" pitchFamily="18" charset="0"/>
+                            </a:rPr>
+                            <m:t>𝟎</m:t>
+                          </m:r>
+                        </m:sub>
+                        <m:sup>
+                          <m:r>
+                            <a:rPr lang="es-CO" b="1" i="1" smtClean="0">
+                              <a:latin typeface="Cambria Math" panose="02040503050406030204" pitchFamily="18" charset="0"/>
+                            </a:rPr>
+                            <m:t>𝒏</m:t>
+                          </m:r>
+                        </m:sup>
+                        <m:e>
+                          <m:sSup>
+                            <m:sSupPr>
+                              <m:ctrlPr>
+                                <a:rPr lang="en-US" b="1" i="1" smtClean="0">
+                                  <a:latin typeface="Cambria Math" panose="02040503050406030204" pitchFamily="18" charset="0"/>
+                                </a:rPr>
+                              </m:ctrlPr>
+                            </m:sSupPr>
+                            <m:e>
+                              <m:r>
+                                <a:rPr lang="es-CO" b="1" i="1" smtClean="0">
+                                  <a:latin typeface="Cambria Math" panose="02040503050406030204" pitchFamily="18" charset="0"/>
+                                </a:rPr>
+                                <m:t>𝒓</m:t>
+                              </m:r>
+                            </m:e>
+                            <m:sup>
+                              <m:r>
+                                <a:rPr lang="es-CO" b="1" i="1" smtClean="0">
+                                  <a:latin typeface="Cambria Math" panose="02040503050406030204" pitchFamily="18" charset="0"/>
+                                </a:rPr>
+                                <m:t>𝒌</m:t>
+                              </m:r>
+                            </m:sup>
+                          </m:sSup>
+                          <m:r>
+                            <a:rPr lang="es-CO" b="1" i="1" smtClean="0">
+                              <a:latin typeface="Cambria Math" panose="02040503050406030204" pitchFamily="18" charset="0"/>
+                            </a:rPr>
+                            <m:t>=</m:t>
+                          </m:r>
+                          <m:f>
+                            <m:fPr>
+                              <m:ctrlPr>
+                                <a:rPr lang="es-CO" b="1" i="1" smtClean="0">
+                                  <a:latin typeface="Cambria Math" panose="02040503050406030204" pitchFamily="18" charset="0"/>
+                                </a:rPr>
+                              </m:ctrlPr>
+                            </m:fPr>
+                            <m:num>
+                              <m:sSup>
+                                <m:sSupPr>
+                                  <m:ctrlPr>
+                                    <a:rPr lang="es-CO" b="1" i="1" smtClean="0">
+                                      <a:latin typeface="Cambria Math" panose="02040503050406030204" pitchFamily="18" charset="0"/>
+                                    </a:rPr>
+                                  </m:ctrlPr>
+                                </m:sSupPr>
+                                <m:e>
+                                  <m:r>
+                                    <a:rPr lang="es-CO" b="1" i="1" smtClean="0">
+                                      <a:latin typeface="Cambria Math" panose="02040503050406030204" pitchFamily="18" charset="0"/>
+                                    </a:rPr>
+                                    <m:t>𝒓</m:t>
+                                  </m:r>
+                                </m:e>
+                                <m:sup>
+                                  <m:r>
+                                    <a:rPr lang="es-CO" b="1" i="1" smtClean="0">
+                                      <a:latin typeface="Cambria Math" panose="02040503050406030204" pitchFamily="18" charset="0"/>
+                                    </a:rPr>
+                                    <m:t>𝒏</m:t>
+                                  </m:r>
+                                  <m:r>
+                                    <a:rPr lang="es-CO" b="1" i="1" smtClean="0">
+                                      <a:latin typeface="Cambria Math" panose="02040503050406030204" pitchFamily="18" charset="0"/>
+                                    </a:rPr>
+                                    <m:t>+</m:t>
+                                  </m:r>
+                                  <m:r>
+                                    <a:rPr lang="es-CO" b="1" i="1" smtClean="0">
+                                      <a:latin typeface="Cambria Math" panose="02040503050406030204" pitchFamily="18" charset="0"/>
+                                    </a:rPr>
+                                    <m:t>𝟏</m:t>
+                                  </m:r>
+                                </m:sup>
+                              </m:sSup>
+                              <m:r>
+                                <a:rPr lang="es-CO" b="1" i="1" smtClean="0">
+                                  <a:latin typeface="Cambria Math" panose="02040503050406030204" pitchFamily="18" charset="0"/>
+                                </a:rPr>
+                                <m:t>−</m:t>
+                              </m:r>
+                              <m:r>
+                                <a:rPr lang="es-CO" b="1" i="1" smtClean="0">
+                                  <a:latin typeface="Cambria Math" panose="02040503050406030204" pitchFamily="18" charset="0"/>
+                                </a:rPr>
+                                <m:t>𝟏</m:t>
+                              </m:r>
+                            </m:num>
+                            <m:den>
+                              <m:r>
+                                <a:rPr lang="es-CO" b="1" i="1" smtClean="0">
+                                  <a:latin typeface="Cambria Math" panose="02040503050406030204" pitchFamily="18" charset="0"/>
+                                </a:rPr>
+                                <m:t>𝒓</m:t>
+                              </m:r>
+                              <m:r>
+                                <a:rPr lang="es-CO" b="1" i="1" smtClean="0">
+                                  <a:latin typeface="Cambria Math" panose="02040503050406030204" pitchFamily="18" charset="0"/>
+                                </a:rPr>
+                                <m:t>−</m:t>
+                              </m:r>
+                              <m:r>
+                                <a:rPr lang="es-CO" b="1" i="1" smtClean="0">
+                                  <a:latin typeface="Cambria Math" panose="02040503050406030204" pitchFamily="18" charset="0"/>
+                                </a:rPr>
+                                <m:t>𝟏</m:t>
+                              </m:r>
+                            </m:den>
+                          </m:f>
+                        </m:e>
+                      </m:nary>
+                    </m:oMath>
+                  </m:oMathPara>
+                </a14:m>
+                <a:endParaRPr lang="en-US" b="1" dirty="0"/>
+              </a:p>
+            </p:txBody>
+          </p:sp>
+        </mc:Choice>
+        <mc:Fallback>
+          <p:sp>
+            <p:nvSpPr>
+              <p:cNvPr id="16" name="CuadroTexto 15">
+                <a:extLst>
+                  <a:ext uri="{FF2B5EF4-FFF2-40B4-BE49-F238E27FC236}">
+                    <a16:creationId xmlns:a16="http://schemas.microsoft.com/office/drawing/2014/main" id="{D62DD247-01A2-AC64-B59D-3ED1D2BDEE53}"/>
+                  </a:ext>
+                </a:extLst>
+              </p:cNvPr>
+              <p:cNvSpPr txBox="1">
+                <a:spLocks noRot="1" noChangeAspect="1" noMove="1" noResize="1" noEditPoints="1" noAdjustHandles="1" noChangeArrowheads="1" noChangeShapeType="1" noTextEdit="1"/>
+              </p:cNvSpPr>
+              <p:nvPr/>
+            </p:nvSpPr>
+            <p:spPr>
+              <a:xfrm>
+                <a:off x="3860729" y="5972943"/>
+                <a:ext cx="1822550" cy="756426"/>
+              </a:xfrm>
+              <a:prstGeom prst="rect">
+                <a:avLst/>
+              </a:prstGeom>
+              <a:blipFill>
+                <a:blip r:embed="rId3"/>
+                <a:stretch>
+                  <a:fillRect/>
+                </a:stretch>
+              </a:blipFill>
+            </p:spPr>
+            <p:txBody>
+              <a:bodyPr/>
+              <a:lstStyle/>
+              <a:p>
+                <a:r>
+                  <a:rPr lang="es-CO">
+                    <a:noFill/>
+                  </a:rPr>
+                  <a:t> </a:t>
+                </a:r>
+              </a:p>
+            </p:txBody>
+          </p:sp>
+        </mc:Fallback>
+      </mc:AlternateContent>
+      <p:sp>
+        <p:nvSpPr>
+          <p:cNvPr id="4" name="CuadroTexto 3">
+            <a:extLst>
+              <a:ext uri="{FF2B5EF4-FFF2-40B4-BE49-F238E27FC236}">
+                <a16:creationId xmlns:a16="http://schemas.microsoft.com/office/drawing/2014/main" id="{429D3759-7D89-F1B7-85A7-6785B89CBFA7}"/>
+              </a:ext>
+            </a:extLst>
+          </p:cNvPr>
+          <p:cNvSpPr txBox="1"/>
+          <p:nvPr/>
+        </p:nvSpPr>
+        <p:spPr>
+          <a:xfrm>
+            <a:off x="1111662" y="6166490"/>
+            <a:ext cx="7560840" cy="369332"/>
+          </a:xfrm>
+          <a:prstGeom prst="rect">
+            <a:avLst/>
+          </a:prstGeom>
+          <a:noFill/>
+        </p:spPr>
+        <p:txBody>
+          <a:bodyPr wrap="square" rtlCol="0">
+            <a:spAutoFit/>
+          </a:bodyPr>
+          <a:lstStyle/>
+          <a:p>
+            <a:r>
+              <a:rPr lang="es-CO" b="1"/>
+              <a:t>Tip:</a:t>
+            </a:r>
+            <a:endParaRPr lang="en-US" b="1"/>
+          </a:p>
+        </p:txBody>
+      </p:sp>
     </p:spTree>
     <p:extLst>
       <p:ext uri="{BB962C8B-B14F-4D97-AF65-F5344CB8AC3E}">
-        <p14:creationId xmlns:p14="http://schemas.microsoft.com/office/powerpoint/2010/main" val="2466407268"/>
+        <p14:creationId xmlns:p14="http://schemas.microsoft.com/office/powerpoint/2010/main" val="1001278451"/>
       </p:ext>
     </p:extLst>
   </p:cSld>
@@ -17436,7 +17888,7 @@
                     </m:oMath>
                   </m:oMathPara>
                 </a14:m>
-                <a:endParaRPr lang="es-CO" b="0"/>
+                <a:endParaRPr lang="es-CO" b="0" dirty="0"/>
               </a:p>
             </p:txBody>
           </p:sp>
@@ -18169,7 +18621,7 @@
                     </m:oMath>
                   </m:oMathPara>
                 </a14:m>
-                <a:endParaRPr lang="en-US"/>
+                <a:endParaRPr lang="en-US" dirty="0"/>
               </a:p>
             </p:txBody>
           </p:sp>
@@ -18321,7 +18773,7 @@
                     </m:oMath>
                   </m:oMathPara>
                 </a14:m>
-                <a:endParaRPr lang="es-CO" b="0"/>
+                <a:endParaRPr lang="es-CO" b="0" dirty="0"/>
               </a:p>
             </p:txBody>
           </p:sp>
@@ -18361,7 +18813,7 @@
               <a:lstStyle/>
               <a:p>
                 <a:r>
-                  <a:rPr lang="en-US">
+                  <a:rPr lang="es-CO">
                     <a:noFill/>
                   </a:rPr>
                   <a:t> </a:t>
@@ -18946,10 +19398,10 @@
           <a:lstStyle/>
           <a:p>
             <a:r>
-              <a:rPr lang="es-CO" sz="2000"/>
+              <a:rPr lang="es-CO" sz="2000" dirty="0"/>
               <a:t>y1[k]</a:t>
             </a:r>
-            <a:endParaRPr lang="en-US" sz="2000"/>
+            <a:endParaRPr lang="en-US" sz="2000" dirty="0"/>
           </a:p>
         </p:txBody>
       </p:sp>
@@ -19042,10 +19494,10 @@
           <a:lstStyle/>
           <a:p>
             <a:r>
-              <a:rPr lang="es-CO" sz="2000"/>
+              <a:rPr lang="es-CO" sz="2000" dirty="0"/>
               <a:t>y2[k]</a:t>
             </a:r>
-            <a:endParaRPr lang="en-US" sz="2000"/>
+            <a:endParaRPr lang="en-US" sz="2000" dirty="0"/>
           </a:p>
         </p:txBody>
       </p:sp>
@@ -19454,7 +19906,7 @@
           <a:p>
             <a:pPr algn="ctr"/>
             <a:r>
-              <a:rPr lang="es-CO" b="1"/>
+              <a:rPr lang="es-CO" b="1" dirty="0"/>
               <a:t>Teorema de la suma y resta</a:t>
             </a:r>
           </a:p>
@@ -20823,8 +21275,8 @@
           </a:p>
         </p:txBody>
       </p:sp>
-      <mc:AlternateContent xmlns:mc="http://schemas.openxmlformats.org/markup-compatibility/2006" xmlns:a14="http://schemas.microsoft.com/office/drawing/2010/main">
-        <mc:Choice Requires="a14">
+      <mc:AlternateContent xmlns:mc="http://schemas.openxmlformats.org/markup-compatibility/2006">
+        <mc:Choice xmlns:a14="http://schemas.microsoft.com/office/drawing/2010/main" Requires="a14">
           <p:sp>
             <p:nvSpPr>
               <p:cNvPr id="3" name="CuadroTexto 2">
@@ -20839,7 +21291,7 @@
             </p:nvSpPr>
             <p:spPr>
               <a:xfrm>
-                <a:off x="5336716" y="2298305"/>
+                <a:off x="5643383" y="2304622"/>
                 <a:ext cx="1416350" cy="307777"/>
               </a:xfrm>
               <a:prstGeom prst="rect">
@@ -20918,12 +21370,12 @@
                     </m:oMath>
                   </m:oMathPara>
                 </a14:m>
-                <a:endParaRPr lang="en-US" sz="2000"/>
+                <a:endParaRPr lang="en-US" sz="2000" dirty="0"/>
               </a:p>
             </p:txBody>
           </p:sp>
         </mc:Choice>
-        <mc:Fallback xmlns="">
+        <mc:Fallback>
           <p:sp>
             <p:nvSpPr>
               <p:cNvPr id="3" name="CuadroTexto 2">
@@ -20940,7 +21392,7 @@
             </p:nvSpPr>
             <p:spPr>
               <a:xfrm>
-                <a:off x="5336716" y="2298305"/>
+                <a:off x="5643383" y="2304622"/>
                 <a:ext cx="1416350" cy="307777"/>
               </a:xfrm>
               <a:prstGeom prst="rect">
@@ -20949,7 +21401,7 @@
               <a:blipFill>
                 <a:blip r:embed="rId4"/>
                 <a:stretch>
-                  <a:fillRect l="-1717" t="-1961" b="-33333"/>
+                  <a:fillRect l="-2155" t="-1961" b="-33333"/>
                 </a:stretch>
               </a:blipFill>
             </p:spPr>
@@ -20958,7 +21410,7 @@
               <a:lstStyle/>
               <a:p>
                 <a:r>
-                  <a:rPr lang="en-US">
+                  <a:rPr lang="es-CO">
                     <a:noFill/>
                   </a:rPr>
                   <a:t> </a:t>
@@ -20968,8 +21420,8 @@
           </p:sp>
         </mc:Fallback>
       </mc:AlternateContent>
-      <mc:AlternateContent xmlns:mc="http://schemas.openxmlformats.org/markup-compatibility/2006" xmlns:a14="http://schemas.microsoft.com/office/drawing/2010/main">
-        <mc:Choice Requires="a14">
+      <mc:AlternateContent xmlns:mc="http://schemas.openxmlformats.org/markup-compatibility/2006">
+        <mc:Choice xmlns:a14="http://schemas.microsoft.com/office/drawing/2010/main" Requires="a14">
           <p:sp>
             <p:nvSpPr>
               <p:cNvPr id="6" name="CuadroTexto 5">
@@ -20984,8 +21436,8 @@
             </p:nvSpPr>
             <p:spPr>
               <a:xfrm>
-                <a:off x="2770943" y="2298304"/>
-                <a:ext cx="2072683" cy="307777"/>
+                <a:off x="2267744" y="2298305"/>
+                <a:ext cx="1416350" cy="307777"/>
               </a:xfrm>
               <a:prstGeom prst="rect">
                 <a:avLst/>
@@ -21067,21 +21519,15 @@
                           </m:d>
                         </m:e>
                       </m:d>
-                      <m:r>
-                        <a:rPr lang="es-CO" sz="2000" b="0" i="1" smtClean="0">
-                          <a:latin typeface="Cambria Math" panose="02040503050406030204" pitchFamily="18" charset="0"/>
-                        </a:rPr>
-                        <m:t>       =</m:t>
-                      </m:r>
                     </m:oMath>
                   </m:oMathPara>
                 </a14:m>
-                <a:endParaRPr lang="en-US" sz="2000"/>
+                <a:endParaRPr lang="en-US" sz="2000" dirty="0"/>
               </a:p>
             </p:txBody>
           </p:sp>
         </mc:Choice>
-        <mc:Fallback xmlns="">
+        <mc:Fallback>
           <p:sp>
             <p:nvSpPr>
               <p:cNvPr id="6" name="CuadroTexto 5">
@@ -21098,8 +21544,8 @@
             </p:nvSpPr>
             <p:spPr>
               <a:xfrm>
-                <a:off x="2770943" y="2298304"/>
-                <a:ext cx="2072683" cy="307777"/>
+                <a:off x="2267744" y="2298305"/>
+                <a:ext cx="1416350" cy="307777"/>
               </a:xfrm>
               <a:prstGeom prst="rect">
                 <a:avLst/>
@@ -21107,7 +21553,7 @@
               <a:blipFill>
                 <a:blip r:embed="rId5"/>
                 <a:stretch>
-                  <a:fillRect l="-2647" r="-588" b="-31373"/>
+                  <a:fillRect l="-3448" b="-31373"/>
                 </a:stretch>
               </a:blipFill>
             </p:spPr>
@@ -21116,7 +21562,7 @@
               <a:lstStyle/>
               <a:p>
                 <a:r>
-                  <a:rPr lang="en-US">
+                  <a:rPr lang="es-CO">
                     <a:noFill/>
                   </a:rPr>
                   <a:t> </a:t>
@@ -21178,7 +21624,7 @@
         </p:blipFill>
         <p:spPr>
           <a:xfrm>
-            <a:off x="1154337" y="2802520"/>
+            <a:off x="4570383" y="2656217"/>
             <a:ext cx="3562350" cy="2667000"/>
           </a:xfrm>
           <a:prstGeom prst="rect">
@@ -26088,7 +26534,7 @@
           <a:p>
             <a:pPr algn="ctr"/>
             <a:r>
-              <a:rPr lang="es-CO" b="1"/>
+              <a:rPr lang="es-CO" b="1" dirty="0"/>
               <a:t>Relación entre él plano Z y él plano S</a:t>
             </a:r>
           </a:p>
@@ -28558,35 +29004,35 @@
           <a:p>
             <a:pPr algn="just"/>
             <a:r>
-              <a:rPr lang="es-ES" sz="2000" b="0" i="0">
+              <a:rPr lang="es-ES" sz="2000" b="0" i="0" dirty="0">
                 <a:effectLst/>
                 <a:latin typeface="Söhne"/>
               </a:rPr>
               <a:t>El objetivo de esta clase es proporcionar a los estudiantes una </a:t>
             </a:r>
             <a:r>
-              <a:rPr lang="es-ES" sz="2000" b="1" i="0">
+              <a:rPr lang="es-ES" sz="2000" b="1" i="0" dirty="0">
                 <a:effectLst/>
                 <a:latin typeface="Söhne"/>
               </a:rPr>
               <a:t>comprensión</a:t>
             </a:r>
             <a:r>
-              <a:rPr lang="es-ES" sz="2000" b="0" i="0">
+              <a:rPr lang="es-ES" sz="2000" b="0" i="0" dirty="0">
                 <a:effectLst/>
                 <a:latin typeface="Söhne"/>
               </a:rPr>
               <a:t> profunda y práctica de la </a:t>
             </a:r>
             <a:r>
-              <a:rPr lang="es-ES" sz="2000" b="1" i="0">
+              <a:rPr lang="es-ES" sz="2000" b="1" i="0" dirty="0">
                 <a:effectLst/>
                 <a:latin typeface="Söhne"/>
               </a:rPr>
               <a:t>Transformada Z</a:t>
             </a:r>
             <a:r>
-              <a:rPr lang="es-ES" sz="2000" b="0" i="0">
+              <a:rPr lang="es-ES" sz="2000" b="0" i="0" dirty="0">
                 <a:effectLst/>
                 <a:latin typeface="Söhne"/>
               </a:rPr>
@@ -28596,7 +29042,7 @@
           <a:p>
             <a:pPr algn="just"/>
             <a:r>
-              <a:rPr lang="es-ES" sz="2000">
+              <a:rPr lang="es-ES" sz="2000" dirty="0">
                 <a:latin typeface="Söhne"/>
               </a:rPr>
               <a:t>Comprender los fundamentos teóricos de la Transformada Z y su relación con el análisis de señales y sistemas discretos.</a:t>
@@ -28605,12 +29051,12 @@
           <a:p>
             <a:pPr algn="just"/>
             <a:r>
-              <a:rPr lang="es-ES" sz="2000">
+              <a:rPr lang="es-ES" sz="2000" dirty="0">
                 <a:latin typeface="Söhne"/>
               </a:rPr>
               <a:t>Dominar los conceptos clave, como la región de convergencia, la relación entre la Transformada Z y la Transformada de Laplace, y las propiedades importantes de la Transformada Z.</a:t>
             </a:r>
-            <a:endParaRPr lang="es-CO" sz="2000">
+            <a:endParaRPr lang="es-CO" sz="2000" dirty="0">
               <a:latin typeface="Söhne"/>
             </a:endParaRPr>
           </a:p>
@@ -32771,7 +33217,7 @@
             <a:pPr algn="ctr"/>
             <a:r>
               <a:rPr lang="es-CO" b="1" dirty="0"/>
-              <a:t>Actividad</a:t>
+              <a:t>Ejercicio 0</a:t>
             </a:r>
             <a:br>
               <a:rPr lang="es-CO" b="1" dirty="0"/>
@@ -33468,7 +33914,7 @@
                     </m:oMath>
                   </m:oMathPara>
                 </a14:m>
-                <a:endParaRPr lang="en-US" sz="2000"/>
+                <a:endParaRPr lang="en-US" sz="2000" dirty="0"/>
               </a:p>
             </p:txBody>
           </p:sp>
@@ -33690,8 +34136,8 @@
           </a:p>
         </p:txBody>
       </p:sp>
-      <mc:AlternateContent xmlns:mc="http://schemas.openxmlformats.org/markup-compatibility/2006" xmlns:a14="http://schemas.microsoft.com/office/drawing/2010/main">
-        <mc:Choice Requires="a14">
+      <mc:AlternateContent xmlns:mc="http://schemas.openxmlformats.org/markup-compatibility/2006">
+        <mc:Choice xmlns:a14="http://schemas.microsoft.com/office/drawing/2010/main" Requires="a14">
           <p:sp>
             <p:nvSpPr>
               <p:cNvPr id="8" name="CuadroTexto 7">
@@ -33706,7 +34152,7 @@
             </p:nvSpPr>
             <p:spPr>
               <a:xfrm>
-                <a:off x="3552119" y="2909147"/>
+                <a:off x="3596942" y="2586403"/>
                 <a:ext cx="2656625" cy="617861"/>
               </a:xfrm>
               <a:prstGeom prst="rect">
@@ -33839,12 +34285,12 @@
                     </m:oMath>
                   </m:oMathPara>
                 </a14:m>
-                <a:endParaRPr lang="en-US"/>
+                <a:endParaRPr lang="en-US" dirty="0"/>
               </a:p>
             </p:txBody>
           </p:sp>
         </mc:Choice>
-        <mc:Fallback xmlns="">
+        <mc:Fallback>
           <p:sp>
             <p:nvSpPr>
               <p:cNvPr id="8" name="CuadroTexto 7">
@@ -33861,7 +34307,7 @@
             </p:nvSpPr>
             <p:spPr>
               <a:xfrm>
-                <a:off x="3552119" y="2909147"/>
+                <a:off x="3596942" y="2586403"/>
                 <a:ext cx="2656625" cy="617861"/>
               </a:xfrm>
               <a:prstGeom prst="rect">
@@ -33879,7 +34325,7 @@
               <a:lstStyle/>
               <a:p>
                 <a:r>
-                  <a:rPr lang="en-US">
+                  <a:rPr lang="es-CO">
                     <a:noFill/>
                   </a:rPr>
                   <a:t> </a:t>
@@ -33904,7 +34350,7 @@
         <p:spPr>
           <a:xfrm>
             <a:off x="1687724" y="3738931"/>
-            <a:ext cx="7560840" cy="369332"/>
+            <a:ext cx="6980820" cy="369332"/>
           </a:xfrm>
           <a:prstGeom prst="rect">
             <a:avLst/>
@@ -33918,10 +34364,10 @@
           <a:lstStyle/>
           <a:p>
             <a:r>
-              <a:rPr lang="es-CO"/>
+              <a:rPr lang="es-CO" dirty="0"/>
               <a:t>Grafique la función f(t)  y recuerde:</a:t>
             </a:r>
-            <a:endParaRPr lang="en-US"/>
+            <a:endParaRPr lang="en-US" dirty="0"/>
           </a:p>
         </p:txBody>
       </p:sp>
@@ -35337,6 +35783,23 @@
 </file>
 
 <file path=customXml/item1.xml><?xml version="1.0" encoding="utf-8"?>
+<p:properties xmlns:p="http://schemas.microsoft.com/office/2006/metadata/properties" xmlns:xsi="http://www.w3.org/2001/XMLSchema-instance" xmlns:pc="http://schemas.microsoft.com/office/infopath/2007/PartnerControls">
+  <documentManagement>
+    <_activity xmlns="bdc56f61-abc0-4f7e-bfec-a93ccd1ae886" xsi:nil="true"/>
+  </documentManagement>
+</p:properties>
+</file>
+
+<file path=customXml/item2.xml><?xml version="1.0" encoding="utf-8"?>
+<?mso-contentType ?>
+<FormTemplates xmlns="http://schemas.microsoft.com/sharepoint/v3/contenttype/forms">
+  <Display>DocumentLibraryForm</Display>
+  <Edit>DocumentLibraryForm</Edit>
+  <New>DocumentLibraryForm</New>
+</FormTemplates>
+</file>
+
+<file path=customXml/item3.xml><?xml version="1.0" encoding="utf-8"?>
 <ct:contentTypeSchema xmlns:ct="http://schemas.microsoft.com/office/2006/metadata/contentType" xmlns:ma="http://schemas.microsoft.com/office/2006/metadata/properties/metaAttributes" ct:_="" ma:_="" ma:contentTypeName="Documento" ma:contentTypeID="0x0101007A62137D465CE64A8C883A4664514BF8" ma:contentTypeVersion="15" ma:contentTypeDescription="Crear nuevo documento." ma:contentTypeScope="" ma:versionID="a1bd1d59f691eb9bca6952b111268275">
   <xsd:schema xmlns:xsd="http://www.w3.org/2001/XMLSchema" xmlns:xs="http://www.w3.org/2001/XMLSchema" xmlns:p="http://schemas.microsoft.com/office/2006/metadata/properties" xmlns:ns3="669280c1-d17e-4d1d-bd7f-b4f14cc6bf1d" xmlns:ns4="bdc56f61-abc0-4f7e-bfec-a93ccd1ae886" targetNamespace="http://schemas.microsoft.com/office/2006/metadata/properties" ma:root="true" ma:fieldsID="d02990a02f19f0f9fc7b999b1809cae4" ns3:_="" ns4:_="">
     <xsd:import namespace="669280c1-d17e-4d1d-bd7f-b4f14cc6bf1d"/>
@@ -35571,24 +36034,32 @@
 </ct:contentTypeSchema>
 </file>
 
-<file path=customXml/item2.xml><?xml version="1.0" encoding="utf-8"?>
-<p:properties xmlns:p="http://schemas.microsoft.com/office/2006/metadata/properties" xmlns:xsi="http://www.w3.org/2001/XMLSchema-instance" xmlns:pc="http://schemas.microsoft.com/office/infopath/2007/PartnerControls">
-  <documentManagement>
-    <_activity xmlns="bdc56f61-abc0-4f7e-bfec-a93ccd1ae886" xsi:nil="true"/>
-  </documentManagement>
-</p:properties>
+<file path=customXml/itemProps1.xml><?xml version="1.0" encoding="utf-8"?>
+<ds:datastoreItem xmlns:ds="http://schemas.openxmlformats.org/officeDocument/2006/customXml" ds:itemID="{0825853C-1B27-4995-A583-4D39F900BB7F}">
+  <ds:schemaRefs>
+    <ds:schemaRef ds:uri="669280c1-d17e-4d1d-bd7f-b4f14cc6bf1d"/>
+    <ds:schemaRef ds:uri="bdc56f61-abc0-4f7e-bfec-a93ccd1ae886"/>
+    <ds:schemaRef ds:uri="http://purl.org/dc/dcmitype/"/>
+    <ds:schemaRef ds:uri="http://purl.org/dc/elements/1.1/"/>
+    <ds:schemaRef ds:uri="http://purl.org/dc/terms/"/>
+    <ds:schemaRef ds:uri="http://schemas.microsoft.com/office/2006/documentManagement/types"/>
+    <ds:schemaRef ds:uri="http://schemas.microsoft.com/office/2006/metadata/properties"/>
+    <ds:schemaRef ds:uri="http://schemas.microsoft.com/office/infopath/2007/PartnerControls"/>
+    <ds:schemaRef ds:uri="http://schemas.openxmlformats.org/package/2006/metadata/core-properties"/>
+    <ds:schemaRef ds:uri="http://www.w3.org/XML/1998/namespace"/>
+  </ds:schemaRefs>
+</ds:datastoreItem>
 </file>
 
-<file path=customXml/item3.xml><?xml version="1.0" encoding="utf-8"?>
-<?mso-contentType ?>
-<FormTemplates xmlns="http://schemas.microsoft.com/sharepoint/v3/contenttype/forms">
-  <Display>DocumentLibraryForm</Display>
-  <Edit>DocumentLibraryForm</Edit>
-  <New>DocumentLibraryForm</New>
-</FormTemplates>
+<file path=customXml/itemProps2.xml><?xml version="1.0" encoding="utf-8"?>
+<ds:datastoreItem xmlns:ds="http://schemas.openxmlformats.org/officeDocument/2006/customXml" ds:itemID="{4E8623C8-32E1-48B0-9F0A-13F2E9582B7E}">
+  <ds:schemaRefs>
+    <ds:schemaRef ds:uri="http://schemas.microsoft.com/sharepoint/v3/contenttype/forms"/>
+  </ds:schemaRefs>
+</ds:datastoreItem>
 </file>
 
-<file path=customXml/itemProps1.xml><?xml version="1.0" encoding="utf-8"?>
+<file path=customXml/itemProps3.xml><?xml version="1.0" encoding="utf-8"?>
 <ds:datastoreItem xmlns:ds="http://schemas.openxmlformats.org/officeDocument/2006/customXml" ds:itemID="{025820C3-FD82-4EFC-BF14-EAF1F9613F52}">
   <ds:schemaRefs>
     <ds:schemaRef ds:uri="669280c1-d17e-4d1d-bd7f-b4f14cc6bf1d"/>
@@ -35605,29 +36076,4 @@
     <ds:schemaRef ds:uri="http://www.w3.org/2001/XMLSchema"/>
   </ds:schemaRefs>
 </ds:datastoreItem>
-</file>
-
-<file path=customXml/itemProps2.xml><?xml version="1.0" encoding="utf-8"?>
-<ds:datastoreItem xmlns:ds="http://schemas.openxmlformats.org/officeDocument/2006/customXml" ds:itemID="{0825853C-1B27-4995-A583-4D39F900BB7F}">
-  <ds:schemaRefs>
-    <ds:schemaRef ds:uri="669280c1-d17e-4d1d-bd7f-b4f14cc6bf1d"/>
-    <ds:schemaRef ds:uri="bdc56f61-abc0-4f7e-bfec-a93ccd1ae886"/>
-    <ds:schemaRef ds:uri="http://purl.org/dc/dcmitype/"/>
-    <ds:schemaRef ds:uri="http://purl.org/dc/elements/1.1/"/>
-    <ds:schemaRef ds:uri="http://purl.org/dc/terms/"/>
-    <ds:schemaRef ds:uri="http://schemas.microsoft.com/office/2006/documentManagement/types"/>
-    <ds:schemaRef ds:uri="http://schemas.microsoft.com/office/2006/metadata/properties"/>
-    <ds:schemaRef ds:uri="http://schemas.microsoft.com/office/infopath/2007/PartnerControls"/>
-    <ds:schemaRef ds:uri="http://schemas.openxmlformats.org/package/2006/metadata/core-properties"/>
-    <ds:schemaRef ds:uri="http://www.w3.org/XML/1998/namespace"/>
-  </ds:schemaRefs>
-</ds:datastoreItem>
-</file>
-
-<file path=customXml/itemProps3.xml><?xml version="1.0" encoding="utf-8"?>
-<ds:datastoreItem xmlns:ds="http://schemas.openxmlformats.org/officeDocument/2006/customXml" ds:itemID="{4E8623C8-32E1-48B0-9F0A-13F2E9582B7E}">
-  <ds:schemaRefs>
-    <ds:schemaRef ds:uri="http://schemas.microsoft.com/sharepoint/v3/contenttype/forms"/>
-  </ds:schemaRefs>
-</ds:datastoreItem>
 </file>